--- a/slides/07_knowledge-based.pptx
+++ b/slides/07_knowledge-based.pptx
@@ -7797,7 +7797,7 @@
           </a:r>
           <a:r>
             <a:rPr lang="en-US" dirty="0"/>
-            <a:t> models (called a tautology)</a:t>
+            <a:t> models/worlds</a:t>
           </a:r>
         </a:p>
       </dgm:t>
@@ -7901,7 +7901,7 @@
           </a:br>
           <a:r>
             <a:rPr lang="en-US" dirty="0"/>
-            <a:t>useful to deduct new sentences.</a:t>
+            <a:t>are called tautologies and are useful to deduct new sentences.</a:t>
           </a:r>
         </a:p>
       </dgm:t>
@@ -8009,7 +8009,7 @@
           </a:br>
           <a:r>
             <a:rPr lang="en-US" dirty="0"/>
-            <a:t>useful to find new facts that satisfy all possible worlds.</a:t>
+            <a:t>useful to find new facts that satisfy all current possible worlds.</a:t>
           </a:r>
         </a:p>
       </dgm:t>
@@ -11075,7 +11075,7 @@
           </a:br>
           <a:r>
             <a:rPr lang="en-US" sz="2100" kern="1200" dirty="0"/>
-            <a:t>useful to deduct new sentences.</a:t>
+            <a:t>are called tautologies and are useful to deduct new sentences.</a:t>
           </a:r>
         </a:p>
       </dsp:txBody>
@@ -11134,12 +11134,12 @@
         </a:fontRef>
       </dsp:style>
       <dsp:txBody>
-        <a:bodyPr spcFirstLastPara="0" vert="horz" wrap="square" lIns="83820" tIns="41910" rIns="83820" bIns="41910" numCol="1" spcCol="1270" anchor="ctr" anchorCtr="0">
+        <a:bodyPr spcFirstLastPara="0" vert="horz" wrap="square" lIns="91440" tIns="45720" rIns="91440" bIns="45720" numCol="1" spcCol="1270" anchor="ctr" anchorCtr="0">
           <a:noAutofit/>
         </a:bodyPr>
         <a:lstStyle/>
         <a:p>
-          <a:pPr marL="0" lvl="0" indent="0" algn="ctr" defTabSz="977900">
+          <a:pPr marL="0" lvl="0" indent="0" algn="ctr" defTabSz="1066800">
             <a:lnSpc>
               <a:spcPct val="90000"/>
             </a:lnSpc>
@@ -11152,11 +11152,11 @@
             <a:buNone/>
           </a:pPr>
           <a:r>
-            <a:rPr lang="en-US" sz="2200" kern="1200" dirty="0"/>
+            <a:rPr lang="en-US" sz="2400" kern="1200" dirty="0"/>
             <a:t>A sentence is </a:t>
           </a:r>
           <a:r>
-            <a:rPr lang="en-US" sz="2200" b="1" kern="1200" dirty="0">
+            <a:rPr lang="en-US" sz="2400" b="1" kern="1200" dirty="0">
               <a:solidFill>
                 <a:schemeClr val="bg1"/>
               </a:solidFill>
@@ -11164,16 +11164,16 @@
             <a:t>valid</a:t>
           </a:r>
           <a:r>
-            <a:rPr lang="en-US" sz="2200" kern="1200" dirty="0"/>
+            <a:rPr lang="en-US" sz="2400" kern="1200" dirty="0"/>
             <a:t> if it is true in </a:t>
           </a:r>
           <a:r>
-            <a:rPr lang="en-US" sz="2200" b="1" kern="1200" dirty="0"/>
+            <a:rPr lang="en-US" sz="2400" b="1" kern="1200" dirty="0"/>
             <a:t>all</a:t>
           </a:r>
           <a:r>
-            <a:rPr lang="en-US" sz="2200" kern="1200" dirty="0"/>
-            <a:t> models (called a tautology)</a:t>
+            <a:rPr lang="en-US" sz="2400" kern="1200" dirty="0"/>
+            <a:t> models/worlds</a:t>
           </a:r>
         </a:p>
       </dsp:txBody>
@@ -11270,7 +11270,7 @@
           </a:br>
           <a:r>
             <a:rPr lang="en-US" sz="2100" kern="1200" dirty="0"/>
-            <a:t>useful to find new facts that satisfy all possible worlds.</a:t>
+            <a:t>useful to find new facts that satisfy all current possible worlds.</a:t>
           </a:r>
         </a:p>
       </dsp:txBody>
@@ -11329,12 +11329,12 @@
         </a:fontRef>
       </dsp:style>
       <dsp:txBody>
-        <a:bodyPr spcFirstLastPara="0" vert="horz" wrap="square" lIns="83820" tIns="41910" rIns="83820" bIns="41910" numCol="1" spcCol="1270" anchor="ctr" anchorCtr="0">
+        <a:bodyPr spcFirstLastPara="0" vert="horz" wrap="square" lIns="91440" tIns="45720" rIns="91440" bIns="45720" numCol="1" spcCol="1270" anchor="ctr" anchorCtr="0">
           <a:noAutofit/>
         </a:bodyPr>
         <a:lstStyle/>
         <a:p>
-          <a:pPr marL="0" lvl="0" indent="0" algn="ctr" defTabSz="977900">
+          <a:pPr marL="0" lvl="0" indent="0" algn="ctr" defTabSz="1066800">
             <a:lnSpc>
               <a:spcPct val="90000"/>
             </a:lnSpc>
@@ -11347,23 +11347,23 @@
             <a:buNone/>
           </a:pPr>
           <a:r>
-            <a:rPr lang="en-US" sz="2200" kern="1200" dirty="0"/>
+            <a:rPr lang="en-US" sz="2400" kern="1200" dirty="0"/>
             <a:t>A sentence is </a:t>
           </a:r>
           <a:r>
-            <a:rPr lang="en-US" sz="2200" b="1" kern="1200" dirty="0"/>
+            <a:rPr lang="en-US" sz="2400" b="1" kern="1200" dirty="0"/>
             <a:t>satisfiable</a:t>
           </a:r>
           <a:r>
-            <a:rPr lang="en-US" sz="2200" kern="1200" dirty="0"/>
+            <a:rPr lang="en-US" sz="2400" kern="1200" dirty="0"/>
             <a:t> if it is true in </a:t>
           </a:r>
           <a:r>
-            <a:rPr lang="en-US" sz="2200" b="1" kern="1200" dirty="0"/>
+            <a:rPr lang="en-US" sz="2400" b="1" kern="1200" dirty="0"/>
             <a:t>some</a:t>
           </a:r>
           <a:r>
-            <a:rPr lang="en-US" sz="2200" kern="1200" dirty="0"/>
+            <a:rPr lang="en-US" sz="2400" kern="1200" dirty="0"/>
             <a:t> model</a:t>
           </a:r>
         </a:p>
@@ -11513,12 +11513,12 @@
         </a:fontRef>
       </dsp:style>
       <dsp:txBody>
-        <a:bodyPr spcFirstLastPara="0" vert="horz" wrap="square" lIns="83820" tIns="41910" rIns="83820" bIns="41910" numCol="1" spcCol="1270" anchor="ctr" anchorCtr="0">
+        <a:bodyPr spcFirstLastPara="0" vert="horz" wrap="square" lIns="91440" tIns="45720" rIns="91440" bIns="45720" numCol="1" spcCol="1270" anchor="ctr" anchorCtr="0">
           <a:noAutofit/>
         </a:bodyPr>
         <a:lstStyle/>
         <a:p>
-          <a:pPr marL="0" lvl="0" indent="0" algn="ctr" defTabSz="977900">
+          <a:pPr marL="0" lvl="0" indent="0" algn="ctr" defTabSz="1066800">
             <a:lnSpc>
               <a:spcPct val="90000"/>
             </a:lnSpc>
@@ -11531,15 +11531,15 @@
             <a:buNone/>
           </a:pPr>
           <a:r>
-            <a:rPr lang="en-US" sz="2200" kern="1200" dirty="0"/>
+            <a:rPr lang="en-US" sz="2400" kern="1200" dirty="0"/>
             <a:t>A sentence is </a:t>
           </a:r>
           <a:r>
-            <a:rPr lang="en-US" sz="2200" b="1" kern="1200" dirty="0"/>
+            <a:rPr lang="en-US" sz="2400" b="1" kern="1200" dirty="0"/>
             <a:t>unsatisfiable</a:t>
           </a:r>
           <a:r>
-            <a:rPr lang="en-US" sz="2200" kern="1200" dirty="0"/>
+            <a:rPr lang="en-US" sz="2400" kern="1200" dirty="0"/>
             <a:t> if it is true in no models</a:t>
           </a:r>
         </a:p>
@@ -22237,7 +22237,7 @@
             <a:fld id="{441436E8-D6C9-439C-8057-F594059D4145}" type="datetimeFigureOut">
               <a:rPr lang="en-US" smtClean="0"/>
               <a:pPr/>
-              <a:t>1/9/2024</a:t>
+              <a:t>5/1/2024</a:t>
             </a:fld>
             <a:endParaRPr lang="en-US"/>
           </a:p>
@@ -29237,7 +29237,7 @@
             <p:ph idx="1"/>
             <p:extLst>
               <p:ext uri="{D42A27DB-BD31-4B8C-83A1-F6EECF244321}">
-                <p14:modId xmlns:p14="http://schemas.microsoft.com/office/powerpoint/2010/main" val="3274154678"/>
+                <p14:modId xmlns:p14="http://schemas.microsoft.com/office/powerpoint/2010/main" val="2802213325"/>
               </p:ext>
             </p:extLst>
           </p:nvPr>
@@ -30101,6 +30101,51 @@
           </a:p>
         </p:txBody>
       </p:sp>
+      <p:sp>
+        <p:nvSpPr>
+          <p:cNvPr id="2" name="Rectangle 1">
+            <a:extLst>
+              <a:ext uri="{FF2B5EF4-FFF2-40B4-BE49-F238E27FC236}">
+                <a16:creationId xmlns:a16="http://schemas.microsoft.com/office/drawing/2014/main" id="{9AC90BEC-70CC-C497-5F79-8401726B8447}"/>
+              </a:ext>
+            </a:extLst>
+          </p:cNvPr>
+          <p:cNvSpPr/>
+          <p:nvPr/>
+        </p:nvSpPr>
+        <p:spPr>
+          <a:xfrm>
+            <a:off x="533400" y="2438400"/>
+            <a:ext cx="6705600" cy="1809750"/>
+          </a:xfrm>
+          <a:prstGeom prst="rect">
+            <a:avLst/>
+          </a:prstGeom>
+          <a:noFill/>
+        </p:spPr>
+        <p:style>
+          <a:lnRef idx="2">
+            <a:schemeClr val="accent2"/>
+          </a:lnRef>
+          <a:fillRef idx="1">
+            <a:schemeClr val="lt1"/>
+          </a:fillRef>
+          <a:effectRef idx="0">
+            <a:schemeClr val="accent2"/>
+          </a:effectRef>
+          <a:fontRef idx="minor">
+            <a:schemeClr val="dk1"/>
+          </a:fontRef>
+        </p:style>
+        <p:txBody>
+          <a:bodyPr rtlCol="0" anchor="ctr"/>
+          <a:lstStyle/>
+          <a:p>
+            <a:pPr algn="ctr"/>
+            <a:endParaRPr lang="en-US"/>
+          </a:p>
+        </p:txBody>
+      </p:sp>
     </p:spTree>
     <p:extLst>
       <p:ext uri="{BB962C8B-B14F-4D97-AF65-F5344CB8AC3E}">
@@ -30163,7 +30208,12 @@
             <p:ph idx="1"/>
           </p:nvPr>
         </p:nvSpPr>
-        <p:spPr/>
+        <p:spPr>
+          <a:xfrm>
+            <a:off x="625263" y="1524000"/>
+            <a:ext cx="7886700" cy="4351338"/>
+          </a:xfrm>
+        </p:spPr>
         <p:txBody>
           <a:bodyPr/>
           <a:lstStyle/>
@@ -30211,7 +30261,7 @@
         </p:blipFill>
         <p:spPr bwMode="auto">
           <a:xfrm>
-            <a:off x="1143000" y="2674937"/>
+            <a:off x="1066800" y="2438400"/>
             <a:ext cx="7162800" cy="3802063"/>
           </a:xfrm>
           <a:prstGeom prst="rect">
@@ -30227,6 +30277,51 @@
           <a:effectLst/>
         </p:spPr>
       </p:pic>
+      <p:sp>
+        <p:nvSpPr>
+          <p:cNvPr id="2" name="Rectangle 1">
+            <a:extLst>
+              <a:ext uri="{FF2B5EF4-FFF2-40B4-BE49-F238E27FC236}">
+                <a16:creationId xmlns:a16="http://schemas.microsoft.com/office/drawing/2014/main" id="{A64D9B3F-FCC0-FDE1-A874-C4358EDA2EAB}"/>
+              </a:ext>
+            </a:extLst>
+          </p:cNvPr>
+          <p:cNvSpPr/>
+          <p:nvPr/>
+        </p:nvSpPr>
+        <p:spPr>
+          <a:xfrm>
+            <a:off x="762000" y="2362200"/>
+            <a:ext cx="7749963" cy="4038600"/>
+          </a:xfrm>
+          <a:prstGeom prst="rect">
+            <a:avLst/>
+          </a:prstGeom>
+          <a:noFill/>
+        </p:spPr>
+        <p:style>
+          <a:lnRef idx="2">
+            <a:schemeClr val="accent2"/>
+          </a:lnRef>
+          <a:fillRef idx="1">
+            <a:schemeClr val="lt1"/>
+          </a:fillRef>
+          <a:effectRef idx="0">
+            <a:schemeClr val="accent2"/>
+          </a:effectRef>
+          <a:fontRef idx="minor">
+            <a:schemeClr val="dk1"/>
+          </a:fontRef>
+        </p:style>
+        <p:txBody>
+          <a:bodyPr rtlCol="0" anchor="ctr"/>
+          <a:lstStyle/>
+          <a:p>
+            <a:pPr algn="ctr"/>
+            <a:endParaRPr lang="en-US"/>
+          </a:p>
+        </p:txBody>
+      </p:sp>
     </p:spTree>
   </p:cSld>
   <p:clrMapOvr>
@@ -30274,252 +30369,303 @@
           </a:p>
         </p:txBody>
       </p:sp>
-      <p:sp>
-        <p:nvSpPr>
-          <p:cNvPr id="18435" name="Rectangle 3"/>
-          <p:cNvSpPr>
-            <a:spLocks noGrp="1" noChangeArrowheads="1"/>
-          </p:cNvSpPr>
-          <p:nvPr>
-            <p:ph idx="1"/>
-          </p:nvPr>
-        </p:nvSpPr>
-        <p:spPr/>
-        <p:txBody>
-          <a:bodyPr/>
-          <a:lstStyle/>
-          <a:p>
-            <a:r>
-              <a:rPr lang="en-US" sz="2800" b="1" dirty="0"/>
-              <a:t>Entailment</a:t>
-            </a:r>
-            <a:r>
-              <a:rPr lang="en-US" sz="2800" dirty="0"/>
-              <a:t> means that a sentence </a:t>
-            </a:r>
-            <a:r>
-              <a:rPr lang="en-US" sz="2800" dirty="0">
-                <a:solidFill>
-                  <a:srgbClr val="FF0000"/>
-                </a:solidFill>
-              </a:rPr>
-              <a:t>follows from </a:t>
-            </a:r>
-            <a:r>
-              <a:rPr lang="en-US" sz="2800" dirty="0"/>
-              <a:t>the premises contained in the knowledge base:</a:t>
-            </a:r>
-            <a:br>
-              <a:rPr lang="en-US" sz="2800" dirty="0"/>
-            </a:br>
-            <a:endParaRPr lang="en-US" sz="800" dirty="0"/>
-          </a:p>
-          <a:p>
-            <a:pPr algn="ctr">
-              <a:buFontTx/>
-              <a:buNone/>
-            </a:pPr>
-            <a:r>
-              <a:rPr lang="en-US" sz="2800" b="1" i="1" dirty="0"/>
-              <a:t>KB</a:t>
-            </a:r>
-            <a:r>
-              <a:rPr lang="en-US" sz="2800" b="1" dirty="0"/>
-              <a:t> </a:t>
-            </a:r>
-            <a:r>
-              <a:rPr lang="en-US" sz="2800" b="1" dirty="0">
-                <a:cs typeface="Arial" charset="0"/>
-              </a:rPr>
-              <a:t>╞</a:t>
-            </a:r>
-            <a:r>
-              <a:rPr lang="en-US" sz="2800" b="1" dirty="0"/>
-              <a:t> </a:t>
-            </a:r>
-            <a:r>
-              <a:rPr lang="el-GR" sz="2800" b="1" i="1" dirty="0">
-                <a:cs typeface="Arial" charset="0"/>
-              </a:rPr>
-              <a:t>α</a:t>
-            </a:r>
-            <a:endParaRPr lang="en-US" sz="2800" b="1" i="1" dirty="0">
-              <a:cs typeface="Arial" charset="0"/>
-            </a:endParaRPr>
-          </a:p>
-          <a:p>
-            <a:pPr algn="ctr">
-              <a:buFontTx/>
-              <a:buNone/>
-            </a:pPr>
-            <a:endParaRPr lang="en-US" sz="800" dirty="0"/>
-          </a:p>
-          <a:p>
-            <a:r>
-              <a:rPr lang="en-US" sz="2800" dirty="0"/>
-              <a:t>The knowledge base </a:t>
-            </a:r>
-            <a:r>
-              <a:rPr lang="en-US" sz="2800" i="1" dirty="0"/>
-              <a:t>KB</a:t>
-            </a:r>
-            <a:r>
-              <a:rPr lang="en-US" sz="2800" dirty="0"/>
-              <a:t> entails sentence </a:t>
-            </a:r>
-            <a:r>
-              <a:rPr lang="en-US" sz="2800" i="1" dirty="0"/>
-              <a:t>α</a:t>
-            </a:r>
-            <a:r>
-              <a:rPr lang="en-US" sz="2800" dirty="0"/>
-              <a:t> </a:t>
-            </a:r>
-            <a:r>
-              <a:rPr lang="en-US" sz="2800" i="1" dirty="0" err="1"/>
-              <a:t>iff</a:t>
-            </a:r>
-            <a:r>
-              <a:rPr lang="en-US" sz="2800" dirty="0"/>
-              <a:t> </a:t>
-            </a:r>
-            <a:r>
-              <a:rPr lang="en-US" sz="2800" i="1" dirty="0"/>
-              <a:t>α</a:t>
-            </a:r>
-            <a:r>
-              <a:rPr lang="en-US" sz="2800" dirty="0"/>
-              <a:t> is true in all models where </a:t>
-            </a:r>
-            <a:r>
-              <a:rPr lang="en-US" sz="2800" i="1" dirty="0"/>
-              <a:t>KB</a:t>
-            </a:r>
-            <a:r>
-              <a:rPr lang="en-US" sz="2800" dirty="0"/>
-              <a:t> is true</a:t>
-            </a:r>
-            <a:endParaRPr lang="en-US" sz="1800" dirty="0"/>
-          </a:p>
-          <a:p>
-            <a:pPr lvl="1"/>
-            <a:r>
-              <a:rPr lang="en-US" sz="2400" dirty="0"/>
-              <a:t>E.g., KB with x = 0  entails sentence  x * y = 0</a:t>
-            </a:r>
-          </a:p>
-          <a:p>
-            <a:r>
-              <a:rPr lang="en-US" sz="2700" dirty="0"/>
-              <a:t>Tests for entailment</a:t>
-            </a:r>
-          </a:p>
-          <a:p>
-            <a:pPr lvl="2"/>
-            <a:r>
-              <a:rPr lang="en-US" sz="2200" b="1" i="1" dirty="0"/>
-              <a:t>KB</a:t>
-            </a:r>
-            <a:r>
-              <a:rPr lang="en-US" sz="2200" b="1" dirty="0"/>
-              <a:t> ╞ α </a:t>
-            </a:r>
-            <a:r>
-              <a:rPr lang="en-US" sz="2200" dirty="0" err="1"/>
-              <a:t>iff</a:t>
-            </a:r>
-            <a:r>
-              <a:rPr lang="en-US" sz="2200" dirty="0"/>
-              <a:t> </a:t>
-            </a:r>
-            <a:r>
-              <a:rPr lang="en-US" sz="2200" b="1" dirty="0"/>
-              <a:t>(</a:t>
-            </a:r>
-            <a:r>
-              <a:rPr lang="en-US" sz="2200" b="1" i="1" dirty="0"/>
-              <a:t>KB</a:t>
-            </a:r>
-            <a:r>
-              <a:rPr lang="en-US" sz="2200" b="1" dirty="0"/>
-              <a:t> </a:t>
-            </a:r>
-            <a:r>
-              <a:rPr lang="en-US" sz="2200" b="1" dirty="0">
-                <a:sym typeface="Symbol" pitchFamily="18" charset="2"/>
-              </a:rPr>
-              <a:t> </a:t>
-            </a:r>
-            <a:r>
-              <a:rPr lang="en-US" sz="2200" b="1" dirty="0"/>
-              <a:t>α)</a:t>
-            </a:r>
-            <a:r>
-              <a:rPr lang="en-US" sz="2200" dirty="0"/>
-              <a:t> is </a:t>
-            </a:r>
-            <a:r>
-              <a:rPr lang="en-US" sz="2200" i="1" dirty="0"/>
-              <a:t>valid</a:t>
-            </a:r>
-            <a:endParaRPr lang="en-US" sz="2200" dirty="0"/>
-          </a:p>
-          <a:p>
-            <a:pPr lvl="2"/>
-            <a:r>
-              <a:rPr lang="en-US" sz="2200" b="1" i="1" dirty="0"/>
-              <a:t>KB</a:t>
-            </a:r>
-            <a:r>
-              <a:rPr lang="en-US" sz="2200" b="1" dirty="0"/>
-              <a:t> ╞ α</a:t>
-            </a:r>
-            <a:r>
-              <a:rPr lang="en-US" sz="2200" dirty="0"/>
-              <a:t> </a:t>
-            </a:r>
-            <a:r>
-              <a:rPr lang="en-US" sz="2200" dirty="0" err="1"/>
-              <a:t>iff</a:t>
-            </a:r>
-            <a:r>
-              <a:rPr lang="en-US" sz="2200" dirty="0"/>
-              <a:t> </a:t>
-            </a:r>
-            <a:r>
-              <a:rPr lang="en-US" sz="2200" b="1" dirty="0"/>
-              <a:t>(</a:t>
-            </a:r>
-            <a:r>
-              <a:rPr lang="en-US" sz="2200" b="1" i="1" dirty="0"/>
-              <a:t>KB</a:t>
-            </a:r>
-            <a:r>
-              <a:rPr lang="en-US" sz="2200" b="1" dirty="0"/>
-              <a:t> </a:t>
-            </a:r>
-            <a:r>
-              <a:rPr lang="en-US" sz="2200" b="1" dirty="0">
-                <a:sym typeface="Symbol" pitchFamily="18" charset="2"/>
-              </a:rPr>
-              <a:t></a:t>
-            </a:r>
-            <a:r>
-              <a:rPr lang="en-US" sz="2200" b="1" dirty="0"/>
-              <a:t>α) </a:t>
-            </a:r>
-            <a:r>
-              <a:rPr lang="en-US" sz="2200" dirty="0"/>
-              <a:t>is </a:t>
-            </a:r>
-            <a:r>
-              <a:rPr lang="en-US" sz="2200" i="1" dirty="0" err="1"/>
-              <a:t>unsatisfiable</a:t>
-            </a:r>
-            <a:endParaRPr lang="en-US" sz="2200" i="1" dirty="0"/>
-          </a:p>
-        </p:txBody>
-      </p:sp>
+      <mc:AlternateContent xmlns:mc="http://schemas.openxmlformats.org/markup-compatibility/2006">
+        <mc:Choice xmlns:a14="http://schemas.microsoft.com/office/drawing/2010/main" Requires="a14">
+          <p:sp>
+            <p:nvSpPr>
+              <p:cNvPr id="18435" name="Rectangle 3"/>
+              <p:cNvSpPr>
+                <a:spLocks noGrp="1" noChangeArrowheads="1"/>
+              </p:cNvSpPr>
+              <p:nvPr>
+                <p:ph idx="1"/>
+              </p:nvPr>
+            </p:nvSpPr>
+            <p:spPr/>
+            <p:txBody>
+              <a:bodyPr/>
+              <a:lstStyle/>
+              <a:p>
+                <a:r>
+                  <a:rPr lang="en-US" sz="2800" b="1" dirty="0"/>
+                  <a:t>Entailment</a:t>
+                </a:r>
+                <a:r>
+                  <a:rPr lang="en-US" sz="2800" dirty="0"/>
+                  <a:t> means that a sentence </a:t>
+                </a:r>
+                <a:r>
+                  <a:rPr lang="en-US" sz="2800" dirty="0">
+                    <a:solidFill>
+                      <a:srgbClr val="FF0000"/>
+                    </a:solidFill>
+                  </a:rPr>
+                  <a:t>follows from </a:t>
+                </a:r>
+                <a:r>
+                  <a:rPr lang="en-US" sz="2800" dirty="0"/>
+                  <a:t>the premises contained in the knowledge base:</a:t>
+                </a:r>
+                <a:br>
+                  <a:rPr lang="en-US" sz="2800" dirty="0"/>
+                </a:br>
+                <a:endParaRPr lang="en-US" sz="800" dirty="0"/>
+              </a:p>
+              <a:p>
+                <a:pPr algn="ctr">
+                  <a:buFontTx/>
+                  <a:buNone/>
+                </a:pPr>
+                <a:r>
+                  <a:rPr lang="en-US" sz="2800" b="1" i="1" dirty="0"/>
+                  <a:t>KB</a:t>
+                </a:r>
+                <a:r>
+                  <a:rPr lang="en-US" sz="2800" b="1" dirty="0"/>
+                  <a:t> </a:t>
+                </a:r>
+                <a:r>
+                  <a:rPr lang="en-US" sz="2800" b="1" dirty="0">
+                    <a:cs typeface="Arial" charset="0"/>
+                  </a:rPr>
+                  <a:t>╞</a:t>
+                </a:r>
+                <a:r>
+                  <a:rPr lang="en-US" sz="2800" b="1" dirty="0"/>
+                  <a:t> </a:t>
+                </a:r>
+                <a:r>
+                  <a:rPr lang="el-GR" sz="2800" b="1" i="1" dirty="0">
+                    <a:cs typeface="Arial" charset="0"/>
+                  </a:rPr>
+                  <a:t>α</a:t>
+                </a:r>
+                <a:endParaRPr lang="en-US" sz="800" dirty="0"/>
+              </a:p>
+              <a:p>
+                <a:r>
+                  <a:rPr lang="en-US" sz="2800" dirty="0"/>
+                  <a:t>The knowledge base </a:t>
+                </a:r>
+                <a:r>
+                  <a:rPr lang="en-US" sz="2800" i="1" dirty="0"/>
+                  <a:t>KB</a:t>
+                </a:r>
+                <a:r>
+                  <a:rPr lang="en-US" sz="2800" dirty="0"/>
+                  <a:t> entails sentence </a:t>
+                </a:r>
+                <a14:m>
+                  <m:oMath xmlns:m="http://schemas.openxmlformats.org/officeDocument/2006/math">
+                    <m:r>
+                      <a:rPr lang="en-US" sz="2800" i="1" dirty="0" smtClean="0">
+                        <a:latin typeface="Cambria Math" panose="02040503050406030204" pitchFamily="18" charset="0"/>
+                      </a:rPr>
+                      <m:t>𝛼</m:t>
+                    </m:r>
+                    <m:r>
+                      <a:rPr lang="en-US" sz="2800" i="1" dirty="0" smtClean="0">
+                        <a:latin typeface="Cambria Math" panose="02040503050406030204" pitchFamily="18" charset="0"/>
+                      </a:rPr>
+                      <m:t> </m:t>
+                    </m:r>
+                    <m:r>
+                      <m:rPr>
+                        <m:nor/>
+                      </m:rPr>
+                      <a:rPr lang="en-US" sz="2800" b="0" i="0" dirty="0" smtClean="0">
+                        <a:latin typeface="Cambria Math" panose="02040503050406030204" pitchFamily="18" charset="0"/>
+                      </a:rPr>
+                      <m:t>iff</m:t>
+                    </m:r>
+                    <m:r>
+                      <a:rPr lang="en-US" sz="2800" i="1" dirty="0">
+                        <a:latin typeface="Cambria Math" panose="02040503050406030204" pitchFamily="18" charset="0"/>
+                      </a:rPr>
+                      <m:t> </m:t>
+                    </m:r>
+                    <m:r>
+                      <a:rPr lang="en-US" sz="2800" i="1" dirty="0">
+                        <a:latin typeface="Cambria Math" panose="02040503050406030204" pitchFamily="18" charset="0"/>
+                      </a:rPr>
+                      <m:t>𝛼</m:t>
+                    </m:r>
+                    <m:r>
+                      <a:rPr lang="en-US" sz="2800" i="1" dirty="0">
+                        <a:latin typeface="Cambria Math" panose="02040503050406030204" pitchFamily="18" charset="0"/>
+                      </a:rPr>
+                      <m:t> </m:t>
+                    </m:r>
+                  </m:oMath>
+                </a14:m>
+                <a:r>
+                  <a:rPr lang="en-US" sz="2800" dirty="0"/>
+                  <a:t>is true in all models where </a:t>
+                </a:r>
+                <a:r>
+                  <a:rPr lang="en-US" sz="2800" i="1" dirty="0"/>
+                  <a:t>KB</a:t>
+                </a:r>
+                <a:r>
+                  <a:rPr lang="en-US" sz="2800" dirty="0"/>
+                  <a:t> is true</a:t>
+                </a:r>
+                <a:endParaRPr lang="en-US" sz="1800" dirty="0"/>
+              </a:p>
+              <a:p>
+                <a:pPr lvl="1"/>
+                <a:r>
+                  <a:rPr lang="en-US" sz="2400" dirty="0"/>
+                  <a:t>E.g., KB with x = 0  entails sentence  x * y = 0</a:t>
+                </a:r>
+              </a:p>
+              <a:p>
+                <a:r>
+                  <a:rPr lang="en-US" sz="2700" dirty="0"/>
+                  <a:t>Tests for entailment</a:t>
+                </a:r>
+              </a:p>
+              <a:p>
+                <a:pPr lvl="2"/>
+                <a:r>
+                  <a:rPr lang="en-US" sz="2200" b="1" i="1" dirty="0"/>
+                  <a:t>KB</a:t>
+                </a:r>
+                <a:r>
+                  <a:rPr lang="en-US" sz="2200" b="1" dirty="0"/>
+                  <a:t> ╞ α </a:t>
+                </a:r>
+                <a:r>
+                  <a:rPr lang="en-US" sz="2200" dirty="0" err="1"/>
+                  <a:t>iff</a:t>
+                </a:r>
+                <a:r>
+                  <a:rPr lang="en-US" sz="2200" dirty="0"/>
+                  <a:t> </a:t>
+                </a:r>
+                <a:r>
+                  <a:rPr lang="en-US" sz="2200" b="1" dirty="0"/>
+                  <a:t>(</a:t>
+                </a:r>
+                <a:r>
+                  <a:rPr lang="en-US" sz="2200" b="1" i="1" dirty="0"/>
+                  <a:t>KB</a:t>
+                </a:r>
+                <a:r>
+                  <a:rPr lang="en-US" sz="2200" b="1" dirty="0"/>
+                  <a:t> </a:t>
+                </a:r>
+                <a:r>
+                  <a:rPr lang="en-US" sz="2200" b="1" dirty="0">
+                    <a:sym typeface="Symbol" pitchFamily="18" charset="2"/>
+                  </a:rPr>
+                  <a:t> </a:t>
+                </a:r>
+                <a:r>
+                  <a:rPr lang="en-US" sz="2200" b="1" dirty="0"/>
+                  <a:t>α)</a:t>
+                </a:r>
+                <a:r>
+                  <a:rPr lang="en-US" sz="2200" dirty="0"/>
+                  <a:t> is </a:t>
+                </a:r>
+                <a:r>
+                  <a:rPr lang="en-US" sz="2200" i="1" dirty="0"/>
+                  <a:t>valid</a:t>
+                </a:r>
+                <a:endParaRPr lang="en-US" sz="2200" dirty="0"/>
+              </a:p>
+              <a:p>
+                <a:pPr lvl="2"/>
+                <a:r>
+                  <a:rPr lang="en-US" sz="2200" b="1" i="1" dirty="0"/>
+                  <a:t>KB</a:t>
+                </a:r>
+                <a:r>
+                  <a:rPr lang="en-US" sz="2200" b="1" dirty="0"/>
+                  <a:t> ╞ α</a:t>
+                </a:r>
+                <a:r>
+                  <a:rPr lang="en-US" sz="2200" dirty="0"/>
+                  <a:t> </a:t>
+                </a:r>
+                <a:r>
+                  <a:rPr lang="en-US" sz="2200" dirty="0" err="1"/>
+                  <a:t>iff</a:t>
+                </a:r>
+                <a:r>
+                  <a:rPr lang="en-US" sz="2200" dirty="0"/>
+                  <a:t> </a:t>
+                </a:r>
+                <a:r>
+                  <a:rPr lang="en-US" sz="2200" b="1" dirty="0"/>
+                  <a:t>(</a:t>
+                </a:r>
+                <a:r>
+                  <a:rPr lang="en-US" sz="2200" b="1" i="1" dirty="0"/>
+                  <a:t>KB</a:t>
+                </a:r>
+                <a:r>
+                  <a:rPr lang="en-US" sz="2200" b="1" dirty="0"/>
+                  <a:t> </a:t>
+                </a:r>
+                <a:r>
+                  <a:rPr lang="en-US" sz="2200" b="1" dirty="0">
+                    <a:sym typeface="Symbol" pitchFamily="18" charset="2"/>
+                  </a:rPr>
+                  <a:t></a:t>
+                </a:r>
+                <a:r>
+                  <a:rPr lang="en-US" sz="2200" b="1" dirty="0"/>
+                  <a:t>α) </a:t>
+                </a:r>
+                <a:r>
+                  <a:rPr lang="en-US" sz="2200" dirty="0"/>
+                  <a:t>is </a:t>
+                </a:r>
+                <a:r>
+                  <a:rPr lang="en-US" sz="2200" i="1" dirty="0" err="1"/>
+                  <a:t>unsatisfiable</a:t>
+                </a:r>
+                <a:endParaRPr lang="en-US" sz="2200" i="1" dirty="0"/>
+              </a:p>
+            </p:txBody>
+          </p:sp>
+        </mc:Choice>
+        <mc:Fallback>
+          <p:sp>
+            <p:nvSpPr>
+              <p:cNvPr id="18435" name="Rectangle 3"/>
+              <p:cNvSpPr>
+                <a:spLocks noGrp="1" noRot="1" noChangeAspect="1" noMove="1" noResize="1" noEditPoints="1" noAdjustHandles="1" noChangeArrowheads="1" noChangeShapeType="1" noTextEdit="1"/>
+              </p:cNvSpPr>
+              <p:nvPr>
+                <p:ph idx="1"/>
+              </p:nvPr>
+            </p:nvSpPr>
+            <p:spPr>
+              <a:blipFill>
+                <a:blip r:embed="rId3"/>
+                <a:stretch>
+                  <a:fillRect l="-1391" t="-2241" r="-1082"/>
+                </a:stretch>
+              </a:blipFill>
+            </p:spPr>
+            <p:txBody>
+              <a:bodyPr/>
+              <a:lstStyle/>
+              <a:p>
+                <a:r>
+                  <a:rPr lang="en-US">
+                    <a:noFill/>
+                  </a:rPr>
+                  <a:t> </a:t>
+                </a:r>
+              </a:p>
+            </p:txBody>
+          </p:sp>
+        </mc:Fallback>
+      </mc:AlternateContent>
     </p:spTree>
   </p:cSld>
   <p:clrMapOvr>
@@ -30610,26 +30756,39 @@
                                   </p:childTnLst>
                                 </p:cTn>
                               </p:par>
-                            </p:childTnLst>
-                          </p:cTn>
-                        </p:par>
-                      </p:childTnLst>
-                    </p:cTn>
-                  </p:par>
-                  <p:par>
-                    <p:cTn id="9" fill="hold">
-                      <p:stCondLst>
-                        <p:cond delay="indefinite"/>
-                      </p:stCondLst>
-                      <p:childTnLst>
-                        <p:par>
-                          <p:cTn id="10" fill="hold">
-                            <p:stCondLst>
-                              <p:cond delay="0"/>
-                            </p:stCondLst>
-                            <p:childTnLst>
                               <p:par>
-                                <p:cTn id="11" presetID="1" presetClass="entr" presetSubtype="0" fill="hold" grpId="0" nodeType="clickEffect">
+                                <p:cTn id="9" presetID="1" presetClass="entr" presetSubtype="0" fill="hold" grpId="0" nodeType="withEffect">
+                                  <p:stCondLst>
+                                    <p:cond delay="0"/>
+                                  </p:stCondLst>
+                                  <p:childTnLst>
+                                    <p:set>
+                                      <p:cBhvr>
+                                        <p:cTn id="10" dur="1" fill="hold">
+                                          <p:stCondLst>
+                                            <p:cond delay="0"/>
+                                          </p:stCondLst>
+                                        </p:cTn>
+                                        <p:tgtEl>
+                                          <p:spTgt spid="18435">
+                                            <p:txEl>
+                                              <p:pRg st="2" end="2"/>
+                                            </p:txEl>
+                                          </p:spTgt>
+                                        </p:tgtEl>
+                                        <p:attrNameLst>
+                                          <p:attrName>style.visibility</p:attrName>
+                                        </p:attrNameLst>
+                                      </p:cBhvr>
+                                      <p:to>
+                                        <p:strVal val="visible"/>
+                                      </p:to>
+                                    </p:set>
+                                  </p:childTnLst>
+                                </p:cTn>
+                              </p:par>
+                              <p:par>
+                                <p:cTn id="11" presetID="1" presetClass="entr" presetSubtype="0" fill="hold" grpId="0" nodeType="withEffect">
                                   <p:stCondLst>
                                     <p:cond delay="0"/>
                                   </p:stCondLst>
@@ -30708,33 +30867,15 @@
                                   </p:childTnLst>
                                 </p:cTn>
                               </p:par>
-                            </p:childTnLst>
-                          </p:cTn>
-                        </p:par>
-                      </p:childTnLst>
-                    </p:cTn>
-                  </p:par>
-                  <p:par>
-                    <p:cTn id="17" fill="hold">
-                      <p:stCondLst>
-                        <p:cond delay="indefinite"/>
-                      </p:stCondLst>
-                      <p:childTnLst>
-                        <p:par>
-                          <p:cTn id="18" fill="hold">
-                            <p:stCondLst>
-                              <p:cond delay="0"/>
-                            </p:stCondLst>
-                            <p:childTnLst>
                               <p:par>
-                                <p:cTn id="19" presetID="1" presetClass="entr" presetSubtype="0" fill="hold" grpId="0" nodeType="clickEffect">
+                                <p:cTn id="17" presetID="1" presetClass="entr" presetSubtype="0" fill="hold" grpId="0" nodeType="withEffect">
                                   <p:stCondLst>
                                     <p:cond delay="0"/>
                                   </p:stCondLst>
                                   <p:childTnLst>
                                     <p:set>
                                       <p:cBhvr>
-                                        <p:cTn id="20" dur="1" fill="hold">
+                                        <p:cTn id="18" dur="1" fill="hold">
                                           <p:stCondLst>
                                             <p:cond delay="0"/>
                                           </p:stCondLst>
@@ -30758,14 +30899,14 @@
                                 </p:cTn>
                               </p:par>
                               <p:par>
-                                <p:cTn id="21" presetID="1" presetClass="entr" presetSubtype="0" fill="hold" grpId="0" nodeType="withEffect">
+                                <p:cTn id="19" presetID="1" presetClass="entr" presetSubtype="0" fill="hold" grpId="0" nodeType="withEffect">
                                   <p:stCondLst>
                                     <p:cond delay="0"/>
                                   </p:stCondLst>
                                   <p:childTnLst>
                                     <p:set>
                                       <p:cBhvr>
-                                        <p:cTn id="22" dur="1" fill="hold">
+                                        <p:cTn id="20" dur="1" fill="hold">
                                           <p:stCondLst>
                                             <p:cond delay="0"/>
                                           </p:stCondLst>
@@ -30774,37 +30915,6 @@
                                           <p:spTgt spid="18435">
                                             <p:txEl>
                                               <p:pRg st="6" end="6"/>
-                                            </p:txEl>
-                                          </p:spTgt>
-                                        </p:tgtEl>
-                                        <p:attrNameLst>
-                                          <p:attrName>style.visibility</p:attrName>
-                                        </p:attrNameLst>
-                                      </p:cBhvr>
-                                      <p:to>
-                                        <p:strVal val="visible"/>
-                                      </p:to>
-                                    </p:set>
-                                  </p:childTnLst>
-                                </p:cTn>
-                              </p:par>
-                              <p:par>
-                                <p:cTn id="23" presetID="1" presetClass="entr" presetSubtype="0" fill="hold" grpId="0" nodeType="withEffect">
-                                  <p:stCondLst>
-                                    <p:cond delay="0"/>
-                                  </p:stCondLst>
-                                  <p:childTnLst>
-                                    <p:set>
-                                      <p:cBhvr>
-                                        <p:cTn id="24" dur="1" fill="hold">
-                                          <p:stCondLst>
-                                            <p:cond delay="0"/>
-                                          </p:stCondLst>
-                                        </p:cTn>
-                                        <p:tgtEl>
-                                          <p:spTgt spid="18435">
-                                            <p:txEl>
-                                              <p:pRg st="7" end="7"/>
                                             </p:txEl>
                                           </p:spTgt>
                                         </p:tgtEl>
@@ -30913,7 +31023,15 @@
             </a:r>
             <a:r>
               <a:rPr lang="en-US" sz="2800" dirty="0"/>
-              <a:t> a procedure for generating sentences that follow from a knowledge base KB</a:t>
+              <a:t> a procedure for generating sentences that follow from (</a:t>
+            </a:r>
+            <a:r>
+              <a:rPr lang="en-US" sz="2800" dirty="0" err="1"/>
+              <a:t>ar</a:t>
+            </a:r>
+            <a:r>
+              <a:rPr lang="en-US" sz="2800" dirty="0"/>
+              <a:t> entailed by) a knowledge base KB.</a:t>
             </a:r>
           </a:p>
           <a:p>
@@ -31253,7 +31371,7 @@
         <p:spPr/>
         <p:txBody>
           <a:bodyPr>
-            <a:normAutofit fontScale="92500"/>
+            <a:normAutofit fontScale="92500" lnSpcReduction="10000"/>
           </a:bodyPr>
           <a:lstStyle/>
           <a:p>
@@ -31283,36 +31401,40 @@
             <a:pPr lvl="1"/>
             <a:r>
               <a:rPr lang="en-US" sz="2400" dirty="0"/>
-              <a:t>Is this sound (if an answer is produced, it is correct)?</a:t>
+              <a:t>This is sound: All produced answer are correct.</a:t>
             </a:r>
           </a:p>
           <a:p>
             <a:pPr lvl="1"/>
             <a:r>
               <a:rPr lang="en-US" sz="2400" dirty="0"/>
-              <a:t>Is this complete (guaranteed to produce the correct answer)?</a:t>
+              <a:t>This is complete: It will produce all correct answers.</a:t>
             </a:r>
           </a:p>
           <a:p>
             <a:pPr lvl="1"/>
             <a:r>
-              <a:rPr lang="en-US" sz="2100" dirty="0"/>
-              <a:t>Problem: if KB contains </a:t>
-            </a:r>
-            <a:r>
-              <a:rPr lang="en-US" sz="2100" i="1" dirty="0"/>
+              <a:rPr lang="en-US" sz="2400" b="1" dirty="0"/>
+              <a:t>Problem</a:t>
+            </a:r>
+            <a:r>
+              <a:rPr lang="en-US" sz="2400" dirty="0"/>
+              <a:t>: if KB contains </a:t>
+            </a:r>
+            <a:r>
+              <a:rPr lang="en-US" sz="2400" i="1" dirty="0"/>
               <a:t>n</a:t>
             </a:r>
             <a:r>
-              <a:rPr lang="en-US" sz="2100" dirty="0"/>
+              <a:rPr lang="en-US" sz="2400" dirty="0"/>
               <a:t> symbols, the truth table will be of size </a:t>
             </a:r>
             <a:r>
-              <a:rPr lang="en-US" sz="2100" i="1" dirty="0"/>
+              <a:rPr lang="en-US" sz="2400" i="1" dirty="0"/>
               <a:t>2</a:t>
             </a:r>
             <a:r>
-              <a:rPr lang="en-US" sz="2100" i="1" baseline="30000" dirty="0"/>
+              <a:rPr lang="en-US" sz="2400" i="1" baseline="30000" dirty="0"/>
               <a:t>n</a:t>
             </a:r>
           </a:p>
@@ -31346,7 +31468,13 @@
             </a:r>
             <a:r>
               <a:rPr lang="en-US" sz="2400" dirty="0"/>
-              <a:t> in the KB</a:t>
+              <a:t> in the KB. </a:t>
+            </a:r>
+          </a:p>
+          <a:p>
+            <a:r>
+              <a:rPr lang="en-US" sz="2400" dirty="0"/>
+              <a:t>Look at the textbook for inference rules and resolution. </a:t>
             </a:r>
           </a:p>
         </p:txBody>
@@ -31605,6 +31733,55 @@
                                           <p:spTgt spid="3">
                                             <p:txEl>
                                               <p:pRg st="7" end="7"/>
+                                            </p:txEl>
+                                          </p:spTgt>
+                                        </p:tgtEl>
+                                        <p:attrNameLst>
+                                          <p:attrName>style.visibility</p:attrName>
+                                        </p:attrNameLst>
+                                      </p:cBhvr>
+                                      <p:to>
+                                        <p:strVal val="visible"/>
+                                      </p:to>
+                                    </p:set>
+                                  </p:childTnLst>
+                                </p:cTn>
+                              </p:par>
+                            </p:childTnLst>
+                          </p:cTn>
+                        </p:par>
+                      </p:childTnLst>
+                    </p:cTn>
+                  </p:par>
+                  <p:par>
+                    <p:cTn id="23" fill="hold">
+                      <p:stCondLst>
+                        <p:cond delay="indefinite"/>
+                      </p:stCondLst>
+                      <p:childTnLst>
+                        <p:par>
+                          <p:cTn id="24" fill="hold">
+                            <p:stCondLst>
+                              <p:cond delay="0"/>
+                            </p:stCondLst>
+                            <p:childTnLst>
+                              <p:par>
+                                <p:cTn id="25" presetID="1" presetClass="entr" presetSubtype="0" fill="hold" grpId="0" nodeType="clickEffect">
+                                  <p:stCondLst>
+                                    <p:cond delay="0"/>
+                                  </p:stCondLst>
+                                  <p:childTnLst>
+                                    <p:set>
+                                      <p:cBhvr>
+                                        <p:cTn id="26" dur="1" fill="hold">
+                                          <p:stCondLst>
+                                            <p:cond delay="0"/>
+                                          </p:stCondLst>
+                                        </p:cTn>
+                                        <p:tgtEl>
+                                          <p:spTgt spid="3">
+                                            <p:txEl>
+                                              <p:pRg st="8" end="8"/>
                                             </p:txEl>
                                           </p:spTgt>
                                         </p:tgtEl>
@@ -34384,7 +34561,7 @@
           <a:p>
             <a:r>
               <a:rPr lang="en-US" dirty="0"/>
-              <a:t>Complexity of inference</a:t>
+              <a:t>Complexity of Inference</a:t>
             </a:r>
           </a:p>
         </p:txBody>
@@ -34481,7 +34658,7 @@
             <a:pPr lvl="1"/>
             <a:r>
               <a:rPr lang="en-US" dirty="0"/>
-              <a:t>Every known inference algorithm has worst-case exponential running time</a:t>
+              <a:t>Every known inference algorithm has worst-case exponential run time complexity.</a:t>
             </a:r>
           </a:p>
           <a:p>
@@ -34490,7 +34667,7 @@
           <a:p>
             <a:r>
               <a:rPr lang="en-US" dirty="0"/>
-              <a:t>Efficient inference possible for restricted cases </a:t>
+              <a:t>Efficient inference is only possible for restricted cases </a:t>
             </a:r>
           </a:p>
           <a:p>
@@ -35690,36 +35867,98 @@
           </p:sp>
         </mc:Fallback>
       </mc:AlternateContent>
-      <p:pic>
-        <p:nvPicPr>
-          <p:cNvPr id="5" name="Picture 4">
+      <p:sp>
+        <p:nvSpPr>
+          <p:cNvPr id="4" name="Right Brace 3">
             <a:extLst>
               <a:ext uri="{FF2B5EF4-FFF2-40B4-BE49-F238E27FC236}">
-                <a16:creationId xmlns:a16="http://schemas.microsoft.com/office/drawing/2014/main" id="{9BF49D0A-87B7-452A-B0A8-C3B26D130EBB}"/>
+                <a16:creationId xmlns:a16="http://schemas.microsoft.com/office/drawing/2014/main" id="{D454507F-F69E-E92C-6546-001A90DE165C}"/>
               </a:ext>
             </a:extLst>
           </p:cNvPr>
-          <p:cNvPicPr>
-            <a:picLocks noChangeAspect="1"/>
-          </p:cNvPicPr>
+          <p:cNvSpPr/>
           <p:nvPr/>
-        </p:nvPicPr>
-        <p:blipFill>
-          <a:blip r:embed="rId3"/>
-          <a:stretch>
-            <a:fillRect/>
-          </a:stretch>
-        </p:blipFill>
+        </p:nvSpPr>
         <p:spPr>
           <a:xfrm>
-            <a:off x="5990995" y="347595"/>
-            <a:ext cx="2889398" cy="2686188"/>
+            <a:off x="6172200" y="1676400"/>
+            <a:ext cx="304800" cy="1447800"/>
+          </a:xfrm>
+          <a:prstGeom prst="rightBrace">
+            <a:avLst/>
+          </a:prstGeom>
+        </p:spPr>
+        <p:style>
+          <a:lnRef idx="1">
+            <a:schemeClr val="accent1"/>
+          </a:lnRef>
+          <a:fillRef idx="0">
+            <a:schemeClr val="accent1"/>
+          </a:fillRef>
+          <a:effectRef idx="0">
+            <a:schemeClr val="accent1"/>
+          </a:effectRef>
+          <a:fontRef idx="minor">
+            <a:schemeClr val="tx1"/>
+          </a:fontRef>
+        </p:style>
+        <p:txBody>
+          <a:bodyPr rtlCol="0" anchor="ctr"/>
+          <a:lstStyle/>
+          <a:p>
+            <a:pPr algn="ctr"/>
+            <a:endParaRPr lang="en-US"/>
+          </a:p>
+        </p:txBody>
+      </p:sp>
+      <p:sp>
+        <p:nvSpPr>
+          <p:cNvPr id="6" name="TextBox 5">
+            <a:extLst>
+              <a:ext uri="{FF2B5EF4-FFF2-40B4-BE49-F238E27FC236}">
+                <a16:creationId xmlns:a16="http://schemas.microsoft.com/office/drawing/2014/main" id="{6A1F8CC8-26FA-F614-67DA-273A6D5C931B}"/>
+              </a:ext>
+            </a:extLst>
+          </p:cNvPr>
+          <p:cNvSpPr txBox="1"/>
+          <p:nvPr/>
+        </p:nvSpPr>
+        <p:spPr>
+          <a:xfrm>
+            <a:off x="6628765" y="1555682"/>
+            <a:ext cx="2064173" cy="1754326"/>
           </a:xfrm>
           <a:prstGeom prst="rect">
             <a:avLst/>
           </a:prstGeom>
         </p:spPr>
-      </p:pic>
+        <p:style>
+          <a:lnRef idx="3">
+            <a:schemeClr val="lt1"/>
+          </a:lnRef>
+          <a:fillRef idx="1">
+            <a:schemeClr val="accent6"/>
+          </a:fillRef>
+          <a:effectRef idx="1">
+            <a:schemeClr val="accent6"/>
+          </a:effectRef>
+          <a:fontRef idx="minor">
+            <a:schemeClr val="lt1"/>
+          </a:fontRef>
+        </p:style>
+        <p:txBody>
+          <a:bodyPr wrap="square" rtlCol="0">
+            <a:spAutoFit/>
+          </a:bodyPr>
+          <a:lstStyle/>
+          <a:p>
+            <a:r>
+              <a:rPr lang="en-US" dirty="0"/>
+              <a:t>We have to enumerate all possible scenarios in propositional logic! First-order logic can help.</a:t>
+            </a:r>
+          </a:p>
+        </p:txBody>
+      </p:sp>
     </p:spTree>
     <p:extLst>
       <p:ext uri="{BB962C8B-B14F-4D97-AF65-F5344CB8AC3E}">
@@ -35953,7 +36192,7 @@
           <a:p>
             <a:r>
               <a:rPr lang="en-US" dirty="0"/>
-              <a:t>Limitations of propositional logic</a:t>
+              <a:t>Limitations of Propositional Logic</a:t>
             </a:r>
           </a:p>
         </p:txBody>
@@ -35968,45 +36207,53 @@
             <p:ph idx="1"/>
           </p:nvPr>
         </p:nvSpPr>
-        <p:spPr/>
+        <p:spPr>
+          <a:xfrm>
+            <a:off x="628650" y="1825625"/>
+            <a:ext cx="7886700" cy="3736975"/>
+          </a:xfrm>
+        </p:spPr>
         <p:txBody>
           <a:bodyPr>
-            <a:normAutofit lnSpcReduction="10000"/>
+            <a:normAutofit/>
           </a:bodyPr>
           <a:lstStyle/>
           <a:p>
-            <a:r>
-              <a:rPr lang="en-US" sz="2800" dirty="0"/>
+            <a:pPr marL="0" indent="0">
+              <a:buNone/>
+            </a:pPr>
+            <a:r>
+              <a:rPr lang="en-US" sz="2000" dirty="0"/>
               <a:t>Suppose you want to say “All humans are mortal”</a:t>
             </a:r>
           </a:p>
           <a:p>
             <a:pPr lvl="1"/>
             <a:r>
-              <a:rPr lang="en-US" dirty="0"/>
+              <a:rPr lang="en-US" sz="2000" dirty="0"/>
               <a:t>In propositional logic, you would need ~6.7 billion statements of the form: </a:t>
             </a:r>
             <a:br>
-              <a:rPr lang="en-US" dirty="0"/>
+              <a:rPr lang="en-US" sz="2000" dirty="0"/>
             </a:br>
             <a:r>
-              <a:rPr lang="en-US" dirty="0"/>
+              <a:rPr lang="en-US" sz="2000" dirty="0"/>
               <a:t>		</a:t>
             </a:r>
             <a:r>
-              <a:rPr lang="en-US" dirty="0" err="1"/>
+              <a:rPr lang="en-US" sz="2000" dirty="0" err="1"/>
               <a:t>MichaelIsHuman</a:t>
             </a:r>
             <a:r>
-              <a:rPr lang="en-US" dirty="0"/>
+              <a:rPr lang="en-US" sz="2000" dirty="0"/>
               <a:t> and </a:t>
             </a:r>
             <a:r>
-              <a:rPr lang="en-US" dirty="0" err="1"/>
+              <a:rPr lang="en-US" sz="2000" dirty="0" err="1"/>
               <a:t>MichaelIsMortal</a:t>
             </a:r>
             <a:r>
-              <a:rPr lang="en-US" dirty="0"/>
+              <a:rPr lang="en-US" sz="2000" dirty="0"/>
               <a:t>,</a:t>
             </a:r>
           </a:p>
@@ -36015,23 +36262,23 @@
               <a:buNone/>
             </a:pPr>
             <a:r>
-              <a:rPr lang="en-US" dirty="0"/>
+              <a:rPr lang="en-US" sz="2000" dirty="0"/>
               <a:t>		</a:t>
             </a:r>
             <a:r>
-              <a:rPr lang="en-US" dirty="0" err="1"/>
+              <a:rPr lang="en-US" sz="2000" dirty="0" err="1"/>
               <a:t>SarahIsHuman</a:t>
             </a:r>
             <a:r>
-              <a:rPr lang="en-US" dirty="0"/>
+              <a:rPr lang="en-US" sz="2000" dirty="0"/>
               <a:t> and </a:t>
             </a:r>
             <a:r>
-              <a:rPr lang="en-US" dirty="0" err="1"/>
+              <a:rPr lang="en-US" sz="2000" dirty="0" err="1"/>
               <a:t>SarahIsMortal</a:t>
             </a:r>
             <a:r>
-              <a:rPr lang="en-US" dirty="0"/>
+              <a:rPr lang="en-US" sz="2000" dirty="0"/>
               <a:t>, …</a:t>
             </a:r>
           </a:p>
@@ -36039,18 +36286,21 @@
             <a:pPr marL="342900" lvl="1" indent="0">
               <a:buNone/>
             </a:pPr>
-            <a:endParaRPr lang="en-US" dirty="0"/>
+            <a:endParaRPr lang="en-US" sz="2000" dirty="0"/>
           </a:p>
           <a:p>
-            <a:r>
-              <a:rPr lang="en-US" sz="2800" dirty="0"/>
+            <a:pPr marL="0" indent="0">
+              <a:buNone/>
+            </a:pPr>
+            <a:r>
+              <a:rPr lang="en-US" sz="2000" dirty="0"/>
               <a:t>Suppose you want to say “Some people can run a marathon”</a:t>
             </a:r>
           </a:p>
           <a:p>
             <a:pPr lvl="1"/>
             <a:r>
-              <a:rPr lang="en-US" dirty="0"/>
+              <a:rPr lang="en-US" sz="2000" dirty="0"/>
               <a:t>You would need a disjunction of ~6.7 billion statements:</a:t>
             </a:r>
           </a:p>
@@ -36059,25 +36309,25 @@
               <a:buNone/>
             </a:pPr>
             <a:br>
-              <a:rPr lang="en-US" dirty="0"/>
+              <a:rPr lang="en-US" sz="2000" dirty="0"/>
             </a:br>
             <a:r>
-              <a:rPr lang="en-US" dirty="0"/>
+              <a:rPr lang="en-US" sz="2000" dirty="0"/>
               <a:t>		</a:t>
             </a:r>
             <a:r>
-              <a:rPr lang="en-US" dirty="0" err="1"/>
+              <a:rPr lang="en-US" sz="2000" dirty="0" err="1"/>
               <a:t>MichaelcanRunAMarathon</a:t>
             </a:r>
             <a:r>
-              <a:rPr lang="en-US" dirty="0"/>
+              <a:rPr lang="en-US" sz="2000" dirty="0"/>
               <a:t> or … or </a:t>
             </a:r>
             <a:r>
-              <a:rPr lang="en-US" dirty="0" err="1"/>
+              <a:rPr lang="en-US" sz="2000" dirty="0" err="1"/>
               <a:t>SarahCanRunAMarathon</a:t>
             </a:r>
-            <a:endParaRPr lang="en-US" dirty="0"/>
+            <a:endParaRPr lang="en-US" sz="2000" dirty="0"/>
           </a:p>
           <a:p>
             <a:pPr marL="0" indent="0">
@@ -36085,10 +36335,49 @@
             </a:pPr>
             <a:endParaRPr lang="en-US" dirty="0"/>
           </a:p>
+        </p:txBody>
+      </p:sp>
+      <p:sp>
+        <p:nvSpPr>
+          <p:cNvPr id="2" name="TextBox 1">
+            <a:extLst>
+              <a:ext uri="{FF2B5EF4-FFF2-40B4-BE49-F238E27FC236}">
+                <a16:creationId xmlns:a16="http://schemas.microsoft.com/office/drawing/2014/main" id="{319A55EC-F6B5-6417-A5F3-BF3DF580D469}"/>
+              </a:ext>
+            </a:extLst>
+          </p:cNvPr>
+          <p:cNvSpPr txBox="1"/>
+          <p:nvPr/>
+        </p:nvSpPr>
+        <p:spPr>
+          <a:xfrm>
+            <a:off x="533400" y="5486400"/>
+            <a:ext cx="7886700" cy="646331"/>
+          </a:xfrm>
+          <a:prstGeom prst="rect">
+            <a:avLst/>
+          </a:prstGeom>
+        </p:spPr>
+        <p:style>
+          <a:lnRef idx="3">
+            <a:schemeClr val="lt1"/>
+          </a:lnRef>
+          <a:fillRef idx="1">
+            <a:schemeClr val="accent6"/>
+          </a:fillRef>
+          <a:effectRef idx="1">
+            <a:schemeClr val="accent6"/>
+          </a:effectRef>
+          <a:fontRef idx="minor">
+            <a:schemeClr val="lt1"/>
+          </a:fontRef>
+        </p:style>
+        <p:txBody>
+          <a:bodyPr wrap="square" rtlCol="0">
+            <a:spAutoFit/>
+          </a:bodyPr>
+          <a:lstStyle/>
           <a:p>
-            <a:pPr marL="0" indent="0">
-              <a:buNone/>
-            </a:pPr>
             <a:r>
               <a:rPr lang="en-US" dirty="0"/>
               <a:t>First-order logic can help with that by adding objects and relations to the facts represented by propositional logic.</a:t>
@@ -36347,55 +36636,6 @@
                                           <p:spTgt spid="6">
                                             <p:txEl>
                                               <p:pRg st="6" end="6"/>
-                                            </p:txEl>
-                                          </p:spTgt>
-                                        </p:tgtEl>
-                                        <p:attrNameLst>
-                                          <p:attrName>style.visibility</p:attrName>
-                                        </p:attrNameLst>
-                                      </p:cBhvr>
-                                      <p:to>
-                                        <p:strVal val="visible"/>
-                                      </p:to>
-                                    </p:set>
-                                  </p:childTnLst>
-                                </p:cTn>
-                              </p:par>
-                            </p:childTnLst>
-                          </p:cTn>
-                        </p:par>
-                      </p:childTnLst>
-                    </p:cTn>
-                  </p:par>
-                  <p:par>
-                    <p:cTn id="23" fill="hold">
-                      <p:stCondLst>
-                        <p:cond delay="indefinite"/>
-                      </p:stCondLst>
-                      <p:childTnLst>
-                        <p:par>
-                          <p:cTn id="24" fill="hold">
-                            <p:stCondLst>
-                              <p:cond delay="0"/>
-                            </p:stCondLst>
-                            <p:childTnLst>
-                              <p:par>
-                                <p:cTn id="25" presetID="1" presetClass="entr" presetSubtype="0" fill="hold" grpId="0" nodeType="clickEffect">
-                                  <p:stCondLst>
-                                    <p:cond delay="0"/>
-                                  </p:stCondLst>
-                                  <p:childTnLst>
-                                    <p:set>
-                                      <p:cBhvr>
-                                        <p:cTn id="26" dur="1" fill="hold">
-                                          <p:stCondLst>
-                                            <p:cond delay="0"/>
-                                          </p:stCondLst>
-                                        </p:cTn>
-                                        <p:tgtEl>
-                                          <p:spTgt spid="6">
-                                            <p:txEl>
-                                              <p:pRg st="8" end="8"/>
                                             </p:txEl>
                                           </p:spTgt>
                                         </p:tgtEl>
@@ -41441,9 +41681,12 @@
           <a:bodyPr/>
           <a:lstStyle/>
           <a:p>
+            <a:pPr marL="0" indent="0">
+              <a:buNone/>
+            </a:pPr>
             <a:r>
               <a:rPr lang="en-US" dirty="0"/>
-              <a:t>Inference is complicated.</a:t>
+              <a:t>Inference in FOL is complicated!</a:t>
             </a:r>
           </a:p>
           <a:p>
@@ -41585,7 +41828,7 @@
           <a:p>
             <a:r>
               <a:rPr lang="en-US" dirty="0"/>
-              <a:t>What if we cannot collect enough knowledge to make a decision </a:t>
+              <a:t>What if we cannot collect enough knowledge to make a decision, </a:t>
             </a:r>
             <a:br>
               <a:rPr lang="en-US" dirty="0"/>
@@ -42307,7 +42550,15 @@
           <a:p>
             <a:r>
               <a:rPr lang="en-US" dirty="0"/>
-              <a:t>The text (hopefully) is useful in the real world. The objective function is not clear. Maybe it is implied in the prompt?</a:t>
+              <a:t>The text (hopefully) is useful in the real world. The </a:t>
+            </a:r>
+            <a:r>
+              <a:rPr lang="en-US" b="1" dirty="0"/>
+              <a:t>objective function </a:t>
+            </a:r>
+            <a:r>
+              <a:rPr lang="en-US" dirty="0"/>
+              <a:t>is not clear. Maybe it is implied in the prompt?</a:t>
             </a:r>
           </a:p>
         </p:txBody>
@@ -43428,8 +43679,8 @@
         </p:nvSpPr>
         <p:spPr>
           <a:xfrm>
-            <a:off x="5216493" y="2709446"/>
-            <a:ext cx="3089307" cy="338554"/>
+            <a:off x="5222737" y="2601624"/>
+            <a:ext cx="3284424" cy="584775"/>
           </a:xfrm>
           <a:prstGeom prst="rect">
             <a:avLst/>
@@ -43441,10 +43692,16 @@
           </a:bodyPr>
           <a:lstStyle/>
           <a:p>
-            <a:pPr algn="ctr"/>
             <a:r>
               <a:rPr lang="en-US" sz="1600" b="0" dirty="0"/>
-              <a:t>Domain-independent algorithms</a:t>
+              <a:t>Domain-independent algorithms that</a:t>
+            </a:r>
+            <a:br>
+              <a:rPr lang="en-US" sz="1600" b="0" dirty="0"/>
+            </a:br>
+            <a:r>
+              <a:rPr lang="en-US" sz="1600" b="0" dirty="0"/>
+              <a:t>find new sentences using entailment.</a:t>
             </a:r>
           </a:p>
         </p:txBody>
@@ -43486,7 +43743,7 @@
         </p:nvSpPr>
         <p:spPr>
           <a:xfrm>
-            <a:off x="5249830" y="2183191"/>
+            <a:off x="5143500" y="2175721"/>
             <a:ext cx="2372765" cy="338554"/>
           </a:xfrm>
           <a:prstGeom prst="rect">
@@ -47129,12 +47386,21 @@
         </p:nvSpPr>
         <p:spPr/>
         <p:txBody>
-          <a:bodyPr/>
+          <a:bodyPr>
+            <a:normAutofit/>
+          </a:bodyPr>
           <a:lstStyle/>
           <a:p>
             <a:r>
-              <a:rPr lang="en-US" dirty="0"/>
-              <a:t>Propositional logic: Syntax in BN-Form</a:t>
+              <a:rPr lang="en-US" sz="3600" dirty="0"/>
+              <a:t>Propositional logic: </a:t>
+            </a:r>
+            <a:br>
+              <a:rPr lang="en-US" sz="3600" dirty="0"/>
+            </a:br>
+            <a:r>
+              <a:rPr lang="en-US" sz="3600" dirty="0"/>
+              <a:t>Syntax in Backus-Naur Form</a:t>
             </a:r>
           </a:p>
         </p:txBody>
@@ -47160,7 +47426,7 @@
         </p:blipFill>
         <p:spPr>
           <a:xfrm>
-            <a:off x="-261391" y="1828801"/>
+            <a:off x="-228600" y="2362200"/>
             <a:ext cx="8686800" cy="3505200"/>
           </a:xfrm>
           <a:prstGeom prst="rect">
@@ -47182,7 +47448,7 @@
         </p:nvSpPr>
         <p:spPr>
           <a:xfrm>
-            <a:off x="6858000" y="3048000"/>
+            <a:off x="6890791" y="3581399"/>
             <a:ext cx="2057400" cy="1631216"/>
           </a:xfrm>
           <a:prstGeom prst="rect">
@@ -47241,7 +47507,7 @@
         </p:nvSpPr>
         <p:spPr>
           <a:xfrm>
-            <a:off x="6781800" y="2253734"/>
+            <a:off x="6814591" y="2787133"/>
             <a:ext cx="1447800" cy="369332"/>
           </a:xfrm>
           <a:prstGeom prst="rect">
@@ -47259,6 +47525,51 @@
               <a:rPr lang="en-US" dirty="0"/>
               <a:t>= Symbols</a:t>
             </a:r>
+          </a:p>
+        </p:txBody>
+      </p:sp>
+      <p:sp>
+        <p:nvSpPr>
+          <p:cNvPr id="2" name="Rectangle 1">
+            <a:extLst>
+              <a:ext uri="{FF2B5EF4-FFF2-40B4-BE49-F238E27FC236}">
+                <a16:creationId xmlns:a16="http://schemas.microsoft.com/office/drawing/2014/main" id="{245CCD6B-33F6-BC0F-587D-0CB20E35B431}"/>
+              </a:ext>
+            </a:extLst>
+          </p:cNvPr>
+          <p:cNvSpPr/>
+          <p:nvPr/>
+        </p:nvSpPr>
+        <p:spPr>
+          <a:xfrm>
+            <a:off x="609600" y="1905000"/>
+            <a:ext cx="8077200" cy="4267200"/>
+          </a:xfrm>
+          <a:prstGeom prst="rect">
+            <a:avLst/>
+          </a:prstGeom>
+          <a:noFill/>
+        </p:spPr>
+        <p:style>
+          <a:lnRef idx="2">
+            <a:schemeClr val="accent2"/>
+          </a:lnRef>
+          <a:fillRef idx="1">
+            <a:schemeClr val="lt1"/>
+          </a:fillRef>
+          <a:effectRef idx="0">
+            <a:schemeClr val="accent2"/>
+          </a:effectRef>
+          <a:fontRef idx="minor">
+            <a:schemeClr val="dk1"/>
+          </a:fontRef>
+        </p:style>
+        <p:txBody>
+          <a:bodyPr rtlCol="0" anchor="ctr"/>
+          <a:lstStyle/>
+          <a:p>
+            <a:pPr algn="ctr"/>
+            <a:endParaRPr lang="en-US"/>
           </a:p>
         </p:txBody>
       </p:sp>

--- a/slides/07_knowledge-based.pptx
+++ b/slides/07_knowledge-based.pptx
@@ -19654,7 +19654,7 @@
             <a:fld id="{441436E8-D6C9-439C-8057-F594059D4145}" type="datetimeFigureOut">
               <a:rPr lang="en-US" smtClean="0"/>
               <a:pPr/>
-              <a:t>5/23/2024</a:t>
+              <a:t>11/4/2024</a:t>
             </a:fld>
             <a:endParaRPr lang="en-US"/>
           </a:p>
@@ -26998,9 +26998,9 @@
         <p:grpSpPr>
           <a:xfrm>
             <a:off x="381000" y="1524000"/>
-            <a:ext cx="8382000" cy="2552586"/>
+            <a:ext cx="8382000" cy="3022472"/>
             <a:chOff x="381000" y="1524000"/>
-            <a:chExt cx="8382000" cy="2552586"/>
+            <a:chExt cx="8382000" cy="3022472"/>
           </a:xfrm>
         </p:grpSpPr>
         <p:pic>
@@ -27047,10 +27047,10 @@
           </p:nvGrpSpPr>
           <p:grpSpPr>
             <a:xfrm>
-              <a:off x="381000" y="3553366"/>
-              <a:ext cx="8224787" cy="523220"/>
-              <a:chOff x="381000" y="3553366"/>
-              <a:chExt cx="8224787" cy="523220"/>
+              <a:off x="395406" y="3869917"/>
+              <a:ext cx="8245345" cy="676555"/>
+              <a:chOff x="395406" y="3869917"/>
+              <a:chExt cx="8245345" cy="676555"/>
             </a:xfrm>
           </p:grpSpPr>
           <p:sp>
@@ -27067,8 +27067,8 @@
             </p:nvSpPr>
             <p:spPr>
               <a:xfrm>
-                <a:off x="623837" y="3672012"/>
-                <a:ext cx="7981950" cy="338554"/>
+                <a:off x="658801" y="3961697"/>
+                <a:ext cx="7981950" cy="584775"/>
               </a:xfrm>
               <a:prstGeom prst="rect">
                 <a:avLst/>
@@ -27082,8 +27082,24 @@
               <a:lstStyle/>
               <a:p>
                 <a:r>
-                  <a:rPr lang="en-US" sz="1600" dirty="0"/>
-                  <a:t>Natural Language         facts, objects, relations, …                 ???</a:t>
+                  <a:rPr lang="en-US" sz="1600" dirty="0">
+                    <a:latin typeface="Times New Roman" panose="02020603050405020304" pitchFamily="18" charset="0"/>
+                    <a:cs typeface="Times New Roman" panose="02020603050405020304" pitchFamily="18" charset="0"/>
+                  </a:rPr>
+                  <a:t>Natural Language        word patterns representing </a:t>
+                </a:r>
+                <a:br>
+                  <a:rPr lang="en-US" sz="1600" dirty="0">
+                    <a:latin typeface="Times New Roman" panose="02020603050405020304" pitchFamily="18" charset="0"/>
+                    <a:cs typeface="Times New Roman" panose="02020603050405020304" pitchFamily="18" charset="0"/>
+                  </a:rPr>
+                </a:br>
+                <a:r>
+                  <a:rPr lang="en-US" sz="1600" dirty="0">
+                    <a:latin typeface="Times New Roman" panose="02020603050405020304" pitchFamily="18" charset="0"/>
+                    <a:cs typeface="Times New Roman" panose="02020603050405020304" pitchFamily="18" charset="0"/>
+                  </a:rPr>
+                  <a:t>		      facts, objects, relations, …                 ???</a:t>
                 </a:r>
               </a:p>
             </p:txBody>
@@ -27102,7 +27118,7 @@
             </p:nvSpPr>
             <p:spPr>
               <a:xfrm>
-                <a:off x="381000" y="3553366"/>
+                <a:off x="395406" y="3869917"/>
                 <a:ext cx="299987" cy="523220"/>
               </a:xfrm>
               <a:prstGeom prst="rect">
@@ -27143,8 +27159,8 @@
         </p:nvSpPr>
         <p:spPr>
           <a:xfrm>
-            <a:off x="381000" y="3672013"/>
-            <a:ext cx="5410201" cy="338554"/>
+            <a:off x="345367" y="3961697"/>
+            <a:ext cx="6248400" cy="686776"/>
           </a:xfrm>
           <a:prstGeom prst="rect">
             <a:avLst/>
@@ -27193,8 +27209,8 @@
         </p:nvSpPr>
         <p:spPr>
           <a:xfrm>
-            <a:off x="628650" y="4195231"/>
-            <a:ext cx="7886700" cy="1981731"/>
+            <a:off x="628650" y="4800600"/>
+            <a:ext cx="7886700" cy="1376362"/>
           </a:xfrm>
         </p:spPr>
         <p:txBody>
@@ -27205,7 +27221,7 @@
           <a:p>
             <a:r>
               <a:rPr lang="en-US" dirty="0"/>
-              <a:t>Store knowledge as parameters in neural networks.</a:t>
+              <a:t>Store knowledge as parameters in a deep neural networks.</a:t>
             </a:r>
           </a:p>
           <a:p>
@@ -28418,7 +28434,7 @@
         </p:nvSpPr>
         <p:spPr>
           <a:xfrm>
-            <a:off x="6437494" y="2527985"/>
+            <a:off x="6441779" y="2571420"/>
             <a:ext cx="338554" cy="461665"/>
           </a:xfrm>
           <a:prstGeom prst="rect">
@@ -28592,6 +28608,41 @@
           </a:p>
         </p:txBody>
       </p:sp>
+      <p:sp>
+        <p:nvSpPr>
+          <p:cNvPr id="6" name="Content Placeholder 5">
+            <a:extLst>
+              <a:ext uri="{FF2B5EF4-FFF2-40B4-BE49-F238E27FC236}">
+                <a16:creationId xmlns:a16="http://schemas.microsoft.com/office/drawing/2014/main" id="{DC460337-536F-5A7C-ABBF-77FFACCF741A}"/>
+              </a:ext>
+            </a:extLst>
+          </p:cNvPr>
+          <p:cNvSpPr>
+            <a:spLocks noGrp="1"/>
+          </p:cNvSpPr>
+          <p:nvPr>
+            <p:ph idx="1"/>
+          </p:nvPr>
+        </p:nvSpPr>
+        <p:spPr>
+          <a:xfrm>
+            <a:off x="628650" y="5743182"/>
+            <a:ext cx="7886700" cy="593309"/>
+          </a:xfrm>
+        </p:spPr>
+        <p:txBody>
+          <a:bodyPr>
+            <a:normAutofit fontScale="92500" lnSpcReduction="10000"/>
+          </a:bodyPr>
+          <a:lstStyle/>
+          <a:p>
+            <a:r>
+              <a:rPr lang="en-US" dirty="0"/>
+              <a:t>A chatbot repeatedly calls the agent function till the agent function returns the ‘end’ token. </a:t>
+            </a:r>
+          </a:p>
+        </p:txBody>
+      </p:sp>
       <p:pic>
         <p:nvPicPr>
           <p:cNvPr id="4" name="Picture 3">
@@ -28636,55 +28687,6 @@
           </a:fontRef>
         </p:style>
       </p:pic>
-      <p:sp>
-        <p:nvSpPr>
-          <p:cNvPr id="7" name="TextBox 6">
-            <a:extLst>
-              <a:ext uri="{FF2B5EF4-FFF2-40B4-BE49-F238E27FC236}">
-                <a16:creationId xmlns:a16="http://schemas.microsoft.com/office/drawing/2014/main" id="{6C33C7BB-A826-4B54-B7D8-13D8AF95F7C2}"/>
-              </a:ext>
-            </a:extLst>
-          </p:cNvPr>
-          <p:cNvSpPr txBox="1"/>
-          <p:nvPr/>
-        </p:nvSpPr>
-        <p:spPr>
-          <a:xfrm>
-            <a:off x="6729362" y="3105834"/>
-            <a:ext cx="1962150" cy="1200329"/>
-          </a:xfrm>
-          <a:prstGeom prst="rect">
-            <a:avLst/>
-          </a:prstGeom>
-        </p:spPr>
-        <p:style>
-          <a:lnRef idx="3">
-            <a:schemeClr val="lt1"/>
-          </a:lnRef>
-          <a:fillRef idx="1">
-            <a:schemeClr val="accent2"/>
-          </a:fillRef>
-          <a:effectRef idx="1">
-            <a:schemeClr val="accent2"/>
-          </a:effectRef>
-          <a:fontRef idx="minor">
-            <a:schemeClr val="lt1"/>
-          </a:fontRef>
-        </p:style>
-        <p:txBody>
-          <a:bodyPr wrap="square" rtlCol="0">
-            <a:spAutoFit/>
-          </a:bodyPr>
-          <a:lstStyle/>
-          <a:p>
-            <a:pPr algn="ctr"/>
-            <a:r>
-              <a:rPr lang="en-US" dirty="0"/>
-              <a:t>Ask for generating text (generate new tokens using autoregression)</a:t>
-            </a:r>
-          </a:p>
-        </p:txBody>
-      </p:sp>
       <p:cxnSp>
         <p:nvCxnSpPr>
           <p:cNvPr id="12" name="Straight Arrow Connector 11">
@@ -28696,7 +28698,6 @@
           </p:cNvPr>
           <p:cNvCxnSpPr>
             <a:cxnSpLocks/>
-            <a:stCxn id="7" idx="1"/>
           </p:cNvCxnSpPr>
           <p:nvPr/>
         </p:nvCxnSpPr>
@@ -28921,6 +28922,108 @@
           </p:style>
         </p:cxnSp>
       </p:grpSp>
+      <p:sp>
+        <p:nvSpPr>
+          <p:cNvPr id="3" name="Speech Bubble: Rectangle with Corners Rounded 2">
+            <a:extLst>
+              <a:ext uri="{FF2B5EF4-FFF2-40B4-BE49-F238E27FC236}">
+                <a16:creationId xmlns:a16="http://schemas.microsoft.com/office/drawing/2014/main" id="{F65479AC-3320-A100-73BB-D93D1543344E}"/>
+              </a:ext>
+            </a:extLst>
+          </p:cNvPr>
+          <p:cNvSpPr/>
+          <p:nvPr/>
+        </p:nvSpPr>
+        <p:spPr>
+          <a:xfrm>
+            <a:off x="3276600" y="1274346"/>
+            <a:ext cx="1981200" cy="645336"/>
+          </a:xfrm>
+          <a:prstGeom prst="wedgeRoundRectCallout">
+            <a:avLst>
+              <a:gd name="adj1" fmla="val -35941"/>
+              <a:gd name="adj2" fmla="val 90381"/>
+              <a:gd name="adj3" fmla="val 16667"/>
+            </a:avLst>
+          </a:prstGeom>
+        </p:spPr>
+        <p:style>
+          <a:lnRef idx="3">
+            <a:schemeClr val="lt1"/>
+          </a:lnRef>
+          <a:fillRef idx="1">
+            <a:schemeClr val="accent2"/>
+          </a:fillRef>
+          <a:effectRef idx="1">
+            <a:schemeClr val="accent2"/>
+          </a:effectRef>
+          <a:fontRef idx="minor">
+            <a:schemeClr val="lt1"/>
+          </a:fontRef>
+        </p:style>
+        <p:txBody>
+          <a:bodyPr rtlCol="0" anchor="ctr"/>
+          <a:lstStyle/>
+          <a:p>
+            <a:pPr algn="ctr"/>
+            <a:r>
+              <a:rPr lang="en-US" dirty="0"/>
+              <a:t>Prompt + already generated words</a:t>
+            </a:r>
+          </a:p>
+        </p:txBody>
+      </p:sp>
+      <p:sp>
+        <p:nvSpPr>
+          <p:cNvPr id="5" name="Speech Bubble: Rectangle with Corners Rounded 4">
+            <a:extLst>
+              <a:ext uri="{FF2B5EF4-FFF2-40B4-BE49-F238E27FC236}">
+                <a16:creationId xmlns:a16="http://schemas.microsoft.com/office/drawing/2014/main" id="{F44D03C1-345D-3D93-794D-401AAF79F029}"/>
+              </a:ext>
+            </a:extLst>
+          </p:cNvPr>
+          <p:cNvSpPr/>
+          <p:nvPr/>
+        </p:nvSpPr>
+        <p:spPr>
+          <a:xfrm>
+            <a:off x="2743200" y="5029200"/>
+            <a:ext cx="1390534" cy="485808"/>
+          </a:xfrm>
+          <a:prstGeom prst="wedgeRoundRectCallout">
+            <a:avLst>
+              <a:gd name="adj1" fmla="val -65825"/>
+              <a:gd name="adj2" fmla="val -152231"/>
+              <a:gd name="adj3" fmla="val 16667"/>
+            </a:avLst>
+          </a:prstGeom>
+        </p:spPr>
+        <p:style>
+          <a:lnRef idx="3">
+            <a:schemeClr val="lt1"/>
+          </a:lnRef>
+          <a:fillRef idx="1">
+            <a:schemeClr val="accent2"/>
+          </a:fillRef>
+          <a:effectRef idx="1">
+            <a:schemeClr val="accent2"/>
+          </a:effectRef>
+          <a:fontRef idx="minor">
+            <a:schemeClr val="lt1"/>
+          </a:fontRef>
+        </p:style>
+        <p:txBody>
+          <a:bodyPr rtlCol="0" anchor="ctr"/>
+          <a:lstStyle/>
+          <a:p>
+            <a:pPr algn="ctr"/>
+            <a:r>
+              <a:rPr lang="en-US" dirty="0"/>
+              <a:t>Next Word</a:t>
+            </a:r>
+          </a:p>
+        </p:txBody>
+      </p:sp>
     </p:spTree>
     <p:extLst>
       <p:ext uri="{BB962C8B-B14F-4D97-AF65-F5344CB8AC3E}">
@@ -29193,109 +29296,123 @@
         </p:spPr>
         <p:txBody>
           <a:bodyPr>
-            <a:normAutofit lnSpcReduction="10000"/>
+            <a:normAutofit fontScale="92500" lnSpcReduction="20000"/>
           </a:bodyPr>
           <a:lstStyle/>
           <a:p>
             <a:r>
-              <a:rPr lang="en-US" sz="1600"/>
+              <a:rPr lang="en-US" sz="1600" dirty="0"/>
               <a:t>Correlation is not causation: </a:t>
             </a:r>
             <a:r>
-              <a:rPr lang="en-US" sz="1600" b="1"/>
+              <a:rPr lang="en-US" sz="1600" b="1" dirty="0"/>
               <a:t>Can LLMs reason </a:t>
             </a:r>
             <a:r>
-              <a:rPr lang="en-US" sz="1600"/>
+              <a:rPr lang="en-US" sz="1600" dirty="0"/>
               <a:t>to solve problems?</a:t>
             </a:r>
           </a:p>
           <a:p>
             <a:r>
-              <a:rPr lang="en-US" sz="1600"/>
+              <a:rPr lang="en-US" sz="1600" dirty="0"/>
               <a:t>Generative stochasticity leads to </a:t>
             </a:r>
             <a:r>
-              <a:rPr lang="en-US" sz="1600" b="1"/>
+              <a:rPr lang="en-US" sz="1600" b="1" dirty="0"/>
               <a:t>hallucinations</a:t>
             </a:r>
             <a:r>
-              <a:rPr lang="en-US" sz="1600"/>
+              <a:rPr lang="en-US" sz="1600" dirty="0"/>
               <a:t>: LLM makes up facts.</a:t>
             </a:r>
           </a:p>
           <a:p>
             <a:r>
-              <a:rPr lang="en-US" sz="1600"/>
+              <a:rPr lang="en-US" sz="1600" dirty="0"/>
+              <a:t>Autoregression is an exponentially </a:t>
+            </a:r>
+            <a:r>
+              <a:rPr lang="en-US" sz="1600" b="1" dirty="0"/>
+              <a:t>diverging</a:t>
+            </a:r>
+            <a:r>
+              <a:rPr lang="en-US" sz="1600" dirty="0"/>
+              <a:t> diffusion process.</a:t>
+            </a:r>
+          </a:p>
+          <a:p>
+            <a:r>
+              <a:rPr lang="en-US" sz="1600" dirty="0"/>
               <a:t>The training data contains </a:t>
             </a:r>
             <a:r>
-              <a:rPr lang="en-US" sz="1600" b="1"/>
+              <a:rPr lang="en-US" sz="1600" b="1" dirty="0"/>
               <a:t>biases</a:t>
             </a:r>
             <a:r>
-              <a:rPr lang="en-US" sz="1600"/>
+              <a:rPr lang="en-US" sz="1600" dirty="0"/>
               <a:t>, nonsense and harmful content.</a:t>
             </a:r>
           </a:p>
           <a:p>
             <a:r>
-              <a:rPr lang="en-US" sz="1600" b="1"/>
+              <a:rPr lang="en-US" sz="1600" b="1" dirty="0"/>
               <a:t>Security</a:t>
             </a:r>
             <a:r>
-              <a:rPr lang="en-US" sz="1600"/>
-              <a:t>: LLM reveals sensitive information.  </a:t>
-            </a:r>
-          </a:p>
-          <a:p>
-            <a:r>
-              <a:rPr lang="en-US" sz="1600"/>
+              <a:rPr lang="en-US" sz="1600" dirty="0"/>
+              <a:t>: LLM can reveal sensitive information it was trained on.</a:t>
+            </a:r>
+          </a:p>
+          <a:p>
+            <a:r>
+              <a:rPr lang="en-US" sz="1600" dirty="0"/>
               <a:t>Rights-laundering: </a:t>
             </a:r>
             <a:r>
-              <a:rPr lang="en-US" sz="1600" b="1"/>
+              <a:rPr lang="en-US" sz="1600" b="1" dirty="0"/>
               <a:t>Copyrighted or licensed material </a:t>
             </a:r>
             <a:r>
-              <a:rPr lang="en-US" sz="1600"/>
-              <a:t>in the training data</a:t>
-            </a:r>
-            <a:endParaRPr lang="en-US" sz="1600" b="1"/>
-          </a:p>
-          <a:p>
-            <a:r>
-              <a:rPr lang="en-US" sz="1600"/>
+              <a:rPr lang="en-US" sz="1600" dirty="0"/>
+              <a:t>can be in the training data.</a:t>
+            </a:r>
+            <a:endParaRPr lang="en-US" sz="1600" b="1" dirty="0"/>
+          </a:p>
+          <a:p>
+            <a:r>
+              <a:rPr lang="en-US" sz="1600" dirty="0"/>
               <a:t>Leaky data makes it hard to evaluate true </a:t>
             </a:r>
             <a:r>
-              <a:rPr lang="en-US" sz="1600" b="1"/>
-              <a:t>performance</a:t>
-            </a:r>
-            <a:r>
-              <a:rPr lang="en-US" sz="1600"/>
+              <a:rPr lang="en-US" sz="1600" b="1" dirty="0"/>
+              <a:t>reasoning performance</a:t>
+            </a:r>
+            <a:r>
+              <a:rPr lang="en-US" sz="1600" dirty="0"/>
               <a:t>.</a:t>
             </a:r>
           </a:p>
           <a:p>
-            <a:endParaRPr lang="en-US" sz="1600"/>
-          </a:p>
-          <a:p>
-            <a:endParaRPr lang="en-US" sz="1600"/>
-          </a:p>
-          <a:p>
-            <a:endParaRPr lang="en-US" sz="1600"/>
+            <a:endParaRPr lang="en-US" sz="1600" dirty="0"/>
+          </a:p>
+          <a:p>
+            <a:endParaRPr lang="en-US" sz="1600" dirty="0"/>
+          </a:p>
+          <a:p>
+            <a:endParaRPr lang="en-US" sz="1600" dirty="0"/>
           </a:p>
           <a:p>
             <a:pPr marL="0" indent="0">
               <a:buNone/>
             </a:pPr>
             <a:r>
-              <a:rPr lang="en-US" sz="1600"/>
+              <a:rPr lang="en-US" sz="1600" dirty="0"/>
               <a:t>Reading: </a:t>
             </a:r>
             <a:r>
-              <a:rPr lang="en-US" sz="1600">
+              <a:rPr lang="en-US" sz="1600" dirty="0">
                 <a:hlinkClick r:id="rId3">
                   <a:extLst>
                     <a:ext uri="{A12FA001-AC4F-418D-AE19-62706E023703}">
@@ -29466,9 +29583,9 @@
         <p:grpSpPr>
           <a:xfrm>
             <a:off x="381000" y="1524000"/>
-            <a:ext cx="8382000" cy="2552586"/>
+            <a:ext cx="8382000" cy="2732787"/>
             <a:chOff x="381000" y="1524000"/>
-            <a:chExt cx="8382000" cy="2552586"/>
+            <a:chExt cx="8382000" cy="2732787"/>
           </a:xfrm>
         </p:grpSpPr>
         <p:pic>
@@ -29516,9 +29633,9 @@
           <p:grpSpPr>
             <a:xfrm>
               <a:off x="381000" y="3553366"/>
-              <a:ext cx="8224787" cy="523220"/>
+              <a:ext cx="8224787" cy="703421"/>
               <a:chOff x="381000" y="3553366"/>
-              <a:chExt cx="8224787" cy="523220"/>
+              <a:chExt cx="8224787" cy="703421"/>
             </a:xfrm>
           </p:grpSpPr>
           <p:sp>
@@ -29536,7 +29653,7 @@
             <p:spPr>
               <a:xfrm>
                 <a:off x="623837" y="3672012"/>
-                <a:ext cx="7981950" cy="338554"/>
+                <a:ext cx="7981950" cy="584775"/>
               </a:xfrm>
               <a:prstGeom prst="rect">
                 <a:avLst/>
@@ -29550,8 +29667,24 @@
               <a:lstStyle/>
               <a:p>
                 <a:r>
-                  <a:rPr lang="en-US" sz="1600" dirty="0"/>
-                  <a:t>Natural Language         facts, objects, relations, …                 ???</a:t>
+                  <a:rPr lang="en-US" sz="1600" dirty="0">
+                    <a:latin typeface="Times New Roman" panose="02020603050405020304" pitchFamily="18" charset="0"/>
+                    <a:cs typeface="Times New Roman" panose="02020603050405020304" pitchFamily="18" charset="0"/>
+                  </a:rPr>
+                  <a:t>Natural Language        word patterns representing </a:t>
+                </a:r>
+                <a:br>
+                  <a:rPr lang="en-US" sz="1600" dirty="0">
+                    <a:latin typeface="Times New Roman" panose="02020603050405020304" pitchFamily="18" charset="0"/>
+                    <a:cs typeface="Times New Roman" panose="02020603050405020304" pitchFamily="18" charset="0"/>
+                  </a:rPr>
+                </a:br>
+                <a:r>
+                  <a:rPr lang="en-US" sz="1600" dirty="0">
+                    <a:latin typeface="Times New Roman" panose="02020603050405020304" pitchFamily="18" charset="0"/>
+                    <a:cs typeface="Times New Roman" panose="02020603050405020304" pitchFamily="18" charset="0"/>
+                  </a:rPr>
+                  <a:t>		      facts, objects, relations, …                 ???</a:t>
                 </a:r>
               </a:p>
             </p:txBody>
@@ -29661,8 +29794,8 @@
         </p:nvSpPr>
         <p:spPr>
           <a:xfrm>
-            <a:off x="628650" y="4195231"/>
-            <a:ext cx="7886700" cy="1981731"/>
+            <a:off x="628650" y="4375433"/>
+            <a:ext cx="7886700" cy="1801529"/>
           </a:xfrm>
         </p:spPr>
         <p:txBody>
@@ -29679,7 +29812,7 @@
           <a:p>
             <a:r>
               <a:rPr lang="en-US" dirty="0"/>
-              <a:t>Is the basis for</a:t>
+              <a:t>This is the basis for</a:t>
             </a:r>
           </a:p>
           <a:p>
@@ -44389,9 +44522,9 @@
         <p:grpSpPr>
           <a:xfrm>
             <a:off x="381000" y="1524000"/>
-            <a:ext cx="8382000" cy="2552586"/>
+            <a:ext cx="8382000" cy="2875751"/>
             <a:chOff x="381000" y="1524000"/>
-            <a:chExt cx="8382000" cy="2552586"/>
+            <a:chExt cx="8382000" cy="2875751"/>
           </a:xfrm>
         </p:grpSpPr>
         <p:pic>
@@ -44438,10 +44571,10 @@
           </p:nvGrpSpPr>
           <p:grpSpPr>
             <a:xfrm>
-              <a:off x="381000" y="3553366"/>
-              <a:ext cx="8224787" cy="523220"/>
-              <a:chOff x="381000" y="3553366"/>
-              <a:chExt cx="8224787" cy="523220"/>
+              <a:off x="404436" y="3720055"/>
+              <a:ext cx="8229600" cy="679696"/>
+              <a:chOff x="404436" y="3720055"/>
+              <a:chExt cx="8229600" cy="679696"/>
             </a:xfrm>
           </p:grpSpPr>
           <p:sp>
@@ -44458,8 +44591,8 @@
             </p:nvSpPr>
             <p:spPr>
               <a:xfrm>
-                <a:off x="623837" y="3672012"/>
-                <a:ext cx="7981950" cy="338554"/>
+                <a:off x="652086" y="3814976"/>
+                <a:ext cx="7981950" cy="584775"/>
               </a:xfrm>
               <a:prstGeom prst="rect">
                 <a:avLst/>
@@ -44473,8 +44606,24 @@
               <a:lstStyle/>
               <a:p>
                 <a:r>
-                  <a:rPr lang="en-US" sz="1600" dirty="0"/>
-                  <a:t>Natural Language         facts, objects, relations, …                 ???</a:t>
+                  <a:rPr lang="en-US" sz="1600" dirty="0">
+                    <a:latin typeface="Times New Roman" panose="02020603050405020304" pitchFamily="18" charset="0"/>
+                    <a:cs typeface="Times New Roman" panose="02020603050405020304" pitchFamily="18" charset="0"/>
+                  </a:rPr>
+                  <a:t>Natural Language        word patterns representing </a:t>
+                </a:r>
+                <a:br>
+                  <a:rPr lang="en-US" sz="1600" dirty="0">
+                    <a:latin typeface="Times New Roman" panose="02020603050405020304" pitchFamily="18" charset="0"/>
+                    <a:cs typeface="Times New Roman" panose="02020603050405020304" pitchFamily="18" charset="0"/>
+                  </a:rPr>
+                </a:br>
+                <a:r>
+                  <a:rPr lang="en-US" sz="1600" dirty="0">
+                    <a:latin typeface="Times New Roman" panose="02020603050405020304" pitchFamily="18" charset="0"/>
+                    <a:cs typeface="Times New Roman" panose="02020603050405020304" pitchFamily="18" charset="0"/>
+                  </a:rPr>
+                  <a:t>		      facts, objects, relations, …                 ???</a:t>
                 </a:r>
               </a:p>
             </p:txBody>
@@ -44493,7 +44642,7 @@
             </p:nvSpPr>
             <p:spPr>
               <a:xfrm>
-                <a:off x="381000" y="3553366"/>
+                <a:off x="404436" y="3720055"/>
                 <a:ext cx="299987" cy="523220"/>
               </a:xfrm>
               <a:prstGeom prst="rect">
@@ -44679,13 +44828,13 @@
         </p:nvSpPr>
         <p:spPr>
           <a:xfrm>
-            <a:off x="628650" y="4195231"/>
-            <a:ext cx="7886700" cy="1981731"/>
+            <a:off x="628650" y="4525368"/>
+            <a:ext cx="7886700" cy="1651594"/>
           </a:xfrm>
         </p:spPr>
         <p:txBody>
           <a:bodyPr>
-            <a:normAutofit lnSpcReduction="10000"/>
+            <a:normAutofit fontScale="92500"/>
           </a:bodyPr>
           <a:lstStyle/>
           <a:p>
@@ -44743,9 +44892,9 @@
         <p:grpSpPr>
           <a:xfrm>
             <a:off x="381000" y="1524000"/>
-            <a:ext cx="8382000" cy="2552586"/>
+            <a:ext cx="8382000" cy="2732787"/>
             <a:chOff x="381000" y="1524000"/>
-            <a:chExt cx="8382000" cy="2552586"/>
+            <a:chExt cx="8382000" cy="2732787"/>
           </a:xfrm>
         </p:grpSpPr>
         <p:pic>
@@ -44793,9 +44942,9 @@
           <p:grpSpPr>
             <a:xfrm>
               <a:off x="381000" y="3553366"/>
-              <a:ext cx="8224787" cy="523220"/>
+              <a:ext cx="8224787" cy="703421"/>
               <a:chOff x="381000" y="3553366"/>
-              <a:chExt cx="8224787" cy="523220"/>
+              <a:chExt cx="8224787" cy="703421"/>
             </a:xfrm>
           </p:grpSpPr>
           <p:sp>
@@ -44813,7 +44962,7 @@
             <p:spPr>
               <a:xfrm>
                 <a:off x="623837" y="3672012"/>
-                <a:ext cx="7981950" cy="338554"/>
+                <a:ext cx="7981950" cy="584775"/>
               </a:xfrm>
               <a:prstGeom prst="rect">
                 <a:avLst/>
@@ -44827,8 +44976,24 @@
               <a:lstStyle/>
               <a:p>
                 <a:r>
-                  <a:rPr lang="en-US" sz="1600" dirty="0"/>
-                  <a:t>Natural Language         facts, objects, relations, …                 ???</a:t>
+                  <a:rPr lang="en-US" sz="1600" dirty="0">
+                    <a:latin typeface="Times New Roman" panose="02020603050405020304" pitchFamily="18" charset="0"/>
+                    <a:cs typeface="Times New Roman" panose="02020603050405020304" pitchFamily="18" charset="0"/>
+                  </a:rPr>
+                  <a:t>Natural Language        word patterns representing </a:t>
+                </a:r>
+                <a:br>
+                  <a:rPr lang="en-US" sz="1600" dirty="0">
+                    <a:latin typeface="Times New Roman" panose="02020603050405020304" pitchFamily="18" charset="0"/>
+                    <a:cs typeface="Times New Roman" panose="02020603050405020304" pitchFamily="18" charset="0"/>
+                  </a:rPr>
+                </a:br>
+                <a:r>
+                  <a:rPr lang="en-US" sz="1600" dirty="0">
+                    <a:latin typeface="Times New Roman" panose="02020603050405020304" pitchFamily="18" charset="0"/>
+                    <a:cs typeface="Times New Roman" panose="02020603050405020304" pitchFamily="18" charset="0"/>
+                  </a:rPr>
+                  <a:t>		      facts, objects, relations, …                 ???</a:t>
                 </a:r>
               </a:p>
             </p:txBody>

--- a/slides/07_knowledge-based.pptx
+++ b/slides/07_knowledge-based.pptx
@@ -19654,7 +19654,7 @@
             <a:fld id="{441436E8-D6C9-439C-8057-F594059D4145}" type="datetimeFigureOut">
               <a:rPr lang="en-US" smtClean="0"/>
               <a:pPr/>
-              <a:t>11/4/2024</a:t>
+              <a:t>11/5/2024</a:t>
             </a:fld>
             <a:endParaRPr lang="en-US"/>
           </a:p>
@@ -27936,8 +27936,8 @@
         </p:nvSpPr>
         <p:spPr>
           <a:xfrm>
-            <a:off x="4462215" y="4463392"/>
-            <a:ext cx="506870" cy="369332"/>
+            <a:off x="4278703" y="4549514"/>
+            <a:ext cx="901144" cy="369332"/>
           </a:xfrm>
           <a:prstGeom prst="rect">
             <a:avLst/>
@@ -27956,7 +27956,7 @@
                   <a:schemeClr val="accent2"/>
                 </a:solidFill>
               </a:rPr>
-              <a:t>???</a:t>
+              <a:t>Useful?</a:t>
             </a:r>
           </a:p>
         </p:txBody>
@@ -28687,47 +28687,6 @@
           </a:fontRef>
         </p:style>
       </p:pic>
-      <p:cxnSp>
-        <p:nvCxnSpPr>
-          <p:cNvPr id="12" name="Straight Arrow Connector 11">
-            <a:extLst>
-              <a:ext uri="{FF2B5EF4-FFF2-40B4-BE49-F238E27FC236}">
-                <a16:creationId xmlns:a16="http://schemas.microsoft.com/office/drawing/2014/main" id="{57028319-FF24-4693-9B50-887BF3051ADC}"/>
-              </a:ext>
-            </a:extLst>
-          </p:cNvPr>
-          <p:cNvCxnSpPr>
-            <a:cxnSpLocks/>
-          </p:cNvCxnSpPr>
-          <p:nvPr/>
-        </p:nvCxnSpPr>
-        <p:spPr>
-          <a:xfrm flipH="1" flipV="1">
-            <a:off x="5803081" y="3544668"/>
-            <a:ext cx="926281" cy="161331"/>
-          </a:xfrm>
-          <a:prstGeom prst="straightConnector1">
-            <a:avLst/>
-          </a:prstGeom>
-          <a:ln>
-            <a:tailEnd type="triangle"/>
-          </a:ln>
-        </p:spPr>
-        <p:style>
-          <a:lnRef idx="3">
-            <a:schemeClr val="accent2"/>
-          </a:lnRef>
-          <a:fillRef idx="0">
-            <a:schemeClr val="accent2"/>
-          </a:fillRef>
-          <a:effectRef idx="2">
-            <a:schemeClr val="accent2"/>
-          </a:effectRef>
-          <a:fontRef idx="minor">
-            <a:schemeClr val="tx1"/>
-          </a:fontRef>
-        </p:style>
-      </p:cxnSp>
       <p:grpSp>
         <p:nvGrpSpPr>
           <p:cNvPr id="8" name="Group 7">
@@ -28968,7 +28927,7 @@
             <a:pPr algn="ctr"/>
             <a:r>
               <a:rPr lang="en-US" dirty="0"/>
-              <a:t>Prompt + already generated words</a:t>
+              <a:t>Prompt + already generated tokens</a:t>
             </a:r>
           </a:p>
         </p:txBody>
@@ -29019,7 +28978,7 @@
             <a:pPr algn="ctr"/>
             <a:r>
               <a:rPr lang="en-US" dirty="0"/>
-              <a:t>Next Word</a:t>
+              <a:t>Next token</a:t>
             </a:r>
           </a:p>
         </p:txBody>
@@ -29143,7 +29102,7 @@
         </p:blipFill>
         <p:spPr>
           <a:xfrm>
-            <a:off x="1891767" y="10"/>
+            <a:off x="1891769" y="0"/>
             <a:ext cx="7252231" cy="6857990"/>
           </a:xfrm>
           <a:prstGeom prst="rect">
@@ -29266,9 +29225,10 @@
           <a:lstStyle/>
           <a:p>
             <a:r>
-              <a:rPr lang="en-US" sz="3500" dirty="0"/>
+              <a:rPr lang="en-US" sz="3500"/>
               <a:t>Many Open Questions about LLMs</a:t>
             </a:r>
+            <a:endParaRPr lang="en-US" sz="3500" dirty="0"/>
           </a:p>
         </p:txBody>
       </p:sp>
@@ -29290,13 +29250,13 @@
         </p:nvSpPr>
         <p:spPr>
           <a:xfrm>
-            <a:off x="628650" y="1905000"/>
-            <a:ext cx="3638550" cy="4587875"/>
+            <a:off x="628650" y="2133600"/>
+            <a:ext cx="2952750" cy="4359275"/>
           </a:xfrm>
         </p:spPr>
         <p:txBody>
           <a:bodyPr>
-            <a:normAutofit fontScale="92500" lnSpcReduction="20000"/>
+            <a:normAutofit fontScale="85000" lnSpcReduction="20000"/>
           </a:bodyPr>
           <a:lstStyle/>
           <a:p>
@@ -29367,12 +29327,16 @@
           </a:p>
           <a:p>
             <a:r>
+              <a:rPr lang="en-US" sz="1600" b="1" dirty="0"/>
+              <a:t>Rights-laundering</a:t>
+            </a:r>
+            <a:r>
               <a:rPr lang="en-US" sz="1600" dirty="0"/>
-              <a:t>Rights-laundering: </a:t>
+              <a:t>: Copyrighted or licensed material</a:t>
             </a:r>
             <a:r>
               <a:rPr lang="en-US" sz="1600" b="1" dirty="0"/>
-              <a:t>Copyrighted or licensed material </a:t>
+              <a:t> </a:t>
             </a:r>
             <a:r>
               <a:rPr lang="en-US" sz="1600" dirty="0"/>
@@ -29398,9 +29362,9 @@
             <a:endParaRPr lang="en-US" sz="1600" dirty="0"/>
           </a:p>
           <a:p>
-            <a:endParaRPr lang="en-US" sz="1600" dirty="0"/>
-          </a:p>
-          <a:p>
+            <a:pPr marL="0" indent="0">
+              <a:buNone/>
+            </a:pPr>
             <a:endParaRPr lang="en-US" sz="1600" dirty="0"/>
           </a:p>
           <a:p>
@@ -29951,9 +29915,10 @@
           <a:lstStyle/>
           <a:p>
             <a:r>
-              <a:rPr lang="en-US" sz="3500" dirty="0"/>
+              <a:rPr lang="en-US" sz="3500"/>
               <a:t>Conclusion</a:t>
             </a:r>
+            <a:endParaRPr lang="en-US" sz="3500" dirty="0"/>
           </a:p>
         </p:txBody>
       </p:sp>
@@ -44828,13 +44793,13 @@
         </p:nvSpPr>
         <p:spPr>
           <a:xfrm>
-            <a:off x="628650" y="4525368"/>
-            <a:ext cx="7886700" cy="1651594"/>
+            <a:off x="628650" y="3886201"/>
+            <a:ext cx="7886700" cy="2606674"/>
           </a:xfrm>
         </p:spPr>
         <p:txBody>
           <a:bodyPr>
-            <a:normAutofit fontScale="92500"/>
+            <a:normAutofit fontScale="92500" lnSpcReduction="20000"/>
           </a:bodyPr>
           <a:lstStyle/>
           <a:p>
@@ -44852,6 +44817,32 @@
           <a:p>
             <a:r>
               <a:rPr lang="en-US" dirty="0"/>
+              <a:t>Implementation: Typically using Prolog </a:t>
+            </a:r>
+          </a:p>
+          <a:p>
+            <a:pPr lvl="1"/>
+            <a:r>
+              <a:rPr lang="en-US" dirty="0"/>
+              <a:t>Declarative logic programing language.</a:t>
+            </a:r>
+          </a:p>
+          <a:p>
+            <a:pPr lvl="1"/>
+            <a:r>
+              <a:rPr lang="en-US" dirty="0"/>
+              <a:t>Runs queries over the program (= the knowledge base)</a:t>
+            </a:r>
+          </a:p>
+          <a:p>
+            <a:endParaRPr lang="en-US" dirty="0"/>
+          </a:p>
+          <a:p>
+            <a:pPr marL="0" indent="0">
+              <a:buNone/>
+            </a:pPr>
+            <a:r>
+              <a:rPr lang="en-US" dirty="0"/>
               <a:t>Issues:</a:t>
             </a:r>
           </a:p>
@@ -44877,168 +44868,36 @@
           </a:p>
         </p:txBody>
       </p:sp>
-      <p:grpSp>
-        <p:nvGrpSpPr>
-          <p:cNvPr id="10" name="Group 9">
+      <p:pic>
+        <p:nvPicPr>
+          <p:cNvPr id="2" name="Picture 1">
             <a:extLst>
               <a:ext uri="{FF2B5EF4-FFF2-40B4-BE49-F238E27FC236}">
-                <a16:creationId xmlns:a16="http://schemas.microsoft.com/office/drawing/2014/main" id="{CF86383B-2596-B951-6E5C-58535139642A}"/>
+                <a16:creationId xmlns:a16="http://schemas.microsoft.com/office/drawing/2014/main" id="{466ABFD7-3370-4CE3-A3D4-94A70A5AF9D9}"/>
               </a:ext>
             </a:extLst>
           </p:cNvPr>
-          <p:cNvGrpSpPr/>
+          <p:cNvPicPr>
+            <a:picLocks noChangeAspect="1"/>
+          </p:cNvPicPr>
           <p:nvPr/>
-        </p:nvGrpSpPr>
-        <p:grpSpPr>
+        </p:nvPicPr>
+        <p:blipFill>
+          <a:blip r:embed="rId3"/>
+          <a:stretch>
+            <a:fillRect/>
+          </a:stretch>
+        </p:blipFill>
+        <p:spPr>
           <a:xfrm>
             <a:off x="381000" y="1524000"/>
-            <a:ext cx="8382000" cy="2732787"/>
-            <a:chOff x="381000" y="1524000"/>
-            <a:chExt cx="8382000" cy="2732787"/>
+            <a:ext cx="8382000" cy="2290976"/>
           </a:xfrm>
-        </p:grpSpPr>
-        <p:pic>
-          <p:nvPicPr>
-            <p:cNvPr id="2" name="Picture 1">
-              <a:extLst>
-                <a:ext uri="{FF2B5EF4-FFF2-40B4-BE49-F238E27FC236}">
-                  <a16:creationId xmlns:a16="http://schemas.microsoft.com/office/drawing/2014/main" id="{466ABFD7-3370-4CE3-A3D4-94A70A5AF9D9}"/>
-                </a:ext>
-              </a:extLst>
-            </p:cNvPr>
-            <p:cNvPicPr>
-              <a:picLocks noChangeAspect="1"/>
-            </p:cNvPicPr>
-            <p:nvPr/>
-          </p:nvPicPr>
-          <p:blipFill>
-            <a:blip r:embed="rId3"/>
-            <a:stretch>
-              <a:fillRect/>
-            </a:stretch>
-          </p:blipFill>
-          <p:spPr>
-            <a:xfrm>
-              <a:off x="381000" y="1524000"/>
-              <a:ext cx="8382000" cy="2290976"/>
-            </a:xfrm>
-            <a:prstGeom prst="rect">
-              <a:avLst/>
-            </a:prstGeom>
-          </p:spPr>
-        </p:pic>
-        <p:grpSp>
-          <p:nvGrpSpPr>
-            <p:cNvPr id="9" name="Group 8">
-              <a:extLst>
-                <a:ext uri="{FF2B5EF4-FFF2-40B4-BE49-F238E27FC236}">
-                  <a16:creationId xmlns:a16="http://schemas.microsoft.com/office/drawing/2014/main" id="{7AC5B94A-8EEC-2B3B-3736-8498A95B47B6}"/>
-                </a:ext>
-              </a:extLst>
-            </p:cNvPr>
-            <p:cNvGrpSpPr/>
-            <p:nvPr/>
-          </p:nvGrpSpPr>
-          <p:grpSpPr>
-            <a:xfrm>
-              <a:off x="381000" y="3553366"/>
-              <a:ext cx="8224787" cy="703421"/>
-              <a:chOff x="381000" y="3553366"/>
-              <a:chExt cx="8224787" cy="703421"/>
-            </a:xfrm>
-          </p:grpSpPr>
-          <p:sp>
-            <p:nvSpPr>
-              <p:cNvPr id="7" name="TextBox 6">
-                <a:extLst>
-                  <a:ext uri="{FF2B5EF4-FFF2-40B4-BE49-F238E27FC236}">
-                    <a16:creationId xmlns:a16="http://schemas.microsoft.com/office/drawing/2014/main" id="{ABAB136D-66B9-A975-086A-D7B2D61B5DB7}"/>
-                  </a:ext>
-                </a:extLst>
-              </p:cNvPr>
-              <p:cNvSpPr txBox="1"/>
-              <p:nvPr/>
-            </p:nvSpPr>
-            <p:spPr>
-              <a:xfrm>
-                <a:off x="623837" y="3672012"/>
-                <a:ext cx="7981950" cy="584775"/>
-              </a:xfrm>
-              <a:prstGeom prst="rect">
-                <a:avLst/>
-              </a:prstGeom>
-              <a:noFill/>
-            </p:spPr>
-            <p:txBody>
-              <a:bodyPr wrap="square" rtlCol="0">
-                <a:spAutoFit/>
-              </a:bodyPr>
-              <a:lstStyle/>
-              <a:p>
-                <a:r>
-                  <a:rPr lang="en-US" sz="1600" dirty="0">
-                    <a:latin typeface="Times New Roman" panose="02020603050405020304" pitchFamily="18" charset="0"/>
-                    <a:cs typeface="Times New Roman" panose="02020603050405020304" pitchFamily="18" charset="0"/>
-                  </a:rPr>
-                  <a:t>Natural Language        word patterns representing </a:t>
-                </a:r>
-                <a:br>
-                  <a:rPr lang="en-US" sz="1600" dirty="0">
-                    <a:latin typeface="Times New Roman" panose="02020603050405020304" pitchFamily="18" charset="0"/>
-                    <a:cs typeface="Times New Roman" panose="02020603050405020304" pitchFamily="18" charset="0"/>
-                  </a:rPr>
-                </a:br>
-                <a:r>
-                  <a:rPr lang="en-US" sz="1600" dirty="0">
-                    <a:latin typeface="Times New Roman" panose="02020603050405020304" pitchFamily="18" charset="0"/>
-                    <a:cs typeface="Times New Roman" panose="02020603050405020304" pitchFamily="18" charset="0"/>
-                  </a:rPr>
-                  <a:t>		      facts, objects, relations, …                 ???</a:t>
-                </a:r>
-              </a:p>
-            </p:txBody>
-          </p:sp>
-          <p:sp>
-            <p:nvSpPr>
-              <p:cNvPr id="8" name="TextBox 7">
-                <a:extLst>
-                  <a:ext uri="{FF2B5EF4-FFF2-40B4-BE49-F238E27FC236}">
-                    <a16:creationId xmlns:a16="http://schemas.microsoft.com/office/drawing/2014/main" id="{4B097C8C-EBC1-6D92-3D3B-A5974704F6DE}"/>
-                  </a:ext>
-                </a:extLst>
-              </p:cNvPr>
-              <p:cNvSpPr txBox="1"/>
-              <p:nvPr/>
-            </p:nvSpPr>
-            <p:spPr>
-              <a:xfrm>
-                <a:off x="381000" y="3553366"/>
-                <a:ext cx="299987" cy="523220"/>
-              </a:xfrm>
-              <a:prstGeom prst="rect">
-                <a:avLst/>
-              </a:prstGeom>
-              <a:noFill/>
-            </p:spPr>
-            <p:txBody>
-              <a:bodyPr wrap="square" rtlCol="0">
-                <a:spAutoFit/>
-              </a:bodyPr>
-              <a:lstStyle/>
-              <a:p>
-                <a:r>
-                  <a:rPr lang="en-US" sz="2800" b="1" dirty="0">
-                    <a:solidFill>
-                      <a:srgbClr val="FF0000"/>
-                    </a:solidFill>
-                  </a:rPr>
-                  <a:t>+</a:t>
-                </a:r>
-              </a:p>
-            </p:txBody>
-          </p:sp>
-        </p:grpSp>
-      </p:grpSp>
+          <a:prstGeom prst="rect">
+            <a:avLst/>
+          </a:prstGeom>
+        </p:spPr>
+      </p:pic>
       <p:sp>
         <p:nvSpPr>
           <p:cNvPr id="3" name="Rectangle 2">

--- a/slides/07_knowledge-based.pptx
+++ b/slides/07_knowledge-based.pptx
@@ -154,6 +154,81 @@
     </a:lvl9pPr>
   </p:defaultTextStyle>
   <p:extLst>
+    <p:ext uri="{521415D9-36F7-43E2-AB2F-B90AF26B5E84}">
+      <p14:sectionLst xmlns:p14="http://schemas.microsoft.com/office/powerpoint/2010/main">
+        <p14:section name="Introduction" id="{F6C34C04-4B42-4188-AA53-14322E6C83C1}">
+          <p14:sldIdLst>
+            <p14:sldId id="372"/>
+          </p14:sldIdLst>
+        </p14:section>
+        <p14:section name="Knowledge-based Agents" id="{499C2742-DA4D-4EE0-BD87-B3B34F6A077E}">
+          <p14:sldIdLst>
+            <p14:sldId id="387"/>
+            <p14:sldId id="379"/>
+            <p14:sldId id="259"/>
+            <p14:sldId id="376"/>
+            <p14:sldId id="393"/>
+          </p14:sldIdLst>
+        </p14:section>
+        <p14:section name="Logical Agents" id="{6D1C5CD7-EFB7-4486-AD6E-7AD7659156B5}">
+          <p14:sldIdLst>
+            <p14:sldId id="397"/>
+            <p14:sldId id="394"/>
+          </p14:sldIdLst>
+        </p14:section>
+        <p14:section name="Large Language Models" id="{1664374C-FB97-4EAC-ACA0-010019395C59}">
+          <p14:sldIdLst>
+            <p14:sldId id="398"/>
+            <p14:sldId id="395"/>
+            <p14:sldId id="384"/>
+            <p14:sldId id="385"/>
+            <p14:sldId id="386"/>
+            <p14:sldId id="403"/>
+          </p14:sldIdLst>
+        </p14:section>
+        <p14:section name="Probabilistic Reasoning" id="{DD8A7E1F-B757-4B8E-9778-1FC00541C080}">
+          <p14:sldIdLst>
+            <p14:sldId id="402"/>
+            <p14:sldId id="396"/>
+            <p14:sldId id="392"/>
+          </p14:sldIdLst>
+        </p14:section>
+        <p14:section name="Appendix: Logic" id="{EF800037-9E2E-4C8D-9AD5-DD5213A1D2F9}">
+          <p14:sldIdLst>
+            <p14:sldId id="400"/>
+            <p14:sldId id="360"/>
+            <p14:sldId id="401"/>
+            <p14:sldId id="281"/>
+            <p14:sldId id="371"/>
+            <p14:sldId id="282"/>
+            <p14:sldId id="377"/>
+            <p14:sldId id="370"/>
+            <p14:sldId id="272"/>
+            <p14:sldId id="280"/>
+            <p14:sldId id="365"/>
+            <p14:sldId id="361"/>
+            <p14:sldId id="362"/>
+            <p14:sldId id="363"/>
+            <p14:sldId id="364"/>
+            <p14:sldId id="367"/>
+            <p14:sldId id="368"/>
+            <p14:sldId id="382"/>
+            <p14:sldId id="383"/>
+            <p14:sldId id="330"/>
+            <p14:sldId id="373"/>
+            <p14:sldId id="260"/>
+            <p14:sldId id="261"/>
+            <p14:sldId id="266"/>
+            <p14:sldId id="268"/>
+            <p14:sldId id="270"/>
+            <p14:sldId id="271"/>
+            <p14:sldId id="374"/>
+            <p14:sldId id="326"/>
+            <p14:sldId id="378"/>
+          </p14:sldIdLst>
+        </p14:section>
+      </p14:sectionLst>
+    </p:ext>
     <p:ext uri="{EFAFB233-063F-42B5-8137-9DF3F51BA10A}">
       <p15:sldGuideLst xmlns:p15="http://schemas.microsoft.com/office/powerpoint/2012/main">
         <p15:guide id="1" orient="horz" pos="2160">
@@ -6071,10 +6146,24 @@
     <dgm:pt modelId="{975BF9C8-E6E9-4861-AD20-8FCD6B6DAC58}" type="parTrans" cxnId="{6533FE69-683B-4B18-A720-BC7C6F0B315A}">
       <dgm:prSet/>
       <dgm:spPr/>
+      <dgm:t>
+        <a:bodyPr/>
+        <a:lstStyle/>
+        <a:p>
+          <a:endParaRPr lang="en-US"/>
+        </a:p>
+      </dgm:t>
     </dgm:pt>
     <dgm:pt modelId="{219ED108-0FCE-4810-9845-E28DBBE3B6CF}" type="sibTrans" cxnId="{6533FE69-683B-4B18-A720-BC7C6F0B315A}">
       <dgm:prSet/>
       <dgm:spPr/>
+      <dgm:t>
+        <a:bodyPr/>
+        <a:lstStyle/>
+        <a:p>
+          <a:endParaRPr lang="en-US"/>
+        </a:p>
+      </dgm:t>
     </dgm:pt>
     <dgm:pt modelId="{9A1E0479-F7EC-45AF-97BB-D6C00E9D89F0}" type="pres">
       <dgm:prSet presAssocID="{8B885064-3782-4453-948C-7ADBB6C73392}" presName="CompostProcess" presStyleCnt="0">
@@ -6665,10 +6754,24 @@
     <dgm:pt modelId="{D096B6BB-2A24-44A7-ABD2-2F04A497D072}" type="parTrans" cxnId="{9651F9B8-FF47-46F7-A4E3-EB3761BA39B0}">
       <dgm:prSet/>
       <dgm:spPr/>
+      <dgm:t>
+        <a:bodyPr/>
+        <a:lstStyle/>
+        <a:p>
+          <a:endParaRPr lang="en-US"/>
+        </a:p>
+      </dgm:t>
     </dgm:pt>
     <dgm:pt modelId="{019E4FB6-94EA-43CF-83E1-3657D4D78A21}" type="sibTrans" cxnId="{9651F9B8-FF47-46F7-A4E3-EB3761BA39B0}">
       <dgm:prSet/>
       <dgm:spPr/>
+      <dgm:t>
+        <a:bodyPr/>
+        <a:lstStyle/>
+        <a:p>
+          <a:endParaRPr lang="en-US"/>
+        </a:p>
+      </dgm:t>
     </dgm:pt>
     <dgm:pt modelId="{9A1E0479-F7EC-45AF-97BB-D6C00E9D89F0}" type="pres">
       <dgm:prSet presAssocID="{8B885064-3782-4453-948C-7ADBB6C73392}" presName="CompostProcess" presStyleCnt="0">
@@ -7251,199 +7354,6 @@
     <dgm:cxn modelId="{DB8D022C-5FF6-4468-A3FA-390F69FAF78E}" type="presParOf" srcId="{81189BAF-A6B1-4247-9977-81C6D8F46B6A}" destId="{E9D5A495-04A0-47AF-A824-33CD1D477F0A}" srcOrd="2" destOrd="0" presId="urn:microsoft.com/office/officeart/2018/2/layout/IconVerticalSolidList"/>
     <dgm:cxn modelId="{E0E88D3D-FAD1-4EE6-8B98-5D7630CF87D0}" type="presParOf" srcId="{81189BAF-A6B1-4247-9977-81C6D8F46B6A}" destId="{F0DA0DF3-CBA3-4BAB-82F5-5901221B6DFA}" srcOrd="3" destOrd="0" presId="urn:microsoft.com/office/officeart/2018/2/layout/IconVerticalSolidList"/>
     <dgm:cxn modelId="{577CFAB3-88F1-41C2-825E-339F64F9829B}" type="presParOf" srcId="{81189BAF-A6B1-4247-9977-81C6D8F46B6A}" destId="{B6485A47-A547-471B-9A0F-31B3CBE82201}" srcOrd="4" destOrd="0" presId="urn:microsoft.com/office/officeart/2018/2/layout/IconVerticalSolidList"/>
-  </dgm:cxnLst>
-  <dgm:bg/>
-  <dgm:whole/>
-  <dgm:extLst>
-    <a:ext uri="http://schemas.microsoft.com/office/drawing/2008/diagram">
-      <dsp:dataModelExt xmlns:dsp="http://schemas.microsoft.com/office/drawing/2008/diagram" relId="rId7" minVer="http://schemas.openxmlformats.org/drawingml/2006/diagram"/>
-    </a:ext>
-  </dgm:extLst>
-</dgm:dataModel>
-</file>
-
-<file path=ppt/diagrams/data50.xml><?xml version="1.0" encoding="utf-8"?>
-<dgm:dataModel xmlns:dgm="http://schemas.openxmlformats.org/drawingml/2006/diagram" xmlns:a="http://schemas.openxmlformats.org/drawingml/2006/main">
-  <dgm:ptLst>
-    <dgm:pt modelId="{A8CA8907-E32D-46A7-84D9-06D43E82CC64}" type="doc">
-      <dgm:prSet loTypeId="urn:microsoft.com/office/officeart/2005/8/layout/vList2" loCatId="list" qsTypeId="urn:microsoft.com/office/officeart/2005/8/quickstyle/simple1" qsCatId="simple" csTypeId="urn:microsoft.com/office/officeart/2005/8/colors/accent1_2" csCatId="accent1" phldr="1"/>
-      <dgm:spPr/>
-      <dgm:t>
-        <a:bodyPr/>
-        <a:lstStyle/>
-        <a:p>
-          <a:endParaRPr lang="en-US"/>
-        </a:p>
-      </dgm:t>
-    </dgm:pt>
-    <dgm:pt modelId="{3DFF7690-4E06-444D-ABC8-24C683307CE3}">
-      <dgm:prSet/>
-      <dgm:spPr/>
-      <dgm:t>
-        <a:bodyPr/>
-        <a:lstStyle/>
-        <a:p>
-          <a:r>
-            <a:rPr lang="en-US" dirty="0"/>
-            <a:t>A </a:t>
-          </a:r>
-          <a:r>
-            <a:rPr lang="en-US" b="1" dirty="0"/>
-            <a:t>model</a:t>
-          </a:r>
-          <a:r>
-            <a:rPr lang="en-US" dirty="0"/>
-            <a:t> specifies a “</a:t>
-          </a:r>
-          <a:r>
-            <a:rPr lang="en-US"/>
-            <a:t>possible world” with the true/false status of each proposition symbol in the knowledge base</a:t>
-          </a:r>
-        </a:p>
-      </dgm:t>
-    </dgm:pt>
-    <dgm:pt modelId="{33D95D03-50DB-4F11-96F4-9C3CAC2B20A9}" type="parTrans" cxnId="{D385247B-FFBA-43E6-B115-303FBE8A73D1}">
-      <dgm:prSet/>
-      <dgm:spPr/>
-      <dgm:t>
-        <a:bodyPr/>
-        <a:lstStyle/>
-        <a:p>
-          <a:endParaRPr lang="en-US"/>
-        </a:p>
-      </dgm:t>
-    </dgm:pt>
-    <dgm:pt modelId="{D80665D2-315E-4900-9980-E0D7C6ECEC3C}" type="sibTrans" cxnId="{D385247B-FFBA-43E6-B115-303FBE8A73D1}">
-      <dgm:prSet/>
-      <dgm:spPr/>
-      <dgm:t>
-        <a:bodyPr/>
-        <a:lstStyle/>
-        <a:p>
-          <a:endParaRPr lang="en-US"/>
-        </a:p>
-      </dgm:t>
-    </dgm:pt>
-    <dgm:pt modelId="{69F23981-B1D7-4464-B81F-9126DB292CEA}">
-      <dgm:prSet/>
-      <dgm:spPr>
-        <a:blipFill>
-          <a:blip xmlns:r="http://schemas.openxmlformats.org/officeDocument/2006/relationships" r:embed="rId1"/>
-          <a:stretch>
-            <a:fillRect t="-8387" r="-155" b="-10323"/>
-          </a:stretch>
-        </a:blipFill>
-      </dgm:spPr>
-      <dgm:t>
-        <a:bodyPr/>
-        <a:lstStyle/>
-        <a:p>
-          <a:r>
-            <a:rPr lang="en-US">
-              <a:noFill/>
-            </a:rPr>
-            <a:t> </a:t>
-          </a:r>
-        </a:p>
-      </dgm:t>
-    </dgm:pt>
-    <dgm:pt modelId="{62FAB4AD-4E73-400C-95B4-CB7848BDD85C}" type="parTrans" cxnId="{38DE929C-7082-4894-BEB8-45483806E45C}">
-      <dgm:prSet/>
-      <dgm:spPr/>
-      <dgm:t>
-        <a:bodyPr/>
-        <a:lstStyle/>
-        <a:p>
-          <a:endParaRPr lang="en-US"/>
-        </a:p>
-      </dgm:t>
-    </dgm:pt>
-    <dgm:pt modelId="{2A1F5FE2-1D8E-46EA-8748-3ABFFA2FBDAC}" type="sibTrans" cxnId="{38DE929C-7082-4894-BEB8-45483806E45C}">
-      <dgm:prSet/>
-      <dgm:spPr/>
-      <dgm:t>
-        <a:bodyPr/>
-        <a:lstStyle/>
-        <a:p>
-          <a:endParaRPr lang="en-US"/>
-        </a:p>
-      </dgm:t>
-    </dgm:pt>
-    <dgm:pt modelId="{EF6D8340-D276-420D-A4AB-A1E5A7BF47D9}">
-      <dgm:prSet/>
-      <dgm:spPr/>
-      <dgm:t>
-        <a:bodyPr/>
-        <a:lstStyle/>
-        <a:p>
-          <a:r>
-            <a:rPr lang="en-US">
-              <a:noFill/>
-            </a:rPr>
-            <a:t> </a:t>
-          </a:r>
-        </a:p>
-      </dgm:t>
-    </dgm:pt>
-    <dgm:pt modelId="{2DCAA3F6-BDA0-4EF3-B67D-D305F28E9085}" type="parTrans" cxnId="{3E2AB396-2ADC-4293-A6AC-E86FB34CD119}">
-      <dgm:prSet/>
-      <dgm:spPr/>
-      <dgm:t>
-        <a:bodyPr/>
-        <a:lstStyle/>
-        <a:p>
-          <a:endParaRPr lang="en-US"/>
-        </a:p>
-      </dgm:t>
-    </dgm:pt>
-    <dgm:pt modelId="{A5EF78CA-BADF-4DB6-83B2-43EDD00EC251}" type="sibTrans" cxnId="{3E2AB396-2ADC-4293-A6AC-E86FB34CD119}">
-      <dgm:prSet/>
-      <dgm:spPr/>
-      <dgm:t>
-        <a:bodyPr/>
-        <a:lstStyle/>
-        <a:p>
-          <a:endParaRPr lang="en-US"/>
-        </a:p>
-      </dgm:t>
-    </dgm:pt>
-    <dgm:pt modelId="{994620EC-3F28-4D70-824D-2A7A5AC4A8D3}" type="pres">
-      <dgm:prSet presAssocID="{A8CA8907-E32D-46A7-84D9-06D43E82CC64}" presName="linear" presStyleCnt="0">
-        <dgm:presLayoutVars>
-          <dgm:animLvl val="lvl"/>
-          <dgm:resizeHandles val="exact"/>
-        </dgm:presLayoutVars>
-      </dgm:prSet>
-      <dgm:spPr/>
-    </dgm:pt>
-    <dgm:pt modelId="{755C8529-702E-47E4-8348-F050DDC4A99C}" type="pres">
-      <dgm:prSet presAssocID="{3DFF7690-4E06-444D-ABC8-24C683307CE3}" presName="parentText" presStyleLbl="node1" presStyleIdx="0" presStyleCnt="1">
-        <dgm:presLayoutVars>
-          <dgm:chMax val="0"/>
-          <dgm:bulletEnabled val="1"/>
-        </dgm:presLayoutVars>
-      </dgm:prSet>
-      <dgm:spPr/>
-    </dgm:pt>
-    <dgm:pt modelId="{E172844F-D89C-439F-85B7-E5506FCD37AC}" type="pres">
-      <dgm:prSet presAssocID="{3DFF7690-4E06-444D-ABC8-24C683307CE3}" presName="childText" presStyleLbl="revTx" presStyleIdx="0" presStyleCnt="1">
-        <dgm:presLayoutVars>
-          <dgm:bulletEnabled val="1"/>
-        </dgm:presLayoutVars>
-      </dgm:prSet>
-      <dgm:spPr/>
-    </dgm:pt>
-  </dgm:ptLst>
-  <dgm:cxnLst>
-    <dgm:cxn modelId="{D385247B-FFBA-43E6-B115-303FBE8A73D1}" srcId="{A8CA8907-E32D-46A7-84D9-06D43E82CC64}" destId="{3DFF7690-4E06-444D-ABC8-24C683307CE3}" srcOrd="0" destOrd="0" parTransId="{33D95D03-50DB-4F11-96F4-9C3CAC2B20A9}" sibTransId="{D80665D2-315E-4900-9980-E0D7C6ECEC3C}"/>
-    <dgm:cxn modelId="{2F884188-D5B6-480A-A540-CC255434FB7E}" type="presOf" srcId="{3DFF7690-4E06-444D-ABC8-24C683307CE3}" destId="{755C8529-702E-47E4-8348-F050DDC4A99C}" srcOrd="0" destOrd="0" presId="urn:microsoft.com/office/officeart/2005/8/layout/vList2"/>
-    <dgm:cxn modelId="{3E2AB396-2ADC-4293-A6AC-E86FB34CD119}" srcId="{3DFF7690-4E06-444D-ABC8-24C683307CE3}" destId="{EF6D8340-D276-420D-A4AB-A1E5A7BF47D9}" srcOrd="1" destOrd="0" parTransId="{2DCAA3F6-BDA0-4EF3-B67D-D305F28E9085}" sibTransId="{A5EF78CA-BADF-4DB6-83B2-43EDD00EC251}"/>
-    <dgm:cxn modelId="{7DA06297-DCE8-45C2-BB12-A3532E043814}" type="presOf" srcId="{EF6D8340-D276-420D-A4AB-A1E5A7BF47D9}" destId="{E172844F-D89C-439F-85B7-E5506FCD37AC}" srcOrd="0" destOrd="1" presId="urn:microsoft.com/office/officeart/2005/8/layout/vList2"/>
-    <dgm:cxn modelId="{9A295A9A-C0E1-44D7-B968-0E61F4648E21}" type="presOf" srcId="{69F23981-B1D7-4464-B81F-9126DB292CEA}" destId="{E172844F-D89C-439F-85B7-E5506FCD37AC}" srcOrd="0" destOrd="0" presId="urn:microsoft.com/office/officeart/2005/8/layout/vList2"/>
-    <dgm:cxn modelId="{38DE929C-7082-4894-BEB8-45483806E45C}" srcId="{3DFF7690-4E06-444D-ABC8-24C683307CE3}" destId="{69F23981-B1D7-4464-B81F-9126DB292CEA}" srcOrd="0" destOrd="0" parTransId="{62FAB4AD-4E73-400C-95B4-CB7848BDD85C}" sibTransId="{2A1F5FE2-1D8E-46EA-8748-3ABFFA2FBDAC}"/>
-    <dgm:cxn modelId="{6F8C4AAF-9DFC-43E9-A458-58C822A42C9B}" type="presOf" srcId="{A8CA8907-E32D-46A7-84D9-06D43E82CC64}" destId="{994620EC-3F28-4D70-824D-2A7A5AC4A8D3}" srcOrd="0" destOrd="0" presId="urn:microsoft.com/office/officeart/2005/8/layout/vList2"/>
-    <dgm:cxn modelId="{5C80242B-C599-4013-A87F-B48EA73A13B6}" type="presParOf" srcId="{994620EC-3F28-4D70-824D-2A7A5AC4A8D3}" destId="{755C8529-702E-47E4-8348-F050DDC4A99C}" srcOrd="0" destOrd="0" presId="urn:microsoft.com/office/officeart/2005/8/layout/vList2"/>
-    <dgm:cxn modelId="{C579A25F-D24C-41FA-9C9C-60898F94AEAE}" type="presParOf" srcId="{994620EC-3F28-4D70-824D-2A7A5AC4A8D3}" destId="{E172844F-D89C-439F-85B7-E5506FCD37AC}" srcOrd="1" destOrd="0" presId="urn:microsoft.com/office/officeart/2005/8/layout/vList2"/>
   </dgm:cxnLst>
   <dgm:bg/>
   <dgm:whole/>
@@ -8145,6 +8055,199 @@
         </dgm:pt>
       </mc:Fallback>
     </mc:AlternateContent>
+    <dgm:pt modelId="{2DCAA3F6-BDA0-4EF3-B67D-D305F28E9085}" type="parTrans" cxnId="{3E2AB396-2ADC-4293-A6AC-E86FB34CD119}">
+      <dgm:prSet/>
+      <dgm:spPr/>
+      <dgm:t>
+        <a:bodyPr/>
+        <a:lstStyle/>
+        <a:p>
+          <a:endParaRPr lang="en-US"/>
+        </a:p>
+      </dgm:t>
+    </dgm:pt>
+    <dgm:pt modelId="{A5EF78CA-BADF-4DB6-83B2-43EDD00EC251}" type="sibTrans" cxnId="{3E2AB396-2ADC-4293-A6AC-E86FB34CD119}">
+      <dgm:prSet/>
+      <dgm:spPr/>
+      <dgm:t>
+        <a:bodyPr/>
+        <a:lstStyle/>
+        <a:p>
+          <a:endParaRPr lang="en-US"/>
+        </a:p>
+      </dgm:t>
+    </dgm:pt>
+    <dgm:pt modelId="{994620EC-3F28-4D70-824D-2A7A5AC4A8D3}" type="pres">
+      <dgm:prSet presAssocID="{A8CA8907-E32D-46A7-84D9-06D43E82CC64}" presName="linear" presStyleCnt="0">
+        <dgm:presLayoutVars>
+          <dgm:animLvl val="lvl"/>
+          <dgm:resizeHandles val="exact"/>
+        </dgm:presLayoutVars>
+      </dgm:prSet>
+      <dgm:spPr/>
+    </dgm:pt>
+    <dgm:pt modelId="{755C8529-702E-47E4-8348-F050DDC4A99C}" type="pres">
+      <dgm:prSet presAssocID="{3DFF7690-4E06-444D-ABC8-24C683307CE3}" presName="parentText" presStyleLbl="node1" presStyleIdx="0" presStyleCnt="1">
+        <dgm:presLayoutVars>
+          <dgm:chMax val="0"/>
+          <dgm:bulletEnabled val="1"/>
+        </dgm:presLayoutVars>
+      </dgm:prSet>
+      <dgm:spPr/>
+    </dgm:pt>
+    <dgm:pt modelId="{E172844F-D89C-439F-85B7-E5506FCD37AC}" type="pres">
+      <dgm:prSet presAssocID="{3DFF7690-4E06-444D-ABC8-24C683307CE3}" presName="childText" presStyleLbl="revTx" presStyleIdx="0" presStyleCnt="1">
+        <dgm:presLayoutVars>
+          <dgm:bulletEnabled val="1"/>
+        </dgm:presLayoutVars>
+      </dgm:prSet>
+      <dgm:spPr/>
+    </dgm:pt>
+  </dgm:ptLst>
+  <dgm:cxnLst>
+    <dgm:cxn modelId="{D385247B-FFBA-43E6-B115-303FBE8A73D1}" srcId="{A8CA8907-E32D-46A7-84D9-06D43E82CC64}" destId="{3DFF7690-4E06-444D-ABC8-24C683307CE3}" srcOrd="0" destOrd="0" parTransId="{33D95D03-50DB-4F11-96F4-9C3CAC2B20A9}" sibTransId="{D80665D2-315E-4900-9980-E0D7C6ECEC3C}"/>
+    <dgm:cxn modelId="{2F884188-D5B6-480A-A540-CC255434FB7E}" type="presOf" srcId="{3DFF7690-4E06-444D-ABC8-24C683307CE3}" destId="{755C8529-702E-47E4-8348-F050DDC4A99C}" srcOrd="0" destOrd="0" presId="urn:microsoft.com/office/officeart/2005/8/layout/vList2"/>
+    <dgm:cxn modelId="{3E2AB396-2ADC-4293-A6AC-E86FB34CD119}" srcId="{3DFF7690-4E06-444D-ABC8-24C683307CE3}" destId="{EF6D8340-D276-420D-A4AB-A1E5A7BF47D9}" srcOrd="1" destOrd="0" parTransId="{2DCAA3F6-BDA0-4EF3-B67D-D305F28E9085}" sibTransId="{A5EF78CA-BADF-4DB6-83B2-43EDD00EC251}"/>
+    <dgm:cxn modelId="{7DA06297-DCE8-45C2-BB12-A3532E043814}" type="presOf" srcId="{EF6D8340-D276-420D-A4AB-A1E5A7BF47D9}" destId="{E172844F-D89C-439F-85B7-E5506FCD37AC}" srcOrd="0" destOrd="1" presId="urn:microsoft.com/office/officeart/2005/8/layout/vList2"/>
+    <dgm:cxn modelId="{9A295A9A-C0E1-44D7-B968-0E61F4648E21}" type="presOf" srcId="{69F23981-B1D7-4464-B81F-9126DB292CEA}" destId="{E172844F-D89C-439F-85B7-E5506FCD37AC}" srcOrd="0" destOrd="0" presId="urn:microsoft.com/office/officeart/2005/8/layout/vList2"/>
+    <dgm:cxn modelId="{38DE929C-7082-4894-BEB8-45483806E45C}" srcId="{3DFF7690-4E06-444D-ABC8-24C683307CE3}" destId="{69F23981-B1D7-4464-B81F-9126DB292CEA}" srcOrd="0" destOrd="0" parTransId="{62FAB4AD-4E73-400C-95B4-CB7848BDD85C}" sibTransId="{2A1F5FE2-1D8E-46EA-8748-3ABFFA2FBDAC}"/>
+    <dgm:cxn modelId="{6F8C4AAF-9DFC-43E9-A458-58C822A42C9B}" type="presOf" srcId="{A8CA8907-E32D-46A7-84D9-06D43E82CC64}" destId="{994620EC-3F28-4D70-824D-2A7A5AC4A8D3}" srcOrd="0" destOrd="0" presId="urn:microsoft.com/office/officeart/2005/8/layout/vList2"/>
+    <dgm:cxn modelId="{5C80242B-C599-4013-A87F-B48EA73A13B6}" type="presParOf" srcId="{994620EC-3F28-4D70-824D-2A7A5AC4A8D3}" destId="{755C8529-702E-47E4-8348-F050DDC4A99C}" srcOrd="0" destOrd="0" presId="urn:microsoft.com/office/officeart/2005/8/layout/vList2"/>
+    <dgm:cxn modelId="{C579A25F-D24C-41FA-9C9C-60898F94AEAE}" type="presParOf" srcId="{994620EC-3F28-4D70-824D-2A7A5AC4A8D3}" destId="{E172844F-D89C-439F-85B7-E5506FCD37AC}" srcOrd="1" destOrd="0" presId="urn:microsoft.com/office/officeart/2005/8/layout/vList2"/>
+  </dgm:cxnLst>
+  <dgm:bg/>
+  <dgm:whole/>
+  <dgm:extLst>
+    <a:ext uri="http://schemas.microsoft.com/office/drawing/2008/diagram">
+      <dsp:dataModelExt xmlns:dsp="http://schemas.microsoft.com/office/drawing/2008/diagram" relId="rId7" minVer="http://schemas.openxmlformats.org/drawingml/2006/diagram"/>
+    </a:ext>
+  </dgm:extLst>
+</dgm:dataModel>
+</file>
+
+<file path=ppt/diagrams/data8.xml><?xml version="1.0" encoding="utf-8"?>
+<dgm:dataModel xmlns:dgm="http://schemas.openxmlformats.org/drawingml/2006/diagram" xmlns:a="http://schemas.openxmlformats.org/drawingml/2006/main">
+  <dgm:ptLst>
+    <dgm:pt modelId="{A8CA8907-E32D-46A7-84D9-06D43E82CC64}" type="doc">
+      <dgm:prSet loTypeId="urn:microsoft.com/office/officeart/2005/8/layout/vList2" loCatId="list" qsTypeId="urn:microsoft.com/office/officeart/2005/8/quickstyle/simple1" qsCatId="simple" csTypeId="urn:microsoft.com/office/officeart/2005/8/colors/accent1_2" csCatId="accent1" phldr="1"/>
+      <dgm:spPr/>
+      <dgm:t>
+        <a:bodyPr/>
+        <a:lstStyle/>
+        <a:p>
+          <a:endParaRPr lang="en-US"/>
+        </a:p>
+      </dgm:t>
+    </dgm:pt>
+    <dgm:pt modelId="{3DFF7690-4E06-444D-ABC8-24C683307CE3}">
+      <dgm:prSet/>
+      <dgm:spPr/>
+      <dgm:t>
+        <a:bodyPr/>
+        <a:lstStyle/>
+        <a:p>
+          <a:r>
+            <a:rPr lang="en-US" dirty="0"/>
+            <a:t>A </a:t>
+          </a:r>
+          <a:r>
+            <a:rPr lang="en-US" b="1" dirty="0"/>
+            <a:t>model</a:t>
+          </a:r>
+          <a:r>
+            <a:rPr lang="en-US" dirty="0"/>
+            <a:t> specifies a “</a:t>
+          </a:r>
+          <a:r>
+            <a:rPr lang="en-US"/>
+            <a:t>possible world” with the true/false status of each proposition symbol in the knowledge base</a:t>
+          </a:r>
+        </a:p>
+      </dgm:t>
+    </dgm:pt>
+    <dgm:pt modelId="{33D95D03-50DB-4F11-96F4-9C3CAC2B20A9}" type="parTrans" cxnId="{D385247B-FFBA-43E6-B115-303FBE8A73D1}">
+      <dgm:prSet/>
+      <dgm:spPr/>
+      <dgm:t>
+        <a:bodyPr/>
+        <a:lstStyle/>
+        <a:p>
+          <a:endParaRPr lang="en-US"/>
+        </a:p>
+      </dgm:t>
+    </dgm:pt>
+    <dgm:pt modelId="{D80665D2-315E-4900-9980-E0D7C6ECEC3C}" type="sibTrans" cxnId="{D385247B-FFBA-43E6-B115-303FBE8A73D1}">
+      <dgm:prSet/>
+      <dgm:spPr/>
+      <dgm:t>
+        <a:bodyPr/>
+        <a:lstStyle/>
+        <a:p>
+          <a:endParaRPr lang="en-US"/>
+        </a:p>
+      </dgm:t>
+    </dgm:pt>
+    <dgm:pt modelId="{69F23981-B1D7-4464-B81F-9126DB292CEA}">
+      <dgm:prSet/>
+      <dgm:spPr>
+        <a:blipFill>
+          <a:blip xmlns:r="http://schemas.openxmlformats.org/officeDocument/2006/relationships" r:embed="rId1"/>
+          <a:stretch>
+            <a:fillRect t="-8387" r="-155" b="-10323"/>
+          </a:stretch>
+        </a:blipFill>
+      </dgm:spPr>
+      <dgm:t>
+        <a:bodyPr/>
+        <a:lstStyle/>
+        <a:p>
+          <a:r>
+            <a:rPr lang="en-US">
+              <a:noFill/>
+            </a:rPr>
+            <a:t> </a:t>
+          </a:r>
+        </a:p>
+      </dgm:t>
+    </dgm:pt>
+    <dgm:pt modelId="{62FAB4AD-4E73-400C-95B4-CB7848BDD85C}" type="parTrans" cxnId="{38DE929C-7082-4894-BEB8-45483806E45C}">
+      <dgm:prSet/>
+      <dgm:spPr/>
+      <dgm:t>
+        <a:bodyPr/>
+        <a:lstStyle/>
+        <a:p>
+          <a:endParaRPr lang="en-US"/>
+        </a:p>
+      </dgm:t>
+    </dgm:pt>
+    <dgm:pt modelId="{2A1F5FE2-1D8E-46EA-8748-3ABFFA2FBDAC}" type="sibTrans" cxnId="{38DE929C-7082-4894-BEB8-45483806E45C}">
+      <dgm:prSet/>
+      <dgm:spPr/>
+      <dgm:t>
+        <a:bodyPr/>
+        <a:lstStyle/>
+        <a:p>
+          <a:endParaRPr lang="en-US"/>
+        </a:p>
+      </dgm:t>
+    </dgm:pt>
+    <dgm:pt modelId="{EF6D8340-D276-420D-A4AB-A1E5A7BF47D9}">
+      <dgm:prSet/>
+      <dgm:spPr/>
+      <dgm:t>
+        <a:bodyPr/>
+        <a:lstStyle/>
+        <a:p>
+          <a:r>
+            <a:rPr lang="en-US">
+              <a:noFill/>
+            </a:rPr>
+            <a:t> </a:t>
+          </a:r>
+        </a:p>
+      </dgm:t>
+    </dgm:pt>
     <dgm:pt modelId="{2DCAA3F6-BDA0-4EF3-B67D-D305F28E9085}" type="parTrans" cxnId="{3E2AB396-2ADC-4293-A6AC-E86FB34CD119}">
       <dgm:prSet/>
       <dgm:spPr/>
@@ -19654,7 +19757,7 @@
             <a:fld id="{441436E8-D6C9-439C-8057-F594059D4145}" type="datetimeFigureOut">
               <a:rPr lang="en-US" smtClean="0"/>
               <a:pPr/>
-              <a:t>11/5/2024</a:t>
+              <a:t>12/6/2024</a:t>
             </a:fld>
             <a:endParaRPr lang="en-US"/>
           </a:p>
@@ -26646,172 +26749,193 @@
           </a:p>
         </p:txBody>
       </p:sp>
-      <p:pic>
-        <p:nvPicPr>
-          <p:cNvPr id="10" name="Picture 4" descr="Creative Commons License">
+      <p:grpSp>
+        <p:nvGrpSpPr>
+          <p:cNvPr id="8" name="Group 7">
             <a:extLst>
               <a:ext uri="{FF2B5EF4-FFF2-40B4-BE49-F238E27FC236}">
-                <a16:creationId xmlns:a16="http://schemas.microsoft.com/office/drawing/2014/main" id="{FE7BFCD8-CF74-4C3A-A876-9E235852D501}"/>
+                <a16:creationId xmlns:a16="http://schemas.microsoft.com/office/drawing/2014/main" id="{F21D57B0-AA54-C3D3-2D2D-F6924C228172}"/>
               </a:ext>
             </a:extLst>
           </p:cNvPr>
-          <p:cNvPicPr>
-            <a:picLocks noChangeAspect="1" noChangeArrowheads="1"/>
-          </p:cNvPicPr>
+          <p:cNvGrpSpPr/>
           <p:nvPr/>
-        </p:nvPicPr>
-        <p:blipFill>
-          <a:blip r:embed="rId4">
+        </p:nvGrpSpPr>
+        <p:grpSpPr>
+          <a:xfrm>
+            <a:off x="396203" y="6279488"/>
+            <a:ext cx="3840518" cy="430887"/>
+            <a:chOff x="396203" y="6279488"/>
+            <a:chExt cx="3840518" cy="430887"/>
+          </a:xfrm>
+        </p:grpSpPr>
+        <p:pic>
+          <p:nvPicPr>
+            <p:cNvPr id="10" name="Picture 4" descr="Creative Commons License">
+              <a:extLst>
+                <a:ext uri="{FF2B5EF4-FFF2-40B4-BE49-F238E27FC236}">
+                  <a16:creationId xmlns:a16="http://schemas.microsoft.com/office/drawing/2014/main" id="{FE7BFCD8-CF74-4C3A-A876-9E235852D501}"/>
+                </a:ext>
+              </a:extLst>
+            </p:cNvPr>
+            <p:cNvPicPr>
+              <a:picLocks noChangeAspect="1" noChangeArrowheads="1"/>
+            </p:cNvPicPr>
+            <p:nvPr/>
+          </p:nvPicPr>
+          <p:blipFill>
+            <a:blip r:embed="rId4">
+              <a:extLst>
+                <a:ext uri="{28A0092B-C50C-407E-A947-70E740481C1C}">
+                  <a14:useLocalDpi xmlns:a14="http://schemas.microsoft.com/office/drawing/2010/main" val="0"/>
+                </a:ext>
+              </a:extLst>
+            </a:blip>
+            <a:srcRect/>
+            <a:stretch>
+              <a:fillRect/>
+            </a:stretch>
+          </p:blipFill>
+          <p:spPr bwMode="auto">
+            <a:xfrm>
+              <a:off x="396203" y="6347293"/>
+              <a:ext cx="838200" cy="295275"/>
+            </a:xfrm>
+            <a:prstGeom prst="rect">
+              <a:avLst/>
+            </a:prstGeom>
+            <a:noFill/>
             <a:extLst>
-              <a:ext uri="{28A0092B-C50C-407E-A947-70E740481C1C}">
-                <a14:useLocalDpi xmlns:a14="http://schemas.microsoft.com/office/drawing/2010/main" val="0"/>
+              <a:ext uri="{909E8E84-426E-40DD-AFC4-6F175D3DCCD1}">
+                <a14:hiddenFill xmlns:a14="http://schemas.microsoft.com/office/drawing/2010/main">
+                  <a:solidFill>
+                    <a:srgbClr val="FFFFFF"/>
+                  </a:solidFill>
+                </a14:hiddenFill>
               </a:ext>
             </a:extLst>
-          </a:blip>
-          <a:srcRect/>
-          <a:stretch>
-            <a:fillRect/>
-          </a:stretch>
-        </p:blipFill>
-        <p:spPr bwMode="auto">
-          <a:xfrm>
-            <a:off x="418994" y="6388777"/>
-            <a:ext cx="838200" cy="295275"/>
-          </a:xfrm>
-          <a:prstGeom prst="rect">
-            <a:avLst/>
-          </a:prstGeom>
-          <a:noFill/>
-          <a:extLst>
-            <a:ext uri="{909E8E84-426E-40DD-AFC4-6F175D3DCCD1}">
-              <a14:hiddenFill xmlns:a14="http://schemas.microsoft.com/office/drawing/2010/main">
-                <a:solidFill>
-                  <a:srgbClr val="FFFFFF"/>
-                </a:solidFill>
-              </a14:hiddenFill>
-            </a:ext>
-          </a:extLst>
-        </p:spPr>
-      </p:pic>
-      <p:sp>
-        <p:nvSpPr>
-          <p:cNvPr id="11" name="TextBox 10">
-            <a:extLst>
-              <a:ext uri="{FF2B5EF4-FFF2-40B4-BE49-F238E27FC236}">
-                <a16:creationId xmlns:a16="http://schemas.microsoft.com/office/drawing/2014/main" id="{A8A1568C-1D35-4F93-AB71-23FCF857DC00}"/>
-              </a:ext>
-            </a:extLst>
-          </p:cNvPr>
-          <p:cNvSpPr txBox="1"/>
-          <p:nvPr/>
-        </p:nvSpPr>
-        <p:spPr>
-          <a:xfrm>
-            <a:off x="1219200" y="6279488"/>
-            <a:ext cx="3017521" cy="430887"/>
-          </a:xfrm>
-          <a:prstGeom prst="rect">
-            <a:avLst/>
-          </a:prstGeom>
-          <a:noFill/>
-        </p:spPr>
-        <p:txBody>
-          <a:bodyPr wrap="square">
-            <a:spAutoFit/>
-          </a:bodyPr>
-          <a:lstStyle/>
-          <a:p>
-            <a:r>
-              <a:rPr lang="en-US" sz="1100" b="0" i="0" dirty="0">
+          </p:spPr>
+        </p:pic>
+        <p:sp>
+          <p:nvSpPr>
+            <p:cNvPr id="11" name="TextBox 10">
+              <a:extLst>
+                <a:ext uri="{FF2B5EF4-FFF2-40B4-BE49-F238E27FC236}">
+                  <a16:creationId xmlns:a16="http://schemas.microsoft.com/office/drawing/2014/main" id="{A8A1568C-1D35-4F93-AB71-23FCF857DC00}"/>
+                </a:ext>
+              </a:extLst>
+            </p:cNvPr>
+            <p:cNvSpPr txBox="1"/>
+            <p:nvPr/>
+          </p:nvSpPr>
+          <p:spPr>
+            <a:xfrm>
+              <a:off x="1219200" y="6279488"/>
+              <a:ext cx="3017521" cy="430887"/>
+            </a:xfrm>
+            <a:prstGeom prst="rect">
+              <a:avLst/>
+            </a:prstGeom>
+            <a:noFill/>
+          </p:spPr>
+          <p:txBody>
+            <a:bodyPr wrap="square">
+              <a:spAutoFit/>
+            </a:bodyPr>
+            <a:lstStyle/>
+            <a:p>
+              <a:r>
+                <a:rPr lang="en-US" sz="1100" b="0" i="0" dirty="0">
+                  <a:solidFill>
+                    <a:schemeClr val="tx1">
+                      <a:lumMod val="65000"/>
+                    </a:schemeClr>
+                  </a:solidFill>
+                  <a:effectLst/>
+                  <a:latin typeface="source sans pro" panose="020B0503030403020204" pitchFamily="34" charset="0"/>
+                </a:rPr>
+                <a:t>This work is licensed under a </a:t>
+              </a:r>
+              <a:r>
+                <a:rPr lang="en-US" sz="1100" b="0" i="0" strike="noStrike" dirty="0">
+                  <a:solidFill>
+                    <a:schemeClr val="tx1">
+                      <a:lumMod val="65000"/>
+                    </a:schemeClr>
+                  </a:solidFill>
+                  <a:effectLst/>
+                  <a:latin typeface="source sans pro" panose="020B0503030403020204" pitchFamily="34" charset="0"/>
+                  <a:hlinkClick r:id="rId5">
+                    <a:extLst>
+                      <a:ext uri="{A12FA001-AC4F-418D-AE19-62706E023703}">
+                        <ahyp:hlinkClr xmlns:ahyp="http://schemas.microsoft.com/office/drawing/2018/hyperlinkcolor" val="tx"/>
+                      </a:ext>
+                    </a:extLst>
+                  </a:hlinkClick>
+                </a:rPr>
+                <a:t>Creative Commons Attribution-</a:t>
+              </a:r>
+              <a:r>
+                <a:rPr lang="en-US" sz="1100" b="0" i="0" strike="noStrike" dirty="0" err="1">
+                  <a:solidFill>
+                    <a:schemeClr val="tx1">
+                      <a:lumMod val="65000"/>
+                    </a:schemeClr>
+                  </a:solidFill>
+                  <a:effectLst/>
+                  <a:latin typeface="source sans pro" panose="020B0503030403020204" pitchFamily="34" charset="0"/>
+                  <a:hlinkClick r:id="rId5">
+                    <a:extLst>
+                      <a:ext uri="{A12FA001-AC4F-418D-AE19-62706E023703}">
+                        <ahyp:hlinkClr xmlns:ahyp="http://schemas.microsoft.com/office/drawing/2018/hyperlinkcolor" val="tx"/>
+                      </a:ext>
+                    </a:extLst>
+                  </a:hlinkClick>
+                </a:rPr>
+                <a:t>ShareAlike</a:t>
+              </a:r>
+              <a:r>
+                <a:rPr lang="en-US" sz="1100" b="0" i="0" strike="noStrike" dirty="0">
+                  <a:solidFill>
+                    <a:schemeClr val="tx1">
+                      <a:lumMod val="65000"/>
+                    </a:schemeClr>
+                  </a:solidFill>
+                  <a:effectLst/>
+                  <a:latin typeface="source sans pro" panose="020B0503030403020204" pitchFamily="34" charset="0"/>
+                  <a:hlinkClick r:id="rId5">
+                    <a:extLst>
+                      <a:ext uri="{A12FA001-AC4F-418D-AE19-62706E023703}">
+                        <ahyp:hlinkClr xmlns:ahyp="http://schemas.microsoft.com/office/drawing/2018/hyperlinkcolor" val="tx"/>
+                      </a:ext>
+                    </a:extLst>
+                  </a:hlinkClick>
+                </a:rPr>
+                <a:t> 4.0 International License</a:t>
+              </a:r>
+              <a:r>
+                <a:rPr lang="en-US" sz="1100" b="0" i="0" dirty="0">
+                  <a:solidFill>
+                    <a:schemeClr val="tx1">
+                      <a:lumMod val="65000"/>
+                    </a:schemeClr>
+                  </a:solidFill>
+                  <a:effectLst/>
+                  <a:latin typeface="source sans pro" panose="020B0503030403020204" pitchFamily="34" charset="0"/>
+                </a:rPr>
+                <a:t>.</a:t>
+              </a:r>
+              <a:endParaRPr lang="en-US" sz="1100" dirty="0">
                 <a:solidFill>
                   <a:schemeClr val="tx1">
-                    <a:lumMod val="50000"/>
+                    <a:lumMod val="65000"/>
                   </a:schemeClr>
                 </a:solidFill>
-                <a:effectLst/>
-                <a:latin typeface="source sans pro" panose="020B0503030403020204" pitchFamily="34" charset="0"/>
-              </a:rPr>
-              <a:t>This work is licensed under a </a:t>
-            </a:r>
-            <a:r>
-              <a:rPr lang="en-US" sz="1100" b="0" i="0" strike="noStrike" dirty="0">
-                <a:solidFill>
-                  <a:schemeClr val="tx1">
-                    <a:lumMod val="50000"/>
-                  </a:schemeClr>
-                </a:solidFill>
-                <a:effectLst/>
-                <a:latin typeface="source sans pro" panose="020B0503030403020204" pitchFamily="34" charset="0"/>
-                <a:hlinkClick r:id="rId5">
-                  <a:extLst>
-                    <a:ext uri="{A12FA001-AC4F-418D-AE19-62706E023703}">
-                      <ahyp:hlinkClr xmlns:ahyp="http://schemas.microsoft.com/office/drawing/2018/hyperlinkcolor" val="tx"/>
-                    </a:ext>
-                  </a:extLst>
-                </a:hlinkClick>
-              </a:rPr>
-              <a:t>Creative Commons Attribution-</a:t>
-            </a:r>
-            <a:r>
-              <a:rPr lang="en-US" sz="1100" b="0" i="0" strike="noStrike" dirty="0" err="1">
-                <a:solidFill>
-                  <a:schemeClr val="tx1">
-                    <a:lumMod val="50000"/>
-                  </a:schemeClr>
-                </a:solidFill>
-                <a:effectLst/>
-                <a:latin typeface="source sans pro" panose="020B0503030403020204" pitchFamily="34" charset="0"/>
-                <a:hlinkClick r:id="rId5">
-                  <a:extLst>
-                    <a:ext uri="{A12FA001-AC4F-418D-AE19-62706E023703}">
-                      <ahyp:hlinkClr xmlns:ahyp="http://schemas.microsoft.com/office/drawing/2018/hyperlinkcolor" val="tx"/>
-                    </a:ext>
-                  </a:extLst>
-                </a:hlinkClick>
-              </a:rPr>
-              <a:t>ShareAlike</a:t>
-            </a:r>
-            <a:r>
-              <a:rPr lang="en-US" sz="1100" b="0" i="0" strike="noStrike" dirty="0">
-                <a:solidFill>
-                  <a:schemeClr val="tx1">
-                    <a:lumMod val="50000"/>
-                  </a:schemeClr>
-                </a:solidFill>
-                <a:effectLst/>
-                <a:latin typeface="source sans pro" panose="020B0503030403020204" pitchFamily="34" charset="0"/>
-                <a:hlinkClick r:id="rId5">
-                  <a:extLst>
-                    <a:ext uri="{A12FA001-AC4F-418D-AE19-62706E023703}">
-                      <ahyp:hlinkClr xmlns:ahyp="http://schemas.microsoft.com/office/drawing/2018/hyperlinkcolor" val="tx"/>
-                    </a:ext>
-                  </a:extLst>
-                </a:hlinkClick>
-              </a:rPr>
-              <a:t> 4.0 International License</a:t>
-            </a:r>
-            <a:r>
-              <a:rPr lang="en-US" sz="1100" b="0" i="0" dirty="0">
-                <a:solidFill>
-                  <a:schemeClr val="tx1">
-                    <a:lumMod val="50000"/>
-                  </a:schemeClr>
-                </a:solidFill>
-                <a:effectLst/>
-                <a:latin typeface="source sans pro" panose="020B0503030403020204" pitchFamily="34" charset="0"/>
-              </a:rPr>
-              <a:t>.</a:t>
-            </a:r>
-            <a:endParaRPr lang="en-US" sz="1100" dirty="0">
-              <a:solidFill>
-                <a:schemeClr val="tx1">
-                  <a:lumMod val="50000"/>
-                </a:schemeClr>
-              </a:solidFill>
-            </a:endParaRPr>
-          </a:p>
-        </p:txBody>
-      </p:sp>
+              </a:endParaRPr>
+            </a:p>
+          </p:txBody>
+        </p:sp>
+      </p:grpSp>
       <p:sp>
         <p:nvSpPr>
           <p:cNvPr id="14" name="TextBox 13">
@@ -26826,8 +26950,8 @@
         </p:nvSpPr>
         <p:spPr>
           <a:xfrm>
-            <a:off x="4495800" y="6324600"/>
-            <a:ext cx="4572000" cy="430887"/>
+            <a:off x="4001628" y="6295237"/>
+            <a:ext cx="3237460" cy="430887"/>
           </a:xfrm>
           <a:prstGeom prst="rect">
             <a:avLst/>
@@ -26844,8 +26968,8 @@
             <a:r>
               <a:rPr lang="en-US" sz="1100" b="0" i="0" strike="noStrike" dirty="0">
                 <a:solidFill>
-                  <a:schemeClr val="accent3">
-                    <a:lumMod val="75000"/>
+                  <a:schemeClr val="tx1">
+                    <a:lumMod val="65000"/>
                   </a:schemeClr>
                 </a:solidFill>
                 <a:effectLst/>
@@ -26858,48 +26982,62 @@
                   </a:extLst>
                 </a:hlinkClick>
               </a:rPr>
-              <a:t>"Exercise Plays Vital Role Maintaining Brain Health"</a:t>
+              <a:t>Image: "Exercise Plays Vital Role Maintaining </a:t>
+            </a:r>
+            <a:br>
+              <a:rPr lang="en-US" sz="1100" b="0" i="0" strike="noStrike" dirty="0">
+                <a:solidFill>
+                  <a:schemeClr val="tx1">
+                    <a:lumMod val="65000"/>
+                  </a:schemeClr>
+                </a:solidFill>
+                <a:effectLst/>
+                <a:latin typeface="Source Sans Pro" panose="020B0503030403020204" pitchFamily="34" charset="0"/>
+                <a:hlinkClick r:id="rId6">
+                  <a:extLst>
+                    <a:ext uri="{A12FA001-AC4F-418D-AE19-62706E023703}">
+                      <ahyp:hlinkClr xmlns:ahyp="http://schemas.microsoft.com/office/drawing/2018/hyperlinkcolor" val="tx"/>
+                    </a:ext>
+                  </a:extLst>
+                </a:hlinkClick>
+              </a:rPr>
+            </a:br>
+            <a:r>
+              <a:rPr lang="en-US" sz="1100" b="0" i="0" strike="noStrike" dirty="0">
+                <a:solidFill>
+                  <a:schemeClr val="tx1">
+                    <a:lumMod val="65000"/>
+                  </a:schemeClr>
+                </a:solidFill>
+                <a:effectLst/>
+                <a:latin typeface="Source Sans Pro" panose="020B0503030403020204" pitchFamily="34" charset="0"/>
+                <a:hlinkClick r:id="rId6">
+                  <a:extLst>
+                    <a:ext uri="{A12FA001-AC4F-418D-AE19-62706E023703}">
+                      <ahyp:hlinkClr xmlns:ahyp="http://schemas.microsoft.com/office/drawing/2018/hyperlinkcolor" val="tx"/>
+                    </a:ext>
+                  </a:extLst>
+                </a:hlinkClick>
+              </a:rPr>
+              <a:t>Brain Health"</a:t>
             </a:r>
             <a:r>
               <a:rPr lang="en-US" sz="1100" b="0" i="0" dirty="0">
                 <a:solidFill>
-                  <a:schemeClr val="accent3">
-                    <a:lumMod val="75000"/>
+                  <a:schemeClr val="tx1">
+                    <a:lumMod val="65000"/>
                   </a:schemeClr>
                 </a:solidFill>
                 <a:effectLst/>
                 <a:latin typeface="Source Sans Pro" panose="020B0503030403020204" pitchFamily="34" charset="0"/>
               </a:rPr>
-              <a:t> </a:t>
-            </a:r>
-            <a:br>
-              <a:rPr lang="en-US" sz="1100" b="0" i="0" dirty="0">
-                <a:solidFill>
-                  <a:schemeClr val="accent3">
-                    <a:lumMod val="75000"/>
-                  </a:schemeClr>
-                </a:solidFill>
-                <a:effectLst/>
-                <a:latin typeface="Source Sans Pro" panose="020B0503030403020204" pitchFamily="34" charset="0"/>
-              </a:rPr>
-            </a:br>
-            <a:r>
-              <a:rPr lang="en-US" sz="1100" b="0" i="0" dirty="0">
-                <a:solidFill>
-                  <a:schemeClr val="accent3">
-                    <a:lumMod val="75000"/>
-                  </a:schemeClr>
-                </a:solidFill>
-                <a:effectLst/>
-                <a:latin typeface="Source Sans Pro" panose="020B0503030403020204" pitchFamily="34" charset="0"/>
-              </a:rPr>
-              <a:t>by </a:t>
+              <a:t>  by </a:t>
             </a:r>
             <a:r>
               <a:rPr lang="en-US" sz="1100" b="0" i="0" strike="noStrike" dirty="0">
                 <a:solidFill>
-                  <a:schemeClr val="accent3">
-                    <a:lumMod val="75000"/>
+                  <a:schemeClr val="tx1">
+                    <a:lumMod val="65000"/>
                   </a:schemeClr>
                 </a:solidFill>
                 <a:effectLst/>
@@ -26917,8 +27055,8 @@
             <a:r>
               <a:rPr lang="en-US" sz="1100" b="0" i="0" dirty="0">
                 <a:solidFill>
-                  <a:schemeClr val="accent3">
-                    <a:lumMod val="75000"/>
+                  <a:schemeClr val="tx1">
+                    <a:lumMod val="65000"/>
                   </a:schemeClr>
                 </a:solidFill>
                 <a:effectLst/>
@@ -26928,14 +27066,168 @@
             </a:r>
             <a:endParaRPr lang="en-US" sz="1100" dirty="0">
               <a:solidFill>
-                <a:schemeClr val="accent3">
-                  <a:lumMod val="75000"/>
+                <a:schemeClr val="tx1">
+                  <a:lumMod val="65000"/>
                 </a:schemeClr>
               </a:solidFill>
             </a:endParaRPr>
           </a:p>
         </p:txBody>
       </p:sp>
+      <p:grpSp>
+        <p:nvGrpSpPr>
+          <p:cNvPr id="4" name="Group 3">
+            <a:extLst>
+              <a:ext uri="{FF2B5EF4-FFF2-40B4-BE49-F238E27FC236}">
+                <a16:creationId xmlns:a16="http://schemas.microsoft.com/office/drawing/2014/main" id="{414BA633-87CF-A8B2-C31C-EFA540A8ECCD}"/>
+              </a:ext>
+              <a:ext uri="{C183D7F6-B498-43B3-948B-1728B52AA6E4}">
+                <adec:decorative xmlns:adec="http://schemas.microsoft.com/office/drawing/2017/decorative" val="1"/>
+              </a:ext>
+            </a:extLst>
+          </p:cNvPr>
+          <p:cNvGrpSpPr/>
+          <p:nvPr/>
+        </p:nvGrpSpPr>
+        <p:grpSpPr>
+          <a:xfrm>
+            <a:off x="7656393" y="5243763"/>
+            <a:ext cx="1218146" cy="1440289"/>
+            <a:chOff x="7151029" y="4191000"/>
+            <a:chExt cx="1688171" cy="1981200"/>
+          </a:xfrm>
+        </p:grpSpPr>
+        <p:sp>
+          <p:nvSpPr>
+            <p:cNvPr id="5" name="Rectangle 4">
+              <a:extLst>
+                <a:ext uri="{FF2B5EF4-FFF2-40B4-BE49-F238E27FC236}">
+                  <a16:creationId xmlns:a16="http://schemas.microsoft.com/office/drawing/2014/main" id="{107065FD-3377-1B31-793E-AEA102D400EA}"/>
+                </a:ext>
+              </a:extLst>
+            </p:cNvPr>
+            <p:cNvSpPr/>
+            <p:nvPr/>
+          </p:nvSpPr>
+          <p:spPr>
+            <a:xfrm>
+              <a:off x="7162800" y="4191000"/>
+              <a:ext cx="1676400" cy="1981200"/>
+            </a:xfrm>
+            <a:prstGeom prst="rect">
+              <a:avLst/>
+            </a:prstGeom>
+            <a:ln/>
+          </p:spPr>
+          <p:style>
+            <a:lnRef idx="2">
+              <a:schemeClr val="dk1"/>
+            </a:lnRef>
+            <a:fillRef idx="1">
+              <a:schemeClr val="lt1"/>
+            </a:fillRef>
+            <a:effectRef idx="0">
+              <a:schemeClr val="dk1"/>
+            </a:effectRef>
+            <a:fontRef idx="minor">
+              <a:schemeClr val="dk1"/>
+            </a:fontRef>
+          </p:style>
+          <p:txBody>
+            <a:bodyPr rtlCol="0" anchor="ctr"/>
+            <a:lstStyle/>
+            <a:p>
+              <a:pPr algn="ctr"/>
+              <a:endParaRPr lang="en-US"/>
+            </a:p>
+          </p:txBody>
+        </p:sp>
+        <p:pic>
+          <p:nvPicPr>
+            <p:cNvPr id="6" name="Picture 5" descr="A qr code with black dots&#10;&#10;Description automatically generated">
+              <a:extLst>
+                <a:ext uri="{FF2B5EF4-FFF2-40B4-BE49-F238E27FC236}">
+                  <a16:creationId xmlns:a16="http://schemas.microsoft.com/office/drawing/2014/main" id="{DEBF6E1C-99D9-0570-DEB5-5AC41C6426D7}"/>
+                </a:ext>
+              </a:extLst>
+            </p:cNvPr>
+            <p:cNvPicPr>
+              <a:picLocks noChangeAspect="1"/>
+            </p:cNvPicPr>
+            <p:nvPr/>
+          </p:nvPicPr>
+          <p:blipFill>
+            <a:blip r:embed="rId8">
+              <a:extLst>
+                <a:ext uri="{28A0092B-C50C-407E-A947-70E740481C1C}">
+                  <a14:useLocalDpi xmlns:a14="http://schemas.microsoft.com/office/drawing/2010/main" val="0"/>
+                </a:ext>
+              </a:extLst>
+            </a:blip>
+            <a:stretch>
+              <a:fillRect/>
+            </a:stretch>
+          </p:blipFill>
+          <p:spPr>
+            <a:xfrm>
+              <a:off x="7184684" y="4213372"/>
+              <a:ext cx="1632631" cy="1632630"/>
+            </a:xfrm>
+            <a:prstGeom prst="rect">
+              <a:avLst/>
+            </a:prstGeom>
+          </p:spPr>
+        </p:pic>
+        <p:sp>
+          <p:nvSpPr>
+            <p:cNvPr id="7" name="Rectangle 6">
+              <a:extLst>
+                <a:ext uri="{FF2B5EF4-FFF2-40B4-BE49-F238E27FC236}">
+                  <a16:creationId xmlns:a16="http://schemas.microsoft.com/office/drawing/2014/main" id="{6F7C6FB5-DE4F-A1CE-2779-6B36B1A971C9}"/>
+                </a:ext>
+              </a:extLst>
+            </p:cNvPr>
+            <p:cNvSpPr/>
+            <p:nvPr/>
+          </p:nvSpPr>
+          <p:spPr>
+            <a:xfrm>
+              <a:off x="7151029" y="5812970"/>
+              <a:ext cx="1676400" cy="359230"/>
+            </a:xfrm>
+            <a:prstGeom prst="rect">
+              <a:avLst/>
+            </a:prstGeom>
+          </p:spPr>
+          <p:style>
+            <a:lnRef idx="2">
+              <a:schemeClr val="dk1">
+                <a:shade val="15000"/>
+              </a:schemeClr>
+            </a:lnRef>
+            <a:fillRef idx="1">
+              <a:schemeClr val="dk1"/>
+            </a:fillRef>
+            <a:effectRef idx="0">
+              <a:schemeClr val="dk1"/>
+            </a:effectRef>
+            <a:fontRef idx="minor">
+              <a:schemeClr val="lt1"/>
+            </a:fontRef>
+          </p:style>
+          <p:txBody>
+            <a:bodyPr rtlCol="0" anchor="ctr"/>
+            <a:lstStyle/>
+            <a:p>
+              <a:pPr algn="ctr"/>
+              <a:r>
+                <a:rPr lang="en-US" sz="1200" dirty="0"/>
+                <a:t>Online Material</a:t>
+              </a:r>
+            </a:p>
+          </p:txBody>
+        </p:sp>
+      </p:grpSp>
     </p:spTree>
   </p:cSld>
   <p:clrMapOvr>
@@ -26989,6 +27281,9 @@
             <a:extLst>
               <a:ext uri="{FF2B5EF4-FFF2-40B4-BE49-F238E27FC236}">
                 <a16:creationId xmlns:a16="http://schemas.microsoft.com/office/drawing/2014/main" id="{CF86383B-2596-B951-6E5C-58535139642A}"/>
+              </a:ext>
+              <a:ext uri="{C183D7F6-B498-43B3-948B-1728B52AA6E4}">
+                <adec:decorative xmlns:adec="http://schemas.microsoft.com/office/drawing/2017/decorative" val="1"/>
               </a:ext>
             </a:extLst>
           </p:cNvPr>
@@ -27152,6 +27447,9 @@
               <a:ext uri="{FF2B5EF4-FFF2-40B4-BE49-F238E27FC236}">
                 <a16:creationId xmlns:a16="http://schemas.microsoft.com/office/drawing/2014/main" id="{8AF2A674-3771-B596-4A5C-67250D2ED5D6}"/>
               </a:ext>
+              <a:ext uri="{C183D7F6-B498-43B3-948B-1728B52AA6E4}">
+                <adec:decorative xmlns:adec="http://schemas.microsoft.com/office/drawing/2017/decorative" val="1"/>
+              </a:ext>
             </a:extLst>
           </p:cNvPr>
           <p:cNvSpPr/>
@@ -27352,298 +27650,12 @@
           </a:p>
         </p:txBody>
       </p:sp>
-      <p:pic>
-        <p:nvPicPr>
-          <p:cNvPr id="4" name="Picture 3">
+      <p:grpSp>
+        <p:nvGrpSpPr>
+          <p:cNvPr id="5" name="Group 4" descr="A diagram showing how LLMs fit the structure knowledge representation used by knowledge-based agents.">
             <a:extLst>
               <a:ext uri="{FF2B5EF4-FFF2-40B4-BE49-F238E27FC236}">
-                <a16:creationId xmlns:a16="http://schemas.microsoft.com/office/drawing/2014/main" id="{9BF91B6D-86A1-4EC3-86B7-31180718A531}"/>
-              </a:ext>
-            </a:extLst>
-          </p:cNvPr>
-          <p:cNvPicPr>
-            <a:picLocks noChangeAspect="1"/>
-          </p:cNvPicPr>
-          <p:nvPr/>
-        </p:nvPicPr>
-        <p:blipFill>
-          <a:blip r:embed="rId2"/>
-          <a:stretch>
-            <a:fillRect/>
-          </a:stretch>
-        </p:blipFill>
-        <p:spPr>
-          <a:xfrm>
-            <a:off x="304800" y="2020164"/>
-            <a:ext cx="8458200" cy="2792908"/>
-          </a:xfrm>
-          <a:prstGeom prst="rect">
-            <a:avLst/>
-          </a:prstGeom>
-        </p:spPr>
-      </p:pic>
-      <p:cxnSp>
-        <p:nvCxnSpPr>
-          <p:cNvPr id="7" name="Straight Arrow Connector 6">
-            <a:extLst>
-              <a:ext uri="{FF2B5EF4-FFF2-40B4-BE49-F238E27FC236}">
-                <a16:creationId xmlns:a16="http://schemas.microsoft.com/office/drawing/2014/main" id="{87C76E13-1940-4A02-9752-8E2F6CD8EAEB}"/>
-              </a:ext>
-            </a:extLst>
-          </p:cNvPr>
-          <p:cNvCxnSpPr>
-            <a:cxnSpLocks/>
-          </p:cNvCxnSpPr>
-          <p:nvPr/>
-        </p:nvCxnSpPr>
-        <p:spPr>
-          <a:xfrm flipV="1">
-            <a:off x="3500792" y="2562548"/>
-            <a:ext cx="0" cy="366111"/>
-          </a:xfrm>
-          <a:prstGeom prst="straightConnector1">
-            <a:avLst/>
-          </a:prstGeom>
-          <a:ln>
-            <a:tailEnd type="triangle"/>
-          </a:ln>
-        </p:spPr>
-        <p:style>
-          <a:lnRef idx="3">
-            <a:schemeClr val="accent2"/>
-          </a:lnRef>
-          <a:fillRef idx="0">
-            <a:schemeClr val="accent2"/>
-          </a:fillRef>
-          <a:effectRef idx="2">
-            <a:schemeClr val="accent2"/>
-          </a:effectRef>
-          <a:fontRef idx="minor">
-            <a:schemeClr val="tx1"/>
-          </a:fontRef>
-        </p:style>
-      </p:cxnSp>
-      <p:sp>
-        <p:nvSpPr>
-          <p:cNvPr id="14" name="Flowchart: Multidocument 13">
-            <a:extLst>
-              <a:ext uri="{FF2B5EF4-FFF2-40B4-BE49-F238E27FC236}">
-                <a16:creationId xmlns:a16="http://schemas.microsoft.com/office/drawing/2014/main" id="{587D664C-62DD-B249-E25E-723233B2179A}"/>
-              </a:ext>
-            </a:extLst>
-          </p:cNvPr>
-          <p:cNvSpPr/>
-          <p:nvPr/>
-        </p:nvSpPr>
-        <p:spPr>
-          <a:xfrm>
-            <a:off x="2929292" y="3039254"/>
-            <a:ext cx="1143000" cy="610191"/>
-          </a:xfrm>
-          <a:prstGeom prst="flowChartMultidocument">
-            <a:avLst/>
-          </a:prstGeom>
-        </p:spPr>
-        <p:style>
-          <a:lnRef idx="3">
-            <a:schemeClr val="lt1"/>
-          </a:lnRef>
-          <a:fillRef idx="1">
-            <a:schemeClr val="accent2"/>
-          </a:fillRef>
-          <a:effectRef idx="1">
-            <a:schemeClr val="accent2"/>
-          </a:effectRef>
-          <a:fontRef idx="minor">
-            <a:schemeClr val="lt1"/>
-          </a:fontRef>
-        </p:style>
-        <p:txBody>
-          <a:bodyPr rtlCol="0" anchor="ctr"/>
-          <a:lstStyle/>
-          <a:p>
-            <a:pPr algn="ctr"/>
-            <a:r>
-              <a:rPr lang="en-US" dirty="0"/>
-              <a:t>Prompts</a:t>
-            </a:r>
-          </a:p>
-        </p:txBody>
-      </p:sp>
-      <p:cxnSp>
-        <p:nvCxnSpPr>
-          <p:cNvPr id="16" name="Straight Arrow Connector 15">
-            <a:extLst>
-              <a:ext uri="{FF2B5EF4-FFF2-40B4-BE49-F238E27FC236}">
-                <a16:creationId xmlns:a16="http://schemas.microsoft.com/office/drawing/2014/main" id="{C7D32E6D-586F-B355-E331-F1089D35FED0}"/>
-              </a:ext>
-            </a:extLst>
-          </p:cNvPr>
-          <p:cNvCxnSpPr>
-            <a:cxnSpLocks/>
-          </p:cNvCxnSpPr>
-          <p:nvPr/>
-        </p:nvCxnSpPr>
-        <p:spPr>
-          <a:xfrm flipV="1">
-            <a:off x="3516704" y="3649445"/>
-            <a:ext cx="0" cy="366111"/>
-          </a:xfrm>
-          <a:prstGeom prst="straightConnector1">
-            <a:avLst/>
-          </a:prstGeom>
-          <a:ln>
-            <a:tailEnd type="triangle"/>
-          </a:ln>
-        </p:spPr>
-        <p:style>
-          <a:lnRef idx="3">
-            <a:schemeClr val="accent2"/>
-          </a:lnRef>
-          <a:fillRef idx="0">
-            <a:schemeClr val="accent2"/>
-          </a:fillRef>
-          <a:effectRef idx="2">
-            <a:schemeClr val="accent2"/>
-          </a:effectRef>
-          <a:fontRef idx="minor">
-            <a:schemeClr val="tx1"/>
-          </a:fontRef>
-        </p:style>
-      </p:cxnSp>
-      <p:sp>
-        <p:nvSpPr>
-          <p:cNvPr id="17" name="Flowchart: Multidocument 16">
-            <a:extLst>
-              <a:ext uri="{FF2B5EF4-FFF2-40B4-BE49-F238E27FC236}">
-                <a16:creationId xmlns:a16="http://schemas.microsoft.com/office/drawing/2014/main" id="{D4139DBB-ACD7-C8DA-CB8D-D19E855EB49C}"/>
-              </a:ext>
-            </a:extLst>
-          </p:cNvPr>
-          <p:cNvSpPr/>
-          <p:nvPr/>
-        </p:nvSpPr>
-        <p:spPr>
-          <a:xfrm>
-            <a:off x="5861235" y="2857772"/>
-            <a:ext cx="1143000" cy="903574"/>
-          </a:xfrm>
-          <a:prstGeom prst="flowChartMultidocument">
-            <a:avLst/>
-          </a:prstGeom>
-        </p:spPr>
-        <p:style>
-          <a:lnRef idx="3">
-            <a:schemeClr val="lt1"/>
-          </a:lnRef>
-          <a:fillRef idx="1">
-            <a:schemeClr val="accent2"/>
-          </a:fillRef>
-          <a:effectRef idx="1">
-            <a:schemeClr val="accent2"/>
-          </a:effectRef>
-          <a:fontRef idx="minor">
-            <a:schemeClr val="lt1"/>
-          </a:fontRef>
-        </p:style>
-        <p:txBody>
-          <a:bodyPr rtlCol="0" anchor="ctr"/>
-          <a:lstStyle/>
-          <a:p>
-            <a:pPr algn="ctr"/>
-            <a:r>
-              <a:rPr lang="en-US" dirty="0"/>
-              <a:t>Text</a:t>
-            </a:r>
-          </a:p>
-        </p:txBody>
-      </p:sp>
-      <p:sp>
-        <p:nvSpPr>
-          <p:cNvPr id="21" name="TextBox 20">
-            <a:extLst>
-              <a:ext uri="{FF2B5EF4-FFF2-40B4-BE49-F238E27FC236}">
-                <a16:creationId xmlns:a16="http://schemas.microsoft.com/office/drawing/2014/main" id="{697A8A1B-AF90-62D1-5F1B-1F50136C3B7C}"/>
-              </a:ext>
-            </a:extLst>
-          </p:cNvPr>
-          <p:cNvSpPr txBox="1"/>
-          <p:nvPr/>
-        </p:nvSpPr>
-        <p:spPr>
-          <a:xfrm>
-            <a:off x="4136197" y="2606150"/>
-            <a:ext cx="1158907" cy="369332"/>
-          </a:xfrm>
-          <a:prstGeom prst="rect">
-            <a:avLst/>
-          </a:prstGeom>
-          <a:noFill/>
-        </p:spPr>
-        <p:txBody>
-          <a:bodyPr wrap="none" rtlCol="0">
-            <a:spAutoFit/>
-          </a:bodyPr>
-          <a:lstStyle/>
-          <a:p>
-            <a:r>
-              <a:rPr lang="en-US" b="1" dirty="0">
-                <a:solidFill>
-                  <a:schemeClr val="accent2"/>
-                </a:solidFill>
-              </a:rPr>
-              <a:t>Generates</a:t>
-            </a:r>
-          </a:p>
-        </p:txBody>
-      </p:sp>
-      <p:cxnSp>
-        <p:nvCxnSpPr>
-          <p:cNvPr id="22" name="Straight Arrow Connector 21">
-            <a:extLst>
-              <a:ext uri="{FF2B5EF4-FFF2-40B4-BE49-F238E27FC236}">
-                <a16:creationId xmlns:a16="http://schemas.microsoft.com/office/drawing/2014/main" id="{CE970966-C578-FE62-E5B4-343595585FB7}"/>
-              </a:ext>
-            </a:extLst>
-          </p:cNvPr>
-          <p:cNvCxnSpPr>
-            <a:cxnSpLocks/>
-          </p:cNvCxnSpPr>
-          <p:nvPr/>
-        </p:nvCxnSpPr>
-        <p:spPr>
-          <a:xfrm>
-            <a:off x="6477000" y="3696493"/>
-            <a:ext cx="0" cy="389898"/>
-          </a:xfrm>
-          <a:prstGeom prst="straightConnector1">
-            <a:avLst/>
-          </a:prstGeom>
-          <a:ln>
-            <a:tailEnd type="triangle"/>
-          </a:ln>
-        </p:spPr>
-        <p:style>
-          <a:lnRef idx="3">
-            <a:schemeClr val="accent2"/>
-          </a:lnRef>
-          <a:fillRef idx="0">
-            <a:schemeClr val="accent2"/>
-          </a:fillRef>
-          <a:effectRef idx="2">
-            <a:schemeClr val="accent2"/>
-          </a:effectRef>
-          <a:fontRef idx="minor">
-            <a:schemeClr val="tx1"/>
-          </a:fontRef>
-        </p:style>
-      </p:cxnSp>
-      <p:grpSp>
-        <p:nvGrpSpPr>
-          <p:cNvPr id="31" name="Group 30">
-            <a:extLst>
-              <a:ext uri="{FF2B5EF4-FFF2-40B4-BE49-F238E27FC236}">
-                <a16:creationId xmlns:a16="http://schemas.microsoft.com/office/drawing/2014/main" id="{9649024D-198D-0681-81BD-6BE64DAD75A7}"/>
+                <a16:creationId xmlns:a16="http://schemas.microsoft.com/office/drawing/2014/main" id="{B266BC1B-424E-E5E2-C00B-C85CCB7C6F6F}"/>
               </a:ext>
             </a:extLst>
           </p:cNvPr>
@@ -27652,18 +27664,48 @@
         </p:nvGrpSpPr>
         <p:grpSpPr>
           <a:xfrm>
-            <a:off x="4136197" y="2400536"/>
-            <a:ext cx="1224990" cy="305455"/>
-            <a:chOff x="5867400" y="1524000"/>
-            <a:chExt cx="936306" cy="566145"/>
+            <a:off x="304800" y="1105360"/>
+            <a:ext cx="8458200" cy="3813486"/>
+            <a:chOff x="304800" y="1105360"/>
+            <a:chExt cx="8458200" cy="3813486"/>
           </a:xfrm>
         </p:grpSpPr>
+        <p:pic>
+          <p:nvPicPr>
+            <p:cNvPr id="4" name="Picture 3">
+              <a:extLst>
+                <a:ext uri="{FF2B5EF4-FFF2-40B4-BE49-F238E27FC236}">
+                  <a16:creationId xmlns:a16="http://schemas.microsoft.com/office/drawing/2014/main" id="{9BF91B6D-86A1-4EC3-86B7-31180718A531}"/>
+                </a:ext>
+              </a:extLst>
+            </p:cNvPr>
+            <p:cNvPicPr>
+              <a:picLocks noChangeAspect="1"/>
+            </p:cNvPicPr>
+            <p:nvPr/>
+          </p:nvPicPr>
+          <p:blipFill>
+            <a:blip r:embed="rId2"/>
+            <a:stretch>
+              <a:fillRect/>
+            </a:stretch>
+          </p:blipFill>
+          <p:spPr>
+            <a:xfrm>
+              <a:off x="304800" y="2020164"/>
+              <a:ext cx="8458200" cy="2792908"/>
+            </a:xfrm>
+            <a:prstGeom prst="rect">
+              <a:avLst/>
+            </a:prstGeom>
+          </p:spPr>
+        </p:pic>
         <p:cxnSp>
           <p:nvCxnSpPr>
-            <p:cNvPr id="25" name="Straight Connector 24">
+            <p:cNvPr id="7" name="Straight Arrow Connector 6">
               <a:extLst>
                 <a:ext uri="{FF2B5EF4-FFF2-40B4-BE49-F238E27FC236}">
-                  <a16:creationId xmlns:a16="http://schemas.microsoft.com/office/drawing/2014/main" id="{3C19A48D-5C1C-807E-C6A8-7757A8BA999E}"/>
+                  <a16:creationId xmlns:a16="http://schemas.microsoft.com/office/drawing/2014/main" id="{87C76E13-1940-4A02-9752-8E2F6CD8EAEB}"/>
                 </a:ext>
               </a:extLst>
             </p:cNvPr>
@@ -27673,13 +27715,16 @@
             <p:nvPr/>
           </p:nvCxnSpPr>
           <p:spPr>
-            <a:xfrm>
-              <a:off x="5867400" y="1528600"/>
-              <a:ext cx="936306" cy="545017"/>
+            <a:xfrm flipV="1">
+              <a:off x="3500792" y="2562548"/>
+              <a:ext cx="0" cy="366111"/>
             </a:xfrm>
-            <a:prstGeom prst="line">
+            <a:prstGeom prst="straightConnector1">
               <a:avLst/>
             </a:prstGeom>
+            <a:ln>
+              <a:tailEnd type="triangle"/>
+            </a:ln>
           </p:spPr>
           <p:style>
             <a:lnRef idx="3">
@@ -27696,12 +27741,59 @@
             </a:fontRef>
           </p:style>
         </p:cxnSp>
+        <p:sp>
+          <p:nvSpPr>
+            <p:cNvPr id="14" name="Flowchart: Multidocument 13">
+              <a:extLst>
+                <a:ext uri="{FF2B5EF4-FFF2-40B4-BE49-F238E27FC236}">
+                  <a16:creationId xmlns:a16="http://schemas.microsoft.com/office/drawing/2014/main" id="{587D664C-62DD-B249-E25E-723233B2179A}"/>
+                </a:ext>
+              </a:extLst>
+            </p:cNvPr>
+            <p:cNvSpPr/>
+            <p:nvPr/>
+          </p:nvSpPr>
+          <p:spPr>
+            <a:xfrm>
+              <a:off x="2929292" y="3039254"/>
+              <a:ext cx="1143000" cy="610191"/>
+            </a:xfrm>
+            <a:prstGeom prst="flowChartMultidocument">
+              <a:avLst/>
+            </a:prstGeom>
+          </p:spPr>
+          <p:style>
+            <a:lnRef idx="3">
+              <a:schemeClr val="lt1"/>
+            </a:lnRef>
+            <a:fillRef idx="1">
+              <a:schemeClr val="accent2"/>
+            </a:fillRef>
+            <a:effectRef idx="1">
+              <a:schemeClr val="accent2"/>
+            </a:effectRef>
+            <a:fontRef idx="minor">
+              <a:schemeClr val="lt1"/>
+            </a:fontRef>
+          </p:style>
+          <p:txBody>
+            <a:bodyPr rtlCol="0" anchor="ctr"/>
+            <a:lstStyle/>
+            <a:p>
+              <a:pPr algn="ctr"/>
+              <a:r>
+                <a:rPr lang="en-US" dirty="0"/>
+                <a:t>Prompts</a:t>
+              </a:r>
+            </a:p>
+          </p:txBody>
+        </p:sp>
         <p:cxnSp>
           <p:nvCxnSpPr>
-            <p:cNvPr id="26" name="Straight Connector 25">
+            <p:cNvPr id="16" name="Straight Arrow Connector 15">
               <a:extLst>
                 <a:ext uri="{FF2B5EF4-FFF2-40B4-BE49-F238E27FC236}">
-                  <a16:creationId xmlns:a16="http://schemas.microsoft.com/office/drawing/2014/main" id="{F6DBA013-DF20-0788-AE43-DE9F383864E2}"/>
+                  <a16:creationId xmlns:a16="http://schemas.microsoft.com/office/drawing/2014/main" id="{C7D32E6D-586F-B355-E331-F1089D35FED0}"/>
                 </a:ext>
               </a:extLst>
             </p:cNvPr>
@@ -27712,12 +27804,15 @@
           </p:nvCxnSpPr>
           <p:spPr>
             <a:xfrm flipV="1">
-              <a:off x="5901955" y="1524000"/>
-              <a:ext cx="901751" cy="566145"/>
+              <a:off x="3516704" y="3649445"/>
+              <a:ext cx="0" cy="366111"/>
             </a:xfrm>
-            <a:prstGeom prst="line">
+            <a:prstGeom prst="straightConnector1">
               <a:avLst/>
             </a:prstGeom>
+            <a:ln>
+              <a:tailEnd type="triangle"/>
+            </a:ln>
           </p:spPr>
           <p:style>
             <a:lnRef idx="3">
@@ -27734,123 +27829,98 @@
             </a:fontRef>
           </p:style>
         </p:cxnSp>
-      </p:grpSp>
-      <p:sp>
-        <p:nvSpPr>
-          <p:cNvPr id="6" name="Flowchart: Magnetic Disk 5">
-            <a:extLst>
-              <a:ext uri="{FF2B5EF4-FFF2-40B4-BE49-F238E27FC236}">
-                <a16:creationId xmlns:a16="http://schemas.microsoft.com/office/drawing/2014/main" id="{3C351FF7-F61B-1563-9441-F70A4B3FD7C1}"/>
-              </a:ext>
-            </a:extLst>
-          </p:cNvPr>
-          <p:cNvSpPr/>
-          <p:nvPr/>
-        </p:nvSpPr>
-        <p:spPr>
-          <a:xfrm>
-            <a:off x="964414" y="2190097"/>
-            <a:ext cx="757533" cy="533400"/>
-          </a:xfrm>
-          <a:prstGeom prst="flowChartMagneticDisk">
-            <a:avLst/>
-          </a:prstGeom>
-        </p:spPr>
-        <p:style>
-          <a:lnRef idx="2">
-            <a:schemeClr val="accent6">
-              <a:shade val="15000"/>
-            </a:schemeClr>
-          </a:lnRef>
-          <a:fillRef idx="1">
-            <a:schemeClr val="accent6"/>
-          </a:fillRef>
-          <a:effectRef idx="0">
-            <a:schemeClr val="accent6"/>
-          </a:effectRef>
-          <a:fontRef idx="minor">
-            <a:schemeClr val="lt1"/>
-          </a:fontRef>
-        </p:style>
-        <p:txBody>
-          <a:bodyPr rtlCol="0" anchor="ctr"/>
-          <a:lstStyle/>
-          <a:p>
-            <a:pPr algn="ctr"/>
-            <a:r>
-              <a:rPr lang="en-US" dirty="0"/>
-              <a:t>KB</a:t>
-            </a:r>
-          </a:p>
-        </p:txBody>
-      </p:sp>
-      <p:cxnSp>
-        <p:nvCxnSpPr>
-          <p:cNvPr id="10" name="Straight Arrow Connector 9">
-            <a:extLst>
-              <a:ext uri="{FF2B5EF4-FFF2-40B4-BE49-F238E27FC236}">
-                <a16:creationId xmlns:a16="http://schemas.microsoft.com/office/drawing/2014/main" id="{B61D950E-E7EF-DC8A-C21E-B0E434EC17DD}"/>
-              </a:ext>
-            </a:extLst>
-          </p:cNvPr>
-          <p:cNvCxnSpPr>
-            <a:cxnSpLocks/>
-          </p:cNvCxnSpPr>
-          <p:nvPr/>
-        </p:nvCxnSpPr>
-        <p:spPr>
-          <a:xfrm>
-            <a:off x="6477000" y="2514600"/>
-            <a:ext cx="10391" cy="294395"/>
-          </a:xfrm>
-          <a:prstGeom prst="straightConnector1">
-            <a:avLst/>
-          </a:prstGeom>
-          <a:ln>
-            <a:tailEnd type="triangle"/>
-          </a:ln>
-        </p:spPr>
-        <p:style>
-          <a:lnRef idx="3">
-            <a:schemeClr val="accent2"/>
-          </a:lnRef>
-          <a:fillRef idx="0">
-            <a:schemeClr val="accent2"/>
-          </a:fillRef>
-          <a:effectRef idx="2">
-            <a:schemeClr val="accent2"/>
-          </a:effectRef>
-          <a:fontRef idx="minor">
-            <a:schemeClr val="tx1"/>
-          </a:fontRef>
-        </p:style>
-      </p:cxnSp>
-      <p:grpSp>
-        <p:nvGrpSpPr>
-          <p:cNvPr id="13" name="Group 12">
-            <a:extLst>
-              <a:ext uri="{FF2B5EF4-FFF2-40B4-BE49-F238E27FC236}">
-                <a16:creationId xmlns:a16="http://schemas.microsoft.com/office/drawing/2014/main" id="{84CB2650-18BF-5E77-72FF-746A963C41EB}"/>
-              </a:ext>
-            </a:extLst>
-          </p:cNvPr>
-          <p:cNvGrpSpPr/>
-          <p:nvPr/>
-        </p:nvGrpSpPr>
-        <p:grpSpPr>
-          <a:xfrm>
-            <a:off x="4072292" y="4334377"/>
-            <a:ext cx="1224990" cy="305455"/>
-            <a:chOff x="5867400" y="1524000"/>
-            <a:chExt cx="936306" cy="566145"/>
-          </a:xfrm>
-        </p:grpSpPr>
+        <p:sp>
+          <p:nvSpPr>
+            <p:cNvPr id="17" name="Flowchart: Multidocument 16">
+              <a:extLst>
+                <a:ext uri="{FF2B5EF4-FFF2-40B4-BE49-F238E27FC236}">
+                  <a16:creationId xmlns:a16="http://schemas.microsoft.com/office/drawing/2014/main" id="{D4139DBB-ACD7-C8DA-CB8D-D19E855EB49C}"/>
+                </a:ext>
+              </a:extLst>
+            </p:cNvPr>
+            <p:cNvSpPr/>
+            <p:nvPr/>
+          </p:nvSpPr>
+          <p:spPr>
+            <a:xfrm>
+              <a:off x="5861235" y="2857772"/>
+              <a:ext cx="1143000" cy="903574"/>
+            </a:xfrm>
+            <a:prstGeom prst="flowChartMultidocument">
+              <a:avLst/>
+            </a:prstGeom>
+          </p:spPr>
+          <p:style>
+            <a:lnRef idx="3">
+              <a:schemeClr val="lt1"/>
+            </a:lnRef>
+            <a:fillRef idx="1">
+              <a:schemeClr val="accent2"/>
+            </a:fillRef>
+            <a:effectRef idx="1">
+              <a:schemeClr val="accent2"/>
+            </a:effectRef>
+            <a:fontRef idx="minor">
+              <a:schemeClr val="lt1"/>
+            </a:fontRef>
+          </p:style>
+          <p:txBody>
+            <a:bodyPr rtlCol="0" anchor="ctr"/>
+            <a:lstStyle/>
+            <a:p>
+              <a:pPr algn="ctr"/>
+              <a:r>
+                <a:rPr lang="en-US" dirty="0"/>
+                <a:t>Text</a:t>
+              </a:r>
+            </a:p>
+          </p:txBody>
+        </p:sp>
+        <p:sp>
+          <p:nvSpPr>
+            <p:cNvPr id="21" name="TextBox 20">
+              <a:extLst>
+                <a:ext uri="{FF2B5EF4-FFF2-40B4-BE49-F238E27FC236}">
+                  <a16:creationId xmlns:a16="http://schemas.microsoft.com/office/drawing/2014/main" id="{697A8A1B-AF90-62D1-5F1B-1F50136C3B7C}"/>
+                </a:ext>
+              </a:extLst>
+            </p:cNvPr>
+            <p:cNvSpPr txBox="1"/>
+            <p:nvPr/>
+          </p:nvSpPr>
+          <p:spPr>
+            <a:xfrm>
+              <a:off x="4136197" y="2606150"/>
+              <a:ext cx="1158907" cy="369332"/>
+            </a:xfrm>
+            <a:prstGeom prst="rect">
+              <a:avLst/>
+            </a:prstGeom>
+            <a:noFill/>
+          </p:spPr>
+          <p:txBody>
+            <a:bodyPr wrap="none" rtlCol="0">
+              <a:spAutoFit/>
+            </a:bodyPr>
+            <a:lstStyle/>
+            <a:p>
+              <a:r>
+                <a:rPr lang="en-US" b="1" dirty="0">
+                  <a:solidFill>
+                    <a:schemeClr val="accent2"/>
+                  </a:solidFill>
+                </a:rPr>
+                <a:t>Generates</a:t>
+              </a:r>
+            </a:p>
+          </p:txBody>
+        </p:sp>
         <p:cxnSp>
           <p:nvCxnSpPr>
-            <p:cNvPr id="15" name="Straight Connector 14">
+            <p:cNvPr id="22" name="Straight Arrow Connector 21">
               <a:extLst>
                 <a:ext uri="{FF2B5EF4-FFF2-40B4-BE49-F238E27FC236}">
-                  <a16:creationId xmlns:a16="http://schemas.microsoft.com/office/drawing/2014/main" id="{5DB55F67-8628-B3C2-DD28-003667B6C6E1}"/>
+                  <a16:creationId xmlns:a16="http://schemas.microsoft.com/office/drawing/2014/main" id="{CE970966-C578-FE62-E5B4-343595585FB7}"/>
                 </a:ext>
               </a:extLst>
             </p:cNvPr>
@@ -27861,12 +27931,15 @@
           </p:nvCxnSpPr>
           <p:spPr>
             <a:xfrm>
-              <a:off x="5867400" y="1528600"/>
-              <a:ext cx="936306" cy="545017"/>
+              <a:off x="6477000" y="3696493"/>
+              <a:ext cx="0" cy="389898"/>
             </a:xfrm>
-            <a:prstGeom prst="line">
+            <a:prstGeom prst="straightConnector1">
               <a:avLst/>
             </a:prstGeom>
+            <a:ln>
+              <a:tailEnd type="triangle"/>
+            </a:ln>
           </p:spPr>
           <p:style>
             <a:lnRef idx="3">
@@ -27883,12 +27956,158 @@
             </a:fontRef>
           </p:style>
         </p:cxnSp>
+        <p:grpSp>
+          <p:nvGrpSpPr>
+            <p:cNvPr id="31" name="Group 30">
+              <a:extLst>
+                <a:ext uri="{FF2B5EF4-FFF2-40B4-BE49-F238E27FC236}">
+                  <a16:creationId xmlns:a16="http://schemas.microsoft.com/office/drawing/2014/main" id="{9649024D-198D-0681-81BD-6BE64DAD75A7}"/>
+                </a:ext>
+              </a:extLst>
+            </p:cNvPr>
+            <p:cNvGrpSpPr/>
+            <p:nvPr/>
+          </p:nvGrpSpPr>
+          <p:grpSpPr>
+            <a:xfrm>
+              <a:off x="4136197" y="2400536"/>
+              <a:ext cx="1224990" cy="305455"/>
+              <a:chOff x="5867400" y="1524000"/>
+              <a:chExt cx="936306" cy="566145"/>
+            </a:xfrm>
+          </p:grpSpPr>
+          <p:cxnSp>
+            <p:nvCxnSpPr>
+              <p:cNvPr id="25" name="Straight Connector 24">
+                <a:extLst>
+                  <a:ext uri="{FF2B5EF4-FFF2-40B4-BE49-F238E27FC236}">
+                    <a16:creationId xmlns:a16="http://schemas.microsoft.com/office/drawing/2014/main" id="{3C19A48D-5C1C-807E-C6A8-7757A8BA999E}"/>
+                  </a:ext>
+                </a:extLst>
+              </p:cNvPr>
+              <p:cNvCxnSpPr>
+                <a:cxnSpLocks/>
+              </p:cNvCxnSpPr>
+              <p:nvPr/>
+            </p:nvCxnSpPr>
+            <p:spPr>
+              <a:xfrm>
+                <a:off x="5867400" y="1528600"/>
+                <a:ext cx="936306" cy="545017"/>
+              </a:xfrm>
+              <a:prstGeom prst="line">
+                <a:avLst/>
+              </a:prstGeom>
+            </p:spPr>
+            <p:style>
+              <a:lnRef idx="3">
+                <a:schemeClr val="accent2"/>
+              </a:lnRef>
+              <a:fillRef idx="0">
+                <a:schemeClr val="accent2"/>
+              </a:fillRef>
+              <a:effectRef idx="2">
+                <a:schemeClr val="accent2"/>
+              </a:effectRef>
+              <a:fontRef idx="minor">
+                <a:schemeClr val="tx1"/>
+              </a:fontRef>
+            </p:style>
+          </p:cxnSp>
+          <p:cxnSp>
+            <p:nvCxnSpPr>
+              <p:cNvPr id="26" name="Straight Connector 25">
+                <a:extLst>
+                  <a:ext uri="{FF2B5EF4-FFF2-40B4-BE49-F238E27FC236}">
+                    <a16:creationId xmlns:a16="http://schemas.microsoft.com/office/drawing/2014/main" id="{F6DBA013-DF20-0788-AE43-DE9F383864E2}"/>
+                  </a:ext>
+                </a:extLst>
+              </p:cNvPr>
+              <p:cNvCxnSpPr>
+                <a:cxnSpLocks/>
+              </p:cNvCxnSpPr>
+              <p:nvPr/>
+            </p:nvCxnSpPr>
+            <p:spPr>
+              <a:xfrm flipV="1">
+                <a:off x="5901955" y="1524000"/>
+                <a:ext cx="901751" cy="566145"/>
+              </a:xfrm>
+              <a:prstGeom prst="line">
+                <a:avLst/>
+              </a:prstGeom>
+            </p:spPr>
+            <p:style>
+              <a:lnRef idx="3">
+                <a:schemeClr val="accent2"/>
+              </a:lnRef>
+              <a:fillRef idx="0">
+                <a:schemeClr val="accent2"/>
+              </a:fillRef>
+              <a:effectRef idx="2">
+                <a:schemeClr val="accent2"/>
+              </a:effectRef>
+              <a:fontRef idx="minor">
+                <a:schemeClr val="tx1"/>
+              </a:fontRef>
+            </p:style>
+          </p:cxnSp>
+        </p:grpSp>
+        <p:sp>
+          <p:nvSpPr>
+            <p:cNvPr id="6" name="Flowchart: Magnetic Disk 5">
+              <a:extLst>
+                <a:ext uri="{FF2B5EF4-FFF2-40B4-BE49-F238E27FC236}">
+                  <a16:creationId xmlns:a16="http://schemas.microsoft.com/office/drawing/2014/main" id="{3C351FF7-F61B-1563-9441-F70A4B3FD7C1}"/>
+                </a:ext>
+              </a:extLst>
+            </p:cNvPr>
+            <p:cNvSpPr/>
+            <p:nvPr/>
+          </p:nvSpPr>
+          <p:spPr>
+            <a:xfrm>
+              <a:off x="964414" y="2190097"/>
+              <a:ext cx="757533" cy="533400"/>
+            </a:xfrm>
+            <a:prstGeom prst="flowChartMagneticDisk">
+              <a:avLst/>
+            </a:prstGeom>
+          </p:spPr>
+          <p:style>
+            <a:lnRef idx="2">
+              <a:schemeClr val="accent6">
+                <a:shade val="15000"/>
+              </a:schemeClr>
+            </a:lnRef>
+            <a:fillRef idx="1">
+              <a:schemeClr val="accent6"/>
+            </a:fillRef>
+            <a:effectRef idx="0">
+              <a:schemeClr val="accent6"/>
+            </a:effectRef>
+            <a:fontRef idx="minor">
+              <a:schemeClr val="lt1"/>
+            </a:fontRef>
+          </p:style>
+          <p:txBody>
+            <a:bodyPr rtlCol="0" anchor="ctr"/>
+            <a:lstStyle/>
+            <a:p>
+              <a:pPr algn="ctr"/>
+              <a:r>
+                <a:rPr lang="en-US" dirty="0"/>
+                <a:t>KB</a:t>
+              </a:r>
+            </a:p>
+          </p:txBody>
+        </p:sp>
         <p:cxnSp>
           <p:nvCxnSpPr>
-            <p:cNvPr id="19" name="Straight Connector 18">
+            <p:cNvPr id="10" name="Straight Arrow Connector 9">
               <a:extLst>
                 <a:ext uri="{FF2B5EF4-FFF2-40B4-BE49-F238E27FC236}">
-                  <a16:creationId xmlns:a16="http://schemas.microsoft.com/office/drawing/2014/main" id="{0B43803D-A81E-4123-00F0-7D67D1A0CA29}"/>
+                  <a16:creationId xmlns:a16="http://schemas.microsoft.com/office/drawing/2014/main" id="{B61D950E-E7EF-DC8A-C21E-B0E434EC17DD}"/>
                 </a:ext>
               </a:extLst>
             </p:cNvPr>
@@ -27898,13 +28117,16 @@
             <p:nvPr/>
           </p:nvCxnSpPr>
           <p:spPr>
-            <a:xfrm flipV="1">
-              <a:off x="5901955" y="1524000"/>
-              <a:ext cx="901751" cy="566145"/>
+            <a:xfrm>
+              <a:off x="6477000" y="2514600"/>
+              <a:ext cx="10391" cy="294395"/>
             </a:xfrm>
-            <a:prstGeom prst="line">
+            <a:prstGeom prst="straightConnector1">
               <a:avLst/>
             </a:prstGeom>
+            <a:ln>
+              <a:tailEnd type="triangle"/>
+            </a:ln>
           </p:spPr>
           <p:style>
             <a:lnRef idx="3">
@@ -27921,97 +28143,194 @@
             </a:fontRef>
           </p:style>
         </p:cxnSp>
+        <p:grpSp>
+          <p:nvGrpSpPr>
+            <p:cNvPr id="13" name="Group 12">
+              <a:extLst>
+                <a:ext uri="{FF2B5EF4-FFF2-40B4-BE49-F238E27FC236}">
+                  <a16:creationId xmlns:a16="http://schemas.microsoft.com/office/drawing/2014/main" id="{84CB2650-18BF-5E77-72FF-746A963C41EB}"/>
+                </a:ext>
+              </a:extLst>
+            </p:cNvPr>
+            <p:cNvGrpSpPr/>
+            <p:nvPr/>
+          </p:nvGrpSpPr>
+          <p:grpSpPr>
+            <a:xfrm>
+              <a:off x="4072292" y="4334377"/>
+              <a:ext cx="1224990" cy="305455"/>
+              <a:chOff x="5867400" y="1524000"/>
+              <a:chExt cx="936306" cy="566145"/>
+            </a:xfrm>
+          </p:grpSpPr>
+          <p:cxnSp>
+            <p:nvCxnSpPr>
+              <p:cNvPr id="15" name="Straight Connector 14">
+                <a:extLst>
+                  <a:ext uri="{FF2B5EF4-FFF2-40B4-BE49-F238E27FC236}">
+                    <a16:creationId xmlns:a16="http://schemas.microsoft.com/office/drawing/2014/main" id="{5DB55F67-8628-B3C2-DD28-003667B6C6E1}"/>
+                  </a:ext>
+                </a:extLst>
+              </p:cNvPr>
+              <p:cNvCxnSpPr>
+                <a:cxnSpLocks/>
+              </p:cNvCxnSpPr>
+              <p:nvPr/>
+            </p:nvCxnSpPr>
+            <p:spPr>
+              <a:xfrm>
+                <a:off x="5867400" y="1528600"/>
+                <a:ext cx="936306" cy="545017"/>
+              </a:xfrm>
+              <a:prstGeom prst="line">
+                <a:avLst/>
+              </a:prstGeom>
+            </p:spPr>
+            <p:style>
+              <a:lnRef idx="3">
+                <a:schemeClr val="accent2"/>
+              </a:lnRef>
+              <a:fillRef idx="0">
+                <a:schemeClr val="accent2"/>
+              </a:fillRef>
+              <a:effectRef idx="2">
+                <a:schemeClr val="accent2"/>
+              </a:effectRef>
+              <a:fontRef idx="minor">
+                <a:schemeClr val="tx1"/>
+              </a:fontRef>
+            </p:style>
+          </p:cxnSp>
+          <p:cxnSp>
+            <p:nvCxnSpPr>
+              <p:cNvPr id="19" name="Straight Connector 18">
+                <a:extLst>
+                  <a:ext uri="{FF2B5EF4-FFF2-40B4-BE49-F238E27FC236}">
+                    <a16:creationId xmlns:a16="http://schemas.microsoft.com/office/drawing/2014/main" id="{0B43803D-A81E-4123-00F0-7D67D1A0CA29}"/>
+                  </a:ext>
+                </a:extLst>
+              </p:cNvPr>
+              <p:cNvCxnSpPr>
+                <a:cxnSpLocks/>
+              </p:cNvCxnSpPr>
+              <p:nvPr/>
+            </p:nvCxnSpPr>
+            <p:spPr>
+              <a:xfrm flipV="1">
+                <a:off x="5901955" y="1524000"/>
+                <a:ext cx="901751" cy="566145"/>
+              </a:xfrm>
+              <a:prstGeom prst="line">
+                <a:avLst/>
+              </a:prstGeom>
+            </p:spPr>
+            <p:style>
+              <a:lnRef idx="3">
+                <a:schemeClr val="accent2"/>
+              </a:lnRef>
+              <a:fillRef idx="0">
+                <a:schemeClr val="accent2"/>
+              </a:fillRef>
+              <a:effectRef idx="2">
+                <a:schemeClr val="accent2"/>
+              </a:effectRef>
+              <a:fontRef idx="minor">
+                <a:schemeClr val="tx1"/>
+              </a:fontRef>
+            </p:style>
+          </p:cxnSp>
+        </p:grpSp>
+        <p:sp>
+          <p:nvSpPr>
+            <p:cNvPr id="20" name="TextBox 19">
+              <a:extLst>
+                <a:ext uri="{FF2B5EF4-FFF2-40B4-BE49-F238E27FC236}">
+                  <a16:creationId xmlns:a16="http://schemas.microsoft.com/office/drawing/2014/main" id="{DC9567E1-1F33-CD80-A6FF-2B7E24C4BB52}"/>
+                </a:ext>
+              </a:extLst>
+            </p:cNvPr>
+            <p:cNvSpPr txBox="1"/>
+            <p:nvPr/>
+          </p:nvSpPr>
+          <p:spPr>
+            <a:xfrm>
+              <a:off x="4278703" y="4549514"/>
+              <a:ext cx="901144" cy="369332"/>
+            </a:xfrm>
+            <a:prstGeom prst="rect">
+              <a:avLst/>
+            </a:prstGeom>
+            <a:noFill/>
+          </p:spPr>
+          <p:txBody>
+            <a:bodyPr wrap="none" rtlCol="0">
+              <a:spAutoFit/>
+            </a:bodyPr>
+            <a:lstStyle/>
+            <a:p>
+              <a:r>
+                <a:rPr lang="en-US" b="1" dirty="0">
+                  <a:solidFill>
+                    <a:schemeClr val="accent2"/>
+                  </a:solidFill>
+                </a:rPr>
+                <a:t>Useful?</a:t>
+              </a:r>
+            </a:p>
+          </p:txBody>
+        </p:sp>
+        <p:sp>
+          <p:nvSpPr>
+            <p:cNvPr id="32" name="Speech Bubble: Rectangle with Corners Rounded 31">
+              <a:extLst>
+                <a:ext uri="{FF2B5EF4-FFF2-40B4-BE49-F238E27FC236}">
+                  <a16:creationId xmlns:a16="http://schemas.microsoft.com/office/drawing/2014/main" id="{3B77A4D0-1B69-8099-AA4C-9EE2F0618A4C}"/>
+                </a:ext>
+              </a:extLst>
+            </p:cNvPr>
+            <p:cNvSpPr/>
+            <p:nvPr/>
+          </p:nvSpPr>
+          <p:spPr>
+            <a:xfrm>
+              <a:off x="762000" y="1105360"/>
+              <a:ext cx="3810000" cy="936173"/>
+            </a:xfrm>
+            <a:prstGeom prst="wedgeRoundRectCallout">
+              <a:avLst>
+                <a:gd name="adj1" fmla="val -36361"/>
+                <a:gd name="adj2" fmla="val 75333"/>
+                <a:gd name="adj3" fmla="val 16667"/>
+              </a:avLst>
+            </a:prstGeom>
+          </p:spPr>
+          <p:style>
+            <a:lnRef idx="3">
+              <a:schemeClr val="lt1"/>
+            </a:lnRef>
+            <a:fillRef idx="1">
+              <a:schemeClr val="accent2"/>
+            </a:fillRef>
+            <a:effectRef idx="1">
+              <a:schemeClr val="accent2"/>
+            </a:effectRef>
+            <a:fontRef idx="minor">
+              <a:schemeClr val="lt1"/>
+            </a:fontRef>
+          </p:style>
+          <p:txBody>
+            <a:bodyPr rtlCol="0" anchor="ctr"/>
+            <a:lstStyle/>
+            <a:p>
+              <a:pPr algn="ctr"/>
+              <a:r>
+                <a:rPr lang="en-US" dirty="0"/>
+                <a:t>Pretrained model knows words relationship, grammar, and facts stored as parameters in a network.</a:t>
+              </a:r>
+            </a:p>
+          </p:txBody>
+        </p:sp>
       </p:grpSp>
-      <p:sp>
-        <p:nvSpPr>
-          <p:cNvPr id="20" name="TextBox 19">
-            <a:extLst>
-              <a:ext uri="{FF2B5EF4-FFF2-40B4-BE49-F238E27FC236}">
-                <a16:creationId xmlns:a16="http://schemas.microsoft.com/office/drawing/2014/main" id="{DC9567E1-1F33-CD80-A6FF-2B7E24C4BB52}"/>
-              </a:ext>
-            </a:extLst>
-          </p:cNvPr>
-          <p:cNvSpPr txBox="1"/>
-          <p:nvPr/>
-        </p:nvSpPr>
-        <p:spPr>
-          <a:xfrm>
-            <a:off x="4278703" y="4549514"/>
-            <a:ext cx="901144" cy="369332"/>
-          </a:xfrm>
-          <a:prstGeom prst="rect">
-            <a:avLst/>
-          </a:prstGeom>
-          <a:noFill/>
-        </p:spPr>
-        <p:txBody>
-          <a:bodyPr wrap="none" rtlCol="0">
-            <a:spAutoFit/>
-          </a:bodyPr>
-          <a:lstStyle/>
-          <a:p>
-            <a:r>
-              <a:rPr lang="en-US" b="1" dirty="0">
-                <a:solidFill>
-                  <a:schemeClr val="accent2"/>
-                </a:solidFill>
-              </a:rPr>
-              <a:t>Useful?</a:t>
-            </a:r>
-          </a:p>
-        </p:txBody>
-      </p:sp>
-      <p:sp>
-        <p:nvSpPr>
-          <p:cNvPr id="32" name="Speech Bubble: Rectangle with Corners Rounded 31">
-            <a:extLst>
-              <a:ext uri="{FF2B5EF4-FFF2-40B4-BE49-F238E27FC236}">
-                <a16:creationId xmlns:a16="http://schemas.microsoft.com/office/drawing/2014/main" id="{3B77A4D0-1B69-8099-AA4C-9EE2F0618A4C}"/>
-              </a:ext>
-            </a:extLst>
-          </p:cNvPr>
-          <p:cNvSpPr/>
-          <p:nvPr/>
-        </p:nvSpPr>
-        <p:spPr>
-          <a:xfrm>
-            <a:off x="762000" y="1105360"/>
-            <a:ext cx="3810000" cy="936173"/>
-          </a:xfrm>
-          <a:prstGeom prst="wedgeRoundRectCallout">
-            <a:avLst>
-              <a:gd name="adj1" fmla="val -36361"/>
-              <a:gd name="adj2" fmla="val 75333"/>
-              <a:gd name="adj3" fmla="val 16667"/>
-            </a:avLst>
-          </a:prstGeom>
-        </p:spPr>
-        <p:style>
-          <a:lnRef idx="3">
-            <a:schemeClr val="lt1"/>
-          </a:lnRef>
-          <a:fillRef idx="1">
-            <a:schemeClr val="accent2"/>
-          </a:fillRef>
-          <a:effectRef idx="1">
-            <a:schemeClr val="accent2"/>
-          </a:effectRef>
-          <a:fontRef idx="minor">
-            <a:schemeClr val="lt1"/>
-          </a:fontRef>
-        </p:style>
-        <p:txBody>
-          <a:bodyPr rtlCol="0" anchor="ctr"/>
-          <a:lstStyle/>
-          <a:p>
-            <a:pPr algn="ctr"/>
-            <a:r>
-              <a:rPr lang="en-US" dirty="0"/>
-              <a:t>Pretrained model knows words relationship, grammar, and facts stored as parameters in a network.</a:t>
-            </a:r>
-          </a:p>
-        </p:txBody>
-      </p:sp>
     </p:spTree>
     <p:extLst>
       <p:ext uri="{BB962C8B-B14F-4D97-AF65-F5344CB8AC3E}">
@@ -28113,443 +28432,467 @@
           </a:p>
         </p:txBody>
       </p:sp>
-      <p:sp>
-        <p:nvSpPr>
-          <p:cNvPr id="7" name="Rectangle 6"/>
-          <p:cNvSpPr/>
-          <p:nvPr/>
-        </p:nvSpPr>
-        <p:spPr bwMode="auto">
-          <a:xfrm>
-            <a:off x="838200" y="3200400"/>
-            <a:ext cx="2667000" cy="533400"/>
-          </a:xfrm>
-          <a:prstGeom prst="rect">
-            <a:avLst/>
-          </a:prstGeom>
-          <a:ln>
-            <a:headEnd type="none" w="med" len="med"/>
-            <a:tailEnd type="none" w="med" len="med"/>
-          </a:ln>
-        </p:spPr>
-        <p:style>
-          <a:lnRef idx="3">
-            <a:schemeClr val="lt1"/>
-          </a:lnRef>
-          <a:fillRef idx="1">
-            <a:schemeClr val="accent5"/>
-          </a:fillRef>
-          <a:effectRef idx="1">
-            <a:schemeClr val="accent5"/>
-          </a:effectRef>
-          <a:fontRef idx="minor">
-            <a:schemeClr val="lt1"/>
-          </a:fontRef>
-        </p:style>
-        <p:txBody>
-          <a:bodyPr vert="horz" wrap="square" lIns="91440" tIns="45720" rIns="91440" bIns="45720" numCol="1" rtlCol="0" anchor="ctr" anchorCtr="0" compatLnSpc="1">
-            <a:prstTxWarp prst="textNoShape">
-              <a:avLst/>
-            </a:prstTxWarp>
-          </a:bodyPr>
-          <a:lstStyle/>
-          <a:p>
-            <a:pPr marL="0" marR="0" indent="0" algn="ctr" defTabSz="914400" rtl="0" eaLnBrk="1" fontAlgn="base" latinLnBrk="0" hangingPunct="1">
-              <a:lnSpc>
-                <a:spcPct val="100000"/>
-              </a:lnSpc>
-              <a:spcBef>
-                <a:spcPct val="0"/>
-              </a:spcBef>
-              <a:spcAft>
-                <a:spcPct val="0"/>
-              </a:spcAft>
-              <a:buClrTx/>
-              <a:buSzTx/>
-              <a:buFontTx/>
-              <a:buNone/>
-              <a:tabLst/>
-            </a:pPr>
-            <a:r>
-              <a:rPr lang="en-US" dirty="0"/>
-              <a:t>Text Generator</a:t>
-            </a:r>
-          </a:p>
-        </p:txBody>
-      </p:sp>
-      <p:cxnSp>
-        <p:nvCxnSpPr>
-          <p:cNvPr id="19" name="Straight Arrow Connector 18"/>
-          <p:cNvCxnSpPr/>
-          <p:nvPr/>
-        </p:nvCxnSpPr>
-        <p:spPr bwMode="auto">
-          <a:xfrm>
-            <a:off x="3733800" y="3427412"/>
-            <a:ext cx="1447800" cy="1588"/>
-          </a:xfrm>
-          <a:prstGeom prst="straightConnector1">
-            <a:avLst/>
-          </a:prstGeom>
-          <a:solidFill>
-            <a:schemeClr val="accent1"/>
-          </a:solidFill>
-          <a:ln w="9525" cap="flat" cmpd="sng" algn="ctr">
-            <a:solidFill>
-              <a:schemeClr val="tx1"/>
-            </a:solidFill>
-            <a:prstDash val="solid"/>
-            <a:round/>
-            <a:headEnd type="none" w="med" len="med"/>
-            <a:tailEnd type="arrow"/>
-          </a:ln>
-          <a:effectLst/>
-        </p:spPr>
-      </p:cxnSp>
-      <p:sp>
-        <p:nvSpPr>
-          <p:cNvPr id="21" name="Rectangle 20"/>
-          <p:cNvSpPr/>
-          <p:nvPr/>
-        </p:nvSpPr>
-        <p:spPr>
-          <a:xfrm>
-            <a:off x="5280164" y="3242846"/>
-            <a:ext cx="2961965" cy="338554"/>
-          </a:xfrm>
-          <a:prstGeom prst="rect">
-            <a:avLst/>
-          </a:prstGeom>
-        </p:spPr>
-        <p:txBody>
-          <a:bodyPr wrap="none">
-            <a:spAutoFit/>
-          </a:bodyPr>
-          <a:lstStyle/>
-          <a:p>
-            <a:pPr algn="ctr"/>
-            <a:r>
-              <a:rPr lang="en-US" sz="1600" b="1" dirty="0">
-                <a:solidFill>
-                  <a:schemeClr val="accent2"/>
-                </a:solidFill>
-              </a:rPr>
-              <a:t>Domain-independent algorithms</a:t>
-            </a:r>
-          </a:p>
-        </p:txBody>
-      </p:sp>
-      <p:cxnSp>
-        <p:nvCxnSpPr>
-          <p:cNvPr id="22" name="Straight Arrow Connector 21"/>
-          <p:cNvCxnSpPr/>
-          <p:nvPr/>
-        </p:nvCxnSpPr>
-        <p:spPr bwMode="auto">
-          <a:xfrm>
-            <a:off x="3695700" y="2758817"/>
-            <a:ext cx="1447800" cy="1588"/>
-          </a:xfrm>
-          <a:prstGeom prst="straightConnector1">
-            <a:avLst/>
-          </a:prstGeom>
-          <a:solidFill>
-            <a:schemeClr val="accent1"/>
-          </a:solidFill>
-          <a:ln w="9525" cap="flat" cmpd="sng" algn="ctr">
-            <a:solidFill>
-              <a:schemeClr val="tx1"/>
-            </a:solidFill>
-            <a:prstDash val="solid"/>
-            <a:round/>
-            <a:headEnd type="none" w="med" len="med"/>
-            <a:tailEnd type="arrow"/>
-          </a:ln>
-          <a:effectLst/>
-        </p:spPr>
-      </p:cxnSp>
-      <p:sp>
-        <p:nvSpPr>
-          <p:cNvPr id="23" name="Rectangle 22"/>
-          <p:cNvSpPr/>
-          <p:nvPr/>
-        </p:nvSpPr>
-        <p:spPr>
-          <a:xfrm>
-            <a:off x="5388335" y="2832785"/>
-            <a:ext cx="2917465" cy="307777"/>
-          </a:xfrm>
-          <a:prstGeom prst="rect">
-            <a:avLst/>
-          </a:prstGeom>
-        </p:spPr>
-        <p:txBody>
-          <a:bodyPr wrap="none">
-            <a:spAutoFit/>
-          </a:bodyPr>
-          <a:lstStyle/>
-          <a:p>
-            <a:pPr algn="ctr"/>
-            <a:r>
-              <a:rPr lang="en-US" sz="1400" b="0" dirty="0"/>
-              <a:t>Domain-specific content </a:t>
-            </a:r>
-            <a:r>
-              <a:rPr lang="en-US" sz="1400" dirty="0"/>
-              <a:t>(fine tuning)</a:t>
-            </a:r>
-          </a:p>
-        </p:txBody>
-      </p:sp>
-      <p:sp>
-        <p:nvSpPr>
-          <p:cNvPr id="2" name="Cylinder 1">
+      <p:grpSp>
+        <p:nvGrpSpPr>
+          <p:cNvPr id="3" name="Group 2">
             <a:extLst>
               <a:ext uri="{FF2B5EF4-FFF2-40B4-BE49-F238E27FC236}">
-                <a16:creationId xmlns:a16="http://schemas.microsoft.com/office/drawing/2014/main" id="{8475278E-F5B8-47FE-8837-86D2EFE260DD}"/>
+                <a16:creationId xmlns:a16="http://schemas.microsoft.com/office/drawing/2014/main" id="{112A4221-1517-D162-FC9B-0127AAD03F86}"/>
+              </a:ext>
+              <a:ext uri="{C183D7F6-B498-43B3-948B-1728B52AA6E4}">
+                <adec:decorative xmlns:adec="http://schemas.microsoft.com/office/drawing/2017/decorative" val="1"/>
               </a:ext>
             </a:extLst>
           </p:cNvPr>
-          <p:cNvSpPr/>
+          <p:cNvGrpSpPr/>
           <p:nvPr/>
-        </p:nvSpPr>
-        <p:spPr>
+        </p:nvGrpSpPr>
+        <p:grpSpPr>
           <a:xfrm>
-            <a:off x="1215794" y="2267103"/>
-            <a:ext cx="1780185" cy="1014123"/>
+            <a:off x="721548" y="1293003"/>
+            <a:ext cx="8243819" cy="2440797"/>
+            <a:chOff x="721548" y="1293003"/>
+            <a:chExt cx="8243819" cy="2440797"/>
           </a:xfrm>
-          <a:prstGeom prst="can">
-            <a:avLst/>
-          </a:prstGeom>
-        </p:spPr>
-        <p:style>
-          <a:lnRef idx="2">
-            <a:schemeClr val="accent6">
-              <a:shade val="50000"/>
-            </a:schemeClr>
-          </a:lnRef>
-          <a:fillRef idx="1">
-            <a:schemeClr val="accent6"/>
-          </a:fillRef>
-          <a:effectRef idx="0">
-            <a:schemeClr val="accent6"/>
-          </a:effectRef>
-          <a:fontRef idx="minor">
-            <a:schemeClr val="lt1"/>
-          </a:fontRef>
-        </p:style>
-        <p:txBody>
-          <a:bodyPr rtlCol="0" anchor="ctr"/>
-          <a:lstStyle/>
-          <a:p>
-            <a:pPr algn="ctr" fontAlgn="base">
-              <a:spcBef>
-                <a:spcPct val="0"/>
-              </a:spcBef>
-              <a:spcAft>
-                <a:spcPct val="0"/>
-              </a:spcAft>
-            </a:pPr>
-            <a:r>
-              <a:rPr lang="en-US" dirty="0"/>
-              <a:t>pretrained</a:t>
-            </a:r>
-          </a:p>
-          <a:p>
-            <a:pPr algn="ctr" fontAlgn="base">
-              <a:spcBef>
-                <a:spcPct val="0"/>
-              </a:spcBef>
-              <a:spcAft>
-                <a:spcPct val="0"/>
-              </a:spcAft>
-            </a:pPr>
-            <a:r>
-              <a:rPr lang="en-US" dirty="0"/>
-              <a:t>Knowledge base</a:t>
-            </a:r>
-            <a:endParaRPr lang="en-US" b="1" dirty="0">
+        </p:grpSpPr>
+        <p:sp>
+          <p:nvSpPr>
+            <p:cNvPr id="7" name="Rectangle 6"/>
+            <p:cNvSpPr/>
+            <p:nvPr/>
+          </p:nvSpPr>
+          <p:spPr bwMode="auto">
+            <a:xfrm>
+              <a:off x="838200" y="3200400"/>
+              <a:ext cx="2667000" cy="533400"/>
+            </a:xfrm>
+            <a:prstGeom prst="rect">
+              <a:avLst/>
+            </a:prstGeom>
+            <a:ln>
+              <a:headEnd type="none" w="med" len="med"/>
+              <a:tailEnd type="none" w="med" len="med"/>
+            </a:ln>
+          </p:spPr>
+          <p:style>
+            <a:lnRef idx="3">
+              <a:schemeClr val="lt1"/>
+            </a:lnRef>
+            <a:fillRef idx="1">
+              <a:schemeClr val="accent5"/>
+            </a:fillRef>
+            <a:effectRef idx="1">
+              <a:schemeClr val="accent5"/>
+            </a:effectRef>
+            <a:fontRef idx="minor">
+              <a:schemeClr val="lt1"/>
+            </a:fontRef>
+          </p:style>
+          <p:txBody>
+            <a:bodyPr vert="horz" wrap="square" lIns="91440" tIns="45720" rIns="91440" bIns="45720" numCol="1" rtlCol="0" anchor="ctr" anchorCtr="0" compatLnSpc="1">
+              <a:prstTxWarp prst="textNoShape">
+                <a:avLst/>
+              </a:prstTxWarp>
+            </a:bodyPr>
+            <a:lstStyle/>
+            <a:p>
+              <a:pPr marL="0" marR="0" indent="0" algn="ctr" defTabSz="914400" rtl="0" eaLnBrk="1" fontAlgn="base" latinLnBrk="0" hangingPunct="1">
+                <a:lnSpc>
+                  <a:spcPct val="100000"/>
+                </a:lnSpc>
+                <a:spcBef>
+                  <a:spcPct val="0"/>
+                </a:spcBef>
+                <a:spcAft>
+                  <a:spcPct val="0"/>
+                </a:spcAft>
+                <a:buClrTx/>
+                <a:buSzTx/>
+                <a:buFontTx/>
+                <a:buNone/>
+                <a:tabLst/>
+              </a:pPr>
+              <a:r>
+                <a:rPr lang="en-US" dirty="0"/>
+                <a:t>Text Generator</a:t>
+              </a:r>
+            </a:p>
+          </p:txBody>
+        </p:sp>
+        <p:cxnSp>
+          <p:nvCxnSpPr>
+            <p:cNvPr id="19" name="Straight Arrow Connector 18"/>
+            <p:cNvCxnSpPr/>
+            <p:nvPr/>
+          </p:nvCxnSpPr>
+          <p:spPr bwMode="auto">
+            <a:xfrm>
+              <a:off x="3733800" y="3427412"/>
+              <a:ext cx="1447800" cy="1588"/>
+            </a:xfrm>
+            <a:prstGeom prst="straightConnector1">
+              <a:avLst/>
+            </a:prstGeom>
+            <a:solidFill>
+              <a:schemeClr val="accent1"/>
+            </a:solidFill>
+            <a:ln w="9525" cap="flat" cmpd="sng" algn="ctr">
               <a:solidFill>
                 <a:schemeClr val="tx1"/>
               </a:solidFill>
-              <a:latin typeface="Arial" charset="0"/>
-            </a:endParaRPr>
-          </a:p>
-        </p:txBody>
-      </p:sp>
-      <p:sp>
-        <p:nvSpPr>
-          <p:cNvPr id="9" name="TextBox 8">
-            <a:extLst>
-              <a:ext uri="{FF2B5EF4-FFF2-40B4-BE49-F238E27FC236}">
-                <a16:creationId xmlns:a16="http://schemas.microsoft.com/office/drawing/2014/main" id="{8DC87447-58A4-8421-4FAF-68F10991E678}"/>
-              </a:ext>
-            </a:extLst>
-          </p:cNvPr>
-          <p:cNvSpPr txBox="1"/>
-          <p:nvPr/>
-        </p:nvSpPr>
-        <p:spPr>
-          <a:xfrm>
-            <a:off x="5269667" y="2463942"/>
-            <a:ext cx="3695700" cy="307777"/>
-          </a:xfrm>
-          <a:prstGeom prst="rect">
-            <a:avLst/>
-          </a:prstGeom>
-          <a:noFill/>
-        </p:spPr>
-        <p:txBody>
-          <a:bodyPr wrap="square" rtlCol="0">
-            <a:spAutoFit/>
-          </a:bodyPr>
-          <a:lstStyle/>
-          <a:p>
-            <a:r>
-              <a:rPr lang="en-US" sz="1400" b="1" dirty="0">
+              <a:prstDash val="solid"/>
+              <a:round/>
+              <a:headEnd type="none" w="med" len="med"/>
+              <a:tailEnd type="arrow"/>
+            </a:ln>
+            <a:effectLst/>
+          </p:spPr>
+        </p:cxnSp>
+        <p:sp>
+          <p:nvSpPr>
+            <p:cNvPr id="21" name="Rectangle 20"/>
+            <p:cNvSpPr/>
+            <p:nvPr/>
+          </p:nvSpPr>
+          <p:spPr>
+            <a:xfrm>
+              <a:off x="5280164" y="3242846"/>
+              <a:ext cx="2961965" cy="338554"/>
+            </a:xfrm>
+            <a:prstGeom prst="rect">
+              <a:avLst/>
+            </a:prstGeom>
+          </p:spPr>
+          <p:txBody>
+            <a:bodyPr wrap="none">
+              <a:spAutoFit/>
+            </a:bodyPr>
+            <a:lstStyle/>
+            <a:p>
+              <a:pPr algn="ctr"/>
+              <a:r>
+                <a:rPr lang="en-US" sz="1600" b="1" dirty="0">
+                  <a:solidFill>
+                    <a:schemeClr val="accent2"/>
+                  </a:solidFill>
+                </a:rPr>
+                <a:t>Domain-independent algorithms</a:t>
+              </a:r>
+            </a:p>
+          </p:txBody>
+        </p:sp>
+        <p:cxnSp>
+          <p:nvCxnSpPr>
+            <p:cNvPr id="22" name="Straight Arrow Connector 21"/>
+            <p:cNvCxnSpPr/>
+            <p:nvPr/>
+          </p:nvCxnSpPr>
+          <p:spPr bwMode="auto">
+            <a:xfrm>
+              <a:off x="3695700" y="2758817"/>
+              <a:ext cx="1447800" cy="1588"/>
+            </a:xfrm>
+            <a:prstGeom prst="straightConnector1">
+              <a:avLst/>
+            </a:prstGeom>
+            <a:solidFill>
+              <a:schemeClr val="accent1"/>
+            </a:solidFill>
+            <a:ln w="9525" cap="flat" cmpd="sng" algn="ctr">
+              <a:solidFill>
+                <a:schemeClr val="tx1"/>
+              </a:solidFill>
+              <a:prstDash val="solid"/>
+              <a:round/>
+              <a:headEnd type="none" w="med" len="med"/>
+              <a:tailEnd type="arrow"/>
+            </a:ln>
+            <a:effectLst/>
+          </p:spPr>
+        </p:cxnSp>
+        <p:sp>
+          <p:nvSpPr>
+            <p:cNvPr id="23" name="Rectangle 22"/>
+            <p:cNvSpPr/>
+            <p:nvPr/>
+          </p:nvSpPr>
+          <p:spPr>
+            <a:xfrm>
+              <a:off x="5388335" y="2832785"/>
+              <a:ext cx="2917465" cy="307777"/>
+            </a:xfrm>
+            <a:prstGeom prst="rect">
+              <a:avLst/>
+            </a:prstGeom>
+          </p:spPr>
+          <p:txBody>
+            <a:bodyPr wrap="none">
+              <a:spAutoFit/>
+            </a:bodyPr>
+            <a:lstStyle/>
+            <a:p>
+              <a:pPr algn="ctr"/>
+              <a:r>
+                <a:rPr lang="en-US" sz="1400" b="0" dirty="0"/>
+                <a:t>Domain-specific content </a:t>
+              </a:r>
+              <a:r>
+                <a:rPr lang="en-US" sz="1400" dirty="0"/>
+                <a:t>(fine tuning)</a:t>
+              </a:r>
+            </a:p>
+          </p:txBody>
+        </p:sp>
+        <p:sp>
+          <p:nvSpPr>
+            <p:cNvPr id="2" name="Cylinder 1">
+              <a:extLst>
+                <a:ext uri="{FF2B5EF4-FFF2-40B4-BE49-F238E27FC236}">
+                  <a16:creationId xmlns:a16="http://schemas.microsoft.com/office/drawing/2014/main" id="{8475278E-F5B8-47FE-8837-86D2EFE260DD}"/>
+                </a:ext>
+              </a:extLst>
+            </p:cNvPr>
+            <p:cNvSpPr/>
+            <p:nvPr/>
+          </p:nvSpPr>
+          <p:spPr>
+            <a:xfrm>
+              <a:off x="1215794" y="2267103"/>
+              <a:ext cx="1780185" cy="1014123"/>
+            </a:xfrm>
+            <a:prstGeom prst="can">
+              <a:avLst/>
+            </a:prstGeom>
+          </p:spPr>
+          <p:style>
+            <a:lnRef idx="2">
+              <a:schemeClr val="accent6">
+                <a:shade val="50000"/>
+              </a:schemeClr>
+            </a:lnRef>
+            <a:fillRef idx="1">
+              <a:schemeClr val="accent6"/>
+            </a:fillRef>
+            <a:effectRef idx="0">
+              <a:schemeClr val="accent6"/>
+            </a:effectRef>
+            <a:fontRef idx="minor">
+              <a:schemeClr val="lt1"/>
+            </a:fontRef>
+          </p:style>
+          <p:txBody>
+            <a:bodyPr rtlCol="0" anchor="ctr"/>
+            <a:lstStyle/>
+            <a:p>
+              <a:pPr algn="ctr" fontAlgn="base">
+                <a:spcBef>
+                  <a:spcPct val="0"/>
+                </a:spcBef>
+                <a:spcAft>
+                  <a:spcPct val="0"/>
+                </a:spcAft>
+              </a:pPr>
+              <a:r>
+                <a:rPr lang="en-US" dirty="0"/>
+                <a:t>pretrained</a:t>
+              </a:r>
+            </a:p>
+            <a:p>
+              <a:pPr algn="ctr" fontAlgn="base">
+                <a:spcBef>
+                  <a:spcPct val="0"/>
+                </a:spcBef>
+                <a:spcAft>
+                  <a:spcPct val="0"/>
+                </a:spcAft>
+              </a:pPr>
+              <a:r>
+                <a:rPr lang="en-US" dirty="0"/>
+                <a:t>Knowledge base</a:t>
+              </a:r>
+              <a:endParaRPr lang="en-US" b="1" dirty="0">
                 <a:solidFill>
-                  <a:schemeClr val="accent2"/>
+                  <a:schemeClr val="tx1"/>
                 </a:solidFill>
-              </a:rPr>
-              <a:t>Domain-independent content </a:t>
-            </a:r>
-            <a:r>
-              <a:rPr lang="en-US" sz="1400" dirty="0"/>
-              <a:t>(pre-training)</a:t>
-            </a:r>
-          </a:p>
-        </p:txBody>
-      </p:sp>
-      <p:sp>
-        <p:nvSpPr>
-          <p:cNvPr id="10" name="TextBox 9">
-            <a:extLst>
-              <a:ext uri="{FF2B5EF4-FFF2-40B4-BE49-F238E27FC236}">
-                <a16:creationId xmlns:a16="http://schemas.microsoft.com/office/drawing/2014/main" id="{61E7764B-32CF-CB59-3FDE-99F94BCB9C89}"/>
-              </a:ext>
-            </a:extLst>
-          </p:cNvPr>
-          <p:cNvSpPr txBox="1"/>
-          <p:nvPr/>
-        </p:nvSpPr>
-        <p:spPr>
-          <a:xfrm>
-            <a:off x="6441779" y="2571420"/>
-            <a:ext cx="338554" cy="461665"/>
-          </a:xfrm>
-          <a:prstGeom prst="rect">
-            <a:avLst/>
-          </a:prstGeom>
-          <a:noFill/>
-        </p:spPr>
-        <p:txBody>
-          <a:bodyPr wrap="none" rtlCol="0">
-            <a:spAutoFit/>
-          </a:bodyPr>
-          <a:lstStyle/>
-          <a:p>
-            <a:r>
-              <a:rPr lang="en-US" sz="2400" b="1" dirty="0"/>
-              <a:t>+</a:t>
-            </a:r>
-          </a:p>
-        </p:txBody>
-      </p:sp>
-      <p:sp>
-        <p:nvSpPr>
-          <p:cNvPr id="11" name="Speech Bubble: Rectangle with Corners Rounded 10">
-            <a:extLst>
-              <a:ext uri="{FF2B5EF4-FFF2-40B4-BE49-F238E27FC236}">
-                <a16:creationId xmlns:a16="http://schemas.microsoft.com/office/drawing/2014/main" id="{AAF97496-F031-9DC4-52A0-EF0B30BA83B4}"/>
-              </a:ext>
-            </a:extLst>
-          </p:cNvPr>
-          <p:cNvSpPr/>
-          <p:nvPr/>
-        </p:nvSpPr>
-        <p:spPr>
-          <a:xfrm>
-            <a:off x="721548" y="1293003"/>
-            <a:ext cx="3012251" cy="669640"/>
-          </a:xfrm>
-          <a:prstGeom prst="wedgeRoundRectCallout">
-            <a:avLst>
-              <a:gd name="adj1" fmla="val -2232"/>
-              <a:gd name="adj2" fmla="val 114087"/>
-              <a:gd name="adj3" fmla="val 16667"/>
-            </a:avLst>
-          </a:prstGeom>
-        </p:spPr>
-        <p:style>
-          <a:lnRef idx="3">
-            <a:schemeClr val="lt1"/>
-          </a:lnRef>
-          <a:fillRef idx="1">
-            <a:schemeClr val="accent2"/>
-          </a:fillRef>
-          <a:effectRef idx="1">
-            <a:schemeClr val="accent2"/>
-          </a:effectRef>
-          <a:fontRef idx="minor">
-            <a:schemeClr val="lt1"/>
-          </a:fontRef>
-        </p:style>
-        <p:txBody>
-          <a:bodyPr rtlCol="0" anchor="ctr"/>
-          <a:lstStyle/>
-          <a:p>
-            <a:pPr algn="ctr"/>
-            <a:r>
-              <a:rPr lang="en-US" dirty="0"/>
-              <a:t>Learned word relationships, grammar, facts.</a:t>
-            </a:r>
-          </a:p>
-        </p:txBody>
-      </p:sp>
-      <p:sp>
-        <p:nvSpPr>
-          <p:cNvPr id="5" name="Left Brace 4">
-            <a:extLst>
-              <a:ext uri="{FF2B5EF4-FFF2-40B4-BE49-F238E27FC236}">
-                <a16:creationId xmlns:a16="http://schemas.microsoft.com/office/drawing/2014/main" id="{34FFD677-E3E0-6CA0-32A7-141816E2889A}"/>
-              </a:ext>
-            </a:extLst>
-          </p:cNvPr>
-          <p:cNvSpPr/>
-          <p:nvPr/>
-        </p:nvSpPr>
-        <p:spPr>
-          <a:xfrm>
-            <a:off x="5171993" y="2402974"/>
-            <a:ext cx="108171" cy="711685"/>
-          </a:xfrm>
-          <a:prstGeom prst="leftBrace">
-            <a:avLst/>
-          </a:prstGeom>
-        </p:spPr>
-        <p:style>
-          <a:lnRef idx="1">
-            <a:schemeClr val="dk1"/>
-          </a:lnRef>
-          <a:fillRef idx="0">
-            <a:schemeClr val="dk1"/>
-          </a:fillRef>
-          <a:effectRef idx="0">
-            <a:schemeClr val="dk1"/>
-          </a:effectRef>
-          <a:fontRef idx="minor">
-            <a:schemeClr val="tx1"/>
-          </a:fontRef>
-        </p:style>
-        <p:txBody>
-          <a:bodyPr rtlCol="0" anchor="ctr"/>
-          <a:lstStyle/>
-          <a:p>
-            <a:pPr algn="ctr"/>
-            <a:endParaRPr lang="en-US"/>
-          </a:p>
-        </p:txBody>
-      </p:sp>
+                <a:latin typeface="Arial" charset="0"/>
+              </a:endParaRPr>
+            </a:p>
+          </p:txBody>
+        </p:sp>
+        <p:sp>
+          <p:nvSpPr>
+            <p:cNvPr id="9" name="TextBox 8">
+              <a:extLst>
+                <a:ext uri="{FF2B5EF4-FFF2-40B4-BE49-F238E27FC236}">
+                  <a16:creationId xmlns:a16="http://schemas.microsoft.com/office/drawing/2014/main" id="{8DC87447-58A4-8421-4FAF-68F10991E678}"/>
+                </a:ext>
+              </a:extLst>
+            </p:cNvPr>
+            <p:cNvSpPr txBox="1"/>
+            <p:nvPr/>
+          </p:nvSpPr>
+          <p:spPr>
+            <a:xfrm>
+              <a:off x="5269667" y="2463942"/>
+              <a:ext cx="3695700" cy="307777"/>
+            </a:xfrm>
+            <a:prstGeom prst="rect">
+              <a:avLst/>
+            </a:prstGeom>
+            <a:noFill/>
+          </p:spPr>
+          <p:txBody>
+            <a:bodyPr wrap="square" rtlCol="0">
+              <a:spAutoFit/>
+            </a:bodyPr>
+            <a:lstStyle/>
+            <a:p>
+              <a:r>
+                <a:rPr lang="en-US" sz="1400" b="1" dirty="0">
+                  <a:solidFill>
+                    <a:schemeClr val="accent2"/>
+                  </a:solidFill>
+                </a:rPr>
+                <a:t>Domain-independent content </a:t>
+              </a:r>
+              <a:r>
+                <a:rPr lang="en-US" sz="1400" dirty="0"/>
+                <a:t>(pre-training)</a:t>
+              </a:r>
+            </a:p>
+          </p:txBody>
+        </p:sp>
+        <p:sp>
+          <p:nvSpPr>
+            <p:cNvPr id="10" name="TextBox 9">
+              <a:extLst>
+                <a:ext uri="{FF2B5EF4-FFF2-40B4-BE49-F238E27FC236}">
+                  <a16:creationId xmlns:a16="http://schemas.microsoft.com/office/drawing/2014/main" id="{61E7764B-32CF-CB59-3FDE-99F94BCB9C89}"/>
+                </a:ext>
+              </a:extLst>
+            </p:cNvPr>
+            <p:cNvSpPr txBox="1"/>
+            <p:nvPr/>
+          </p:nvSpPr>
+          <p:spPr>
+            <a:xfrm>
+              <a:off x="6441779" y="2571420"/>
+              <a:ext cx="338554" cy="461665"/>
+            </a:xfrm>
+            <a:prstGeom prst="rect">
+              <a:avLst/>
+            </a:prstGeom>
+            <a:noFill/>
+          </p:spPr>
+          <p:txBody>
+            <a:bodyPr wrap="none" rtlCol="0">
+              <a:spAutoFit/>
+            </a:bodyPr>
+            <a:lstStyle/>
+            <a:p>
+              <a:r>
+                <a:rPr lang="en-US" sz="2400" b="1" dirty="0"/>
+                <a:t>+</a:t>
+              </a:r>
+            </a:p>
+          </p:txBody>
+        </p:sp>
+        <p:sp>
+          <p:nvSpPr>
+            <p:cNvPr id="11" name="Speech Bubble: Rectangle with Corners Rounded 10">
+              <a:extLst>
+                <a:ext uri="{FF2B5EF4-FFF2-40B4-BE49-F238E27FC236}">
+                  <a16:creationId xmlns:a16="http://schemas.microsoft.com/office/drawing/2014/main" id="{AAF97496-F031-9DC4-52A0-EF0B30BA83B4}"/>
+                </a:ext>
+              </a:extLst>
+            </p:cNvPr>
+            <p:cNvSpPr/>
+            <p:nvPr/>
+          </p:nvSpPr>
+          <p:spPr>
+            <a:xfrm>
+              <a:off x="721548" y="1293003"/>
+              <a:ext cx="3012251" cy="669640"/>
+            </a:xfrm>
+            <a:prstGeom prst="wedgeRoundRectCallout">
+              <a:avLst>
+                <a:gd name="adj1" fmla="val -2232"/>
+                <a:gd name="adj2" fmla="val 114087"/>
+                <a:gd name="adj3" fmla="val 16667"/>
+              </a:avLst>
+            </a:prstGeom>
+          </p:spPr>
+          <p:style>
+            <a:lnRef idx="3">
+              <a:schemeClr val="lt1"/>
+            </a:lnRef>
+            <a:fillRef idx="1">
+              <a:schemeClr val="accent2"/>
+            </a:fillRef>
+            <a:effectRef idx="1">
+              <a:schemeClr val="accent2"/>
+            </a:effectRef>
+            <a:fontRef idx="minor">
+              <a:schemeClr val="lt1"/>
+            </a:fontRef>
+          </p:style>
+          <p:txBody>
+            <a:bodyPr rtlCol="0" anchor="ctr"/>
+            <a:lstStyle/>
+            <a:p>
+              <a:pPr algn="ctr"/>
+              <a:r>
+                <a:rPr lang="en-US" dirty="0"/>
+                <a:t>Learned word relationships, grammar, facts.</a:t>
+              </a:r>
+            </a:p>
+          </p:txBody>
+        </p:sp>
+        <p:sp>
+          <p:nvSpPr>
+            <p:cNvPr id="5" name="Left Brace 4">
+              <a:extLst>
+                <a:ext uri="{FF2B5EF4-FFF2-40B4-BE49-F238E27FC236}">
+                  <a16:creationId xmlns:a16="http://schemas.microsoft.com/office/drawing/2014/main" id="{34FFD677-E3E0-6CA0-32A7-141816E2889A}"/>
+                </a:ext>
+              </a:extLst>
+            </p:cNvPr>
+            <p:cNvSpPr/>
+            <p:nvPr/>
+          </p:nvSpPr>
+          <p:spPr>
+            <a:xfrm>
+              <a:off x="5171993" y="2402974"/>
+              <a:ext cx="108171" cy="711685"/>
+            </a:xfrm>
+            <a:prstGeom prst="leftBrace">
+              <a:avLst/>
+            </a:prstGeom>
+          </p:spPr>
+          <p:style>
+            <a:lnRef idx="1">
+              <a:schemeClr val="dk1"/>
+            </a:lnRef>
+            <a:fillRef idx="0">
+              <a:schemeClr val="dk1"/>
+            </a:fillRef>
+            <a:effectRef idx="0">
+              <a:schemeClr val="dk1"/>
+            </a:effectRef>
+            <a:fontRef idx="minor">
+              <a:schemeClr val="tx1"/>
+            </a:fontRef>
+          </p:style>
+          <p:txBody>
+            <a:bodyPr rtlCol="0" anchor="ctr"/>
+            <a:lstStyle/>
+            <a:p>
+              <a:pPr algn="ctr"/>
+              <a:endParaRPr lang="en-US"/>
+            </a:p>
+          </p:txBody>
+        </p:sp>
+      </p:grpSp>
     </p:spTree>
     <p:extLst>
       <p:ext uri="{BB962C8B-B14F-4D97-AF65-F5344CB8AC3E}">
@@ -28643,56 +28986,15 @@
           </a:p>
         </p:txBody>
       </p:sp>
-      <p:pic>
-        <p:nvPicPr>
-          <p:cNvPr id="4" name="Picture 3">
+      <p:grpSp>
+        <p:nvGrpSpPr>
+          <p:cNvPr id="7" name="Group 6">
             <a:extLst>
               <a:ext uri="{FF2B5EF4-FFF2-40B4-BE49-F238E27FC236}">
-                <a16:creationId xmlns:a16="http://schemas.microsoft.com/office/drawing/2014/main" id="{246A7726-3470-46C0-A48C-6E0D536DB040}"/>
+                <a16:creationId xmlns:a16="http://schemas.microsoft.com/office/drawing/2014/main" id="{FAC8D4A3-2B23-9BB7-0E51-04CDFDFAD880}"/>
               </a:ext>
-            </a:extLst>
-          </p:cNvPr>
-          <p:cNvPicPr>
-            <a:picLocks noChangeAspect="1"/>
-          </p:cNvPicPr>
-          <p:nvPr/>
-        </p:nvPicPr>
-        <p:blipFill>
-          <a:blip r:embed="rId2"/>
-          <a:stretch>
-            <a:fillRect/>
-          </a:stretch>
-        </p:blipFill>
-        <p:spPr>
-          <a:xfrm>
-            <a:off x="628650" y="2057400"/>
-            <a:ext cx="6215975" cy="2743200"/>
-          </a:xfrm>
-          <a:prstGeom prst="rect">
-            <a:avLst/>
-          </a:prstGeom>
-        </p:spPr>
-        <p:style>
-          <a:lnRef idx="2">
-            <a:schemeClr val="accent2"/>
-          </a:lnRef>
-          <a:fillRef idx="1">
-            <a:schemeClr val="lt1"/>
-          </a:fillRef>
-          <a:effectRef idx="0">
-            <a:schemeClr val="accent2"/>
-          </a:effectRef>
-          <a:fontRef idx="minor">
-            <a:schemeClr val="dk1"/>
-          </a:fontRef>
-        </p:style>
-      </p:pic>
-      <p:grpSp>
-        <p:nvGrpSpPr>
-          <p:cNvPr id="8" name="Group 7">
-            <a:extLst>
-              <a:ext uri="{FF2B5EF4-FFF2-40B4-BE49-F238E27FC236}">
-                <a16:creationId xmlns:a16="http://schemas.microsoft.com/office/drawing/2014/main" id="{D399D650-CD04-EB7D-87B7-6683F0AA492A}"/>
+              <a:ext uri="{C183D7F6-B498-43B3-948B-1728B52AA6E4}">
+                <adec:decorative xmlns:adec="http://schemas.microsoft.com/office/drawing/2017/decorative" val="1"/>
               </a:ext>
             </a:extLst>
           </p:cNvPr>
@@ -28701,288 +29003,353 @@
         </p:nvGrpSpPr>
         <p:grpSpPr>
           <a:xfrm>
-            <a:off x="914400" y="3155731"/>
-            <a:ext cx="5548559" cy="251219"/>
-            <a:chOff x="5867400" y="1524000"/>
-            <a:chExt cx="936306" cy="566145"/>
+            <a:off x="628650" y="1274346"/>
+            <a:ext cx="6215975" cy="4240662"/>
+            <a:chOff x="628650" y="1274346"/>
+            <a:chExt cx="6215975" cy="4240662"/>
           </a:xfrm>
         </p:grpSpPr>
-        <p:cxnSp>
-          <p:nvCxnSpPr>
-            <p:cNvPr id="9" name="Straight Connector 8">
+        <p:pic>
+          <p:nvPicPr>
+            <p:cNvPr id="4" name="Picture 3">
               <a:extLst>
                 <a:ext uri="{FF2B5EF4-FFF2-40B4-BE49-F238E27FC236}">
-                  <a16:creationId xmlns:a16="http://schemas.microsoft.com/office/drawing/2014/main" id="{1F48B94B-33FA-318E-D981-C9EAA5777B64}"/>
+                  <a16:creationId xmlns:a16="http://schemas.microsoft.com/office/drawing/2014/main" id="{246A7726-3470-46C0-A48C-6E0D536DB040}"/>
                 </a:ext>
               </a:extLst>
             </p:cNvPr>
-            <p:cNvCxnSpPr>
-              <a:cxnSpLocks/>
-            </p:cNvCxnSpPr>
+            <p:cNvPicPr>
+              <a:picLocks noChangeAspect="1"/>
+            </p:cNvPicPr>
             <p:nvPr/>
-          </p:nvCxnSpPr>
+          </p:nvPicPr>
+          <p:blipFill>
+            <a:blip r:embed="rId2"/>
+            <a:stretch>
+              <a:fillRect/>
+            </a:stretch>
+          </p:blipFill>
           <p:spPr>
             <a:xfrm>
-              <a:off x="5867400" y="1528600"/>
-              <a:ext cx="936306" cy="545017"/>
+              <a:off x="628650" y="2057400"/>
+              <a:ext cx="6215975" cy="2743200"/>
             </a:xfrm>
-            <a:prstGeom prst="line">
+            <a:prstGeom prst="rect">
               <a:avLst/>
             </a:prstGeom>
           </p:spPr>
           <p:style>
-            <a:lnRef idx="3">
+            <a:lnRef idx="2">
               <a:schemeClr val="accent2"/>
             </a:lnRef>
-            <a:fillRef idx="0">
-              <a:schemeClr val="accent2"/>
+            <a:fillRef idx="1">
+              <a:schemeClr val="lt1"/>
             </a:fillRef>
-            <a:effectRef idx="2">
+            <a:effectRef idx="0">
               <a:schemeClr val="accent2"/>
             </a:effectRef>
             <a:fontRef idx="minor">
-              <a:schemeClr val="tx1"/>
+              <a:schemeClr val="dk1"/>
             </a:fontRef>
           </p:style>
-        </p:cxnSp>
-        <p:cxnSp>
-          <p:nvCxnSpPr>
-            <p:cNvPr id="10" name="Straight Connector 9">
+        </p:pic>
+        <p:grpSp>
+          <p:nvGrpSpPr>
+            <p:cNvPr id="8" name="Group 7">
               <a:extLst>
                 <a:ext uri="{FF2B5EF4-FFF2-40B4-BE49-F238E27FC236}">
-                  <a16:creationId xmlns:a16="http://schemas.microsoft.com/office/drawing/2014/main" id="{569AD22D-6C0F-1626-729A-26B1733D18DE}"/>
+                  <a16:creationId xmlns:a16="http://schemas.microsoft.com/office/drawing/2014/main" id="{D399D650-CD04-EB7D-87B7-6683F0AA492A}"/>
                 </a:ext>
               </a:extLst>
             </p:cNvPr>
-            <p:cNvCxnSpPr>
-              <a:cxnSpLocks/>
-            </p:cNvCxnSpPr>
+            <p:cNvGrpSpPr/>
             <p:nvPr/>
-          </p:nvCxnSpPr>
+          </p:nvGrpSpPr>
+          <p:grpSpPr>
+            <a:xfrm>
+              <a:off x="914400" y="3155731"/>
+              <a:ext cx="5548559" cy="251219"/>
+              <a:chOff x="5867400" y="1524000"/>
+              <a:chExt cx="936306" cy="566145"/>
+            </a:xfrm>
+          </p:grpSpPr>
+          <p:cxnSp>
+            <p:nvCxnSpPr>
+              <p:cNvPr id="9" name="Straight Connector 8">
+                <a:extLst>
+                  <a:ext uri="{FF2B5EF4-FFF2-40B4-BE49-F238E27FC236}">
+                    <a16:creationId xmlns:a16="http://schemas.microsoft.com/office/drawing/2014/main" id="{1F48B94B-33FA-318E-D981-C9EAA5777B64}"/>
+                  </a:ext>
+                </a:extLst>
+              </p:cNvPr>
+              <p:cNvCxnSpPr>
+                <a:cxnSpLocks/>
+              </p:cNvCxnSpPr>
+              <p:nvPr/>
+            </p:nvCxnSpPr>
+            <p:spPr>
+              <a:xfrm>
+                <a:off x="5867400" y="1528600"/>
+                <a:ext cx="936306" cy="545017"/>
+              </a:xfrm>
+              <a:prstGeom prst="line">
+                <a:avLst/>
+              </a:prstGeom>
+            </p:spPr>
+            <p:style>
+              <a:lnRef idx="3">
+                <a:schemeClr val="accent2"/>
+              </a:lnRef>
+              <a:fillRef idx="0">
+                <a:schemeClr val="accent2"/>
+              </a:fillRef>
+              <a:effectRef idx="2">
+                <a:schemeClr val="accent2"/>
+              </a:effectRef>
+              <a:fontRef idx="minor">
+                <a:schemeClr val="tx1"/>
+              </a:fontRef>
+            </p:style>
+          </p:cxnSp>
+          <p:cxnSp>
+            <p:nvCxnSpPr>
+              <p:cNvPr id="10" name="Straight Connector 9">
+                <a:extLst>
+                  <a:ext uri="{FF2B5EF4-FFF2-40B4-BE49-F238E27FC236}">
+                    <a16:creationId xmlns:a16="http://schemas.microsoft.com/office/drawing/2014/main" id="{569AD22D-6C0F-1626-729A-26B1733D18DE}"/>
+                  </a:ext>
+                </a:extLst>
+              </p:cNvPr>
+              <p:cNvCxnSpPr>
+                <a:cxnSpLocks/>
+              </p:cNvCxnSpPr>
+              <p:nvPr/>
+            </p:nvCxnSpPr>
+            <p:spPr>
+              <a:xfrm flipV="1">
+                <a:off x="5901955" y="1524000"/>
+                <a:ext cx="901751" cy="566145"/>
+              </a:xfrm>
+              <a:prstGeom prst="line">
+                <a:avLst/>
+              </a:prstGeom>
+            </p:spPr>
+            <p:style>
+              <a:lnRef idx="3">
+                <a:schemeClr val="accent2"/>
+              </a:lnRef>
+              <a:fillRef idx="0">
+                <a:schemeClr val="accent2"/>
+              </a:fillRef>
+              <a:effectRef idx="2">
+                <a:schemeClr val="accent2"/>
+              </a:effectRef>
+              <a:fontRef idx="minor">
+                <a:schemeClr val="tx1"/>
+              </a:fontRef>
+            </p:style>
+          </p:cxnSp>
+        </p:grpSp>
+        <p:grpSp>
+          <p:nvGrpSpPr>
+            <p:cNvPr id="13" name="Group 12">
+              <a:extLst>
+                <a:ext uri="{FF2B5EF4-FFF2-40B4-BE49-F238E27FC236}">
+                  <a16:creationId xmlns:a16="http://schemas.microsoft.com/office/drawing/2014/main" id="{FBA257B3-FAA4-5490-415D-5BC4555CD905}"/>
+                </a:ext>
+              </a:extLst>
+            </p:cNvPr>
+            <p:cNvGrpSpPr/>
+            <p:nvPr/>
+          </p:nvGrpSpPr>
+          <p:grpSpPr>
+            <a:xfrm>
+              <a:off x="880533" y="3773661"/>
+              <a:ext cx="5548559" cy="251219"/>
+              <a:chOff x="5867400" y="1524000"/>
+              <a:chExt cx="936306" cy="566145"/>
+            </a:xfrm>
+          </p:grpSpPr>
+          <p:cxnSp>
+            <p:nvCxnSpPr>
+              <p:cNvPr id="14" name="Straight Connector 13">
+                <a:extLst>
+                  <a:ext uri="{FF2B5EF4-FFF2-40B4-BE49-F238E27FC236}">
+                    <a16:creationId xmlns:a16="http://schemas.microsoft.com/office/drawing/2014/main" id="{6D02B948-2F00-3743-2352-12F32A7B16F5}"/>
+                  </a:ext>
+                </a:extLst>
+              </p:cNvPr>
+              <p:cNvCxnSpPr>
+                <a:cxnSpLocks/>
+              </p:cNvCxnSpPr>
+              <p:nvPr/>
+            </p:nvCxnSpPr>
+            <p:spPr>
+              <a:xfrm>
+                <a:off x="5867400" y="1528600"/>
+                <a:ext cx="936306" cy="545017"/>
+              </a:xfrm>
+              <a:prstGeom prst="line">
+                <a:avLst/>
+              </a:prstGeom>
+            </p:spPr>
+            <p:style>
+              <a:lnRef idx="3">
+                <a:schemeClr val="accent2"/>
+              </a:lnRef>
+              <a:fillRef idx="0">
+                <a:schemeClr val="accent2"/>
+              </a:fillRef>
+              <a:effectRef idx="2">
+                <a:schemeClr val="accent2"/>
+              </a:effectRef>
+              <a:fontRef idx="minor">
+                <a:schemeClr val="tx1"/>
+              </a:fontRef>
+            </p:style>
+          </p:cxnSp>
+          <p:cxnSp>
+            <p:nvCxnSpPr>
+              <p:cNvPr id="16" name="Straight Connector 15">
+                <a:extLst>
+                  <a:ext uri="{FF2B5EF4-FFF2-40B4-BE49-F238E27FC236}">
+                    <a16:creationId xmlns:a16="http://schemas.microsoft.com/office/drawing/2014/main" id="{AAFDB867-ACE2-3998-1383-E1AD68A7EACE}"/>
+                  </a:ext>
+                </a:extLst>
+              </p:cNvPr>
+              <p:cNvCxnSpPr>
+                <a:cxnSpLocks/>
+              </p:cNvCxnSpPr>
+              <p:nvPr/>
+            </p:nvCxnSpPr>
+            <p:spPr>
+              <a:xfrm flipV="1">
+                <a:off x="5901955" y="1524000"/>
+                <a:ext cx="901751" cy="566145"/>
+              </a:xfrm>
+              <a:prstGeom prst="line">
+                <a:avLst/>
+              </a:prstGeom>
+            </p:spPr>
+            <p:style>
+              <a:lnRef idx="3">
+                <a:schemeClr val="accent2"/>
+              </a:lnRef>
+              <a:fillRef idx="0">
+                <a:schemeClr val="accent2"/>
+              </a:fillRef>
+              <a:effectRef idx="2">
+                <a:schemeClr val="accent2"/>
+              </a:effectRef>
+              <a:fontRef idx="minor">
+                <a:schemeClr val="tx1"/>
+              </a:fontRef>
+            </p:style>
+          </p:cxnSp>
+        </p:grpSp>
+        <p:sp>
+          <p:nvSpPr>
+            <p:cNvPr id="3" name="Speech Bubble: Rectangle with Corners Rounded 2">
+              <a:extLst>
+                <a:ext uri="{FF2B5EF4-FFF2-40B4-BE49-F238E27FC236}">
+                  <a16:creationId xmlns:a16="http://schemas.microsoft.com/office/drawing/2014/main" id="{F65479AC-3320-A100-73BB-D93D1543344E}"/>
+                </a:ext>
+              </a:extLst>
+            </p:cNvPr>
+            <p:cNvSpPr/>
+            <p:nvPr/>
+          </p:nvSpPr>
           <p:spPr>
-            <a:xfrm flipV="1">
-              <a:off x="5901955" y="1524000"/>
-              <a:ext cx="901751" cy="566145"/>
+            <a:xfrm>
+              <a:off x="3276600" y="1274346"/>
+              <a:ext cx="1981200" cy="645336"/>
             </a:xfrm>
-            <a:prstGeom prst="line">
-              <a:avLst/>
+            <a:prstGeom prst="wedgeRoundRectCallout">
+              <a:avLst>
+                <a:gd name="adj1" fmla="val -35941"/>
+                <a:gd name="adj2" fmla="val 90381"/>
+                <a:gd name="adj3" fmla="val 16667"/>
+              </a:avLst>
             </a:prstGeom>
           </p:spPr>
           <p:style>
             <a:lnRef idx="3">
-              <a:schemeClr val="accent2"/>
+              <a:schemeClr val="lt1"/>
             </a:lnRef>
-            <a:fillRef idx="0">
+            <a:fillRef idx="1">
               <a:schemeClr val="accent2"/>
             </a:fillRef>
-            <a:effectRef idx="2">
+            <a:effectRef idx="1">
               <a:schemeClr val="accent2"/>
             </a:effectRef>
             <a:fontRef idx="minor">
-              <a:schemeClr val="tx1"/>
+              <a:schemeClr val="lt1"/>
             </a:fontRef>
           </p:style>
-        </p:cxnSp>
-      </p:grpSp>
-      <p:grpSp>
-        <p:nvGrpSpPr>
-          <p:cNvPr id="13" name="Group 12">
-            <a:extLst>
-              <a:ext uri="{FF2B5EF4-FFF2-40B4-BE49-F238E27FC236}">
-                <a16:creationId xmlns:a16="http://schemas.microsoft.com/office/drawing/2014/main" id="{FBA257B3-FAA4-5490-415D-5BC4555CD905}"/>
-              </a:ext>
-            </a:extLst>
-          </p:cNvPr>
-          <p:cNvGrpSpPr/>
-          <p:nvPr/>
-        </p:nvGrpSpPr>
-        <p:grpSpPr>
-          <a:xfrm>
-            <a:off x="880533" y="3773661"/>
-            <a:ext cx="5548559" cy="251219"/>
-            <a:chOff x="5867400" y="1524000"/>
-            <a:chExt cx="936306" cy="566145"/>
-          </a:xfrm>
-        </p:grpSpPr>
-        <p:cxnSp>
-          <p:nvCxnSpPr>
-            <p:cNvPr id="14" name="Straight Connector 13">
+          <p:txBody>
+            <a:bodyPr rtlCol="0" anchor="ctr"/>
+            <a:lstStyle/>
+            <a:p>
+              <a:pPr algn="ctr"/>
+              <a:r>
+                <a:rPr lang="en-US" dirty="0"/>
+                <a:t>Prompt + already generated tokens</a:t>
+              </a:r>
+            </a:p>
+          </p:txBody>
+        </p:sp>
+        <p:sp>
+          <p:nvSpPr>
+            <p:cNvPr id="5" name="Speech Bubble: Rectangle with Corners Rounded 4">
               <a:extLst>
                 <a:ext uri="{FF2B5EF4-FFF2-40B4-BE49-F238E27FC236}">
-                  <a16:creationId xmlns:a16="http://schemas.microsoft.com/office/drawing/2014/main" id="{6D02B948-2F00-3743-2352-12F32A7B16F5}"/>
+                  <a16:creationId xmlns:a16="http://schemas.microsoft.com/office/drawing/2014/main" id="{F44D03C1-345D-3D93-794D-401AAF79F029}"/>
                 </a:ext>
               </a:extLst>
             </p:cNvPr>
-            <p:cNvCxnSpPr>
-              <a:cxnSpLocks/>
-            </p:cNvCxnSpPr>
+            <p:cNvSpPr/>
             <p:nvPr/>
-          </p:nvCxnSpPr>
+          </p:nvSpPr>
           <p:spPr>
             <a:xfrm>
-              <a:off x="5867400" y="1528600"/>
-              <a:ext cx="936306" cy="545017"/>
+              <a:off x="2743200" y="5029200"/>
+              <a:ext cx="1390534" cy="485808"/>
             </a:xfrm>
-            <a:prstGeom prst="line">
-              <a:avLst/>
+            <a:prstGeom prst="wedgeRoundRectCallout">
+              <a:avLst>
+                <a:gd name="adj1" fmla="val -65825"/>
+                <a:gd name="adj2" fmla="val -152231"/>
+                <a:gd name="adj3" fmla="val 16667"/>
+              </a:avLst>
             </a:prstGeom>
           </p:spPr>
           <p:style>
             <a:lnRef idx="3">
-              <a:schemeClr val="accent2"/>
+              <a:schemeClr val="lt1"/>
             </a:lnRef>
-            <a:fillRef idx="0">
+            <a:fillRef idx="1">
               <a:schemeClr val="accent2"/>
             </a:fillRef>
-            <a:effectRef idx="2">
+            <a:effectRef idx="1">
               <a:schemeClr val="accent2"/>
             </a:effectRef>
             <a:fontRef idx="minor">
-              <a:schemeClr val="tx1"/>
+              <a:schemeClr val="lt1"/>
             </a:fontRef>
           </p:style>
-        </p:cxnSp>
-        <p:cxnSp>
-          <p:nvCxnSpPr>
-            <p:cNvPr id="16" name="Straight Connector 15">
-              <a:extLst>
-                <a:ext uri="{FF2B5EF4-FFF2-40B4-BE49-F238E27FC236}">
-                  <a16:creationId xmlns:a16="http://schemas.microsoft.com/office/drawing/2014/main" id="{AAFDB867-ACE2-3998-1383-E1AD68A7EACE}"/>
-                </a:ext>
-              </a:extLst>
-            </p:cNvPr>
-            <p:cNvCxnSpPr>
-              <a:cxnSpLocks/>
-            </p:cNvCxnSpPr>
-            <p:nvPr/>
-          </p:nvCxnSpPr>
-          <p:spPr>
-            <a:xfrm flipV="1">
-              <a:off x="5901955" y="1524000"/>
-              <a:ext cx="901751" cy="566145"/>
-            </a:xfrm>
-            <a:prstGeom prst="line">
-              <a:avLst/>
-            </a:prstGeom>
-          </p:spPr>
-          <p:style>
-            <a:lnRef idx="3">
-              <a:schemeClr val="accent2"/>
-            </a:lnRef>
-            <a:fillRef idx="0">
-              <a:schemeClr val="accent2"/>
-            </a:fillRef>
-            <a:effectRef idx="2">
-              <a:schemeClr val="accent2"/>
-            </a:effectRef>
-            <a:fontRef idx="minor">
-              <a:schemeClr val="tx1"/>
-            </a:fontRef>
-          </p:style>
-        </p:cxnSp>
+          <p:txBody>
+            <a:bodyPr rtlCol="0" anchor="ctr"/>
+            <a:lstStyle/>
+            <a:p>
+              <a:pPr algn="ctr"/>
+              <a:r>
+                <a:rPr lang="en-US" dirty="0"/>
+                <a:t>Next token</a:t>
+              </a:r>
+            </a:p>
+          </p:txBody>
+        </p:sp>
       </p:grpSp>
-      <p:sp>
-        <p:nvSpPr>
-          <p:cNvPr id="3" name="Speech Bubble: Rectangle with Corners Rounded 2">
-            <a:extLst>
-              <a:ext uri="{FF2B5EF4-FFF2-40B4-BE49-F238E27FC236}">
-                <a16:creationId xmlns:a16="http://schemas.microsoft.com/office/drawing/2014/main" id="{F65479AC-3320-A100-73BB-D93D1543344E}"/>
-              </a:ext>
-            </a:extLst>
-          </p:cNvPr>
-          <p:cNvSpPr/>
-          <p:nvPr/>
-        </p:nvSpPr>
-        <p:spPr>
-          <a:xfrm>
-            <a:off x="3276600" y="1274346"/>
-            <a:ext cx="1981200" cy="645336"/>
-          </a:xfrm>
-          <a:prstGeom prst="wedgeRoundRectCallout">
-            <a:avLst>
-              <a:gd name="adj1" fmla="val -35941"/>
-              <a:gd name="adj2" fmla="val 90381"/>
-              <a:gd name="adj3" fmla="val 16667"/>
-            </a:avLst>
-          </a:prstGeom>
-        </p:spPr>
-        <p:style>
-          <a:lnRef idx="3">
-            <a:schemeClr val="lt1"/>
-          </a:lnRef>
-          <a:fillRef idx="1">
-            <a:schemeClr val="accent2"/>
-          </a:fillRef>
-          <a:effectRef idx="1">
-            <a:schemeClr val="accent2"/>
-          </a:effectRef>
-          <a:fontRef idx="minor">
-            <a:schemeClr val="lt1"/>
-          </a:fontRef>
-        </p:style>
-        <p:txBody>
-          <a:bodyPr rtlCol="0" anchor="ctr"/>
-          <a:lstStyle/>
-          <a:p>
-            <a:pPr algn="ctr"/>
-            <a:r>
-              <a:rPr lang="en-US" dirty="0"/>
-              <a:t>Prompt + already generated tokens</a:t>
-            </a:r>
-          </a:p>
-        </p:txBody>
-      </p:sp>
-      <p:sp>
-        <p:nvSpPr>
-          <p:cNvPr id="5" name="Speech Bubble: Rectangle with Corners Rounded 4">
-            <a:extLst>
-              <a:ext uri="{FF2B5EF4-FFF2-40B4-BE49-F238E27FC236}">
-                <a16:creationId xmlns:a16="http://schemas.microsoft.com/office/drawing/2014/main" id="{F44D03C1-345D-3D93-794D-401AAF79F029}"/>
-              </a:ext>
-            </a:extLst>
-          </p:cNvPr>
-          <p:cNvSpPr/>
-          <p:nvPr/>
-        </p:nvSpPr>
-        <p:spPr>
-          <a:xfrm>
-            <a:off x="2743200" y="5029200"/>
-            <a:ext cx="1390534" cy="485808"/>
-          </a:xfrm>
-          <a:prstGeom prst="wedgeRoundRectCallout">
-            <a:avLst>
-              <a:gd name="adj1" fmla="val -65825"/>
-              <a:gd name="adj2" fmla="val -152231"/>
-              <a:gd name="adj3" fmla="val 16667"/>
-            </a:avLst>
-          </a:prstGeom>
-        </p:spPr>
-        <p:style>
-          <a:lnRef idx="3">
-            <a:schemeClr val="lt1"/>
-          </a:lnRef>
-          <a:fillRef idx="1">
-            <a:schemeClr val="accent2"/>
-          </a:fillRef>
-          <a:effectRef idx="1">
-            <a:schemeClr val="accent2"/>
-          </a:effectRef>
-          <a:fontRef idx="minor">
-            <a:schemeClr val="lt1"/>
-          </a:fontRef>
-        </p:style>
-        <p:txBody>
-          <a:bodyPr rtlCol="0" anchor="ctr"/>
-          <a:lstStyle/>
-          <a:p>
-            <a:pPr algn="ctr"/>
-            <a:r>
-              <a:rPr lang="en-US" dirty="0"/>
-              <a:t>Next token</a:t>
-            </a:r>
-          </a:p>
-        </p:txBody>
-      </p:sp>
     </p:spTree>
     <p:extLst>
       <p:ext uri="{BB962C8B-B14F-4D97-AF65-F5344CB8AC3E}">
@@ -29456,6 +29823,9 @@
               <a:ext uri="{FF2B5EF4-FFF2-40B4-BE49-F238E27FC236}">
                 <a16:creationId xmlns:a16="http://schemas.microsoft.com/office/drawing/2014/main" id="{C6D9D45A-DBCC-78B1-7955-6C5FCC400515}"/>
               </a:ext>
+              <a:ext uri="{C183D7F6-B498-43B3-948B-1728B52AA6E4}">
+                <adec:decorative xmlns:adec="http://schemas.microsoft.com/office/drawing/2017/decorative" val="1"/>
+              </a:ext>
             </a:extLst>
           </p:cNvPr>
           <p:cNvGraphicFramePr>
@@ -29465,7 +29835,7 @@
             <p:ph idx="1"/>
             <p:extLst>
               <p:ext uri="{D42A27DB-BD31-4B8C-83A1-F6EECF244321}">
-                <p14:modId xmlns:p14="http://schemas.microsoft.com/office/powerpoint/2010/main" val="193977282"/>
+                <p14:modId xmlns:p14="http://schemas.microsoft.com/office/powerpoint/2010/main" val="3952300743"/>
               </p:ext>
             </p:extLst>
           </p:nvPr>
@@ -29538,6 +29908,9 @@
             <a:extLst>
               <a:ext uri="{FF2B5EF4-FFF2-40B4-BE49-F238E27FC236}">
                 <a16:creationId xmlns:a16="http://schemas.microsoft.com/office/drawing/2014/main" id="{CF86383B-2596-B951-6E5C-58535139642A}"/>
+              </a:ext>
+              <a:ext uri="{C183D7F6-B498-43B3-948B-1728B52AA6E4}">
+                <adec:decorative xmlns:adec="http://schemas.microsoft.com/office/drawing/2017/decorative" val="1"/>
               </a:ext>
             </a:extLst>
           </p:cNvPr>
@@ -29700,6 +30073,9 @@
             <a:extLst>
               <a:ext uri="{FF2B5EF4-FFF2-40B4-BE49-F238E27FC236}">
                 <a16:creationId xmlns:a16="http://schemas.microsoft.com/office/drawing/2014/main" id="{8AF2A674-3771-B596-4A5C-67250D2ED5D6}"/>
+              </a:ext>
+              <a:ext uri="{C183D7F6-B498-43B3-948B-1728B52AA6E4}">
+                <adec:decorative xmlns:adec="http://schemas.microsoft.com/office/drawing/2017/decorative" val="1"/>
               </a:ext>
             </a:extLst>
           </p:cNvPr>
@@ -30466,7 +30842,7 @@
       </p:sp>
       <p:graphicFrame>
         <p:nvGraphicFramePr>
-          <p:cNvPr id="6" name="Content Placeholder 2">
+          <p:cNvPr id="6" name="Content Placeholder 2" descr="Logic has syntac and semantics.">
             <a:extLst>
               <a:ext uri="{FF2B5EF4-FFF2-40B4-BE49-F238E27FC236}">
                 <a16:creationId xmlns:a16="http://schemas.microsoft.com/office/drawing/2014/main" id="{942315BB-9E95-4290-9277-FBBAD5C8E35C}"/>
@@ -30480,7 +30856,7 @@
             <p:ph idx="1"/>
             <p:extLst>
               <p:ext uri="{D42A27DB-BD31-4B8C-83A1-F6EECF244321}">
-                <p14:modId xmlns:p14="http://schemas.microsoft.com/office/powerpoint/2010/main" val="3668452742"/>
+                <p14:modId xmlns:p14="http://schemas.microsoft.com/office/powerpoint/2010/main" val="215502165"/>
               </p:ext>
             </p:extLst>
           </p:nvPr>
@@ -30495,146 +30871,6 @@
           </a:graphicData>
         </a:graphic>
       </p:graphicFrame>
-      <p:sp>
-        <p:nvSpPr>
-          <p:cNvPr id="3" name="Star: 5 Points 2">
-            <a:extLst>
-              <a:ext uri="{FF2B5EF4-FFF2-40B4-BE49-F238E27FC236}">
-                <a16:creationId xmlns:a16="http://schemas.microsoft.com/office/drawing/2014/main" id="{61486480-2688-6752-26BF-4583675F699D}"/>
-              </a:ext>
-            </a:extLst>
-          </p:cNvPr>
-          <p:cNvSpPr/>
-          <p:nvPr/>
-        </p:nvSpPr>
-        <p:spPr>
-          <a:xfrm>
-            <a:off x="8763000" y="129075"/>
-            <a:ext cx="247650" cy="244474"/>
-          </a:xfrm>
-          <a:prstGeom prst="star5">
-            <a:avLst/>
-          </a:prstGeom>
-        </p:spPr>
-        <p:style>
-          <a:lnRef idx="2">
-            <a:schemeClr val="accent2">
-              <a:shade val="50000"/>
-            </a:schemeClr>
-          </a:lnRef>
-          <a:fillRef idx="1">
-            <a:schemeClr val="accent2"/>
-          </a:fillRef>
-          <a:effectRef idx="0">
-            <a:schemeClr val="accent2"/>
-          </a:effectRef>
-          <a:fontRef idx="minor">
-            <a:schemeClr val="lt1"/>
-          </a:fontRef>
-        </p:style>
-        <p:txBody>
-          <a:bodyPr rtlCol="0" anchor="ctr"/>
-          <a:lstStyle>
-            <a:defPPr>
-              <a:defRPr lang="en-US"/>
-            </a:defPPr>
-            <a:lvl1pPr marL="0" algn="l" defTabSz="914400" rtl="0" eaLnBrk="1" latinLnBrk="0" hangingPunct="1">
-              <a:defRPr sz="1800" kern="1200">
-                <a:solidFill>
-                  <a:schemeClr val="lt1"/>
-                </a:solidFill>
-                <a:latin typeface="+mn-lt"/>
-                <a:ea typeface="+mn-ea"/>
-                <a:cs typeface="+mn-cs"/>
-              </a:defRPr>
-            </a:lvl1pPr>
-            <a:lvl2pPr marL="457200" algn="l" defTabSz="914400" rtl="0" eaLnBrk="1" latinLnBrk="0" hangingPunct="1">
-              <a:defRPr sz="1800" kern="1200">
-                <a:solidFill>
-                  <a:schemeClr val="lt1"/>
-                </a:solidFill>
-                <a:latin typeface="+mn-lt"/>
-                <a:ea typeface="+mn-ea"/>
-                <a:cs typeface="+mn-cs"/>
-              </a:defRPr>
-            </a:lvl2pPr>
-            <a:lvl3pPr marL="914400" algn="l" defTabSz="914400" rtl="0" eaLnBrk="1" latinLnBrk="0" hangingPunct="1">
-              <a:defRPr sz="1800" kern="1200">
-                <a:solidFill>
-                  <a:schemeClr val="lt1"/>
-                </a:solidFill>
-                <a:latin typeface="+mn-lt"/>
-                <a:ea typeface="+mn-ea"/>
-                <a:cs typeface="+mn-cs"/>
-              </a:defRPr>
-            </a:lvl3pPr>
-            <a:lvl4pPr marL="1371600" algn="l" defTabSz="914400" rtl="0" eaLnBrk="1" latinLnBrk="0" hangingPunct="1">
-              <a:defRPr sz="1800" kern="1200">
-                <a:solidFill>
-                  <a:schemeClr val="lt1"/>
-                </a:solidFill>
-                <a:latin typeface="+mn-lt"/>
-                <a:ea typeface="+mn-ea"/>
-                <a:cs typeface="+mn-cs"/>
-              </a:defRPr>
-            </a:lvl4pPr>
-            <a:lvl5pPr marL="1828800" algn="l" defTabSz="914400" rtl="0" eaLnBrk="1" latinLnBrk="0" hangingPunct="1">
-              <a:defRPr sz="1800" kern="1200">
-                <a:solidFill>
-                  <a:schemeClr val="lt1"/>
-                </a:solidFill>
-                <a:latin typeface="+mn-lt"/>
-                <a:ea typeface="+mn-ea"/>
-                <a:cs typeface="+mn-cs"/>
-              </a:defRPr>
-            </a:lvl5pPr>
-            <a:lvl6pPr marL="2286000" algn="l" defTabSz="914400" rtl="0" eaLnBrk="1" latinLnBrk="0" hangingPunct="1">
-              <a:defRPr sz="1800" kern="1200">
-                <a:solidFill>
-                  <a:schemeClr val="lt1"/>
-                </a:solidFill>
-                <a:latin typeface="+mn-lt"/>
-                <a:ea typeface="+mn-ea"/>
-                <a:cs typeface="+mn-cs"/>
-              </a:defRPr>
-            </a:lvl6pPr>
-            <a:lvl7pPr marL="2743200" algn="l" defTabSz="914400" rtl="0" eaLnBrk="1" latinLnBrk="0" hangingPunct="1">
-              <a:defRPr sz="1800" kern="1200">
-                <a:solidFill>
-                  <a:schemeClr val="lt1"/>
-                </a:solidFill>
-                <a:latin typeface="+mn-lt"/>
-                <a:ea typeface="+mn-ea"/>
-                <a:cs typeface="+mn-cs"/>
-              </a:defRPr>
-            </a:lvl7pPr>
-            <a:lvl8pPr marL="3200400" algn="l" defTabSz="914400" rtl="0" eaLnBrk="1" latinLnBrk="0" hangingPunct="1">
-              <a:defRPr sz="1800" kern="1200">
-                <a:solidFill>
-                  <a:schemeClr val="lt1"/>
-                </a:solidFill>
-                <a:latin typeface="+mn-lt"/>
-                <a:ea typeface="+mn-ea"/>
-                <a:cs typeface="+mn-cs"/>
-              </a:defRPr>
-            </a:lvl8pPr>
-            <a:lvl9pPr marL="3657600" algn="l" defTabSz="914400" rtl="0" eaLnBrk="1" latinLnBrk="0" hangingPunct="1">
-              <a:defRPr sz="1800" kern="1200">
-                <a:solidFill>
-                  <a:schemeClr val="lt1"/>
-                </a:solidFill>
-                <a:latin typeface="+mn-lt"/>
-                <a:ea typeface="+mn-ea"/>
-                <a:cs typeface="+mn-cs"/>
-              </a:defRPr>
-            </a:lvl9pPr>
-          </a:lstStyle>
-          <a:p>
-            <a:pPr algn="ctr"/>
-            <a:endParaRPr lang="en-US"/>
-          </a:p>
-        </p:txBody>
-      </p:sp>
     </p:spTree>
   </p:cSld>
   <p:clrMapOvr>
@@ -30695,6 +30931,9 @@
               <a:ext uri="{FF2B5EF4-FFF2-40B4-BE49-F238E27FC236}">
                 <a16:creationId xmlns:a16="http://schemas.microsoft.com/office/drawing/2014/main" id="{C6D9D45A-DBCC-78B1-7955-6C5FCC400515}"/>
               </a:ext>
+              <a:ext uri="{C183D7F6-B498-43B3-948B-1728B52AA6E4}">
+                <adec:decorative xmlns:adec="http://schemas.microsoft.com/office/drawing/2017/decorative" val="1"/>
+              </a:ext>
             </a:extLst>
           </p:cNvPr>
           <p:cNvGraphicFramePr>
@@ -30704,7 +30943,7 @@
             <p:ph idx="1"/>
             <p:extLst>
               <p:ext uri="{D42A27DB-BD31-4B8C-83A1-F6EECF244321}">
-                <p14:modId xmlns:p14="http://schemas.microsoft.com/office/powerpoint/2010/main" val="1576744293"/>
+                <p14:modId xmlns:p14="http://schemas.microsoft.com/office/powerpoint/2010/main" val="1093325998"/>
               </p:ext>
             </p:extLst>
           </p:nvPr>
@@ -30778,6 +31017,9 @@
               <a:ext uri="{FF2B5EF4-FFF2-40B4-BE49-F238E27FC236}">
                 <a16:creationId xmlns:a16="http://schemas.microsoft.com/office/drawing/2014/main" id="{466ABFD7-3370-4CE3-A3D4-94A70A5AF9D9}"/>
               </a:ext>
+              <a:ext uri="{C183D7F6-B498-43B3-948B-1728B52AA6E4}">
+                <adec:decorative xmlns:adec="http://schemas.microsoft.com/office/drawing/2017/decorative" val="1"/>
+              </a:ext>
             </a:extLst>
           </p:cNvPr>
           <p:cNvPicPr>
@@ -30807,6 +31049,9 @@
             <a:extLst>
               <a:ext uri="{FF2B5EF4-FFF2-40B4-BE49-F238E27FC236}">
                 <a16:creationId xmlns:a16="http://schemas.microsoft.com/office/drawing/2014/main" id="{EAEF65A7-DD1C-47CE-BEEC-E511628736E2}"/>
+              </a:ext>
+              <a:ext uri="{C183D7F6-B498-43B3-948B-1728B52AA6E4}">
+                <adec:decorative xmlns:adec="http://schemas.microsoft.com/office/drawing/2017/decorative" val="1"/>
               </a:ext>
             </a:extLst>
           </p:cNvPr>
@@ -30916,6 +31161,9 @@
               <a:ext uri="{FF2B5EF4-FFF2-40B4-BE49-F238E27FC236}">
                 <a16:creationId xmlns:a16="http://schemas.microsoft.com/office/drawing/2014/main" id="{86F248A0-1C49-4BC2-BEEB-C74CC0B0D831}"/>
               </a:ext>
+              <a:ext uri="{C183D7F6-B498-43B3-948B-1728B52AA6E4}">
+                <adec:decorative xmlns:adec="http://schemas.microsoft.com/office/drawing/2017/decorative" val="1"/>
+              </a:ext>
             </a:extLst>
           </p:cNvPr>
           <p:cNvPicPr>
@@ -30925,13 +31173,13 @@
         </p:nvPicPr>
         <p:blipFill rotWithShape="1">
           <a:blip r:embed="rId3"/>
-          <a:srcRect b="21800"/>
+          <a:srcRect l="11404" b="21800"/>
           <a:stretch/>
         </p:blipFill>
         <p:spPr>
           <a:xfrm>
-            <a:off x="-228600" y="2362200"/>
-            <a:ext cx="8686800" cy="3505200"/>
+            <a:off x="762000" y="2362200"/>
+            <a:ext cx="7696200" cy="3505200"/>
           </a:xfrm>
           <a:prstGeom prst="rect">
             <a:avLst/>
@@ -31038,6 +31286,9 @@
             <a:extLst>
               <a:ext uri="{FF2B5EF4-FFF2-40B4-BE49-F238E27FC236}">
                 <a16:creationId xmlns:a16="http://schemas.microsoft.com/office/drawing/2014/main" id="{245CCD6B-33F6-BC0F-587D-0CB20E35B431}"/>
+              </a:ext>
+              <a:ext uri="{C183D7F6-B498-43B3-948B-1728B52AA6E4}">
+                <adec:decorative xmlns:adec="http://schemas.microsoft.com/office/drawing/2017/decorative" val="1"/>
               </a:ext>
             </a:extLst>
           </p:cNvPr>
@@ -31131,6 +31382,9 @@
               <a:ext uri="{FF2B5EF4-FFF2-40B4-BE49-F238E27FC236}">
                 <a16:creationId xmlns:a16="http://schemas.microsoft.com/office/drawing/2014/main" id="{6A4EB672-C4F5-477D-B826-94BCD667DC0E}"/>
               </a:ext>
+              <a:ext uri="{C183D7F6-B498-43B3-948B-1728B52AA6E4}">
+                <adec:decorative xmlns:adec="http://schemas.microsoft.com/office/drawing/2017/decorative" val="1"/>
+              </a:ext>
             </a:extLst>
           </p:cNvPr>
           <p:cNvGraphicFramePr>
@@ -31140,7 +31394,7 @@
             <p:ph idx="1"/>
             <p:extLst>
               <p:ext uri="{D42A27DB-BD31-4B8C-83A1-F6EECF244321}">
-                <p14:modId xmlns:p14="http://schemas.microsoft.com/office/powerpoint/2010/main" val="2802213325"/>
+                <p14:modId xmlns:p14="http://schemas.microsoft.com/office/powerpoint/2010/main" val="1824496623"/>
               </p:ext>
             </p:extLst>
           </p:nvPr>
@@ -31211,6 +31465,9 @@
                   <a:ext uri="{FF2B5EF4-FFF2-40B4-BE49-F238E27FC236}">
                     <a16:creationId xmlns:a16="http://schemas.microsoft.com/office/drawing/2014/main" id="{FCE5F694-337A-4B16-BD03-0B49C379FF46}"/>
                   </a:ext>
+                  <a:ext uri="{C183D7F6-B498-43B3-948B-1728B52AA6E4}">
+                    <adec:decorative xmlns:adec="http://schemas.microsoft.com/office/drawing/2017/decorative" val="1"/>
+                  </a:ext>
                 </a:extLst>
               </p:cNvPr>
               <p:cNvGraphicFramePr>
@@ -31220,7 +31477,7 @@
                 <p:ph idx="1"/>
                 <p:extLst>
                   <p:ext uri="{D42A27DB-BD31-4B8C-83A1-F6EECF244321}">
-                    <p14:modId xmlns:p14="http://schemas.microsoft.com/office/powerpoint/2010/main" val="242722415"/>
+                    <p14:modId xmlns:p14="http://schemas.microsoft.com/office/powerpoint/2010/main" val="1870042555"/>
                   </p:ext>
                 </p:extLst>
               </p:nvPr>
@@ -31244,6 +31501,9 @@
                   <a:ext uri="{FF2B5EF4-FFF2-40B4-BE49-F238E27FC236}">
                     <a16:creationId xmlns:a16="http://schemas.microsoft.com/office/drawing/2014/main" id="{FCE5F694-337A-4B16-BD03-0B49C379FF46}"/>
                   </a:ext>
+                  <a:ext uri="{C183D7F6-B498-43B3-948B-1728B52AA6E4}">
+                    <adec:decorative xmlns:adec="http://schemas.microsoft.com/office/drawing/2017/decorative" val="1"/>
+                  </a:ext>
                 </a:extLst>
               </p:cNvPr>
               <p:cNvGraphicFramePr>
@@ -31253,7 +31513,7 @@
                 <p:ph idx="1"/>
                 <p:extLst>
                   <p:ext uri="{D42A27DB-BD31-4B8C-83A1-F6EECF244321}">
-                    <p14:modId xmlns:p14="http://schemas.microsoft.com/office/powerpoint/2010/main" val="242722415"/>
+                    <p14:modId xmlns:p14="http://schemas.microsoft.com/office/powerpoint/2010/main" val="1870042555"/>
                   </p:ext>
                 </p:extLst>
               </p:nvPr>
@@ -31276,6 +31536,9 @@
             <a:extLst>
               <a:ext uri="{FF2B5EF4-FFF2-40B4-BE49-F238E27FC236}">
                 <a16:creationId xmlns:a16="http://schemas.microsoft.com/office/drawing/2014/main" id="{7ADE30F1-CA79-42F6-B28E-7815A6FAF503}"/>
+              </a:ext>
+              <a:ext uri="{C183D7F6-B498-43B3-948B-1728B52AA6E4}">
+                <adec:decorative xmlns:adec="http://schemas.microsoft.com/office/drawing/2017/decorative" val="1"/>
               </a:ext>
             </a:extLst>
           </p:cNvPr>
@@ -31475,6 +31738,9 @@
               <a:ext uri="{FF2B5EF4-FFF2-40B4-BE49-F238E27FC236}">
                 <a16:creationId xmlns:a16="http://schemas.microsoft.com/office/drawing/2014/main" id="{90747A65-8988-43B9-8A4C-503B4645ED9F}"/>
               </a:ext>
+              <a:ext uri="{C183D7F6-B498-43B3-948B-1728B52AA6E4}">
+                <adec:decorative xmlns:adec="http://schemas.microsoft.com/office/drawing/2017/decorative" val="1"/>
+              </a:ext>
             </a:extLst>
           </p:cNvPr>
           <p:cNvSpPr/>
@@ -31525,6 +31791,9 @@
             <a:extLst>
               <a:ext uri="{FF2B5EF4-FFF2-40B4-BE49-F238E27FC236}">
                 <a16:creationId xmlns:a16="http://schemas.microsoft.com/office/drawing/2014/main" id="{AF169883-8584-45A1-8103-08F5420D0596}"/>
+              </a:ext>
+              <a:ext uri="{C183D7F6-B498-43B3-948B-1728B52AA6E4}">
+                <adec:decorative xmlns:adec="http://schemas.microsoft.com/office/drawing/2017/decorative" val="1"/>
               </a:ext>
             </a:extLst>
           </p:cNvPr>
@@ -31853,6 +32122,9 @@
               <a:ext uri="{FF2B5EF4-FFF2-40B4-BE49-F238E27FC236}">
                 <a16:creationId xmlns:a16="http://schemas.microsoft.com/office/drawing/2014/main" id="{3862BB04-FC39-4CF2-A696-1F226F038B7F}"/>
               </a:ext>
+              <a:ext uri="{C183D7F6-B498-43B3-948B-1728B52AA6E4}">
+                <adec:decorative xmlns:adec="http://schemas.microsoft.com/office/drawing/2017/decorative" val="1"/>
+              </a:ext>
             </a:extLst>
           </p:cNvPr>
           <p:cNvSpPr/>
@@ -31897,6 +32169,9 @@
               <a:ext uri="{FF2B5EF4-FFF2-40B4-BE49-F238E27FC236}">
                 <a16:creationId xmlns:a16="http://schemas.microsoft.com/office/drawing/2014/main" id="{FDBA4D3E-DEE8-42AB-8600-C2B4E85EDA12}"/>
               </a:ext>
+              <a:ext uri="{C183D7F6-B498-43B3-948B-1728B52AA6E4}">
+                <adec:decorative xmlns:adec="http://schemas.microsoft.com/office/drawing/2017/decorative" val="1"/>
+              </a:ext>
             </a:extLst>
           </p:cNvPr>
           <p:cNvSpPr txBox="1"/>
@@ -31931,6 +32206,9 @@
             <a:extLst>
               <a:ext uri="{FF2B5EF4-FFF2-40B4-BE49-F238E27FC236}">
                 <a16:creationId xmlns:a16="http://schemas.microsoft.com/office/drawing/2014/main" id="{1CD815D6-1051-470C-97D9-8C15909BB831}"/>
+              </a:ext>
+              <a:ext uri="{C183D7F6-B498-43B3-948B-1728B52AA6E4}">
+                <adec:decorative xmlns:adec="http://schemas.microsoft.com/office/drawing/2017/decorative" val="1"/>
               </a:ext>
             </a:extLst>
           </p:cNvPr>
@@ -31976,6 +32254,9 @@
               <a:ext uri="{FF2B5EF4-FFF2-40B4-BE49-F238E27FC236}">
                 <a16:creationId xmlns:a16="http://schemas.microsoft.com/office/drawing/2014/main" id="{C37D9762-2D3E-46BC-8A2F-22C683177D09}"/>
               </a:ext>
+              <a:ext uri="{C183D7F6-B498-43B3-948B-1728B52AA6E4}">
+                <adec:decorative xmlns:adec="http://schemas.microsoft.com/office/drawing/2017/decorative" val="1"/>
+              </a:ext>
             </a:extLst>
           </p:cNvPr>
           <p:cNvSpPr txBox="1"/>
@@ -32010,6 +32291,9 @@
             <a:extLst>
               <a:ext uri="{FF2B5EF4-FFF2-40B4-BE49-F238E27FC236}">
                 <a16:creationId xmlns:a16="http://schemas.microsoft.com/office/drawing/2014/main" id="{9AC90BEC-70CC-C497-5F79-8401726B8447}"/>
+              </a:ext>
+              <a:ext uri="{C183D7F6-B498-43B3-948B-1728B52AA6E4}">
+                <adec:decorative xmlns:adec="http://schemas.microsoft.com/office/drawing/2017/decorative" val="1"/>
               </a:ext>
             </a:extLst>
           </p:cNvPr>
@@ -32149,7 +32433,13 @@
       </p:sp>
       <p:pic>
         <p:nvPicPr>
-          <p:cNvPr id="33796" name="Picture 4"/>
+          <p:cNvPr id="33796" name="Picture 4">
+            <a:extLst>
+              <a:ext uri="{C183D7F6-B498-43B3-948B-1728B52AA6E4}">
+                <adec:decorative xmlns:adec="http://schemas.microsoft.com/office/drawing/2017/decorative" val="1"/>
+              </a:ext>
+            </a:extLst>
+          </p:cNvPr>
           <p:cNvPicPr>
             <a:picLocks noChangeAspect="1" noChangeArrowheads="1"/>
           </p:cNvPicPr>
@@ -32186,6 +32476,9 @@
             <a:extLst>
               <a:ext uri="{FF2B5EF4-FFF2-40B4-BE49-F238E27FC236}">
                 <a16:creationId xmlns:a16="http://schemas.microsoft.com/office/drawing/2014/main" id="{A64D9B3F-FCC0-FDE1-A874-C4358EDA2EAB}"/>
+              </a:ext>
+              <a:ext uri="{C183D7F6-B498-43B3-948B-1728B52AA6E4}">
+                <adec:decorative xmlns:adec="http://schemas.microsoft.com/office/drawing/2017/decorative" val="1"/>
               </a:ext>
             </a:extLst>
           </p:cNvPr>
@@ -33921,14 +34214,20 @@
       </mc:AlternateContent>
       <p:graphicFrame>
         <p:nvGraphicFramePr>
-          <p:cNvPr id="4" name="Object 3"/>
+          <p:cNvPr id="4" name="Object 3">
+            <a:extLst>
+              <a:ext uri="{C183D7F6-B498-43B3-948B-1728B52AA6E4}">
+                <adec:decorative xmlns:adec="http://schemas.microsoft.com/office/drawing/2017/decorative" val="1"/>
+              </a:ext>
+            </a:extLst>
+          </p:cNvPr>
           <p:cNvGraphicFramePr>
             <a:graphicFrameLocks noChangeAspect="1"/>
           </p:cNvGraphicFramePr>
           <p:nvPr>
             <p:extLst>
               <p:ext uri="{D42A27DB-BD31-4B8C-83A1-F6EECF244321}">
-                <p14:modId xmlns:p14="http://schemas.microsoft.com/office/powerpoint/2010/main" val="4194537931"/>
+                <p14:modId xmlns:p14="http://schemas.microsoft.com/office/powerpoint/2010/main" val="3180747373"/>
               </p:ext>
             </p:extLst>
           </p:nvPr>
@@ -33988,14 +34287,20 @@
       </p:graphicFrame>
       <p:graphicFrame>
         <p:nvGraphicFramePr>
-          <p:cNvPr id="5" name="Object 4"/>
+          <p:cNvPr id="5" name="Object 4">
+            <a:extLst>
+              <a:ext uri="{C183D7F6-B498-43B3-948B-1728B52AA6E4}">
+                <adec:decorative xmlns:adec="http://schemas.microsoft.com/office/drawing/2017/decorative" val="1"/>
+              </a:ext>
+            </a:extLst>
+          </p:cNvPr>
           <p:cNvGraphicFramePr>
             <a:graphicFrameLocks noChangeAspect="1"/>
           </p:cNvGraphicFramePr>
           <p:nvPr>
             <p:extLst>
               <p:ext uri="{D42A27DB-BD31-4B8C-83A1-F6EECF244321}">
-                <p14:modId xmlns:p14="http://schemas.microsoft.com/office/powerpoint/2010/main" val="277648380"/>
+                <p14:modId xmlns:p14="http://schemas.microsoft.com/office/powerpoint/2010/main" val="2647441479"/>
               </p:ext>
             </p:extLst>
           </p:nvPr>
@@ -34055,7 +34360,13 @@
       </p:graphicFrame>
       <p:cxnSp>
         <p:nvCxnSpPr>
-          <p:cNvPr id="7" name="Straight Arrow Connector 6"/>
+          <p:cNvPr id="7" name="Straight Arrow Connector 6">
+            <a:extLst>
+              <a:ext uri="{C183D7F6-B498-43B3-948B-1728B52AA6E4}">
+                <adec:decorative xmlns:adec="http://schemas.microsoft.com/office/drawing/2017/decorative" val="1"/>
+              </a:ext>
+            </a:extLst>
+          </p:cNvPr>
           <p:cNvCxnSpPr/>
           <p:nvPr/>
         </p:nvCxnSpPr>
@@ -34084,7 +34395,13 @@
       </p:cxnSp>
       <p:cxnSp>
         <p:nvCxnSpPr>
-          <p:cNvPr id="8" name="Straight Arrow Connector 7"/>
+          <p:cNvPr id="8" name="Straight Arrow Connector 7">
+            <a:extLst>
+              <a:ext uri="{C183D7F6-B498-43B3-948B-1728B52AA6E4}">
+                <adec:decorative xmlns:adec="http://schemas.microsoft.com/office/drawing/2017/decorative" val="1"/>
+              </a:ext>
+            </a:extLst>
+          </p:cNvPr>
           <p:cNvCxnSpPr/>
           <p:nvPr/>
         </p:nvCxnSpPr>
@@ -34653,215 +34970,236 @@
           </a:p>
         </p:txBody>
       </p:sp>
-      <p:pic>
-        <p:nvPicPr>
-          <p:cNvPr id="4" name="Picture 3">
+      <p:grpSp>
+        <p:nvGrpSpPr>
+          <p:cNvPr id="6" name="Group 5" descr="A diagram showing how real world aspects are represented as sentences and how entailment can be used to create new sentences that provide knowledge about the real world.">
             <a:extLst>
               <a:ext uri="{FF2B5EF4-FFF2-40B4-BE49-F238E27FC236}">
-                <a16:creationId xmlns:a16="http://schemas.microsoft.com/office/drawing/2014/main" id="{9BF91B6D-86A1-4EC3-86B7-31180718A531}"/>
+                <a16:creationId xmlns:a16="http://schemas.microsoft.com/office/drawing/2014/main" id="{AFA56959-8849-6FF1-27F3-69D76E118B19}"/>
               </a:ext>
             </a:extLst>
           </p:cNvPr>
-          <p:cNvPicPr>
-            <a:picLocks noChangeAspect="1"/>
-          </p:cNvPicPr>
+          <p:cNvGrpSpPr/>
           <p:nvPr/>
-        </p:nvPicPr>
-        <p:blipFill>
-          <a:blip r:embed="rId2"/>
-          <a:stretch>
-            <a:fillRect/>
-          </a:stretch>
-        </p:blipFill>
-        <p:spPr>
+        </p:nvGrpSpPr>
+        <p:grpSpPr>
           <a:xfrm>
-            <a:off x="304800" y="1524000"/>
-            <a:ext cx="8458200" cy="2792908"/>
+            <a:off x="304800" y="1298072"/>
+            <a:ext cx="8458200" cy="3018836"/>
+            <a:chOff x="304800" y="1298072"/>
+            <a:chExt cx="8458200" cy="3018836"/>
           </a:xfrm>
-          <a:prstGeom prst="rect">
-            <a:avLst/>
-          </a:prstGeom>
-        </p:spPr>
-      </p:pic>
-      <p:sp>
-        <p:nvSpPr>
-          <p:cNvPr id="5" name="TextBox 4">
-            <a:extLst>
-              <a:ext uri="{FF2B5EF4-FFF2-40B4-BE49-F238E27FC236}">
-                <a16:creationId xmlns:a16="http://schemas.microsoft.com/office/drawing/2014/main" id="{85EFA40A-0546-40AF-BD76-C6771F1F278D}"/>
-              </a:ext>
-            </a:extLst>
-          </p:cNvPr>
-          <p:cNvSpPr txBox="1"/>
-          <p:nvPr/>
-        </p:nvSpPr>
-        <p:spPr>
-          <a:xfrm>
-            <a:off x="721549" y="1796534"/>
-            <a:ext cx="1221809" cy="369332"/>
-          </a:xfrm>
-          <a:prstGeom prst="rect">
-            <a:avLst/>
-          </a:prstGeom>
-        </p:spPr>
-        <p:style>
-          <a:lnRef idx="2">
-            <a:schemeClr val="accent6">
-              <a:shade val="50000"/>
-            </a:schemeClr>
-          </a:lnRef>
-          <a:fillRef idx="1">
-            <a:schemeClr val="accent6"/>
-          </a:fillRef>
-          <a:effectRef idx="0">
-            <a:schemeClr val="accent6"/>
-          </a:effectRef>
-          <a:fontRef idx="minor">
-            <a:schemeClr val="lt1"/>
-          </a:fontRef>
-        </p:style>
-        <p:txBody>
-          <a:bodyPr wrap="none" rtlCol="0">
-            <a:spAutoFit/>
-          </a:bodyPr>
-          <a:lstStyle/>
-          <a:p>
-            <a:r>
-              <a:rPr lang="en-US" dirty="0"/>
-              <a:t>Knowledge</a:t>
-            </a:r>
-          </a:p>
-        </p:txBody>
-      </p:sp>
-      <p:cxnSp>
-        <p:nvCxnSpPr>
-          <p:cNvPr id="7" name="Straight Arrow Connector 6">
-            <a:extLst>
-              <a:ext uri="{FF2B5EF4-FFF2-40B4-BE49-F238E27FC236}">
-                <a16:creationId xmlns:a16="http://schemas.microsoft.com/office/drawing/2014/main" id="{87C76E13-1940-4A02-9752-8E2F6CD8EAEB}"/>
-              </a:ext>
-            </a:extLst>
-          </p:cNvPr>
-          <p:cNvCxnSpPr>
-            <a:cxnSpLocks/>
-          </p:cNvCxnSpPr>
-          <p:nvPr/>
-        </p:nvCxnSpPr>
-        <p:spPr>
-          <a:xfrm flipV="1">
-            <a:off x="3276600" y="1981200"/>
-            <a:ext cx="0" cy="1600200"/>
-          </a:xfrm>
-          <a:prstGeom prst="straightConnector1">
-            <a:avLst/>
-          </a:prstGeom>
-          <a:ln>
-            <a:tailEnd type="triangle"/>
-          </a:ln>
-        </p:spPr>
-        <p:style>
-          <a:lnRef idx="2">
-            <a:schemeClr val="dk1"/>
-          </a:lnRef>
-          <a:fillRef idx="0">
-            <a:schemeClr val="dk1"/>
-          </a:fillRef>
-          <a:effectRef idx="1">
-            <a:schemeClr val="dk1"/>
-          </a:effectRef>
-          <a:fontRef idx="minor">
-            <a:schemeClr val="tx1"/>
-          </a:fontRef>
-        </p:style>
-      </p:cxnSp>
-      <p:sp>
-        <p:nvSpPr>
-          <p:cNvPr id="10" name="TextBox 9">
-            <a:extLst>
-              <a:ext uri="{FF2B5EF4-FFF2-40B4-BE49-F238E27FC236}">
-                <a16:creationId xmlns:a16="http://schemas.microsoft.com/office/drawing/2014/main" id="{F7FC7EBB-48FF-4535-B610-B33016725762}"/>
-              </a:ext>
-            </a:extLst>
-          </p:cNvPr>
-          <p:cNvSpPr txBox="1"/>
-          <p:nvPr/>
-        </p:nvSpPr>
-        <p:spPr>
-          <a:xfrm rot="5400000">
-            <a:off x="2987257" y="2499951"/>
-            <a:ext cx="917239" cy="338554"/>
-          </a:xfrm>
-          <a:prstGeom prst="rect">
-            <a:avLst/>
-          </a:prstGeom>
-          <a:noFill/>
-        </p:spPr>
-        <p:txBody>
-          <a:bodyPr wrap="none" rtlCol="0">
-            <a:spAutoFit/>
-          </a:bodyPr>
-          <a:lstStyle/>
-          <a:p>
-            <a:pPr algn="ctr"/>
-            <a:r>
-              <a:rPr lang="en-US" sz="1600" b="1" dirty="0"/>
-              <a:t>Learning</a:t>
-            </a:r>
-          </a:p>
-        </p:txBody>
-      </p:sp>
-      <p:sp>
-        <p:nvSpPr>
-          <p:cNvPr id="9" name="Speech Bubble: Oval 8">
-            <a:extLst>
-              <a:ext uri="{FF2B5EF4-FFF2-40B4-BE49-F238E27FC236}">
-                <a16:creationId xmlns:a16="http://schemas.microsoft.com/office/drawing/2014/main" id="{CFE86566-CCC2-ECB3-8AA9-35012028A5C8}"/>
-              </a:ext>
-            </a:extLst>
-          </p:cNvPr>
-          <p:cNvSpPr/>
-          <p:nvPr/>
-        </p:nvSpPr>
-        <p:spPr>
-          <a:xfrm>
-            <a:off x="3304308" y="1298072"/>
-            <a:ext cx="1066800" cy="346011"/>
-          </a:xfrm>
-          <a:prstGeom prst="wedgeEllipseCallout">
-            <a:avLst>
-              <a:gd name="adj1" fmla="val -58378"/>
-              <a:gd name="adj2" fmla="val 81694"/>
-            </a:avLst>
-          </a:prstGeom>
-        </p:spPr>
-        <p:style>
-          <a:lnRef idx="2">
-            <a:schemeClr val="accent6">
-              <a:shade val="15000"/>
-            </a:schemeClr>
-          </a:lnRef>
-          <a:fillRef idx="1">
-            <a:schemeClr val="accent6"/>
-          </a:fillRef>
-          <a:effectRef idx="0">
-            <a:schemeClr val="accent6"/>
-          </a:effectRef>
-          <a:fontRef idx="minor">
-            <a:schemeClr val="lt1"/>
-          </a:fontRef>
-        </p:style>
-        <p:txBody>
-          <a:bodyPr rtlCol="0" anchor="ctr"/>
-          <a:lstStyle/>
-          <a:p>
-            <a:pPr algn="ctr"/>
-            <a:r>
-              <a:rPr lang="en-US" dirty="0"/>
-              <a:t>Facts</a:t>
-            </a:r>
-          </a:p>
-        </p:txBody>
-      </p:sp>
+        </p:grpSpPr>
+        <p:pic>
+          <p:nvPicPr>
+            <p:cNvPr id="4" name="Picture 3">
+              <a:extLst>
+                <a:ext uri="{FF2B5EF4-FFF2-40B4-BE49-F238E27FC236}">
+                  <a16:creationId xmlns:a16="http://schemas.microsoft.com/office/drawing/2014/main" id="{9BF91B6D-86A1-4EC3-86B7-31180718A531}"/>
+                </a:ext>
+              </a:extLst>
+            </p:cNvPr>
+            <p:cNvPicPr>
+              <a:picLocks noChangeAspect="1"/>
+            </p:cNvPicPr>
+            <p:nvPr/>
+          </p:nvPicPr>
+          <p:blipFill>
+            <a:blip r:embed="rId2"/>
+            <a:stretch>
+              <a:fillRect/>
+            </a:stretch>
+          </p:blipFill>
+          <p:spPr>
+            <a:xfrm>
+              <a:off x="304800" y="1524000"/>
+              <a:ext cx="8458200" cy="2792908"/>
+            </a:xfrm>
+            <a:prstGeom prst="rect">
+              <a:avLst/>
+            </a:prstGeom>
+          </p:spPr>
+        </p:pic>
+        <p:sp>
+          <p:nvSpPr>
+            <p:cNvPr id="5" name="TextBox 4">
+              <a:extLst>
+                <a:ext uri="{FF2B5EF4-FFF2-40B4-BE49-F238E27FC236}">
+                  <a16:creationId xmlns:a16="http://schemas.microsoft.com/office/drawing/2014/main" id="{85EFA40A-0546-40AF-BD76-C6771F1F278D}"/>
+                </a:ext>
+              </a:extLst>
+            </p:cNvPr>
+            <p:cNvSpPr txBox="1"/>
+            <p:nvPr/>
+          </p:nvSpPr>
+          <p:spPr>
+            <a:xfrm>
+              <a:off x="721549" y="1796534"/>
+              <a:ext cx="1221809" cy="369332"/>
+            </a:xfrm>
+            <a:prstGeom prst="rect">
+              <a:avLst/>
+            </a:prstGeom>
+          </p:spPr>
+          <p:style>
+            <a:lnRef idx="2">
+              <a:schemeClr val="accent6">
+                <a:shade val="50000"/>
+              </a:schemeClr>
+            </a:lnRef>
+            <a:fillRef idx="1">
+              <a:schemeClr val="accent6"/>
+            </a:fillRef>
+            <a:effectRef idx="0">
+              <a:schemeClr val="accent6"/>
+            </a:effectRef>
+            <a:fontRef idx="minor">
+              <a:schemeClr val="lt1"/>
+            </a:fontRef>
+          </p:style>
+          <p:txBody>
+            <a:bodyPr wrap="none" rtlCol="0">
+              <a:spAutoFit/>
+            </a:bodyPr>
+            <a:lstStyle/>
+            <a:p>
+              <a:r>
+                <a:rPr lang="en-US" dirty="0"/>
+                <a:t>Knowledge</a:t>
+              </a:r>
+            </a:p>
+          </p:txBody>
+        </p:sp>
+        <p:cxnSp>
+          <p:nvCxnSpPr>
+            <p:cNvPr id="7" name="Straight Arrow Connector 6">
+              <a:extLst>
+                <a:ext uri="{FF2B5EF4-FFF2-40B4-BE49-F238E27FC236}">
+                  <a16:creationId xmlns:a16="http://schemas.microsoft.com/office/drawing/2014/main" id="{87C76E13-1940-4A02-9752-8E2F6CD8EAEB}"/>
+                </a:ext>
+              </a:extLst>
+            </p:cNvPr>
+            <p:cNvCxnSpPr>
+              <a:cxnSpLocks/>
+            </p:cNvCxnSpPr>
+            <p:nvPr/>
+          </p:nvCxnSpPr>
+          <p:spPr>
+            <a:xfrm flipV="1">
+              <a:off x="3276600" y="1981200"/>
+              <a:ext cx="0" cy="1600200"/>
+            </a:xfrm>
+            <a:prstGeom prst="straightConnector1">
+              <a:avLst/>
+            </a:prstGeom>
+            <a:ln>
+              <a:tailEnd type="triangle"/>
+            </a:ln>
+          </p:spPr>
+          <p:style>
+            <a:lnRef idx="2">
+              <a:schemeClr val="dk1"/>
+            </a:lnRef>
+            <a:fillRef idx="0">
+              <a:schemeClr val="dk1"/>
+            </a:fillRef>
+            <a:effectRef idx="1">
+              <a:schemeClr val="dk1"/>
+            </a:effectRef>
+            <a:fontRef idx="minor">
+              <a:schemeClr val="tx1"/>
+            </a:fontRef>
+          </p:style>
+        </p:cxnSp>
+        <p:sp>
+          <p:nvSpPr>
+            <p:cNvPr id="10" name="TextBox 9">
+              <a:extLst>
+                <a:ext uri="{FF2B5EF4-FFF2-40B4-BE49-F238E27FC236}">
+                  <a16:creationId xmlns:a16="http://schemas.microsoft.com/office/drawing/2014/main" id="{F7FC7EBB-48FF-4535-B610-B33016725762}"/>
+                </a:ext>
+              </a:extLst>
+            </p:cNvPr>
+            <p:cNvSpPr txBox="1"/>
+            <p:nvPr/>
+          </p:nvSpPr>
+          <p:spPr>
+            <a:xfrm rot="5400000">
+              <a:off x="2987257" y="2499951"/>
+              <a:ext cx="917239" cy="338554"/>
+            </a:xfrm>
+            <a:prstGeom prst="rect">
+              <a:avLst/>
+            </a:prstGeom>
+            <a:noFill/>
+          </p:spPr>
+          <p:txBody>
+            <a:bodyPr wrap="none" rtlCol="0">
+              <a:spAutoFit/>
+            </a:bodyPr>
+            <a:lstStyle/>
+            <a:p>
+              <a:pPr algn="ctr"/>
+              <a:r>
+                <a:rPr lang="en-US" sz="1600" b="1" dirty="0"/>
+                <a:t>Learning</a:t>
+              </a:r>
+            </a:p>
+          </p:txBody>
+        </p:sp>
+        <p:sp>
+          <p:nvSpPr>
+            <p:cNvPr id="9" name="Speech Bubble: Oval 8">
+              <a:extLst>
+                <a:ext uri="{FF2B5EF4-FFF2-40B4-BE49-F238E27FC236}">
+                  <a16:creationId xmlns:a16="http://schemas.microsoft.com/office/drawing/2014/main" id="{CFE86566-CCC2-ECB3-8AA9-35012028A5C8}"/>
+                </a:ext>
+              </a:extLst>
+            </p:cNvPr>
+            <p:cNvSpPr/>
+            <p:nvPr/>
+          </p:nvSpPr>
+          <p:spPr>
+            <a:xfrm>
+              <a:off x="3304308" y="1298072"/>
+              <a:ext cx="1066800" cy="346011"/>
+            </a:xfrm>
+            <a:prstGeom prst="wedgeEllipseCallout">
+              <a:avLst>
+                <a:gd name="adj1" fmla="val -58378"/>
+                <a:gd name="adj2" fmla="val 81694"/>
+              </a:avLst>
+            </a:prstGeom>
+          </p:spPr>
+          <p:style>
+            <a:lnRef idx="2">
+              <a:schemeClr val="accent6">
+                <a:shade val="15000"/>
+              </a:schemeClr>
+            </a:lnRef>
+            <a:fillRef idx="1">
+              <a:schemeClr val="accent6"/>
+            </a:fillRef>
+            <a:effectRef idx="0">
+              <a:schemeClr val="accent6"/>
+            </a:effectRef>
+            <a:fontRef idx="minor">
+              <a:schemeClr val="lt1"/>
+            </a:fontRef>
+          </p:style>
+          <p:txBody>
+            <a:bodyPr rtlCol="0" anchor="ctr"/>
+            <a:lstStyle/>
+            <a:p>
+              <a:pPr algn="ctr"/>
+              <a:r>
+                <a:rPr lang="en-US" dirty="0"/>
+                <a:t>Facts</a:t>
+              </a:r>
+            </a:p>
+          </p:txBody>
+        </p:sp>
+      </p:grpSp>
     </p:spTree>
     <p:extLst>
       <p:ext uri="{BB962C8B-B14F-4D97-AF65-F5344CB8AC3E}">
@@ -34953,11 +35291,23 @@
       </p:sp>
       <p:graphicFrame>
         <p:nvGraphicFramePr>
-          <p:cNvPr id="5" name="Object 4"/>
+          <p:cNvPr id="5" name="Object 4">
+            <a:extLst>
+              <a:ext uri="{C183D7F6-B498-43B3-948B-1728B52AA6E4}">
+                <adec:decorative xmlns:adec="http://schemas.microsoft.com/office/drawing/2017/decorative" val="1"/>
+              </a:ext>
+            </a:extLst>
+          </p:cNvPr>
           <p:cNvGraphicFramePr>
             <a:graphicFrameLocks noChangeAspect="1"/>
           </p:cNvGraphicFramePr>
-          <p:nvPr/>
+          <p:nvPr>
+            <p:extLst>
+              <p:ext uri="{D42A27DB-BD31-4B8C-83A1-F6EECF244321}">
+                <p14:modId xmlns:p14="http://schemas.microsoft.com/office/powerpoint/2010/main" val="3863441487"/>
+              </p:ext>
+            </p:extLst>
+          </p:nvPr>
         </p:nvGraphicFramePr>
         <p:xfrm>
           <a:off x="3979863" y="4648200"/>
@@ -35023,11 +35373,23 @@
       </p:graphicFrame>
       <p:graphicFrame>
         <p:nvGraphicFramePr>
-          <p:cNvPr id="126980" name="Object 3"/>
+          <p:cNvPr id="126980" name="Object 3">
+            <a:extLst>
+              <a:ext uri="{C183D7F6-B498-43B3-948B-1728B52AA6E4}">
+                <adec:decorative xmlns:adec="http://schemas.microsoft.com/office/drawing/2017/decorative" val="1"/>
+              </a:ext>
+            </a:extLst>
+          </p:cNvPr>
           <p:cNvGraphicFramePr>
             <a:graphicFrameLocks noChangeAspect="1"/>
           </p:cNvGraphicFramePr>
-          <p:nvPr/>
+          <p:nvPr>
+            <p:extLst>
+              <p:ext uri="{D42A27DB-BD31-4B8C-83A1-F6EECF244321}">
+                <p14:modId xmlns:p14="http://schemas.microsoft.com/office/powerpoint/2010/main" val="821547412"/>
+              </p:ext>
+            </p:extLst>
+          </p:nvPr>
         </p:nvGraphicFramePr>
         <p:xfrm>
           <a:off x="3935413" y="2286000"/>
@@ -35177,11 +35539,23 @@
       </p:sp>
       <p:graphicFrame>
         <p:nvGraphicFramePr>
-          <p:cNvPr id="4" name="Object 3"/>
+          <p:cNvPr id="4" name="Object 3">
+            <a:extLst>
+              <a:ext uri="{C183D7F6-B498-43B3-948B-1728B52AA6E4}">
+                <adec:decorative xmlns:adec="http://schemas.microsoft.com/office/drawing/2017/decorative" val="1"/>
+              </a:ext>
+            </a:extLst>
+          </p:cNvPr>
           <p:cNvGraphicFramePr>
             <a:graphicFrameLocks noChangeAspect="1"/>
           </p:cNvGraphicFramePr>
-          <p:nvPr/>
+          <p:nvPr>
+            <p:extLst>
+              <p:ext uri="{D42A27DB-BD31-4B8C-83A1-F6EECF244321}">
+                <p14:modId xmlns:p14="http://schemas.microsoft.com/office/powerpoint/2010/main" val="4170754737"/>
+              </p:ext>
+            </p:extLst>
+          </p:nvPr>
         </p:nvGraphicFramePr>
         <p:xfrm>
           <a:off x="3290888" y="4918075"/>
@@ -35247,11 +35621,23 @@
       </p:graphicFrame>
       <p:graphicFrame>
         <p:nvGraphicFramePr>
-          <p:cNvPr id="128004" name="Object 2"/>
+          <p:cNvPr id="128004" name="Object 2">
+            <a:extLst>
+              <a:ext uri="{C183D7F6-B498-43B3-948B-1728B52AA6E4}">
+                <adec:decorative xmlns:adec="http://schemas.microsoft.com/office/drawing/2017/decorative" val="1"/>
+              </a:ext>
+            </a:extLst>
+          </p:cNvPr>
           <p:cNvGraphicFramePr>
             <a:graphicFrameLocks noChangeAspect="1"/>
           </p:cNvGraphicFramePr>
-          <p:nvPr/>
+          <p:nvPr>
+            <p:extLst>
+              <p:ext uri="{D42A27DB-BD31-4B8C-83A1-F6EECF244321}">
+                <p14:modId xmlns:p14="http://schemas.microsoft.com/office/powerpoint/2010/main" val="519691432"/>
+              </p:ext>
+            </p:extLst>
+          </p:nvPr>
         </p:nvGraphicFramePr>
         <p:xfrm>
           <a:off x="3665538" y="2479675"/>
@@ -35456,11 +35842,23 @@
       </p:sp>
       <p:graphicFrame>
         <p:nvGraphicFramePr>
-          <p:cNvPr id="129026" name="Object 2"/>
+          <p:cNvPr id="129026" name="Object 2">
+            <a:extLst>
+              <a:ext uri="{C183D7F6-B498-43B3-948B-1728B52AA6E4}">
+                <adec:decorative xmlns:adec="http://schemas.microsoft.com/office/drawing/2017/decorative" val="1"/>
+              </a:ext>
+            </a:extLst>
+          </p:cNvPr>
           <p:cNvGraphicFramePr>
             <a:graphicFrameLocks noChangeAspect="1"/>
           </p:cNvGraphicFramePr>
-          <p:nvPr/>
+          <p:nvPr>
+            <p:extLst>
+              <p:ext uri="{D42A27DB-BD31-4B8C-83A1-F6EECF244321}">
+                <p14:modId xmlns:p14="http://schemas.microsoft.com/office/powerpoint/2010/main" val="4046398636"/>
+              </p:ext>
+            </p:extLst>
+          </p:nvPr>
         </p:nvGraphicFramePr>
         <p:xfrm>
           <a:off x="822325" y="1600200"/>
@@ -35526,11 +35924,23 @@
       </p:graphicFrame>
       <p:graphicFrame>
         <p:nvGraphicFramePr>
-          <p:cNvPr id="129027" name="Object 2"/>
+          <p:cNvPr id="129027" name="Object 2">
+            <a:extLst>
+              <a:ext uri="{C183D7F6-B498-43B3-948B-1728B52AA6E4}">
+                <adec:decorative xmlns:adec="http://schemas.microsoft.com/office/drawing/2017/decorative" val="1"/>
+              </a:ext>
+            </a:extLst>
+          </p:cNvPr>
           <p:cNvGraphicFramePr>
             <a:graphicFrameLocks noChangeAspect="1"/>
           </p:cNvGraphicFramePr>
-          <p:nvPr/>
+          <p:nvPr>
+            <p:extLst>
+              <p:ext uri="{D42A27DB-BD31-4B8C-83A1-F6EECF244321}">
+                <p14:modId xmlns:p14="http://schemas.microsoft.com/office/powerpoint/2010/main" val="2158407080"/>
+              </p:ext>
+            </p:extLst>
+          </p:nvPr>
         </p:nvGraphicFramePr>
         <p:xfrm>
           <a:off x="5434013" y="1600200"/>
@@ -36149,14 +36559,20 @@
       </p:sp>
       <p:graphicFrame>
         <p:nvGraphicFramePr>
-          <p:cNvPr id="129026" name="Object 2"/>
+          <p:cNvPr id="129026" name="Object 2">
+            <a:extLst>
+              <a:ext uri="{C183D7F6-B498-43B3-948B-1728B52AA6E4}">
+                <adec:decorative xmlns:adec="http://schemas.microsoft.com/office/drawing/2017/decorative" val="1"/>
+              </a:ext>
+            </a:extLst>
+          </p:cNvPr>
           <p:cNvGraphicFramePr>
             <a:graphicFrameLocks noChangeAspect="1"/>
           </p:cNvGraphicFramePr>
           <p:nvPr>
             <p:extLst>
               <p:ext uri="{D42A27DB-BD31-4B8C-83A1-F6EECF244321}">
-                <p14:modId xmlns:p14="http://schemas.microsoft.com/office/powerpoint/2010/main" val="836509697"/>
+                <p14:modId xmlns:p14="http://schemas.microsoft.com/office/powerpoint/2010/main" val="118820134"/>
               </p:ext>
             </p:extLst>
           </p:nvPr>
@@ -36990,37 +37406,15 @@
           </a:p>
         </p:txBody>
       </p:sp>
-      <p:sp>
-        <p:nvSpPr>
-          <p:cNvPr id="3" name="Content Placeholder 2">
-            <a:extLst>
-              <a:ext uri="{FF2B5EF4-FFF2-40B4-BE49-F238E27FC236}">
-                <a16:creationId xmlns:a16="http://schemas.microsoft.com/office/drawing/2014/main" id="{C857998B-2C70-4155-B400-75A197557126}"/>
-              </a:ext>
-            </a:extLst>
-          </p:cNvPr>
-          <p:cNvSpPr>
-            <a:spLocks noGrp="1"/>
-          </p:cNvSpPr>
-          <p:nvPr>
-            <p:ph idx="1"/>
-          </p:nvPr>
-        </p:nvSpPr>
-        <p:spPr/>
-        <p:txBody>
-          <a:bodyPr/>
-          <a:lstStyle/>
-          <a:p>
-            <a:endParaRPr lang="en-US"/>
-          </a:p>
-        </p:txBody>
-      </p:sp>
       <p:pic>
         <p:nvPicPr>
           <p:cNvPr id="4" name="Picture 3">
             <a:extLst>
               <a:ext uri="{FF2B5EF4-FFF2-40B4-BE49-F238E27FC236}">
                 <a16:creationId xmlns:a16="http://schemas.microsoft.com/office/drawing/2014/main" id="{6BFFBE72-B33A-4C9F-A4A2-836861E9718E}"/>
+              </a:ext>
+              <a:ext uri="{C183D7F6-B498-43B3-948B-1728B52AA6E4}">
+                <adec:decorative xmlns:adec="http://schemas.microsoft.com/office/drawing/2017/decorative" val="1"/>
               </a:ext>
             </a:extLst>
           </p:cNvPr>
@@ -37047,7 +37441,7 @@
       </p:pic>
       <p:pic>
         <p:nvPicPr>
-          <p:cNvPr id="5" name="Picture 4">
+          <p:cNvPr id="5" name="Picture 4" descr="A figure showing the 4-by-4 wumpus world.">
             <a:extLst>
               <a:ext uri="{FF2B5EF4-FFF2-40B4-BE49-F238E27FC236}">
                 <a16:creationId xmlns:a16="http://schemas.microsoft.com/office/drawing/2014/main" id="{9BF49D0A-87B7-452A-B0A8-C3B26D130EBB}"/>
@@ -37887,6 +38281,9 @@
               <a:ext uri="{FF2B5EF4-FFF2-40B4-BE49-F238E27FC236}">
                 <a16:creationId xmlns:a16="http://schemas.microsoft.com/office/drawing/2014/main" id="{D454507F-F69E-E92C-6546-001A90DE165C}"/>
               </a:ext>
+              <a:ext uri="{C183D7F6-B498-43B3-948B-1728B52AA6E4}">
+                <adec:decorative xmlns:adec="http://schemas.microsoft.com/office/drawing/2017/decorative" val="1"/>
+              </a:ext>
             </a:extLst>
           </p:cNvPr>
           <p:cNvSpPr/>
@@ -38762,6 +39159,9 @@
               <a:ext uri="{FF2B5EF4-FFF2-40B4-BE49-F238E27FC236}">
                 <a16:creationId xmlns:a16="http://schemas.microsoft.com/office/drawing/2014/main" id="{466ABFD7-3370-4CE3-A3D4-94A70A5AF9D9}"/>
               </a:ext>
+              <a:ext uri="{C183D7F6-B498-43B3-948B-1728B52AA6E4}">
+                <adec:decorative xmlns:adec="http://schemas.microsoft.com/office/drawing/2017/decorative" val="1"/>
+              </a:ext>
             </a:extLst>
           </p:cNvPr>
           <p:cNvPicPr>
@@ -38791,6 +39191,9 @@
             <a:extLst>
               <a:ext uri="{FF2B5EF4-FFF2-40B4-BE49-F238E27FC236}">
                 <a16:creationId xmlns:a16="http://schemas.microsoft.com/office/drawing/2014/main" id="{EAEF65A7-DD1C-47CE-BEEC-E511628736E2}"/>
+              </a:ext>
+              <a:ext uri="{C183D7F6-B498-43B3-948B-1728B52AA6E4}">
+                <adec:decorative xmlns:adec="http://schemas.microsoft.com/office/drawing/2017/decorative" val="1"/>
               </a:ext>
             </a:extLst>
           </p:cNvPr>
@@ -39000,256 +39403,277 @@
           </a:p>
         </p:txBody>
       </p:sp>
-      <p:sp>
-        <p:nvSpPr>
-          <p:cNvPr id="7" name="Rectangle 6"/>
-          <p:cNvSpPr/>
-          <p:nvPr/>
-        </p:nvSpPr>
-        <p:spPr bwMode="auto">
-          <a:xfrm>
-            <a:off x="838200" y="2667000"/>
-            <a:ext cx="2667000" cy="533400"/>
-          </a:xfrm>
-          <a:prstGeom prst="rect">
-            <a:avLst/>
-          </a:prstGeom>
-          <a:ln>
-            <a:headEnd type="none" w="med" len="med"/>
-            <a:tailEnd type="none" w="med" len="med"/>
-          </a:ln>
-        </p:spPr>
-        <p:style>
-          <a:lnRef idx="2">
-            <a:schemeClr val="accent2">
-              <a:shade val="50000"/>
-            </a:schemeClr>
-          </a:lnRef>
-          <a:fillRef idx="1">
-            <a:schemeClr val="accent2"/>
-          </a:fillRef>
-          <a:effectRef idx="0">
-            <a:schemeClr val="accent2"/>
-          </a:effectRef>
-          <a:fontRef idx="minor">
-            <a:schemeClr val="lt1"/>
-          </a:fontRef>
-        </p:style>
-        <p:txBody>
-          <a:bodyPr vert="horz" wrap="square" lIns="91440" tIns="45720" rIns="91440" bIns="45720" numCol="1" rtlCol="0" anchor="ctr" anchorCtr="0" compatLnSpc="1">
-            <a:prstTxWarp prst="textNoShape">
-              <a:avLst/>
-            </a:prstTxWarp>
-          </a:bodyPr>
-          <a:lstStyle/>
-          <a:p>
-            <a:pPr marL="0" marR="0" indent="0" algn="ctr" defTabSz="914400" rtl="0" eaLnBrk="1" fontAlgn="base" latinLnBrk="0" hangingPunct="1">
-              <a:lnSpc>
-                <a:spcPct val="100000"/>
-              </a:lnSpc>
-              <a:spcBef>
-                <a:spcPct val="0"/>
-              </a:spcBef>
-              <a:spcAft>
-                <a:spcPct val="0"/>
-              </a:spcAft>
-              <a:buClrTx/>
-              <a:buSzTx/>
-              <a:buFontTx/>
-              <a:buNone/>
-              <a:tabLst/>
-            </a:pPr>
-            <a:r>
-              <a:rPr lang="en-US" dirty="0"/>
-              <a:t>Inference engine</a:t>
-            </a:r>
-          </a:p>
-        </p:txBody>
-      </p:sp>
-      <p:cxnSp>
-        <p:nvCxnSpPr>
-          <p:cNvPr id="19" name="Straight Arrow Connector 18"/>
-          <p:cNvCxnSpPr/>
-          <p:nvPr/>
-        </p:nvCxnSpPr>
-        <p:spPr bwMode="auto">
-          <a:xfrm>
-            <a:off x="3733800" y="2894012"/>
-            <a:ext cx="1447800" cy="1588"/>
-          </a:xfrm>
-          <a:prstGeom prst="straightConnector1">
-            <a:avLst/>
-          </a:prstGeom>
-          <a:solidFill>
-            <a:schemeClr val="accent1"/>
-          </a:solidFill>
-          <a:ln w="9525" cap="flat" cmpd="sng" algn="ctr">
-            <a:solidFill>
-              <a:schemeClr val="tx1"/>
-            </a:solidFill>
-            <a:prstDash val="solid"/>
-            <a:round/>
-            <a:headEnd type="none" w="med" len="med"/>
-            <a:tailEnd type="arrow"/>
-          </a:ln>
-          <a:effectLst/>
-        </p:spPr>
-      </p:cxnSp>
-      <p:sp>
-        <p:nvSpPr>
-          <p:cNvPr id="21" name="Rectangle 20"/>
-          <p:cNvSpPr/>
-          <p:nvPr/>
-        </p:nvSpPr>
-        <p:spPr>
-          <a:xfrm>
-            <a:off x="5222737" y="2601624"/>
-            <a:ext cx="3284424" cy="584775"/>
-          </a:xfrm>
-          <a:prstGeom prst="rect">
-            <a:avLst/>
-          </a:prstGeom>
-        </p:spPr>
-        <p:txBody>
-          <a:bodyPr wrap="none">
-            <a:spAutoFit/>
-          </a:bodyPr>
-          <a:lstStyle/>
-          <a:p>
-            <a:r>
-              <a:rPr lang="en-US" sz="1600" b="0" dirty="0"/>
-              <a:t>Domain-independent algorithms that</a:t>
-            </a:r>
-            <a:br>
-              <a:rPr lang="en-US" sz="1600" b="0" dirty="0"/>
-            </a:br>
-            <a:r>
-              <a:rPr lang="en-US" sz="1600" b="0" dirty="0"/>
-              <a:t>find new sentences using entailment.</a:t>
-            </a:r>
-          </a:p>
-        </p:txBody>
-      </p:sp>
-      <p:cxnSp>
-        <p:nvCxnSpPr>
-          <p:cNvPr id="22" name="Straight Arrow Connector 21"/>
-          <p:cNvCxnSpPr/>
-          <p:nvPr/>
-        </p:nvCxnSpPr>
-        <p:spPr bwMode="auto">
-          <a:xfrm>
-            <a:off x="3695700" y="2352468"/>
-            <a:ext cx="1447800" cy="1588"/>
-          </a:xfrm>
-          <a:prstGeom prst="straightConnector1">
-            <a:avLst/>
-          </a:prstGeom>
-          <a:solidFill>
-            <a:schemeClr val="accent1"/>
-          </a:solidFill>
-          <a:ln w="9525" cap="flat" cmpd="sng" algn="ctr">
-            <a:solidFill>
-              <a:schemeClr val="tx1"/>
-            </a:solidFill>
-            <a:prstDash val="solid"/>
-            <a:round/>
-            <a:headEnd type="none" w="med" len="med"/>
-            <a:tailEnd type="arrow"/>
-          </a:ln>
-          <a:effectLst/>
-        </p:spPr>
-      </p:cxnSp>
-      <p:sp>
-        <p:nvSpPr>
-          <p:cNvPr id="23" name="Rectangle 22"/>
-          <p:cNvSpPr/>
-          <p:nvPr/>
-        </p:nvSpPr>
-        <p:spPr>
-          <a:xfrm>
-            <a:off x="5143500" y="2175721"/>
-            <a:ext cx="2372765" cy="338554"/>
-          </a:xfrm>
-          <a:prstGeom prst="rect">
-            <a:avLst/>
-          </a:prstGeom>
-        </p:spPr>
-        <p:txBody>
-          <a:bodyPr wrap="none">
-            <a:spAutoFit/>
-          </a:bodyPr>
-          <a:lstStyle/>
-          <a:p>
-            <a:pPr algn="ctr"/>
-            <a:r>
-              <a:rPr lang="en-US" sz="1600" b="0" dirty="0"/>
-              <a:t>Domain-specific content</a:t>
-            </a:r>
-          </a:p>
-        </p:txBody>
-      </p:sp>
-      <p:sp>
-        <p:nvSpPr>
-          <p:cNvPr id="2" name="Cylinder 1">
+      <p:grpSp>
+        <p:nvGrpSpPr>
+          <p:cNvPr id="3" name="Group 2" descr="A diagram showing the separation of the knowledge base and the inference engine.">
             <a:extLst>
               <a:ext uri="{FF2B5EF4-FFF2-40B4-BE49-F238E27FC236}">
-                <a16:creationId xmlns:a16="http://schemas.microsoft.com/office/drawing/2014/main" id="{8475278E-F5B8-47FE-8837-86D2EFE260DD}"/>
+                <a16:creationId xmlns:a16="http://schemas.microsoft.com/office/drawing/2014/main" id="{81ECC210-F826-8703-51BE-5AE43D2BD2F4}"/>
               </a:ext>
             </a:extLst>
           </p:cNvPr>
-          <p:cNvSpPr/>
+          <p:cNvGrpSpPr/>
           <p:nvPr/>
-        </p:nvSpPr>
-        <p:spPr>
+        </p:nvGrpSpPr>
+        <p:grpSpPr>
           <a:xfrm>
-            <a:off x="1414463" y="1739295"/>
-            <a:ext cx="1447800" cy="1040191"/>
+            <a:off x="838200" y="1739295"/>
+            <a:ext cx="7668961" cy="1461105"/>
+            <a:chOff x="838200" y="1739295"/>
+            <a:chExt cx="7668961" cy="1461105"/>
           </a:xfrm>
-          <a:prstGeom prst="can">
-            <a:avLst/>
-          </a:prstGeom>
-        </p:spPr>
-        <p:style>
-          <a:lnRef idx="2">
-            <a:schemeClr val="accent6">
-              <a:shade val="50000"/>
-            </a:schemeClr>
-          </a:lnRef>
-          <a:fillRef idx="1">
-            <a:schemeClr val="accent6"/>
-          </a:fillRef>
-          <a:effectRef idx="0">
-            <a:schemeClr val="accent6"/>
-          </a:effectRef>
-          <a:fontRef idx="minor">
-            <a:schemeClr val="lt1"/>
-          </a:fontRef>
-        </p:style>
-        <p:txBody>
-          <a:bodyPr rtlCol="0" anchor="ctr"/>
-          <a:lstStyle/>
-          <a:p>
-            <a:pPr algn="ctr" fontAlgn="base">
-              <a:spcBef>
-                <a:spcPct val="0"/>
-              </a:spcBef>
-              <a:spcAft>
-                <a:spcPct val="0"/>
-              </a:spcAft>
-            </a:pPr>
-            <a:r>
-              <a:rPr lang="en-US" dirty="0"/>
-              <a:t>Knowledge base</a:t>
-            </a:r>
-            <a:endParaRPr lang="en-US" b="1" dirty="0">
+        </p:grpSpPr>
+        <p:sp>
+          <p:nvSpPr>
+            <p:cNvPr id="7" name="Rectangle 6"/>
+            <p:cNvSpPr/>
+            <p:nvPr/>
+          </p:nvSpPr>
+          <p:spPr bwMode="auto">
+            <a:xfrm>
+              <a:off x="838200" y="2667000"/>
+              <a:ext cx="2667000" cy="533400"/>
+            </a:xfrm>
+            <a:prstGeom prst="rect">
+              <a:avLst/>
+            </a:prstGeom>
+            <a:ln>
+              <a:headEnd type="none" w="med" len="med"/>
+              <a:tailEnd type="none" w="med" len="med"/>
+            </a:ln>
+          </p:spPr>
+          <p:style>
+            <a:lnRef idx="2">
+              <a:schemeClr val="accent2">
+                <a:shade val="50000"/>
+              </a:schemeClr>
+            </a:lnRef>
+            <a:fillRef idx="1">
+              <a:schemeClr val="accent2"/>
+            </a:fillRef>
+            <a:effectRef idx="0">
+              <a:schemeClr val="accent2"/>
+            </a:effectRef>
+            <a:fontRef idx="minor">
+              <a:schemeClr val="lt1"/>
+            </a:fontRef>
+          </p:style>
+          <p:txBody>
+            <a:bodyPr vert="horz" wrap="square" lIns="91440" tIns="45720" rIns="91440" bIns="45720" numCol="1" rtlCol="0" anchor="ctr" anchorCtr="0" compatLnSpc="1">
+              <a:prstTxWarp prst="textNoShape">
+                <a:avLst/>
+              </a:prstTxWarp>
+            </a:bodyPr>
+            <a:lstStyle/>
+            <a:p>
+              <a:pPr marL="0" marR="0" indent="0" algn="ctr" defTabSz="914400" rtl="0" eaLnBrk="1" fontAlgn="base" latinLnBrk="0" hangingPunct="1">
+                <a:lnSpc>
+                  <a:spcPct val="100000"/>
+                </a:lnSpc>
+                <a:spcBef>
+                  <a:spcPct val="0"/>
+                </a:spcBef>
+                <a:spcAft>
+                  <a:spcPct val="0"/>
+                </a:spcAft>
+                <a:buClrTx/>
+                <a:buSzTx/>
+                <a:buFontTx/>
+                <a:buNone/>
+                <a:tabLst/>
+              </a:pPr>
+              <a:r>
+                <a:rPr lang="en-US" dirty="0"/>
+                <a:t>Inference engine</a:t>
+              </a:r>
+            </a:p>
+          </p:txBody>
+        </p:sp>
+        <p:cxnSp>
+          <p:nvCxnSpPr>
+            <p:cNvPr id="19" name="Straight Arrow Connector 18"/>
+            <p:cNvCxnSpPr/>
+            <p:nvPr/>
+          </p:nvCxnSpPr>
+          <p:spPr bwMode="auto">
+            <a:xfrm>
+              <a:off x="3733800" y="2894012"/>
+              <a:ext cx="1447800" cy="1588"/>
+            </a:xfrm>
+            <a:prstGeom prst="straightConnector1">
+              <a:avLst/>
+            </a:prstGeom>
+            <a:solidFill>
+              <a:schemeClr val="accent1"/>
+            </a:solidFill>
+            <a:ln w="9525" cap="flat" cmpd="sng" algn="ctr">
               <a:solidFill>
                 <a:schemeClr val="tx1"/>
               </a:solidFill>
-              <a:latin typeface="Arial" charset="0"/>
-            </a:endParaRPr>
-          </a:p>
-        </p:txBody>
-      </p:sp>
+              <a:prstDash val="solid"/>
+              <a:round/>
+              <a:headEnd type="none" w="med" len="med"/>
+              <a:tailEnd type="arrow"/>
+            </a:ln>
+            <a:effectLst/>
+          </p:spPr>
+        </p:cxnSp>
+        <p:sp>
+          <p:nvSpPr>
+            <p:cNvPr id="21" name="Rectangle 20"/>
+            <p:cNvSpPr/>
+            <p:nvPr/>
+          </p:nvSpPr>
+          <p:spPr>
+            <a:xfrm>
+              <a:off x="5222737" y="2601624"/>
+              <a:ext cx="3284424" cy="584775"/>
+            </a:xfrm>
+            <a:prstGeom prst="rect">
+              <a:avLst/>
+            </a:prstGeom>
+          </p:spPr>
+          <p:txBody>
+            <a:bodyPr wrap="none">
+              <a:spAutoFit/>
+            </a:bodyPr>
+            <a:lstStyle/>
+            <a:p>
+              <a:r>
+                <a:rPr lang="en-US" sz="1600" b="0" dirty="0"/>
+                <a:t>Domain-independent algorithms that</a:t>
+              </a:r>
+              <a:br>
+                <a:rPr lang="en-US" sz="1600" b="0" dirty="0"/>
+              </a:br>
+              <a:r>
+                <a:rPr lang="en-US" sz="1600" b="0" dirty="0"/>
+                <a:t>find new sentences using entailment.</a:t>
+              </a:r>
+            </a:p>
+          </p:txBody>
+        </p:sp>
+        <p:cxnSp>
+          <p:nvCxnSpPr>
+            <p:cNvPr id="22" name="Straight Arrow Connector 21"/>
+            <p:cNvCxnSpPr/>
+            <p:nvPr/>
+          </p:nvCxnSpPr>
+          <p:spPr bwMode="auto">
+            <a:xfrm>
+              <a:off x="3695700" y="2352468"/>
+              <a:ext cx="1447800" cy="1588"/>
+            </a:xfrm>
+            <a:prstGeom prst="straightConnector1">
+              <a:avLst/>
+            </a:prstGeom>
+            <a:solidFill>
+              <a:schemeClr val="accent1"/>
+            </a:solidFill>
+            <a:ln w="9525" cap="flat" cmpd="sng" algn="ctr">
+              <a:solidFill>
+                <a:schemeClr val="tx1"/>
+              </a:solidFill>
+              <a:prstDash val="solid"/>
+              <a:round/>
+              <a:headEnd type="none" w="med" len="med"/>
+              <a:tailEnd type="arrow"/>
+            </a:ln>
+            <a:effectLst/>
+          </p:spPr>
+        </p:cxnSp>
+        <p:sp>
+          <p:nvSpPr>
+            <p:cNvPr id="23" name="Rectangle 22"/>
+            <p:cNvSpPr/>
+            <p:nvPr/>
+          </p:nvSpPr>
+          <p:spPr>
+            <a:xfrm>
+              <a:off x="5143500" y="2175721"/>
+              <a:ext cx="2372765" cy="338554"/>
+            </a:xfrm>
+            <a:prstGeom prst="rect">
+              <a:avLst/>
+            </a:prstGeom>
+          </p:spPr>
+          <p:txBody>
+            <a:bodyPr wrap="none">
+              <a:spAutoFit/>
+            </a:bodyPr>
+            <a:lstStyle/>
+            <a:p>
+              <a:pPr algn="ctr"/>
+              <a:r>
+                <a:rPr lang="en-US" sz="1600" b="0" dirty="0"/>
+                <a:t>Domain-specific content</a:t>
+              </a:r>
+            </a:p>
+          </p:txBody>
+        </p:sp>
+        <p:sp>
+          <p:nvSpPr>
+            <p:cNvPr id="2" name="Cylinder 1">
+              <a:extLst>
+                <a:ext uri="{FF2B5EF4-FFF2-40B4-BE49-F238E27FC236}">
+                  <a16:creationId xmlns:a16="http://schemas.microsoft.com/office/drawing/2014/main" id="{8475278E-F5B8-47FE-8837-86D2EFE260DD}"/>
+                </a:ext>
+              </a:extLst>
+            </p:cNvPr>
+            <p:cNvSpPr/>
+            <p:nvPr/>
+          </p:nvSpPr>
+          <p:spPr>
+            <a:xfrm>
+              <a:off x="1414463" y="1739295"/>
+              <a:ext cx="1447800" cy="1040191"/>
+            </a:xfrm>
+            <a:prstGeom prst="can">
+              <a:avLst/>
+            </a:prstGeom>
+          </p:spPr>
+          <p:style>
+            <a:lnRef idx="2">
+              <a:schemeClr val="accent6">
+                <a:shade val="50000"/>
+              </a:schemeClr>
+            </a:lnRef>
+            <a:fillRef idx="1">
+              <a:schemeClr val="accent6"/>
+            </a:fillRef>
+            <a:effectRef idx="0">
+              <a:schemeClr val="accent6"/>
+            </a:effectRef>
+            <a:fontRef idx="minor">
+              <a:schemeClr val="lt1"/>
+            </a:fontRef>
+          </p:style>
+          <p:txBody>
+            <a:bodyPr rtlCol="0" anchor="ctr"/>
+            <a:lstStyle/>
+            <a:p>
+              <a:pPr algn="ctr" fontAlgn="base">
+                <a:spcBef>
+                  <a:spcPct val="0"/>
+                </a:spcBef>
+                <a:spcAft>
+                  <a:spcPct val="0"/>
+                </a:spcAft>
+              </a:pPr>
+              <a:r>
+                <a:rPr lang="en-US" dirty="0"/>
+                <a:t>Knowledge base</a:t>
+              </a:r>
+              <a:endParaRPr lang="en-US" b="1" dirty="0">
+                <a:solidFill>
+                  <a:schemeClr val="tx1"/>
+                </a:solidFill>
+                <a:latin typeface="Arial" charset="0"/>
+              </a:endParaRPr>
+            </a:p>
+          </p:txBody>
+        </p:sp>
+      </p:grpSp>
     </p:spTree>
   </p:cSld>
   <p:clrMapOvr>
@@ -39281,6 +39705,9 @@
             <a:extLst>
               <a:ext uri="{FF2B5EF4-FFF2-40B4-BE49-F238E27FC236}">
                 <a16:creationId xmlns:a16="http://schemas.microsoft.com/office/drawing/2014/main" id="{942E28D6-FA8B-4F49-A0EC-3617A8B4665F}"/>
+              </a:ext>
+              <a:ext uri="{C183D7F6-B498-43B3-948B-1728B52AA6E4}">
+                <adec:decorative xmlns:adec="http://schemas.microsoft.com/office/drawing/2017/decorative" val="1"/>
               </a:ext>
             </a:extLst>
           </p:cNvPr>
@@ -39333,6 +39760,9 @@
             <a:extLst>
               <a:ext uri="{FF2B5EF4-FFF2-40B4-BE49-F238E27FC236}">
                 <a16:creationId xmlns:a16="http://schemas.microsoft.com/office/drawing/2014/main" id="{6DA6515E-3A8F-4954-ADC1-8C4EC47B347E}"/>
+              </a:ext>
+              <a:ext uri="{C183D7F6-B498-43B3-948B-1728B52AA6E4}">
+                <adec:decorative xmlns:adec="http://schemas.microsoft.com/office/drawing/2017/decorative" val="1"/>
               </a:ext>
             </a:extLst>
           </p:cNvPr>
@@ -39464,6 +39894,9 @@
               <a:ext uri="{FF2B5EF4-FFF2-40B4-BE49-F238E27FC236}">
                 <a16:creationId xmlns:a16="http://schemas.microsoft.com/office/drawing/2014/main" id="{0375161A-2899-4102-8929-D74F6CEB4CD7}"/>
               </a:ext>
+              <a:ext uri="{C183D7F6-B498-43B3-948B-1728B52AA6E4}">
+                <adec:decorative xmlns:adec="http://schemas.microsoft.com/office/drawing/2017/decorative" val="1"/>
+              </a:ext>
             </a:extLst>
           </p:cNvPr>
           <p:cNvCxnSpPr>
@@ -39508,6 +39941,9 @@
             <a:extLst>
               <a:ext uri="{FF2B5EF4-FFF2-40B4-BE49-F238E27FC236}">
                 <a16:creationId xmlns:a16="http://schemas.microsoft.com/office/drawing/2014/main" id="{CC158C6F-3C10-4C2B-9F1C-4E3BF1F7B283}"/>
+              </a:ext>
+              <a:ext uri="{C183D7F6-B498-43B3-948B-1728B52AA6E4}">
+                <adec:decorative xmlns:adec="http://schemas.microsoft.com/office/drawing/2017/decorative" val="1"/>
               </a:ext>
             </a:extLst>
           </p:cNvPr>
@@ -39603,6 +40039,9 @@
             <a:extLst>
               <a:ext uri="{FF2B5EF4-FFF2-40B4-BE49-F238E27FC236}">
                 <a16:creationId xmlns:a16="http://schemas.microsoft.com/office/drawing/2014/main" id="{41A83F1E-550E-4B9D-A74D-E53090A1A807}"/>
+              </a:ext>
+              <a:ext uri="{C183D7F6-B498-43B3-948B-1728B52AA6E4}">
+                <adec:decorative xmlns:adec="http://schemas.microsoft.com/office/drawing/2017/decorative" val="1"/>
               </a:ext>
             </a:extLst>
           </p:cNvPr>
@@ -41412,7 +41851,13 @@
       </p:sp>
       <p:sp>
         <p:nvSpPr>
-          <p:cNvPr id="4" name="Rectangle 3"/>
+          <p:cNvPr id="4" name="Rectangle 3">
+            <a:extLst>
+              <a:ext uri="{C183D7F6-B498-43B3-948B-1728B52AA6E4}">
+                <adec:decorative xmlns:adec="http://schemas.microsoft.com/office/drawing/2017/decorative" val="1"/>
+              </a:ext>
+            </a:extLst>
+          </p:cNvPr>
           <p:cNvSpPr/>
           <p:nvPr/>
         </p:nvSpPr>
@@ -41458,7 +41903,13 @@
       </p:sp>
       <p:sp>
         <p:nvSpPr>
-          <p:cNvPr id="5" name="Rectangle 4"/>
+          <p:cNvPr id="5" name="Rectangle 4">
+            <a:extLst>
+              <a:ext uri="{C183D7F6-B498-43B3-948B-1728B52AA6E4}">
+                <adec:decorative xmlns:adec="http://schemas.microsoft.com/office/drawing/2017/decorative" val="1"/>
+              </a:ext>
+            </a:extLst>
+          </p:cNvPr>
           <p:cNvSpPr/>
           <p:nvPr/>
         </p:nvSpPr>
@@ -43655,771 +44106,816 @@
           </a:p>
         </p:txBody>
       </p:sp>
-      <p:pic>
-        <p:nvPicPr>
-          <p:cNvPr id="4" name="Picture 3">
+      <p:grpSp>
+        <p:nvGrpSpPr>
+          <p:cNvPr id="8" name="Group 7" descr="The agent function for a knowledge-based agent.">
             <a:extLst>
               <a:ext uri="{FF2B5EF4-FFF2-40B4-BE49-F238E27FC236}">
-                <a16:creationId xmlns:a16="http://schemas.microsoft.com/office/drawing/2014/main" id="{246A7726-3470-46C0-A48C-6E0D536DB040}"/>
+                <a16:creationId xmlns:a16="http://schemas.microsoft.com/office/drawing/2014/main" id="{1D2FAECB-E49F-59FE-97E4-08BEB639BA63}"/>
               </a:ext>
             </a:extLst>
           </p:cNvPr>
-          <p:cNvPicPr>
-            <a:picLocks noChangeAspect="1"/>
-          </p:cNvPicPr>
+          <p:cNvGrpSpPr/>
           <p:nvPr/>
-        </p:nvPicPr>
-        <p:blipFill>
-          <a:blip r:embed="rId2"/>
-          <a:stretch>
-            <a:fillRect/>
-          </a:stretch>
-        </p:blipFill>
-        <p:spPr>
+        </p:nvGrpSpPr>
+        <p:grpSpPr>
           <a:xfrm>
             <a:off x="546775" y="4109081"/>
-            <a:ext cx="5320625" cy="2348070"/>
+            <a:ext cx="8151664" cy="2348070"/>
+            <a:chOff x="546775" y="4109081"/>
+            <a:chExt cx="8151664" cy="2348070"/>
           </a:xfrm>
-          <a:prstGeom prst="rect">
-            <a:avLst/>
-          </a:prstGeom>
-        </p:spPr>
-        <p:style>
-          <a:lnRef idx="2">
-            <a:schemeClr val="accent2"/>
-          </a:lnRef>
-          <a:fillRef idx="1">
-            <a:schemeClr val="lt1"/>
-          </a:fillRef>
-          <a:effectRef idx="0">
-            <a:schemeClr val="accent2"/>
-          </a:effectRef>
-          <a:fontRef idx="minor">
-            <a:schemeClr val="dk1"/>
-          </a:fontRef>
-        </p:style>
-      </p:pic>
-      <p:sp>
-        <p:nvSpPr>
-          <p:cNvPr id="5" name="TextBox 4">
+        </p:grpSpPr>
+        <p:pic>
+          <p:nvPicPr>
+            <p:cNvPr id="4" name="Picture 3">
+              <a:extLst>
+                <a:ext uri="{FF2B5EF4-FFF2-40B4-BE49-F238E27FC236}">
+                  <a16:creationId xmlns:a16="http://schemas.microsoft.com/office/drawing/2014/main" id="{246A7726-3470-46C0-A48C-6E0D536DB040}"/>
+                </a:ext>
+              </a:extLst>
+            </p:cNvPr>
+            <p:cNvPicPr>
+              <a:picLocks noChangeAspect="1"/>
+            </p:cNvPicPr>
+            <p:nvPr/>
+          </p:nvPicPr>
+          <p:blipFill>
+            <a:blip r:embed="rId2"/>
+            <a:stretch>
+              <a:fillRect/>
+            </a:stretch>
+          </p:blipFill>
+          <p:spPr>
+            <a:xfrm>
+              <a:off x="546775" y="4109081"/>
+              <a:ext cx="5320625" cy="2348070"/>
+            </a:xfrm>
+            <a:prstGeom prst="rect">
+              <a:avLst/>
+            </a:prstGeom>
+          </p:spPr>
+          <p:style>
+            <a:lnRef idx="2">
+              <a:schemeClr val="accent2"/>
+            </a:lnRef>
+            <a:fillRef idx="1">
+              <a:schemeClr val="lt1"/>
+            </a:fillRef>
+            <a:effectRef idx="0">
+              <a:schemeClr val="accent2"/>
+            </a:effectRef>
+            <a:fontRef idx="minor">
+              <a:schemeClr val="dk1"/>
+            </a:fontRef>
+          </p:style>
+        </p:pic>
+        <p:sp>
+          <p:nvSpPr>
+            <p:cNvPr id="5" name="TextBox 4">
+              <a:extLst>
+                <a:ext uri="{FF2B5EF4-FFF2-40B4-BE49-F238E27FC236}">
+                  <a16:creationId xmlns:a16="http://schemas.microsoft.com/office/drawing/2014/main" id="{A7389A12-594F-47A5-9C9C-D27A51B2B3ED}"/>
+                </a:ext>
+              </a:extLst>
+            </p:cNvPr>
+            <p:cNvSpPr txBox="1"/>
+            <p:nvPr/>
+          </p:nvSpPr>
+          <p:spPr>
+            <a:xfrm>
+              <a:off x="6729362" y="4312465"/>
+              <a:ext cx="1962150" cy="584775"/>
+            </a:xfrm>
+            <a:prstGeom prst="rect">
+              <a:avLst/>
+            </a:prstGeom>
+          </p:spPr>
+          <p:style>
+            <a:lnRef idx="2">
+              <a:schemeClr val="accent6">
+                <a:shade val="50000"/>
+              </a:schemeClr>
+            </a:lnRef>
+            <a:fillRef idx="1">
+              <a:schemeClr val="accent6"/>
+            </a:fillRef>
+            <a:effectRef idx="0">
+              <a:schemeClr val="accent6"/>
+            </a:effectRef>
+            <a:fontRef idx="minor">
+              <a:schemeClr val="lt1"/>
+            </a:fontRef>
+          </p:style>
+          <p:txBody>
+            <a:bodyPr wrap="square" rtlCol="0">
+              <a:spAutoFit/>
+            </a:bodyPr>
+            <a:lstStyle/>
+            <a:p>
+              <a:pPr algn="ctr"/>
+              <a:r>
+                <a:rPr lang="en-US" sz="1600" dirty="0"/>
+                <a:t>Memorize percept at time t</a:t>
+              </a:r>
+            </a:p>
+          </p:txBody>
+        </p:sp>
+        <p:sp>
+          <p:nvSpPr>
+            <p:cNvPr id="6" name="TextBox 5">
+              <a:extLst>
+                <a:ext uri="{FF2B5EF4-FFF2-40B4-BE49-F238E27FC236}">
+                  <a16:creationId xmlns:a16="http://schemas.microsoft.com/office/drawing/2014/main" id="{D0A0C361-D473-48AF-8A54-418E444C5164}"/>
+                </a:ext>
+              </a:extLst>
+            </p:cNvPr>
+            <p:cNvSpPr txBox="1"/>
+            <p:nvPr/>
+          </p:nvSpPr>
+          <p:spPr>
+            <a:xfrm>
+              <a:off x="6736289" y="5747915"/>
+              <a:ext cx="1962150" cy="584775"/>
+            </a:xfrm>
+            <a:prstGeom prst="rect">
+              <a:avLst/>
+            </a:prstGeom>
+          </p:spPr>
+          <p:style>
+            <a:lnRef idx="2">
+              <a:schemeClr val="accent6">
+                <a:shade val="50000"/>
+              </a:schemeClr>
+            </a:lnRef>
+            <a:fillRef idx="1">
+              <a:schemeClr val="accent6"/>
+            </a:fillRef>
+            <a:effectRef idx="0">
+              <a:schemeClr val="accent6"/>
+            </a:effectRef>
+            <a:fontRef idx="minor">
+              <a:schemeClr val="lt1"/>
+            </a:fontRef>
+          </p:style>
+          <p:txBody>
+            <a:bodyPr wrap="square" rtlCol="0">
+              <a:spAutoFit/>
+            </a:bodyPr>
+            <a:lstStyle/>
+            <a:p>
+              <a:pPr algn="ctr"/>
+              <a:r>
+                <a:rPr lang="en-US" sz="1600" dirty="0"/>
+                <a:t>Record action taken at time t</a:t>
+              </a:r>
+            </a:p>
+          </p:txBody>
+        </p:sp>
+        <p:sp>
+          <p:nvSpPr>
+            <p:cNvPr id="7" name="TextBox 6">
+              <a:extLst>
+                <a:ext uri="{FF2B5EF4-FFF2-40B4-BE49-F238E27FC236}">
+                  <a16:creationId xmlns:a16="http://schemas.microsoft.com/office/drawing/2014/main" id="{6C33C7BB-A826-4B54-B7D8-13D8AF95F7C2}"/>
+                </a:ext>
+              </a:extLst>
+            </p:cNvPr>
+            <p:cNvSpPr txBox="1"/>
+            <p:nvPr/>
+          </p:nvSpPr>
+          <p:spPr>
+            <a:xfrm>
+              <a:off x="6736289" y="5020602"/>
+              <a:ext cx="1962150" cy="584775"/>
+            </a:xfrm>
+            <a:prstGeom prst="rect">
+              <a:avLst/>
+            </a:prstGeom>
+          </p:spPr>
+          <p:style>
+            <a:lnRef idx="2">
+              <a:schemeClr val="accent6">
+                <a:shade val="50000"/>
+              </a:schemeClr>
+            </a:lnRef>
+            <a:fillRef idx="1">
+              <a:schemeClr val="accent6"/>
+            </a:fillRef>
+            <a:effectRef idx="0">
+              <a:schemeClr val="accent6"/>
+            </a:effectRef>
+            <a:fontRef idx="minor">
+              <a:schemeClr val="lt1"/>
+            </a:fontRef>
+          </p:style>
+          <p:txBody>
+            <a:bodyPr wrap="square" rtlCol="0">
+              <a:spAutoFit/>
+            </a:bodyPr>
+            <a:lstStyle/>
+            <a:p>
+              <a:pPr algn="ctr"/>
+              <a:r>
+                <a:rPr lang="en-US" sz="1600" dirty="0"/>
+                <a:t>Ask for logical action given an objective</a:t>
+              </a:r>
+            </a:p>
+          </p:txBody>
+        </p:sp>
+        <p:cxnSp>
+          <p:nvCxnSpPr>
+            <p:cNvPr id="11" name="Straight Arrow Connector 10">
+              <a:extLst>
+                <a:ext uri="{FF2B5EF4-FFF2-40B4-BE49-F238E27FC236}">
+                  <a16:creationId xmlns:a16="http://schemas.microsoft.com/office/drawing/2014/main" id="{0DC2667E-4858-4252-AD75-979D1961FE0D}"/>
+                </a:ext>
+              </a:extLst>
+            </p:cNvPr>
+            <p:cNvCxnSpPr>
+              <a:cxnSpLocks/>
+              <a:stCxn id="5" idx="1"/>
+            </p:cNvCxnSpPr>
+            <p:nvPr/>
+          </p:nvCxnSpPr>
+          <p:spPr>
+            <a:xfrm flipH="1">
+              <a:off x="5334000" y="4604853"/>
+              <a:ext cx="1395362" cy="561943"/>
+            </a:xfrm>
+            <a:prstGeom prst="straightConnector1">
+              <a:avLst/>
+            </a:prstGeom>
+            <a:ln w="38100">
+              <a:tailEnd type="triangle"/>
+            </a:ln>
+          </p:spPr>
+          <p:style>
+            <a:lnRef idx="3">
+              <a:schemeClr val="accent6"/>
+            </a:lnRef>
+            <a:fillRef idx="0">
+              <a:schemeClr val="accent6"/>
+            </a:fillRef>
+            <a:effectRef idx="2">
+              <a:schemeClr val="accent6"/>
+            </a:effectRef>
+            <a:fontRef idx="minor">
+              <a:schemeClr val="tx1"/>
+            </a:fontRef>
+          </p:style>
+        </p:cxnSp>
+        <p:cxnSp>
+          <p:nvCxnSpPr>
+            <p:cNvPr id="12" name="Straight Arrow Connector 11">
+              <a:extLst>
+                <a:ext uri="{FF2B5EF4-FFF2-40B4-BE49-F238E27FC236}">
+                  <a16:creationId xmlns:a16="http://schemas.microsoft.com/office/drawing/2014/main" id="{57028319-FF24-4693-9B50-887BF3051ADC}"/>
+                </a:ext>
+              </a:extLst>
+            </p:cNvPr>
+            <p:cNvCxnSpPr>
+              <a:cxnSpLocks/>
+              <a:stCxn id="7" idx="1"/>
+            </p:cNvCxnSpPr>
+            <p:nvPr/>
+          </p:nvCxnSpPr>
+          <p:spPr>
+            <a:xfrm flipH="1">
+              <a:off x="5029200" y="5312990"/>
+              <a:ext cx="1707089" cy="109369"/>
+            </a:xfrm>
+            <a:prstGeom prst="straightConnector1">
+              <a:avLst/>
+            </a:prstGeom>
+            <a:ln w="38100">
+              <a:tailEnd type="triangle"/>
+            </a:ln>
+          </p:spPr>
+          <p:style>
+            <a:lnRef idx="3">
+              <a:schemeClr val="accent6"/>
+            </a:lnRef>
+            <a:fillRef idx="0">
+              <a:schemeClr val="accent6"/>
+            </a:fillRef>
+            <a:effectRef idx="2">
+              <a:schemeClr val="accent6"/>
+            </a:effectRef>
+            <a:fontRef idx="minor">
+              <a:schemeClr val="tx1"/>
+            </a:fontRef>
+          </p:style>
+        </p:cxnSp>
+        <p:cxnSp>
+          <p:nvCxnSpPr>
+            <p:cNvPr id="15" name="Straight Arrow Connector 14">
+              <a:extLst>
+                <a:ext uri="{FF2B5EF4-FFF2-40B4-BE49-F238E27FC236}">
+                  <a16:creationId xmlns:a16="http://schemas.microsoft.com/office/drawing/2014/main" id="{55F9FCE7-AA78-48B8-9205-AB949B5B5D9C}"/>
+                </a:ext>
+              </a:extLst>
+            </p:cNvPr>
+            <p:cNvCxnSpPr>
+              <a:cxnSpLocks/>
+              <a:stCxn id="6" idx="1"/>
+            </p:cNvCxnSpPr>
+            <p:nvPr/>
+          </p:nvCxnSpPr>
+          <p:spPr>
+            <a:xfrm flipH="1" flipV="1">
+              <a:off x="5181600" y="5674327"/>
+              <a:ext cx="1554689" cy="365976"/>
+            </a:xfrm>
+            <a:prstGeom prst="straightConnector1">
+              <a:avLst/>
+            </a:prstGeom>
+            <a:ln w="38100">
+              <a:tailEnd type="triangle"/>
+            </a:ln>
+          </p:spPr>
+          <p:style>
+            <a:lnRef idx="3">
+              <a:schemeClr val="accent6"/>
+            </a:lnRef>
+            <a:fillRef idx="0">
+              <a:schemeClr val="accent6"/>
+            </a:fillRef>
+            <a:effectRef idx="2">
+              <a:schemeClr val="accent6"/>
+            </a:effectRef>
+            <a:fontRef idx="minor">
+              <a:schemeClr val="tx1"/>
+            </a:fontRef>
+          </p:style>
+        </p:cxnSp>
+      </p:grpSp>
+      <p:grpSp>
+        <p:nvGrpSpPr>
+          <p:cNvPr id="3" name="Group 2">
             <a:extLst>
               <a:ext uri="{FF2B5EF4-FFF2-40B4-BE49-F238E27FC236}">
-                <a16:creationId xmlns:a16="http://schemas.microsoft.com/office/drawing/2014/main" id="{A7389A12-594F-47A5-9C9C-D27A51B2B3ED}"/>
+                <a16:creationId xmlns:a16="http://schemas.microsoft.com/office/drawing/2014/main" id="{958160F0-6AF5-22F3-E87E-A817B16A12FC}"/>
+              </a:ext>
+              <a:ext uri="{C183D7F6-B498-43B3-948B-1728B52AA6E4}">
+                <adec:decorative xmlns:adec="http://schemas.microsoft.com/office/drawing/2017/decorative" val="1"/>
               </a:ext>
             </a:extLst>
           </p:cNvPr>
-          <p:cNvSpPr txBox="1"/>
+          <p:cNvGrpSpPr/>
           <p:nvPr/>
-        </p:nvSpPr>
-        <p:spPr>
-          <a:xfrm>
-            <a:off x="6729362" y="4312465"/>
-            <a:ext cx="1962150" cy="584775"/>
-          </a:xfrm>
-          <a:prstGeom prst="rect">
-            <a:avLst/>
-          </a:prstGeom>
-        </p:spPr>
-        <p:style>
-          <a:lnRef idx="2">
-            <a:schemeClr val="accent6">
-              <a:shade val="50000"/>
-            </a:schemeClr>
-          </a:lnRef>
-          <a:fillRef idx="1">
-            <a:schemeClr val="accent6"/>
-          </a:fillRef>
-          <a:effectRef idx="0">
-            <a:schemeClr val="accent6"/>
-          </a:effectRef>
-          <a:fontRef idx="minor">
-            <a:schemeClr val="lt1"/>
-          </a:fontRef>
-        </p:style>
-        <p:txBody>
-          <a:bodyPr wrap="square" rtlCol="0">
-            <a:spAutoFit/>
-          </a:bodyPr>
-          <a:lstStyle/>
-          <a:p>
-            <a:pPr algn="ctr"/>
-            <a:r>
-              <a:rPr lang="en-US" sz="1600" dirty="0"/>
-              <a:t>Memorize percept at time t</a:t>
-            </a:r>
-          </a:p>
-        </p:txBody>
-      </p:sp>
-      <p:sp>
-        <p:nvSpPr>
-          <p:cNvPr id="6" name="TextBox 5">
-            <a:extLst>
-              <a:ext uri="{FF2B5EF4-FFF2-40B4-BE49-F238E27FC236}">
-                <a16:creationId xmlns:a16="http://schemas.microsoft.com/office/drawing/2014/main" id="{D0A0C361-D473-48AF-8A54-418E444C5164}"/>
-              </a:ext>
-            </a:extLst>
-          </p:cNvPr>
-          <p:cNvSpPr txBox="1"/>
-          <p:nvPr/>
-        </p:nvSpPr>
-        <p:spPr>
-          <a:xfrm>
-            <a:off x="6736289" y="5747915"/>
-            <a:ext cx="1962150" cy="584775"/>
-          </a:xfrm>
-          <a:prstGeom prst="rect">
-            <a:avLst/>
-          </a:prstGeom>
-        </p:spPr>
-        <p:style>
-          <a:lnRef idx="2">
-            <a:schemeClr val="accent6">
-              <a:shade val="50000"/>
-            </a:schemeClr>
-          </a:lnRef>
-          <a:fillRef idx="1">
-            <a:schemeClr val="accent6"/>
-          </a:fillRef>
-          <a:effectRef idx="0">
-            <a:schemeClr val="accent6"/>
-          </a:effectRef>
-          <a:fontRef idx="minor">
-            <a:schemeClr val="lt1"/>
-          </a:fontRef>
-        </p:style>
-        <p:txBody>
-          <a:bodyPr wrap="square" rtlCol="0">
-            <a:spAutoFit/>
-          </a:bodyPr>
-          <a:lstStyle/>
-          <a:p>
-            <a:pPr algn="ctr"/>
-            <a:r>
-              <a:rPr lang="en-US" sz="1600" dirty="0"/>
-              <a:t>Record action taken at time t</a:t>
-            </a:r>
-          </a:p>
-        </p:txBody>
-      </p:sp>
-      <p:sp>
-        <p:nvSpPr>
-          <p:cNvPr id="7" name="TextBox 6">
-            <a:extLst>
-              <a:ext uri="{FF2B5EF4-FFF2-40B4-BE49-F238E27FC236}">
-                <a16:creationId xmlns:a16="http://schemas.microsoft.com/office/drawing/2014/main" id="{6C33C7BB-A826-4B54-B7D8-13D8AF95F7C2}"/>
-              </a:ext>
-            </a:extLst>
-          </p:cNvPr>
-          <p:cNvSpPr txBox="1"/>
-          <p:nvPr/>
-        </p:nvSpPr>
-        <p:spPr>
-          <a:xfrm>
-            <a:off x="6736289" y="5020602"/>
-            <a:ext cx="1962150" cy="584775"/>
-          </a:xfrm>
-          <a:prstGeom prst="rect">
-            <a:avLst/>
-          </a:prstGeom>
-        </p:spPr>
-        <p:style>
-          <a:lnRef idx="2">
-            <a:schemeClr val="accent6">
-              <a:shade val="50000"/>
-            </a:schemeClr>
-          </a:lnRef>
-          <a:fillRef idx="1">
-            <a:schemeClr val="accent6"/>
-          </a:fillRef>
-          <a:effectRef idx="0">
-            <a:schemeClr val="accent6"/>
-          </a:effectRef>
-          <a:fontRef idx="minor">
-            <a:schemeClr val="lt1"/>
-          </a:fontRef>
-        </p:style>
-        <p:txBody>
-          <a:bodyPr wrap="square" rtlCol="0">
-            <a:spAutoFit/>
-          </a:bodyPr>
-          <a:lstStyle/>
-          <a:p>
-            <a:pPr algn="ctr"/>
-            <a:r>
-              <a:rPr lang="en-US" sz="1600" dirty="0"/>
-              <a:t>Ask for logical action given an objective</a:t>
-            </a:r>
-          </a:p>
-        </p:txBody>
-      </p:sp>
-      <p:cxnSp>
-        <p:nvCxnSpPr>
-          <p:cNvPr id="11" name="Straight Arrow Connector 10">
-            <a:extLst>
-              <a:ext uri="{FF2B5EF4-FFF2-40B4-BE49-F238E27FC236}">
-                <a16:creationId xmlns:a16="http://schemas.microsoft.com/office/drawing/2014/main" id="{0DC2667E-4858-4252-AD75-979D1961FE0D}"/>
-              </a:ext>
-            </a:extLst>
-          </p:cNvPr>
-          <p:cNvCxnSpPr>
-            <a:cxnSpLocks/>
-            <a:stCxn id="5" idx="1"/>
-          </p:cNvCxnSpPr>
-          <p:nvPr/>
-        </p:nvCxnSpPr>
-        <p:spPr>
-          <a:xfrm flipH="1">
-            <a:off x="5334000" y="4604853"/>
-            <a:ext cx="1395362" cy="561943"/>
-          </a:xfrm>
-          <a:prstGeom prst="straightConnector1">
-            <a:avLst/>
-          </a:prstGeom>
-          <a:ln w="38100">
-            <a:tailEnd type="triangle"/>
-          </a:ln>
-        </p:spPr>
-        <p:style>
-          <a:lnRef idx="3">
-            <a:schemeClr val="accent6"/>
-          </a:lnRef>
-          <a:fillRef idx="0">
-            <a:schemeClr val="accent6"/>
-          </a:fillRef>
-          <a:effectRef idx="2">
-            <a:schemeClr val="accent6"/>
-          </a:effectRef>
-          <a:fontRef idx="minor">
-            <a:schemeClr val="tx1"/>
-          </a:fontRef>
-        </p:style>
-      </p:cxnSp>
-      <p:cxnSp>
-        <p:nvCxnSpPr>
-          <p:cNvPr id="12" name="Straight Arrow Connector 11">
-            <a:extLst>
-              <a:ext uri="{FF2B5EF4-FFF2-40B4-BE49-F238E27FC236}">
-                <a16:creationId xmlns:a16="http://schemas.microsoft.com/office/drawing/2014/main" id="{57028319-FF24-4693-9B50-887BF3051ADC}"/>
-              </a:ext>
-            </a:extLst>
-          </p:cNvPr>
-          <p:cNvCxnSpPr>
-            <a:cxnSpLocks/>
-            <a:stCxn id="7" idx="1"/>
-          </p:cNvCxnSpPr>
-          <p:nvPr/>
-        </p:nvCxnSpPr>
-        <p:spPr>
-          <a:xfrm flipH="1">
-            <a:off x="5029200" y="5312990"/>
-            <a:ext cx="1707089" cy="109369"/>
-          </a:xfrm>
-          <a:prstGeom prst="straightConnector1">
-            <a:avLst/>
-          </a:prstGeom>
-          <a:ln w="38100">
-            <a:tailEnd type="triangle"/>
-          </a:ln>
-        </p:spPr>
-        <p:style>
-          <a:lnRef idx="3">
-            <a:schemeClr val="accent6"/>
-          </a:lnRef>
-          <a:fillRef idx="0">
-            <a:schemeClr val="accent6"/>
-          </a:fillRef>
-          <a:effectRef idx="2">
-            <a:schemeClr val="accent6"/>
-          </a:effectRef>
-          <a:fontRef idx="minor">
-            <a:schemeClr val="tx1"/>
-          </a:fontRef>
-        </p:style>
-      </p:cxnSp>
-      <p:cxnSp>
-        <p:nvCxnSpPr>
-          <p:cNvPr id="15" name="Straight Arrow Connector 14">
-            <a:extLst>
-              <a:ext uri="{FF2B5EF4-FFF2-40B4-BE49-F238E27FC236}">
-                <a16:creationId xmlns:a16="http://schemas.microsoft.com/office/drawing/2014/main" id="{55F9FCE7-AA78-48B8-9205-AB949B5B5D9C}"/>
-              </a:ext>
-            </a:extLst>
-          </p:cNvPr>
-          <p:cNvCxnSpPr>
-            <a:cxnSpLocks/>
-            <a:stCxn id="6" idx="1"/>
-          </p:cNvCxnSpPr>
-          <p:nvPr/>
-        </p:nvCxnSpPr>
-        <p:spPr>
-          <a:xfrm flipH="1" flipV="1">
-            <a:off x="5181600" y="5674327"/>
-            <a:ext cx="1554689" cy="365976"/>
-          </a:xfrm>
-          <a:prstGeom prst="straightConnector1">
-            <a:avLst/>
-          </a:prstGeom>
-          <a:ln w="38100">
-            <a:tailEnd type="triangle"/>
-          </a:ln>
-        </p:spPr>
-        <p:style>
-          <a:lnRef idx="3">
-            <a:schemeClr val="accent6"/>
-          </a:lnRef>
-          <a:fillRef idx="0">
-            <a:schemeClr val="accent6"/>
-          </a:fillRef>
-          <a:effectRef idx="2">
-            <a:schemeClr val="accent6"/>
-          </a:effectRef>
-          <a:fontRef idx="minor">
-            <a:schemeClr val="tx1"/>
-          </a:fontRef>
-        </p:style>
-      </p:cxnSp>
-      <p:pic>
-        <p:nvPicPr>
-          <p:cNvPr id="14" name="Picture 13">
-            <a:extLst>
-              <a:ext uri="{FF2B5EF4-FFF2-40B4-BE49-F238E27FC236}">
-                <a16:creationId xmlns:a16="http://schemas.microsoft.com/office/drawing/2014/main" id="{60C4D7EF-87A7-4D4B-5FA0-5F6FDF52DF2A}"/>
-              </a:ext>
-            </a:extLst>
-          </p:cNvPr>
-          <p:cNvPicPr>
-            <a:picLocks noChangeAspect="1"/>
-          </p:cNvPicPr>
-          <p:nvPr/>
-        </p:nvPicPr>
-        <p:blipFill>
-          <a:blip r:embed="rId3"/>
-          <a:stretch>
-            <a:fillRect/>
-          </a:stretch>
-        </p:blipFill>
-        <p:spPr>
-          <a:xfrm>
-            <a:off x="609600" y="1371600"/>
-            <a:ext cx="7772400" cy="2566456"/>
-          </a:xfrm>
-          <a:prstGeom prst="rect">
-            <a:avLst/>
-          </a:prstGeom>
-        </p:spPr>
-      </p:pic>
-      <p:cxnSp>
-        <p:nvCxnSpPr>
-          <p:cNvPr id="17" name="Straight Arrow Connector 16">
-            <a:extLst>
-              <a:ext uri="{FF2B5EF4-FFF2-40B4-BE49-F238E27FC236}">
-                <a16:creationId xmlns:a16="http://schemas.microsoft.com/office/drawing/2014/main" id="{E0C8F7BA-2035-C7D5-E8E3-35E46F514BF7}"/>
-              </a:ext>
-            </a:extLst>
-          </p:cNvPr>
-          <p:cNvCxnSpPr>
-            <a:cxnSpLocks/>
-          </p:cNvCxnSpPr>
-          <p:nvPr/>
-        </p:nvCxnSpPr>
-        <p:spPr>
-          <a:xfrm flipV="1">
-            <a:off x="3352800" y="1858828"/>
-            <a:ext cx="0" cy="1375370"/>
-          </a:xfrm>
-          <a:prstGeom prst="straightConnector1">
-            <a:avLst/>
-          </a:prstGeom>
-          <a:ln>
-            <a:tailEnd type="triangle"/>
-          </a:ln>
-        </p:spPr>
-        <p:style>
-          <a:lnRef idx="3">
-            <a:schemeClr val="accent6"/>
-          </a:lnRef>
-          <a:fillRef idx="0">
-            <a:schemeClr val="accent6"/>
-          </a:fillRef>
-          <a:effectRef idx="2">
-            <a:schemeClr val="accent6"/>
-          </a:effectRef>
-          <a:fontRef idx="minor">
-            <a:schemeClr val="tx1"/>
-          </a:fontRef>
-        </p:style>
-      </p:cxnSp>
-      <p:sp>
-        <p:nvSpPr>
-          <p:cNvPr id="18" name="TextBox 17">
-            <a:extLst>
-              <a:ext uri="{FF2B5EF4-FFF2-40B4-BE49-F238E27FC236}">
-                <a16:creationId xmlns:a16="http://schemas.microsoft.com/office/drawing/2014/main" id="{4A9C8390-91F3-977E-1381-6460DC9157C7}"/>
-              </a:ext>
-            </a:extLst>
-          </p:cNvPr>
-          <p:cNvSpPr txBox="1"/>
-          <p:nvPr/>
-        </p:nvSpPr>
-        <p:spPr>
-          <a:xfrm rot="5400000">
-            <a:off x="2892814" y="2247301"/>
-            <a:ext cx="1381637" cy="461665"/>
-          </a:xfrm>
-          <a:prstGeom prst="rect">
-            <a:avLst/>
-          </a:prstGeom>
-          <a:noFill/>
-        </p:spPr>
-        <p:txBody>
-          <a:bodyPr wrap="square" rtlCol="0">
-            <a:spAutoFit/>
-          </a:bodyPr>
-          <a:lstStyle/>
-          <a:p>
-            <a:pPr algn="ctr"/>
-            <a:r>
-              <a:rPr lang="en-US" sz="1200" b="1" dirty="0">
-                <a:solidFill>
-                  <a:schemeClr val="accent6"/>
-                </a:solidFill>
-              </a:rPr>
-              <a:t>Learning from precepts</a:t>
-            </a:r>
-          </a:p>
-        </p:txBody>
-      </p:sp>
-      <p:cxnSp>
-        <p:nvCxnSpPr>
-          <p:cNvPr id="20" name="Straight Arrow Connector 19">
-            <a:extLst>
-              <a:ext uri="{FF2B5EF4-FFF2-40B4-BE49-F238E27FC236}">
-                <a16:creationId xmlns:a16="http://schemas.microsoft.com/office/drawing/2014/main" id="{433ADEE4-7D85-EF9D-5063-670951036862}"/>
-              </a:ext>
-            </a:extLst>
-          </p:cNvPr>
-          <p:cNvCxnSpPr>
-            <a:cxnSpLocks/>
-          </p:cNvCxnSpPr>
-          <p:nvPr/>
-        </p:nvCxnSpPr>
-        <p:spPr>
-          <a:xfrm>
-            <a:off x="6336481" y="1842150"/>
-            <a:ext cx="0" cy="1326802"/>
-          </a:xfrm>
-          <a:prstGeom prst="straightConnector1">
-            <a:avLst/>
-          </a:prstGeom>
-          <a:ln>
-            <a:tailEnd type="triangle"/>
-          </a:ln>
-        </p:spPr>
-        <p:style>
-          <a:lnRef idx="3">
-            <a:schemeClr val="accent6"/>
-          </a:lnRef>
-          <a:fillRef idx="0">
-            <a:schemeClr val="accent6"/>
-          </a:fillRef>
-          <a:effectRef idx="2">
-            <a:schemeClr val="accent6"/>
-          </a:effectRef>
-          <a:fontRef idx="minor">
-            <a:schemeClr val="tx1"/>
-          </a:fontRef>
-        </p:style>
-      </p:cxnSp>
-      <p:sp>
-        <p:nvSpPr>
-          <p:cNvPr id="21" name="TextBox 20">
-            <a:extLst>
-              <a:ext uri="{FF2B5EF4-FFF2-40B4-BE49-F238E27FC236}">
-                <a16:creationId xmlns:a16="http://schemas.microsoft.com/office/drawing/2014/main" id="{7EAC6722-A3DC-CA31-F654-42B27FA2A567}"/>
-              </a:ext>
-            </a:extLst>
-          </p:cNvPr>
-          <p:cNvSpPr txBox="1"/>
-          <p:nvPr/>
-        </p:nvSpPr>
-        <p:spPr>
-          <a:xfrm rot="5400000">
-            <a:off x="6049071" y="2255570"/>
-            <a:ext cx="871220" cy="307777"/>
-          </a:xfrm>
-          <a:prstGeom prst="rect">
-            <a:avLst/>
-          </a:prstGeom>
-          <a:noFill/>
-        </p:spPr>
-        <p:txBody>
-          <a:bodyPr wrap="square" rtlCol="0">
-            <a:spAutoFit/>
-          </a:bodyPr>
-          <a:lstStyle/>
-          <a:p>
-            <a:pPr algn="ctr"/>
-            <a:r>
-              <a:rPr lang="en-US" sz="1400" b="1" dirty="0">
-                <a:solidFill>
-                  <a:schemeClr val="accent6"/>
-                </a:solidFill>
-              </a:rPr>
-              <a:t>action</a:t>
-            </a:r>
-          </a:p>
-        </p:txBody>
-      </p:sp>
-      <p:sp>
-        <p:nvSpPr>
-          <p:cNvPr id="27" name="Rectangle 26">
-            <a:extLst>
-              <a:ext uri="{FF2B5EF4-FFF2-40B4-BE49-F238E27FC236}">
-                <a16:creationId xmlns:a16="http://schemas.microsoft.com/office/drawing/2014/main" id="{9A67E5FB-CFA2-AE69-9A39-ACBBD7EC9C5E}"/>
-              </a:ext>
-            </a:extLst>
-          </p:cNvPr>
-          <p:cNvSpPr/>
-          <p:nvPr/>
-        </p:nvSpPr>
-        <p:spPr>
-          <a:xfrm>
-            <a:off x="787257" y="1435641"/>
-            <a:ext cx="7518544" cy="953323"/>
-          </a:xfrm>
-          <a:prstGeom prst="rect">
-            <a:avLst/>
-          </a:prstGeom>
-          <a:noFill/>
-          <a:ln w="9525" cap="flat" cmpd="sng" algn="ctr">
-            <a:solidFill>
-              <a:schemeClr val="accent6"/>
-            </a:solidFill>
-            <a:prstDash val="solid"/>
-            <a:round/>
-            <a:headEnd type="none" w="med" len="med"/>
-            <a:tailEnd type="none" w="med" len="med"/>
-          </a:ln>
-        </p:spPr>
-        <p:style>
-          <a:lnRef idx="0">
-            <a:scrgbClr r="0" g="0" b="0"/>
-          </a:lnRef>
-          <a:fillRef idx="0">
-            <a:scrgbClr r="0" g="0" b="0"/>
-          </a:fillRef>
-          <a:effectRef idx="0">
-            <a:scrgbClr r="0" g="0" b="0"/>
-          </a:effectRef>
-          <a:fontRef idx="minor">
-            <a:schemeClr val="accent6"/>
-          </a:fontRef>
-        </p:style>
-        <p:txBody>
-          <a:bodyPr rtlCol="0" anchor="ctr"/>
-          <a:lstStyle/>
-          <a:p>
-            <a:pPr algn="ctr"/>
-            <a:endParaRPr lang="en-US"/>
-          </a:p>
-        </p:txBody>
-      </p:sp>
-      <p:sp>
-        <p:nvSpPr>
-          <p:cNvPr id="31" name="TextBox 30">
-            <a:extLst>
-              <a:ext uri="{FF2B5EF4-FFF2-40B4-BE49-F238E27FC236}">
-                <a16:creationId xmlns:a16="http://schemas.microsoft.com/office/drawing/2014/main" id="{5490E96A-E7E6-0EB0-758F-FA9D48224587}"/>
-              </a:ext>
-            </a:extLst>
-          </p:cNvPr>
-          <p:cNvSpPr txBox="1"/>
-          <p:nvPr/>
-        </p:nvSpPr>
-        <p:spPr>
-          <a:xfrm>
-            <a:off x="1066800" y="3070206"/>
-            <a:ext cx="1158583" cy="584775"/>
-          </a:xfrm>
-          <a:prstGeom prst="rect">
-            <a:avLst/>
-          </a:prstGeom>
-        </p:spPr>
-        <p:style>
-          <a:lnRef idx="2">
-            <a:schemeClr val="accent6">
-              <a:shade val="50000"/>
-            </a:schemeClr>
-          </a:lnRef>
-          <a:fillRef idx="1">
-            <a:schemeClr val="accent6"/>
-          </a:fillRef>
-          <a:effectRef idx="0">
-            <a:schemeClr val="accent6"/>
-          </a:effectRef>
-          <a:fontRef idx="minor">
-            <a:schemeClr val="lt1"/>
-          </a:fontRef>
-        </p:style>
-        <p:txBody>
-          <a:bodyPr wrap="square" rtlCol="0">
-            <a:spAutoFit/>
-          </a:bodyPr>
-          <a:lstStyle/>
-          <a:p>
-            <a:pPr algn="ctr"/>
-            <a:r>
-              <a:rPr lang="en-US" sz="1600" dirty="0"/>
-              <a:t>Prior knowledge</a:t>
-            </a:r>
-          </a:p>
-        </p:txBody>
-      </p:sp>
-      <p:cxnSp>
-        <p:nvCxnSpPr>
-          <p:cNvPr id="32" name="Straight Arrow Connector 31">
-            <a:extLst>
-              <a:ext uri="{FF2B5EF4-FFF2-40B4-BE49-F238E27FC236}">
-                <a16:creationId xmlns:a16="http://schemas.microsoft.com/office/drawing/2014/main" id="{02720943-C2ED-7852-E9A2-278516E210CC}"/>
-              </a:ext>
-            </a:extLst>
-          </p:cNvPr>
-          <p:cNvCxnSpPr>
-            <a:cxnSpLocks/>
-          </p:cNvCxnSpPr>
-          <p:nvPr/>
-        </p:nvCxnSpPr>
-        <p:spPr>
-          <a:xfrm flipV="1">
-            <a:off x="1656482" y="1858828"/>
-            <a:ext cx="1239118" cy="1238315"/>
-          </a:xfrm>
-          <a:prstGeom prst="straightConnector1">
-            <a:avLst/>
-          </a:prstGeom>
-          <a:ln>
-            <a:tailEnd type="triangle"/>
-          </a:ln>
-        </p:spPr>
-        <p:style>
-          <a:lnRef idx="3">
-            <a:schemeClr val="accent6"/>
-          </a:lnRef>
-          <a:fillRef idx="0">
-            <a:schemeClr val="accent6"/>
-          </a:fillRef>
-          <a:effectRef idx="2">
-            <a:schemeClr val="accent6"/>
-          </a:effectRef>
-          <a:fontRef idx="minor">
-            <a:schemeClr val="tx1"/>
-          </a:fontRef>
-        </p:style>
-      </p:cxnSp>
-      <p:sp>
-        <p:nvSpPr>
-          <p:cNvPr id="35" name="TextBox 34">
-            <a:extLst>
-              <a:ext uri="{FF2B5EF4-FFF2-40B4-BE49-F238E27FC236}">
-                <a16:creationId xmlns:a16="http://schemas.microsoft.com/office/drawing/2014/main" id="{D0F3D41F-FCEE-00C3-601C-76FC0168DE4F}"/>
-              </a:ext>
-            </a:extLst>
-          </p:cNvPr>
-          <p:cNvSpPr txBox="1"/>
-          <p:nvPr/>
-        </p:nvSpPr>
-        <p:spPr>
-          <a:xfrm>
-            <a:off x="3910085" y="2005429"/>
-            <a:ext cx="1595757" cy="338554"/>
-          </a:xfrm>
-          <a:prstGeom prst="rect">
-            <a:avLst/>
-          </a:prstGeom>
-        </p:spPr>
-        <p:style>
-          <a:lnRef idx="2">
-            <a:schemeClr val="accent2">
-              <a:shade val="15000"/>
-            </a:schemeClr>
-          </a:lnRef>
-          <a:fillRef idx="1">
-            <a:schemeClr val="accent2"/>
-          </a:fillRef>
-          <a:effectRef idx="0">
-            <a:schemeClr val="accent2"/>
-          </a:effectRef>
-          <a:fontRef idx="minor">
-            <a:schemeClr val="lt1"/>
-          </a:fontRef>
-        </p:style>
-        <p:txBody>
-          <a:bodyPr wrap="square">
-            <a:spAutoFit/>
-          </a:bodyPr>
-          <a:lstStyle/>
-          <a:p>
-            <a:pPr algn="ctr"/>
-            <a:r>
-              <a:rPr lang="en-US" sz="1600" dirty="0">
-                <a:solidFill>
-                  <a:schemeClr val="bg1"/>
-                </a:solidFill>
-              </a:rPr>
-              <a:t>Inference engine</a:t>
-            </a:r>
-          </a:p>
-        </p:txBody>
-      </p:sp>
-      <p:sp>
-        <p:nvSpPr>
-          <p:cNvPr id="36" name="Flowchart: Magnetic Disk 35">
-            <a:extLst>
-              <a:ext uri="{FF2B5EF4-FFF2-40B4-BE49-F238E27FC236}">
-                <a16:creationId xmlns:a16="http://schemas.microsoft.com/office/drawing/2014/main" id="{9EAFB566-B86E-45BA-6C30-842627C799A3}"/>
-              </a:ext>
-            </a:extLst>
-          </p:cNvPr>
-          <p:cNvSpPr/>
-          <p:nvPr/>
-        </p:nvSpPr>
-        <p:spPr>
+        </p:nvGrpSpPr>
+        <p:grpSpPr>
           <a:xfrm>
             <a:off x="609599" y="1264695"/>
-            <a:ext cx="655629" cy="533400"/>
+            <a:ext cx="7772401" cy="2673361"/>
+            <a:chOff x="609599" y="1264695"/>
+            <a:chExt cx="7772401" cy="2673361"/>
           </a:xfrm>
-          <a:prstGeom prst="flowChartMagneticDisk">
-            <a:avLst/>
-          </a:prstGeom>
-        </p:spPr>
-        <p:style>
-          <a:lnRef idx="2">
-            <a:schemeClr val="accent6">
-              <a:shade val="15000"/>
-            </a:schemeClr>
-          </a:lnRef>
-          <a:fillRef idx="1">
-            <a:schemeClr val="accent6"/>
-          </a:fillRef>
-          <a:effectRef idx="0">
-            <a:schemeClr val="accent6"/>
-          </a:effectRef>
-          <a:fontRef idx="minor">
-            <a:schemeClr val="lt1"/>
-          </a:fontRef>
-        </p:style>
-        <p:txBody>
-          <a:bodyPr rtlCol="0" anchor="ctr"/>
-          <a:lstStyle/>
-          <a:p>
-            <a:pPr algn="ctr"/>
-            <a:r>
-              <a:rPr lang="en-US" dirty="0"/>
-              <a:t>KB</a:t>
-            </a:r>
-          </a:p>
-        </p:txBody>
-      </p:sp>
+        </p:grpSpPr>
+        <p:pic>
+          <p:nvPicPr>
+            <p:cNvPr id="14" name="Picture 13">
+              <a:extLst>
+                <a:ext uri="{FF2B5EF4-FFF2-40B4-BE49-F238E27FC236}">
+                  <a16:creationId xmlns:a16="http://schemas.microsoft.com/office/drawing/2014/main" id="{60C4D7EF-87A7-4D4B-5FA0-5F6FDF52DF2A}"/>
+                </a:ext>
+              </a:extLst>
+            </p:cNvPr>
+            <p:cNvPicPr>
+              <a:picLocks noChangeAspect="1"/>
+            </p:cNvPicPr>
+            <p:nvPr/>
+          </p:nvPicPr>
+          <p:blipFill>
+            <a:blip r:embed="rId3"/>
+            <a:stretch>
+              <a:fillRect/>
+            </a:stretch>
+          </p:blipFill>
+          <p:spPr>
+            <a:xfrm>
+              <a:off x="609600" y="1371600"/>
+              <a:ext cx="7772400" cy="2566456"/>
+            </a:xfrm>
+            <a:prstGeom prst="rect">
+              <a:avLst/>
+            </a:prstGeom>
+          </p:spPr>
+        </p:pic>
+        <p:cxnSp>
+          <p:nvCxnSpPr>
+            <p:cNvPr id="17" name="Straight Arrow Connector 16">
+              <a:extLst>
+                <a:ext uri="{FF2B5EF4-FFF2-40B4-BE49-F238E27FC236}">
+                  <a16:creationId xmlns:a16="http://schemas.microsoft.com/office/drawing/2014/main" id="{E0C8F7BA-2035-C7D5-E8E3-35E46F514BF7}"/>
+                </a:ext>
+              </a:extLst>
+            </p:cNvPr>
+            <p:cNvCxnSpPr>
+              <a:cxnSpLocks/>
+            </p:cNvCxnSpPr>
+            <p:nvPr/>
+          </p:nvCxnSpPr>
+          <p:spPr>
+            <a:xfrm flipV="1">
+              <a:off x="3352800" y="1858828"/>
+              <a:ext cx="0" cy="1375370"/>
+            </a:xfrm>
+            <a:prstGeom prst="straightConnector1">
+              <a:avLst/>
+            </a:prstGeom>
+            <a:ln>
+              <a:tailEnd type="triangle"/>
+            </a:ln>
+          </p:spPr>
+          <p:style>
+            <a:lnRef idx="3">
+              <a:schemeClr val="accent6"/>
+            </a:lnRef>
+            <a:fillRef idx="0">
+              <a:schemeClr val="accent6"/>
+            </a:fillRef>
+            <a:effectRef idx="2">
+              <a:schemeClr val="accent6"/>
+            </a:effectRef>
+            <a:fontRef idx="minor">
+              <a:schemeClr val="tx1"/>
+            </a:fontRef>
+          </p:style>
+        </p:cxnSp>
+        <p:sp>
+          <p:nvSpPr>
+            <p:cNvPr id="18" name="TextBox 17">
+              <a:extLst>
+                <a:ext uri="{FF2B5EF4-FFF2-40B4-BE49-F238E27FC236}">
+                  <a16:creationId xmlns:a16="http://schemas.microsoft.com/office/drawing/2014/main" id="{4A9C8390-91F3-977E-1381-6460DC9157C7}"/>
+                </a:ext>
+              </a:extLst>
+            </p:cNvPr>
+            <p:cNvSpPr txBox="1"/>
+            <p:nvPr/>
+          </p:nvSpPr>
+          <p:spPr>
+            <a:xfrm rot="5400000">
+              <a:off x="2892814" y="2247301"/>
+              <a:ext cx="1381637" cy="461665"/>
+            </a:xfrm>
+            <a:prstGeom prst="rect">
+              <a:avLst/>
+            </a:prstGeom>
+            <a:noFill/>
+          </p:spPr>
+          <p:txBody>
+            <a:bodyPr wrap="square" rtlCol="0">
+              <a:spAutoFit/>
+            </a:bodyPr>
+            <a:lstStyle/>
+            <a:p>
+              <a:pPr algn="ctr"/>
+              <a:r>
+                <a:rPr lang="en-US" sz="1200" b="1" dirty="0">
+                  <a:solidFill>
+                    <a:schemeClr val="accent6"/>
+                  </a:solidFill>
+                </a:rPr>
+                <a:t>Learning from precepts</a:t>
+              </a:r>
+            </a:p>
+          </p:txBody>
+        </p:sp>
+        <p:cxnSp>
+          <p:nvCxnSpPr>
+            <p:cNvPr id="20" name="Straight Arrow Connector 19">
+              <a:extLst>
+                <a:ext uri="{FF2B5EF4-FFF2-40B4-BE49-F238E27FC236}">
+                  <a16:creationId xmlns:a16="http://schemas.microsoft.com/office/drawing/2014/main" id="{433ADEE4-7D85-EF9D-5063-670951036862}"/>
+                </a:ext>
+              </a:extLst>
+            </p:cNvPr>
+            <p:cNvCxnSpPr>
+              <a:cxnSpLocks/>
+            </p:cNvCxnSpPr>
+            <p:nvPr/>
+          </p:nvCxnSpPr>
+          <p:spPr>
+            <a:xfrm>
+              <a:off x="6336481" y="1842150"/>
+              <a:ext cx="0" cy="1326802"/>
+            </a:xfrm>
+            <a:prstGeom prst="straightConnector1">
+              <a:avLst/>
+            </a:prstGeom>
+            <a:ln>
+              <a:tailEnd type="triangle"/>
+            </a:ln>
+          </p:spPr>
+          <p:style>
+            <a:lnRef idx="3">
+              <a:schemeClr val="accent6"/>
+            </a:lnRef>
+            <a:fillRef idx="0">
+              <a:schemeClr val="accent6"/>
+            </a:fillRef>
+            <a:effectRef idx="2">
+              <a:schemeClr val="accent6"/>
+            </a:effectRef>
+            <a:fontRef idx="minor">
+              <a:schemeClr val="tx1"/>
+            </a:fontRef>
+          </p:style>
+        </p:cxnSp>
+        <p:sp>
+          <p:nvSpPr>
+            <p:cNvPr id="21" name="TextBox 20">
+              <a:extLst>
+                <a:ext uri="{FF2B5EF4-FFF2-40B4-BE49-F238E27FC236}">
+                  <a16:creationId xmlns:a16="http://schemas.microsoft.com/office/drawing/2014/main" id="{7EAC6722-A3DC-CA31-F654-42B27FA2A567}"/>
+                </a:ext>
+              </a:extLst>
+            </p:cNvPr>
+            <p:cNvSpPr txBox="1"/>
+            <p:nvPr/>
+          </p:nvSpPr>
+          <p:spPr>
+            <a:xfrm rot="5400000">
+              <a:off x="6049071" y="2255570"/>
+              <a:ext cx="871220" cy="307777"/>
+            </a:xfrm>
+            <a:prstGeom prst="rect">
+              <a:avLst/>
+            </a:prstGeom>
+            <a:noFill/>
+          </p:spPr>
+          <p:txBody>
+            <a:bodyPr wrap="square" rtlCol="0">
+              <a:spAutoFit/>
+            </a:bodyPr>
+            <a:lstStyle/>
+            <a:p>
+              <a:pPr algn="ctr"/>
+              <a:r>
+                <a:rPr lang="en-US" sz="1400" b="1" dirty="0">
+                  <a:solidFill>
+                    <a:schemeClr val="accent6"/>
+                  </a:solidFill>
+                </a:rPr>
+                <a:t>action</a:t>
+              </a:r>
+            </a:p>
+          </p:txBody>
+        </p:sp>
+        <p:sp>
+          <p:nvSpPr>
+            <p:cNvPr id="27" name="Rectangle 26">
+              <a:extLst>
+                <a:ext uri="{FF2B5EF4-FFF2-40B4-BE49-F238E27FC236}">
+                  <a16:creationId xmlns:a16="http://schemas.microsoft.com/office/drawing/2014/main" id="{9A67E5FB-CFA2-AE69-9A39-ACBBD7EC9C5E}"/>
+                </a:ext>
+              </a:extLst>
+            </p:cNvPr>
+            <p:cNvSpPr/>
+            <p:nvPr/>
+          </p:nvSpPr>
+          <p:spPr>
+            <a:xfrm>
+              <a:off x="787257" y="1435641"/>
+              <a:ext cx="7518544" cy="953323"/>
+            </a:xfrm>
+            <a:prstGeom prst="rect">
+              <a:avLst/>
+            </a:prstGeom>
+            <a:noFill/>
+            <a:ln w="9525" cap="flat" cmpd="sng" algn="ctr">
+              <a:solidFill>
+                <a:schemeClr val="accent6"/>
+              </a:solidFill>
+              <a:prstDash val="solid"/>
+              <a:round/>
+              <a:headEnd type="none" w="med" len="med"/>
+              <a:tailEnd type="none" w="med" len="med"/>
+            </a:ln>
+          </p:spPr>
+          <p:style>
+            <a:lnRef idx="0">
+              <a:scrgbClr r="0" g="0" b="0"/>
+            </a:lnRef>
+            <a:fillRef idx="0">
+              <a:scrgbClr r="0" g="0" b="0"/>
+            </a:fillRef>
+            <a:effectRef idx="0">
+              <a:scrgbClr r="0" g="0" b="0"/>
+            </a:effectRef>
+            <a:fontRef idx="minor">
+              <a:schemeClr val="accent6"/>
+            </a:fontRef>
+          </p:style>
+          <p:txBody>
+            <a:bodyPr rtlCol="0" anchor="ctr"/>
+            <a:lstStyle/>
+            <a:p>
+              <a:pPr algn="ctr"/>
+              <a:endParaRPr lang="en-US"/>
+            </a:p>
+          </p:txBody>
+        </p:sp>
+        <p:sp>
+          <p:nvSpPr>
+            <p:cNvPr id="31" name="TextBox 30">
+              <a:extLst>
+                <a:ext uri="{FF2B5EF4-FFF2-40B4-BE49-F238E27FC236}">
+                  <a16:creationId xmlns:a16="http://schemas.microsoft.com/office/drawing/2014/main" id="{5490E96A-E7E6-0EB0-758F-FA9D48224587}"/>
+                </a:ext>
+              </a:extLst>
+            </p:cNvPr>
+            <p:cNvSpPr txBox="1"/>
+            <p:nvPr/>
+          </p:nvSpPr>
+          <p:spPr>
+            <a:xfrm>
+              <a:off x="1066800" y="3070206"/>
+              <a:ext cx="1158583" cy="584775"/>
+            </a:xfrm>
+            <a:prstGeom prst="rect">
+              <a:avLst/>
+            </a:prstGeom>
+          </p:spPr>
+          <p:style>
+            <a:lnRef idx="2">
+              <a:schemeClr val="accent6">
+                <a:shade val="50000"/>
+              </a:schemeClr>
+            </a:lnRef>
+            <a:fillRef idx="1">
+              <a:schemeClr val="accent6"/>
+            </a:fillRef>
+            <a:effectRef idx="0">
+              <a:schemeClr val="accent6"/>
+            </a:effectRef>
+            <a:fontRef idx="minor">
+              <a:schemeClr val="lt1"/>
+            </a:fontRef>
+          </p:style>
+          <p:txBody>
+            <a:bodyPr wrap="square" rtlCol="0">
+              <a:spAutoFit/>
+            </a:bodyPr>
+            <a:lstStyle/>
+            <a:p>
+              <a:pPr algn="ctr"/>
+              <a:r>
+                <a:rPr lang="en-US" sz="1600" dirty="0"/>
+                <a:t>Prior knowledge</a:t>
+              </a:r>
+            </a:p>
+          </p:txBody>
+        </p:sp>
+        <p:cxnSp>
+          <p:nvCxnSpPr>
+            <p:cNvPr id="32" name="Straight Arrow Connector 31">
+              <a:extLst>
+                <a:ext uri="{FF2B5EF4-FFF2-40B4-BE49-F238E27FC236}">
+                  <a16:creationId xmlns:a16="http://schemas.microsoft.com/office/drawing/2014/main" id="{02720943-C2ED-7852-E9A2-278516E210CC}"/>
+                </a:ext>
+              </a:extLst>
+            </p:cNvPr>
+            <p:cNvCxnSpPr>
+              <a:cxnSpLocks/>
+            </p:cNvCxnSpPr>
+            <p:nvPr/>
+          </p:nvCxnSpPr>
+          <p:spPr>
+            <a:xfrm flipV="1">
+              <a:off x="1656482" y="1858828"/>
+              <a:ext cx="1239118" cy="1238315"/>
+            </a:xfrm>
+            <a:prstGeom prst="straightConnector1">
+              <a:avLst/>
+            </a:prstGeom>
+            <a:ln>
+              <a:tailEnd type="triangle"/>
+            </a:ln>
+          </p:spPr>
+          <p:style>
+            <a:lnRef idx="3">
+              <a:schemeClr val="accent6"/>
+            </a:lnRef>
+            <a:fillRef idx="0">
+              <a:schemeClr val="accent6"/>
+            </a:fillRef>
+            <a:effectRef idx="2">
+              <a:schemeClr val="accent6"/>
+            </a:effectRef>
+            <a:fontRef idx="minor">
+              <a:schemeClr val="tx1"/>
+            </a:fontRef>
+          </p:style>
+        </p:cxnSp>
+        <p:sp>
+          <p:nvSpPr>
+            <p:cNvPr id="35" name="TextBox 34">
+              <a:extLst>
+                <a:ext uri="{FF2B5EF4-FFF2-40B4-BE49-F238E27FC236}">
+                  <a16:creationId xmlns:a16="http://schemas.microsoft.com/office/drawing/2014/main" id="{D0F3D41F-FCEE-00C3-601C-76FC0168DE4F}"/>
+                </a:ext>
+              </a:extLst>
+            </p:cNvPr>
+            <p:cNvSpPr txBox="1"/>
+            <p:nvPr/>
+          </p:nvSpPr>
+          <p:spPr>
+            <a:xfrm>
+              <a:off x="3910085" y="2005429"/>
+              <a:ext cx="1595757" cy="338554"/>
+            </a:xfrm>
+            <a:prstGeom prst="rect">
+              <a:avLst/>
+            </a:prstGeom>
+          </p:spPr>
+          <p:style>
+            <a:lnRef idx="2">
+              <a:schemeClr val="accent2">
+                <a:shade val="15000"/>
+              </a:schemeClr>
+            </a:lnRef>
+            <a:fillRef idx="1">
+              <a:schemeClr val="accent2"/>
+            </a:fillRef>
+            <a:effectRef idx="0">
+              <a:schemeClr val="accent2"/>
+            </a:effectRef>
+            <a:fontRef idx="minor">
+              <a:schemeClr val="lt1"/>
+            </a:fontRef>
+          </p:style>
+          <p:txBody>
+            <a:bodyPr wrap="square">
+              <a:spAutoFit/>
+            </a:bodyPr>
+            <a:lstStyle/>
+            <a:p>
+              <a:pPr algn="ctr"/>
+              <a:r>
+                <a:rPr lang="en-US" sz="1600" dirty="0">
+                  <a:solidFill>
+                    <a:schemeClr val="bg1"/>
+                  </a:solidFill>
+                </a:rPr>
+                <a:t>Inference engine</a:t>
+              </a:r>
+            </a:p>
+          </p:txBody>
+        </p:sp>
+        <p:sp>
+          <p:nvSpPr>
+            <p:cNvPr id="36" name="Flowchart: Magnetic Disk 35">
+              <a:extLst>
+                <a:ext uri="{FF2B5EF4-FFF2-40B4-BE49-F238E27FC236}">
+                  <a16:creationId xmlns:a16="http://schemas.microsoft.com/office/drawing/2014/main" id="{9EAFB566-B86E-45BA-6C30-842627C799A3}"/>
+                </a:ext>
+              </a:extLst>
+            </p:cNvPr>
+            <p:cNvSpPr/>
+            <p:nvPr/>
+          </p:nvSpPr>
+          <p:spPr>
+            <a:xfrm>
+              <a:off x="609599" y="1264695"/>
+              <a:ext cx="655629" cy="533400"/>
+            </a:xfrm>
+            <a:prstGeom prst="flowChartMagneticDisk">
+              <a:avLst/>
+            </a:prstGeom>
+          </p:spPr>
+          <p:style>
+            <a:lnRef idx="2">
+              <a:schemeClr val="accent6">
+                <a:shade val="15000"/>
+              </a:schemeClr>
+            </a:lnRef>
+            <a:fillRef idx="1">
+              <a:schemeClr val="accent6"/>
+            </a:fillRef>
+            <a:effectRef idx="0">
+              <a:schemeClr val="accent6"/>
+            </a:effectRef>
+            <a:fontRef idx="minor">
+              <a:schemeClr val="lt1"/>
+            </a:fontRef>
+          </p:style>
+          <p:txBody>
+            <a:bodyPr rtlCol="0" anchor="ctr"/>
+            <a:lstStyle/>
+            <a:p>
+              <a:pPr algn="ctr"/>
+              <a:r>
+                <a:rPr lang="en-US" dirty="0"/>
+                <a:t>KB</a:t>
+              </a:r>
+            </a:p>
+          </p:txBody>
+        </p:sp>
+      </p:grpSp>
     </p:spTree>
     <p:extLst>
       <p:ext uri="{BB962C8B-B14F-4D97-AF65-F5344CB8AC3E}">
@@ -44474,7 +44970,7 @@
       </p:sp>
       <p:grpSp>
         <p:nvGrpSpPr>
-          <p:cNvPr id="10" name="Group 9">
+          <p:cNvPr id="10" name="Group 9" descr="A table listing different languages used to represent knowlege. The languages are logic based, probability theory and natural language.">
             <a:extLst>
               <a:ext uri="{FF2B5EF4-FFF2-40B4-BE49-F238E27FC236}">
                 <a16:creationId xmlns:a16="http://schemas.microsoft.com/office/drawing/2014/main" id="{CF86383B-2596-B951-6E5C-58535139642A}"/>
@@ -44699,6 +45195,9 @@
               <a:ext uri="{FF2B5EF4-FFF2-40B4-BE49-F238E27FC236}">
                 <a16:creationId xmlns:a16="http://schemas.microsoft.com/office/drawing/2014/main" id="{C6D9D45A-DBCC-78B1-7955-6C5FCC400515}"/>
               </a:ext>
+              <a:ext uri="{C183D7F6-B498-43B3-948B-1728B52AA6E4}">
+                <adec:decorative xmlns:adec="http://schemas.microsoft.com/office/drawing/2017/decorative" val="1"/>
+              </a:ext>
             </a:extLst>
           </p:cNvPr>
           <p:cNvGraphicFramePr>
@@ -44708,7 +45207,7 @@
             <p:ph idx="1"/>
             <p:extLst>
               <p:ext uri="{D42A27DB-BD31-4B8C-83A1-F6EECF244321}">
-                <p14:modId xmlns:p14="http://schemas.microsoft.com/office/powerpoint/2010/main" val="437153261"/>
+                <p14:modId xmlns:p14="http://schemas.microsoft.com/office/powerpoint/2010/main" val="3857229035"/>
               </p:ext>
             </p:extLst>
           </p:nvPr>
@@ -44875,6 +45374,9 @@
               <a:ext uri="{FF2B5EF4-FFF2-40B4-BE49-F238E27FC236}">
                 <a16:creationId xmlns:a16="http://schemas.microsoft.com/office/drawing/2014/main" id="{466ABFD7-3370-4CE3-A3D4-94A70A5AF9D9}"/>
               </a:ext>
+              <a:ext uri="{C183D7F6-B498-43B3-948B-1728B52AA6E4}">
+                <adec:decorative xmlns:adec="http://schemas.microsoft.com/office/drawing/2017/decorative" val="1"/>
+              </a:ext>
             </a:extLst>
           </p:cNvPr>
           <p:cNvPicPr>
@@ -44904,6 +45406,9 @@
             <a:extLst>
               <a:ext uri="{FF2B5EF4-FFF2-40B4-BE49-F238E27FC236}">
                 <a16:creationId xmlns:a16="http://schemas.microsoft.com/office/drawing/2014/main" id="{8AF2A674-3771-B596-4A5C-67250D2ED5D6}"/>
+              </a:ext>
+              <a:ext uri="{C183D7F6-B498-43B3-948B-1728B52AA6E4}">
+                <adec:decorative xmlns:adec="http://schemas.microsoft.com/office/drawing/2017/decorative" val="1"/>
               </a:ext>
             </a:extLst>
           </p:cNvPr>
@@ -45009,6 +45514,9 @@
               <a:ext uri="{FF2B5EF4-FFF2-40B4-BE49-F238E27FC236}">
                 <a16:creationId xmlns:a16="http://schemas.microsoft.com/office/drawing/2014/main" id="{C6D9D45A-DBCC-78B1-7955-6C5FCC400515}"/>
               </a:ext>
+              <a:ext uri="{C183D7F6-B498-43B3-948B-1728B52AA6E4}">
+                <adec:decorative xmlns:adec="http://schemas.microsoft.com/office/drawing/2017/decorative" val="1"/>
+              </a:ext>
             </a:extLst>
           </p:cNvPr>
           <p:cNvGraphicFramePr>
@@ -45018,7 +45526,7 @@
             <p:ph idx="1"/>
             <p:extLst>
               <p:ext uri="{D42A27DB-BD31-4B8C-83A1-F6EECF244321}">
-                <p14:modId xmlns:p14="http://schemas.microsoft.com/office/powerpoint/2010/main" val="3242727573"/>
+                <p14:modId xmlns:p14="http://schemas.microsoft.com/office/powerpoint/2010/main" val="3488021889"/>
               </p:ext>
             </p:extLst>
           </p:nvPr>
@@ -45090,7 +45598,7 @@
 <file path=ppt/theme/theme1.xml><?xml version="1.0" encoding="utf-8"?>
 <a:theme xmlns:a="http://schemas.openxmlformats.org/drawingml/2006/main" name="Office Theme">
   <a:themeElements>
-    <a:clrScheme name="Office">
+    <a:clrScheme name="Custom 3">
       <a:dk1>
         <a:sysClr val="windowText" lastClr="000000"/>
       </a:dk1>
@@ -45098,34 +45606,34 @@
         <a:sysClr val="window" lastClr="FFFFFF"/>
       </a:lt1>
       <a:dk2>
-        <a:srgbClr val="44546A"/>
+        <a:srgbClr val="0E2841"/>
       </a:dk2>
       <a:lt2>
-        <a:srgbClr val="E7E6E6"/>
+        <a:srgbClr val="E8E8E8"/>
       </a:lt2>
       <a:accent1>
-        <a:srgbClr val="4472C4"/>
+        <a:srgbClr val="156082"/>
       </a:accent1>
       <a:accent2>
-        <a:srgbClr val="ED7D31"/>
+        <a:srgbClr val="BE4D14"/>
       </a:accent2>
       <a:accent3>
-        <a:srgbClr val="A5A5A5"/>
+        <a:srgbClr val="196B24"/>
       </a:accent3>
       <a:accent4>
-        <a:srgbClr val="FFC000"/>
+        <a:srgbClr val="0B769F"/>
       </a:accent4>
       <a:accent5>
-        <a:srgbClr val="5B9BD5"/>
+        <a:srgbClr val="A02B93"/>
       </a:accent5>
       <a:accent6>
-        <a:srgbClr val="70AD47"/>
+        <a:srgbClr val="377620"/>
       </a:accent6>
       <a:hlink>
-        <a:srgbClr val="0563C1"/>
+        <a:srgbClr val="467886"/>
       </a:hlink>
       <a:folHlink>
-        <a:srgbClr val="954F72"/>
+        <a:srgbClr val="96607D"/>
       </a:folHlink>
     </a:clrScheme>
     <a:fontScheme name="Office">

--- a/slides/07_knowledge-based.pptx
+++ b/slides/07_knowledge-based.pptx
@@ -14,16 +14,16 @@
     <p:sldId id="259" r:id="rId5"/>
     <p:sldId id="376" r:id="rId6"/>
     <p:sldId id="393" r:id="rId7"/>
-    <p:sldId id="397" r:id="rId8"/>
+    <p:sldId id="404" r:id="rId8"/>
     <p:sldId id="394" r:id="rId9"/>
-    <p:sldId id="398" r:id="rId10"/>
-    <p:sldId id="395" r:id="rId11"/>
-    <p:sldId id="384" r:id="rId12"/>
-    <p:sldId id="385" r:id="rId13"/>
-    <p:sldId id="386" r:id="rId14"/>
-    <p:sldId id="403" r:id="rId15"/>
-    <p:sldId id="402" r:id="rId16"/>
-    <p:sldId id="396" r:id="rId17"/>
+    <p:sldId id="405" r:id="rId10"/>
+    <p:sldId id="396" r:id="rId11"/>
+    <p:sldId id="406" r:id="rId12"/>
+    <p:sldId id="395" r:id="rId13"/>
+    <p:sldId id="384" r:id="rId14"/>
+    <p:sldId id="385" r:id="rId15"/>
+    <p:sldId id="386" r:id="rId16"/>
+    <p:sldId id="403" r:id="rId17"/>
     <p:sldId id="392" r:id="rId18"/>
     <p:sldId id="400" r:id="rId19"/>
     <p:sldId id="360" r:id="rId20"/>
@@ -168,17 +168,15 @@
             <p14:sldId id="259"/>
             <p14:sldId id="376"/>
             <p14:sldId id="393"/>
-          </p14:sldIdLst>
-        </p14:section>
-        <p14:section name="Logical Agents" id="{6D1C5CD7-EFB7-4486-AD6E-7AD7659156B5}">
-          <p14:sldIdLst>
-            <p14:sldId id="397"/>
+            <p14:sldId id="404"/>
             <p14:sldId id="394"/>
+            <p14:sldId id="405"/>
+            <p14:sldId id="396"/>
           </p14:sldIdLst>
         </p14:section>
         <p14:section name="Large Language Models" id="{1664374C-FB97-4EAC-ACA0-010019395C59}">
           <p14:sldIdLst>
-            <p14:sldId id="398"/>
+            <p14:sldId id="406"/>
             <p14:sldId id="395"/>
             <p14:sldId id="384"/>
             <p14:sldId id="385"/>
@@ -186,10 +184,8 @@
             <p14:sldId id="403"/>
           </p14:sldIdLst>
         </p14:section>
-        <p14:section name="Probabilistic Reasoning" id="{DD8A7E1F-B757-4B8E-9778-1FC00541C080}">
+        <p14:section name="Wrap up" id="{7C1B02C3-FEC4-4A25-A922-46245CD0AA66}">
           <p14:sldIdLst>
-            <p14:sldId id="402"/>
-            <p14:sldId id="396"/>
             <p14:sldId id="392"/>
           </p14:sldIdLst>
         </p14:section>
@@ -5810,7 +5806,7 @@
         </a:p>
       </dgm:t>
     </dgm:pt>
-    <dgm:pt modelId="{7E32BD0B-B634-4D0C-9C8F-4B15669EFFC7}">
+    <dgm:pt modelId="{FF028075-DDB0-4496-85C7-DAC6FF065094}">
       <dgm:prSet phldrT="[Text]">
         <dgm:style>
           <a:lnRef idx="3">
@@ -5834,12 +5830,12 @@
         <a:p>
           <a:r>
             <a:rPr lang="en-US" dirty="0"/>
-            <a:t>Probabilistic Reasoning</a:t>
+            <a:t>Probabilistic Reasoning Agents</a:t>
           </a:r>
         </a:p>
       </dgm:t>
     </dgm:pt>
-    <dgm:pt modelId="{DC9FCFF2-121B-49D9-94BB-8746E49ACEF8}" type="parTrans" cxnId="{47069BB8-63C1-4EC1-9EBD-E1D078F3E4C7}">
+    <dgm:pt modelId="{2B2A136F-9240-4940-ADDF-6EB9A2C0266B}" type="parTrans" cxnId="{CFFCAF8C-C111-45B6-8171-987A486B8708}">
       <dgm:prSet/>
       <dgm:spPr/>
       <dgm:t>
@@ -5850,7 +5846,7 @@
         </a:p>
       </dgm:t>
     </dgm:pt>
-    <dgm:pt modelId="{F1BFB46D-5C24-4B30-8EF5-8009C480B23D}" type="sibTrans" cxnId="{47069BB8-63C1-4EC1-9EBD-E1D078F3E4C7}">
+    <dgm:pt modelId="{DCAE8440-0DD2-4172-830D-D800F6858EC2}" type="sibTrans" cxnId="{CFFCAF8C-C111-45B6-8171-987A486B8708}">
       <dgm:prSet/>
       <dgm:spPr/>
       <dgm:t>
@@ -5902,20 +5898,20 @@
       <dgm:prSet presAssocID="{8CFFFCCF-C700-404F-9404-68AA9A48401F}" presName="sibTrans" presStyleCnt="0"/>
       <dgm:spPr/>
     </dgm:pt>
-    <dgm:pt modelId="{2E3B89D9-371F-4849-B1A1-13AE09760E56}" type="pres">
-      <dgm:prSet presAssocID="{950397D1-4181-45F4-852F-38712A3C6D62}" presName="textNode" presStyleLbl="node1" presStyleIdx="2" presStyleCnt="4">
+    <dgm:pt modelId="{DDCFE056-7DBC-41D4-9B2A-043DC107776E}" type="pres">
+      <dgm:prSet presAssocID="{FF028075-DDB0-4496-85C7-DAC6FF065094}" presName="textNode" presStyleLbl="node1" presStyleIdx="2" presStyleCnt="4">
         <dgm:presLayoutVars>
           <dgm:bulletEnabled val="1"/>
         </dgm:presLayoutVars>
       </dgm:prSet>
       <dgm:spPr/>
     </dgm:pt>
-    <dgm:pt modelId="{0C9431E1-0C39-4407-A6E3-9B7E9C7C815C}" type="pres">
-      <dgm:prSet presAssocID="{997CBA52-261E-406D-B8BE-61EE54512554}" presName="sibTrans" presStyleCnt="0"/>
+    <dgm:pt modelId="{97310F02-A7E6-425E-B0ED-B45C35AAC04B}" type="pres">
+      <dgm:prSet presAssocID="{DCAE8440-0DD2-4172-830D-D800F6858EC2}" presName="sibTrans" presStyleCnt="0"/>
       <dgm:spPr/>
     </dgm:pt>
-    <dgm:pt modelId="{81AAB2F1-B560-49A2-90F8-D02D2FCD744A}" type="pres">
-      <dgm:prSet presAssocID="{7E32BD0B-B634-4D0C-9C8F-4B15669EFFC7}" presName="textNode" presStyleLbl="node1" presStyleIdx="3" presStyleCnt="4">
+    <dgm:pt modelId="{2E3B89D9-371F-4849-B1A1-13AE09760E56}" type="pres">
+      <dgm:prSet presAssocID="{950397D1-4181-45F4-852F-38712A3C6D62}" presName="textNode" presStyleLbl="node1" presStyleIdx="3" presStyleCnt="4">
         <dgm:presLayoutVars>
           <dgm:bulletEnabled val="1"/>
         </dgm:presLayoutVars>
@@ -5925,11 +5921,11 @@
   </dgm:ptLst>
   <dgm:cxnLst>
     <dgm:cxn modelId="{F1D83C53-F80D-477D-A49F-155965EAD2F3}" type="presOf" srcId="{8B885064-3782-4453-948C-7ADBB6C73392}" destId="{9A1E0479-F7EC-45AF-97BB-D6C00E9D89F0}" srcOrd="0" destOrd="0" presId="urn:microsoft.com/office/officeart/2005/8/layout/hProcess9"/>
-    <dgm:cxn modelId="{274C0891-7EA8-42BB-BB59-17545E0C0B09}" srcId="{8B885064-3782-4453-948C-7ADBB6C73392}" destId="{950397D1-4181-45F4-852F-38712A3C6D62}" srcOrd="2" destOrd="0" parTransId="{6D49EEFC-CB4A-4F0B-83A2-2D262767DB23}" sibTransId="{997CBA52-261E-406D-B8BE-61EE54512554}"/>
-    <dgm:cxn modelId="{C010B696-98BB-488F-BA15-EC20BB4DD0DF}" type="presOf" srcId="{7E32BD0B-B634-4D0C-9C8F-4B15669EFFC7}" destId="{81AAB2F1-B560-49A2-90F8-D02D2FCD744A}" srcOrd="0" destOrd="0" presId="urn:microsoft.com/office/officeart/2005/8/layout/hProcess9"/>
+    <dgm:cxn modelId="{E12BB078-C2A5-4D01-BB87-A135C1298326}" type="presOf" srcId="{FF028075-DDB0-4496-85C7-DAC6FF065094}" destId="{DDCFE056-7DBC-41D4-9B2A-043DC107776E}" srcOrd="0" destOrd="0" presId="urn:microsoft.com/office/officeart/2005/8/layout/hProcess9"/>
+    <dgm:cxn modelId="{CFFCAF8C-C111-45B6-8171-987A486B8708}" srcId="{8B885064-3782-4453-948C-7ADBB6C73392}" destId="{FF028075-DDB0-4496-85C7-DAC6FF065094}" srcOrd="2" destOrd="0" parTransId="{2B2A136F-9240-4940-ADDF-6EB9A2C0266B}" sibTransId="{DCAE8440-0DD2-4172-830D-D800F6858EC2}"/>
+    <dgm:cxn modelId="{274C0891-7EA8-42BB-BB59-17545E0C0B09}" srcId="{8B885064-3782-4453-948C-7ADBB6C73392}" destId="{950397D1-4181-45F4-852F-38712A3C6D62}" srcOrd="3" destOrd="0" parTransId="{6D49EEFC-CB4A-4F0B-83A2-2D262767DB23}" sibTransId="{997CBA52-261E-406D-B8BE-61EE54512554}"/>
     <dgm:cxn modelId="{88160CA0-B31E-497C-AE1A-3B8710F63CD4}" type="presOf" srcId="{950397D1-4181-45F4-852F-38712A3C6D62}" destId="{2E3B89D9-371F-4849-B1A1-13AE09760E56}" srcOrd="0" destOrd="0" presId="urn:microsoft.com/office/officeart/2005/8/layout/hProcess9"/>
     <dgm:cxn modelId="{06305EB4-0DAF-4124-81C9-D3C9760935E4}" type="presOf" srcId="{325C7D5C-3238-4A43-AB56-DF69266F663D}" destId="{87A44C12-88B0-4110-A615-593B33661A2F}" srcOrd="0" destOrd="0" presId="urn:microsoft.com/office/officeart/2005/8/layout/hProcess9"/>
-    <dgm:cxn modelId="{47069BB8-63C1-4EC1-9EBD-E1D078F3E4C7}" srcId="{8B885064-3782-4453-948C-7ADBB6C73392}" destId="{7E32BD0B-B634-4D0C-9C8F-4B15669EFFC7}" srcOrd="3" destOrd="0" parTransId="{DC9FCFF2-121B-49D9-94BB-8746E49ACEF8}" sibTransId="{F1BFB46D-5C24-4B30-8EF5-8009C480B23D}"/>
     <dgm:cxn modelId="{C38FC5BF-F703-45FA-B631-F4DD2FDA6A77}" srcId="{8B885064-3782-4453-948C-7ADBB6C73392}" destId="{9E214E60-5A9E-4034-A939-32CBE9FE7F67}" srcOrd="1" destOrd="0" parTransId="{02A4BFC8-457D-4E0D-A31E-A34A60D9FEF3}" sibTransId="{8CFFFCCF-C700-404F-9404-68AA9A48401F}"/>
     <dgm:cxn modelId="{0039BDE5-DAA3-4602-9E40-631E0243D4EC}" srcId="{8B885064-3782-4453-948C-7ADBB6C73392}" destId="{325C7D5C-3238-4A43-AB56-DF69266F663D}" srcOrd="0" destOrd="0" parTransId="{BAEBABFA-0C3C-4D5D-8525-19F15555B1ED}" sibTransId="{878DC8CD-0BEE-4D04-9650-2609471D61F2}"/>
     <dgm:cxn modelId="{793B99EA-7A85-4A9B-9743-07B3D97B3F00}" type="presOf" srcId="{9E214E60-5A9E-4034-A939-32CBE9FE7F67}" destId="{C6028030-79D6-4C56-83A0-FFCC4FFD9531}" srcOrd="0" destOrd="0" presId="urn:microsoft.com/office/officeart/2005/8/layout/hProcess9"/>
@@ -5939,9 +5935,9 @@
     <dgm:cxn modelId="{2CD00821-027D-4461-91B0-F2C13B366F1B}" type="presParOf" srcId="{0A5A5E69-5A3B-42B5-9E06-9553909709B0}" destId="{82B1F723-A366-4F1D-82EA-B034E06F303E}" srcOrd="1" destOrd="0" presId="urn:microsoft.com/office/officeart/2005/8/layout/hProcess9"/>
     <dgm:cxn modelId="{7447FA25-E4C3-4244-97C3-376A75C9902F}" type="presParOf" srcId="{0A5A5E69-5A3B-42B5-9E06-9553909709B0}" destId="{C6028030-79D6-4C56-83A0-FFCC4FFD9531}" srcOrd="2" destOrd="0" presId="urn:microsoft.com/office/officeart/2005/8/layout/hProcess9"/>
     <dgm:cxn modelId="{5B8FFB21-34AB-4513-A882-1E0CFB8E2006}" type="presParOf" srcId="{0A5A5E69-5A3B-42B5-9E06-9553909709B0}" destId="{97BBD157-D73B-4644-8F4E-2042BE60E512}" srcOrd="3" destOrd="0" presId="urn:microsoft.com/office/officeart/2005/8/layout/hProcess9"/>
-    <dgm:cxn modelId="{DD7AA19A-902B-4003-995A-5602688B3D9C}" type="presParOf" srcId="{0A5A5E69-5A3B-42B5-9E06-9553909709B0}" destId="{2E3B89D9-371F-4849-B1A1-13AE09760E56}" srcOrd="4" destOrd="0" presId="urn:microsoft.com/office/officeart/2005/8/layout/hProcess9"/>
-    <dgm:cxn modelId="{D7FB0311-401A-4AE7-821E-7378DF12E57F}" type="presParOf" srcId="{0A5A5E69-5A3B-42B5-9E06-9553909709B0}" destId="{0C9431E1-0C39-4407-A6E3-9B7E9C7C815C}" srcOrd="5" destOrd="0" presId="urn:microsoft.com/office/officeart/2005/8/layout/hProcess9"/>
-    <dgm:cxn modelId="{C57B0B02-88DE-44CF-BBB6-75658309BDCE}" type="presParOf" srcId="{0A5A5E69-5A3B-42B5-9E06-9553909709B0}" destId="{81AAB2F1-B560-49A2-90F8-D02D2FCD744A}" srcOrd="6" destOrd="0" presId="urn:microsoft.com/office/officeart/2005/8/layout/hProcess9"/>
+    <dgm:cxn modelId="{410C8326-F9DB-43AD-9140-DA5F4719C730}" type="presParOf" srcId="{0A5A5E69-5A3B-42B5-9E06-9553909709B0}" destId="{DDCFE056-7DBC-41D4-9B2A-043DC107776E}" srcOrd="4" destOrd="0" presId="urn:microsoft.com/office/officeart/2005/8/layout/hProcess9"/>
+    <dgm:cxn modelId="{7401366B-9BB7-4025-9249-A6EE901296AB}" type="presParOf" srcId="{0A5A5E69-5A3B-42B5-9E06-9553909709B0}" destId="{97310F02-A7E6-425E-B0ED-B45C35AAC04B}" srcOrd="5" destOrd="0" presId="urn:microsoft.com/office/officeart/2005/8/layout/hProcess9"/>
+    <dgm:cxn modelId="{DD7AA19A-902B-4003-995A-5602688B3D9C}" type="presParOf" srcId="{0A5A5E69-5A3B-42B5-9E06-9553909709B0}" destId="{2E3B89D9-371F-4849-B1A1-13AE09760E56}" srcOrd="6" destOrd="0" presId="urn:microsoft.com/office/officeart/2005/8/layout/hProcess9"/>
   </dgm:cxnLst>
   <dgm:bg/>
   <dgm:whole/>
@@ -6113,7 +6109,7 @@
         </a:p>
       </dgm:t>
     </dgm:pt>
-    <dgm:pt modelId="{45ED3088-8603-47EB-A96B-59EF7A596B3B}">
+    <dgm:pt modelId="{FF028075-DDB0-4496-85C7-DAC6FF065094}">
       <dgm:prSet phldrT="[Text]">
         <dgm:style>
           <a:lnRef idx="3">
@@ -6137,13 +6133,13 @@
         <a:p>
           <a:r>
             <a:rPr lang="en-US"/>
-            <a:t>Probabilistic Reasoning</a:t>
+            <a:t>Probabilistic Reasoning Agents</a:t>
           </a:r>
           <a:endParaRPr lang="en-US" dirty="0"/>
         </a:p>
       </dgm:t>
     </dgm:pt>
-    <dgm:pt modelId="{975BF9C8-E6E9-4861-AD20-8FCD6B6DAC58}" type="parTrans" cxnId="{6533FE69-683B-4B18-A720-BC7C6F0B315A}">
+    <dgm:pt modelId="{2B2A136F-9240-4940-ADDF-6EB9A2C0266B}" type="parTrans" cxnId="{CFFCAF8C-C111-45B6-8171-987A486B8708}">
       <dgm:prSet/>
       <dgm:spPr/>
       <dgm:t>
@@ -6154,7 +6150,7 @@
         </a:p>
       </dgm:t>
     </dgm:pt>
-    <dgm:pt modelId="{219ED108-0FCE-4810-9845-E28DBBE3B6CF}" type="sibTrans" cxnId="{6533FE69-683B-4B18-A720-BC7C6F0B315A}">
+    <dgm:pt modelId="{DCAE8440-0DD2-4172-830D-D800F6858EC2}" type="sibTrans" cxnId="{CFFCAF8C-C111-45B6-8171-987A486B8708}">
       <dgm:prSet/>
       <dgm:spPr/>
       <dgm:t>
@@ -6206,20 +6202,20 @@
       <dgm:prSet presAssocID="{8CFFFCCF-C700-404F-9404-68AA9A48401F}" presName="sibTrans" presStyleCnt="0"/>
       <dgm:spPr/>
     </dgm:pt>
-    <dgm:pt modelId="{2E3B89D9-371F-4849-B1A1-13AE09760E56}" type="pres">
-      <dgm:prSet presAssocID="{950397D1-4181-45F4-852F-38712A3C6D62}" presName="textNode" presStyleLbl="node1" presStyleIdx="2" presStyleCnt="4">
+    <dgm:pt modelId="{DDCFE056-7DBC-41D4-9B2A-043DC107776E}" type="pres">
+      <dgm:prSet presAssocID="{FF028075-DDB0-4496-85C7-DAC6FF065094}" presName="textNode" presStyleLbl="node1" presStyleIdx="2" presStyleCnt="4">
         <dgm:presLayoutVars>
           <dgm:bulletEnabled val="1"/>
         </dgm:presLayoutVars>
       </dgm:prSet>
       <dgm:spPr/>
     </dgm:pt>
-    <dgm:pt modelId="{FED27131-FB45-492C-B68B-9250A2F92A0B}" type="pres">
-      <dgm:prSet presAssocID="{997CBA52-261E-406D-B8BE-61EE54512554}" presName="sibTrans" presStyleCnt="0"/>
+    <dgm:pt modelId="{97310F02-A7E6-425E-B0ED-B45C35AAC04B}" type="pres">
+      <dgm:prSet presAssocID="{DCAE8440-0DD2-4172-830D-D800F6858EC2}" presName="sibTrans" presStyleCnt="0"/>
       <dgm:spPr/>
     </dgm:pt>
-    <dgm:pt modelId="{3F802EB4-1F06-4A32-AD0D-0627C0DBD141}" type="pres">
-      <dgm:prSet presAssocID="{45ED3088-8603-47EB-A96B-59EF7A596B3B}" presName="textNode" presStyleLbl="node1" presStyleIdx="3" presStyleCnt="4">
+    <dgm:pt modelId="{2E3B89D9-371F-4849-B1A1-13AE09760E56}" type="pres">
+      <dgm:prSet presAssocID="{950397D1-4181-45F4-852F-38712A3C6D62}" presName="textNode" presStyleLbl="node1" presStyleIdx="3" presStyleCnt="4">
         <dgm:presLayoutVars>
           <dgm:bulletEnabled val="1"/>
         </dgm:presLayoutVars>
@@ -6228,13 +6224,13 @@
     </dgm:pt>
   </dgm:ptLst>
   <dgm:cxnLst>
-    <dgm:cxn modelId="{6533FE69-683B-4B18-A720-BC7C6F0B315A}" srcId="{8B885064-3782-4453-948C-7ADBB6C73392}" destId="{45ED3088-8603-47EB-A96B-59EF7A596B3B}" srcOrd="3" destOrd="0" parTransId="{975BF9C8-E6E9-4861-AD20-8FCD6B6DAC58}" sibTransId="{219ED108-0FCE-4810-9845-E28DBBE3B6CF}"/>
     <dgm:cxn modelId="{F1D83C53-F80D-477D-A49F-155965EAD2F3}" type="presOf" srcId="{8B885064-3782-4453-948C-7ADBB6C73392}" destId="{9A1E0479-F7EC-45AF-97BB-D6C00E9D89F0}" srcOrd="0" destOrd="0" presId="urn:microsoft.com/office/officeart/2005/8/layout/hProcess9"/>
-    <dgm:cxn modelId="{274C0891-7EA8-42BB-BB59-17545E0C0B09}" srcId="{8B885064-3782-4453-948C-7ADBB6C73392}" destId="{950397D1-4181-45F4-852F-38712A3C6D62}" srcOrd="2" destOrd="0" parTransId="{6D49EEFC-CB4A-4F0B-83A2-2D262767DB23}" sibTransId="{997CBA52-261E-406D-B8BE-61EE54512554}"/>
+    <dgm:cxn modelId="{E12BB078-C2A5-4D01-BB87-A135C1298326}" type="presOf" srcId="{FF028075-DDB0-4496-85C7-DAC6FF065094}" destId="{DDCFE056-7DBC-41D4-9B2A-043DC107776E}" srcOrd="0" destOrd="0" presId="urn:microsoft.com/office/officeart/2005/8/layout/hProcess9"/>
+    <dgm:cxn modelId="{CFFCAF8C-C111-45B6-8171-987A486B8708}" srcId="{8B885064-3782-4453-948C-7ADBB6C73392}" destId="{FF028075-DDB0-4496-85C7-DAC6FF065094}" srcOrd="2" destOrd="0" parTransId="{2B2A136F-9240-4940-ADDF-6EB9A2C0266B}" sibTransId="{DCAE8440-0DD2-4172-830D-D800F6858EC2}"/>
+    <dgm:cxn modelId="{274C0891-7EA8-42BB-BB59-17545E0C0B09}" srcId="{8B885064-3782-4453-948C-7ADBB6C73392}" destId="{950397D1-4181-45F4-852F-38712A3C6D62}" srcOrd="3" destOrd="0" parTransId="{6D49EEFC-CB4A-4F0B-83A2-2D262767DB23}" sibTransId="{997CBA52-261E-406D-B8BE-61EE54512554}"/>
     <dgm:cxn modelId="{88160CA0-B31E-497C-AE1A-3B8710F63CD4}" type="presOf" srcId="{950397D1-4181-45F4-852F-38712A3C6D62}" destId="{2E3B89D9-371F-4849-B1A1-13AE09760E56}" srcOrd="0" destOrd="0" presId="urn:microsoft.com/office/officeart/2005/8/layout/hProcess9"/>
     <dgm:cxn modelId="{06305EB4-0DAF-4124-81C9-D3C9760935E4}" type="presOf" srcId="{325C7D5C-3238-4A43-AB56-DF69266F663D}" destId="{87A44C12-88B0-4110-A615-593B33661A2F}" srcOrd="0" destOrd="0" presId="urn:microsoft.com/office/officeart/2005/8/layout/hProcess9"/>
     <dgm:cxn modelId="{C38FC5BF-F703-45FA-B631-F4DD2FDA6A77}" srcId="{8B885064-3782-4453-948C-7ADBB6C73392}" destId="{9E214E60-5A9E-4034-A939-32CBE9FE7F67}" srcOrd="1" destOrd="0" parTransId="{02A4BFC8-457D-4E0D-A31E-A34A60D9FEF3}" sibTransId="{8CFFFCCF-C700-404F-9404-68AA9A48401F}"/>
-    <dgm:cxn modelId="{80AB6EC9-7041-4C43-90FF-EE14A2E562B5}" type="presOf" srcId="{45ED3088-8603-47EB-A96B-59EF7A596B3B}" destId="{3F802EB4-1F06-4A32-AD0D-0627C0DBD141}" srcOrd="0" destOrd="0" presId="urn:microsoft.com/office/officeart/2005/8/layout/hProcess9"/>
     <dgm:cxn modelId="{0039BDE5-DAA3-4602-9E40-631E0243D4EC}" srcId="{8B885064-3782-4453-948C-7ADBB6C73392}" destId="{325C7D5C-3238-4A43-AB56-DF69266F663D}" srcOrd="0" destOrd="0" parTransId="{BAEBABFA-0C3C-4D5D-8525-19F15555B1ED}" sibTransId="{878DC8CD-0BEE-4D04-9650-2609471D61F2}"/>
     <dgm:cxn modelId="{793B99EA-7A85-4A9B-9743-07B3D97B3F00}" type="presOf" srcId="{9E214E60-5A9E-4034-A939-32CBE9FE7F67}" destId="{C6028030-79D6-4C56-83A0-FFCC4FFD9531}" srcOrd="0" destOrd="0" presId="urn:microsoft.com/office/officeart/2005/8/layout/hProcess9"/>
     <dgm:cxn modelId="{AAE56218-FF42-4F5D-8BD1-D9531EBEBB8B}" type="presParOf" srcId="{9A1E0479-F7EC-45AF-97BB-D6C00E9D89F0}" destId="{347E1BBF-4D20-4EFA-8FBA-2CB51FC12354}" srcOrd="0" destOrd="0" presId="urn:microsoft.com/office/officeart/2005/8/layout/hProcess9"/>
@@ -6243,9 +6239,9 @@
     <dgm:cxn modelId="{2CD00821-027D-4461-91B0-F2C13B366F1B}" type="presParOf" srcId="{0A5A5E69-5A3B-42B5-9E06-9553909709B0}" destId="{82B1F723-A366-4F1D-82EA-B034E06F303E}" srcOrd="1" destOrd="0" presId="urn:microsoft.com/office/officeart/2005/8/layout/hProcess9"/>
     <dgm:cxn modelId="{7447FA25-E4C3-4244-97C3-376A75C9902F}" type="presParOf" srcId="{0A5A5E69-5A3B-42B5-9E06-9553909709B0}" destId="{C6028030-79D6-4C56-83A0-FFCC4FFD9531}" srcOrd="2" destOrd="0" presId="urn:microsoft.com/office/officeart/2005/8/layout/hProcess9"/>
     <dgm:cxn modelId="{5B8FFB21-34AB-4513-A882-1E0CFB8E2006}" type="presParOf" srcId="{0A5A5E69-5A3B-42B5-9E06-9553909709B0}" destId="{97BBD157-D73B-4644-8F4E-2042BE60E512}" srcOrd="3" destOrd="0" presId="urn:microsoft.com/office/officeart/2005/8/layout/hProcess9"/>
-    <dgm:cxn modelId="{DD7AA19A-902B-4003-995A-5602688B3D9C}" type="presParOf" srcId="{0A5A5E69-5A3B-42B5-9E06-9553909709B0}" destId="{2E3B89D9-371F-4849-B1A1-13AE09760E56}" srcOrd="4" destOrd="0" presId="urn:microsoft.com/office/officeart/2005/8/layout/hProcess9"/>
-    <dgm:cxn modelId="{9DE74803-9C2B-4142-AE26-351AECA22166}" type="presParOf" srcId="{0A5A5E69-5A3B-42B5-9E06-9553909709B0}" destId="{FED27131-FB45-492C-B68B-9250A2F92A0B}" srcOrd="5" destOrd="0" presId="urn:microsoft.com/office/officeart/2005/8/layout/hProcess9"/>
-    <dgm:cxn modelId="{2F6C0CC5-C341-4D4B-BC9A-9DBE234C6446}" type="presParOf" srcId="{0A5A5E69-5A3B-42B5-9E06-9553909709B0}" destId="{3F802EB4-1F06-4A32-AD0D-0627C0DBD141}" srcOrd="6" destOrd="0" presId="urn:microsoft.com/office/officeart/2005/8/layout/hProcess9"/>
+    <dgm:cxn modelId="{410C8326-F9DB-43AD-9140-DA5F4719C730}" type="presParOf" srcId="{0A5A5E69-5A3B-42B5-9E06-9553909709B0}" destId="{DDCFE056-7DBC-41D4-9B2A-043DC107776E}" srcOrd="4" destOrd="0" presId="urn:microsoft.com/office/officeart/2005/8/layout/hProcess9"/>
+    <dgm:cxn modelId="{7401366B-9BB7-4025-9249-A6EE901296AB}" type="presParOf" srcId="{0A5A5E69-5A3B-42B5-9E06-9553909709B0}" destId="{97310F02-A7E6-425E-B0ED-B45C35AAC04B}" srcOrd="5" destOrd="0" presId="urn:microsoft.com/office/officeart/2005/8/layout/hProcess9"/>
+    <dgm:cxn modelId="{DD7AA19A-902B-4003-995A-5602688B3D9C}" type="presParOf" srcId="{0A5A5E69-5A3B-42B5-9E06-9553909709B0}" destId="{2E3B89D9-371F-4849-B1A1-13AE09760E56}" srcOrd="6" destOrd="0" presId="urn:microsoft.com/office/officeart/2005/8/layout/hProcess9"/>
   </dgm:cxnLst>
   <dgm:bg/>
   <dgm:whole/>
@@ -6258,310 +6254,6 @@
 </file>
 
 <file path=ppt/diagrams/data3.xml><?xml version="1.0" encoding="utf-8"?>
-<dgm:dataModel xmlns:dgm="http://schemas.openxmlformats.org/drawingml/2006/diagram" xmlns:a="http://schemas.openxmlformats.org/drawingml/2006/main">
-  <dgm:ptLst>
-    <dgm:pt modelId="{8B885064-3782-4453-948C-7ADBB6C73392}" type="doc">
-      <dgm:prSet loTypeId="urn:microsoft.com/office/officeart/2005/8/layout/hProcess9" loCatId="process" qsTypeId="urn:microsoft.com/office/officeart/2005/8/quickstyle/simple1" qsCatId="simple" csTypeId="urn:microsoft.com/office/officeart/2005/8/colors/accent1_2" csCatId="accent1" phldr="1"/>
-      <dgm:spPr/>
-    </dgm:pt>
-    <dgm:pt modelId="{325C7D5C-3238-4A43-AB56-DF69266F663D}">
-      <dgm:prSet phldrT="[Text]">
-        <dgm:style>
-          <a:lnRef idx="3">
-            <a:schemeClr val="lt1"/>
-          </a:lnRef>
-          <a:fillRef idx="1">
-            <a:schemeClr val="accent3"/>
-          </a:fillRef>
-          <a:effectRef idx="1">
-            <a:schemeClr val="accent3"/>
-          </a:effectRef>
-          <a:fontRef idx="minor">
-            <a:schemeClr val="lt1"/>
-          </a:fontRef>
-        </dgm:style>
-      </dgm:prSet>
-      <dgm:spPr/>
-      <dgm:t>
-        <a:bodyPr/>
-        <a:lstStyle/>
-        <a:p>
-          <a:r>
-            <a:rPr lang="en-US" dirty="0"/>
-            <a:t>Knowledge-Based Agents</a:t>
-          </a:r>
-        </a:p>
-      </dgm:t>
-    </dgm:pt>
-    <dgm:pt modelId="{BAEBABFA-0C3C-4D5D-8525-19F15555B1ED}" type="parTrans" cxnId="{0039BDE5-DAA3-4602-9E40-631E0243D4EC}">
-      <dgm:prSet/>
-      <dgm:spPr/>
-      <dgm:t>
-        <a:bodyPr/>
-        <a:lstStyle/>
-        <a:p>
-          <a:endParaRPr lang="en-US"/>
-        </a:p>
-      </dgm:t>
-    </dgm:pt>
-    <dgm:pt modelId="{878DC8CD-0BEE-4D04-9650-2609471D61F2}" type="sibTrans" cxnId="{0039BDE5-DAA3-4602-9E40-631E0243D4EC}">
-      <dgm:prSet/>
-      <dgm:spPr/>
-      <dgm:t>
-        <a:bodyPr/>
-        <a:lstStyle/>
-        <a:p>
-          <a:endParaRPr lang="en-US"/>
-        </a:p>
-      </dgm:t>
-    </dgm:pt>
-    <dgm:pt modelId="{9E214E60-5A9E-4034-A939-32CBE9FE7F67}">
-      <dgm:prSet phldrT="[Text]">
-        <dgm:style>
-          <a:lnRef idx="3">
-            <a:schemeClr val="lt1"/>
-          </a:lnRef>
-          <a:fillRef idx="1">
-            <a:schemeClr val="accent3"/>
-          </a:fillRef>
-          <a:effectRef idx="1">
-            <a:schemeClr val="accent3"/>
-          </a:effectRef>
-          <a:fontRef idx="minor">
-            <a:schemeClr val="lt1"/>
-          </a:fontRef>
-        </dgm:style>
-      </dgm:prSet>
-      <dgm:spPr/>
-      <dgm:t>
-        <a:bodyPr/>
-        <a:lstStyle/>
-        <a:p>
-          <a:r>
-            <a:rPr lang="en-US" dirty="0"/>
-            <a:t>Logical Agents</a:t>
-          </a:r>
-        </a:p>
-      </dgm:t>
-    </dgm:pt>
-    <dgm:pt modelId="{02A4BFC8-457D-4E0D-A31E-A34A60D9FEF3}" type="parTrans" cxnId="{C38FC5BF-F703-45FA-B631-F4DD2FDA6A77}">
-      <dgm:prSet/>
-      <dgm:spPr/>
-      <dgm:t>
-        <a:bodyPr/>
-        <a:lstStyle/>
-        <a:p>
-          <a:endParaRPr lang="en-US"/>
-        </a:p>
-      </dgm:t>
-    </dgm:pt>
-    <dgm:pt modelId="{8CFFFCCF-C700-404F-9404-68AA9A48401F}" type="sibTrans" cxnId="{C38FC5BF-F703-45FA-B631-F4DD2FDA6A77}">
-      <dgm:prSet/>
-      <dgm:spPr/>
-      <dgm:t>
-        <a:bodyPr/>
-        <a:lstStyle/>
-        <a:p>
-          <a:endParaRPr lang="en-US"/>
-        </a:p>
-      </dgm:t>
-    </dgm:pt>
-    <dgm:pt modelId="{950397D1-4181-45F4-852F-38712A3C6D62}">
-      <dgm:prSet phldrT="[Text]">
-        <dgm:style>
-          <a:lnRef idx="3">
-            <a:schemeClr val="lt1"/>
-          </a:lnRef>
-          <a:fillRef idx="1">
-            <a:schemeClr val="accent2"/>
-          </a:fillRef>
-          <a:effectRef idx="1">
-            <a:schemeClr val="accent2"/>
-          </a:effectRef>
-          <a:fontRef idx="minor">
-            <a:schemeClr val="lt1"/>
-          </a:fontRef>
-        </dgm:style>
-      </dgm:prSet>
-      <dgm:spPr/>
-      <dgm:t>
-        <a:bodyPr/>
-        <a:lstStyle/>
-        <a:p>
-          <a:r>
-            <a:rPr lang="en-US" dirty="0"/>
-            <a:t>Large Language Models*</a:t>
-          </a:r>
-        </a:p>
-      </dgm:t>
-    </dgm:pt>
-    <dgm:pt modelId="{6D49EEFC-CB4A-4F0B-83A2-2D262767DB23}" type="parTrans" cxnId="{274C0891-7EA8-42BB-BB59-17545E0C0B09}">
-      <dgm:prSet/>
-      <dgm:spPr/>
-      <dgm:t>
-        <a:bodyPr/>
-        <a:lstStyle/>
-        <a:p>
-          <a:endParaRPr lang="en-US"/>
-        </a:p>
-      </dgm:t>
-    </dgm:pt>
-    <dgm:pt modelId="{997CBA52-261E-406D-B8BE-61EE54512554}" type="sibTrans" cxnId="{274C0891-7EA8-42BB-BB59-17545E0C0B09}">
-      <dgm:prSet/>
-      <dgm:spPr/>
-      <dgm:t>
-        <a:bodyPr/>
-        <a:lstStyle/>
-        <a:p>
-          <a:endParaRPr lang="en-US"/>
-        </a:p>
-      </dgm:t>
-    </dgm:pt>
-    <dgm:pt modelId="{AFF4FD28-558F-46ED-A892-4F2D12B8A596}">
-      <dgm:prSet phldrT="[Text]">
-        <dgm:style>
-          <a:lnRef idx="3">
-            <a:schemeClr val="lt1"/>
-          </a:lnRef>
-          <a:fillRef idx="1">
-            <a:schemeClr val="accent3"/>
-          </a:fillRef>
-          <a:effectRef idx="1">
-            <a:schemeClr val="accent3"/>
-          </a:effectRef>
-          <a:fontRef idx="minor">
-            <a:schemeClr val="lt1"/>
-          </a:fontRef>
-        </dgm:style>
-      </dgm:prSet>
-      <dgm:spPr/>
-      <dgm:t>
-        <a:bodyPr/>
-        <a:lstStyle/>
-        <a:p>
-          <a:r>
-            <a:rPr lang="en-US"/>
-            <a:t>Probabilistic Reasoning</a:t>
-          </a:r>
-          <a:endParaRPr lang="en-US" dirty="0"/>
-        </a:p>
-      </dgm:t>
-    </dgm:pt>
-    <dgm:pt modelId="{D096B6BB-2A24-44A7-ABD2-2F04A497D072}" type="parTrans" cxnId="{9651F9B8-FF47-46F7-A4E3-EB3761BA39B0}">
-      <dgm:prSet/>
-      <dgm:spPr/>
-      <dgm:t>
-        <a:bodyPr/>
-        <a:lstStyle/>
-        <a:p>
-          <a:endParaRPr lang="en-US"/>
-        </a:p>
-      </dgm:t>
-    </dgm:pt>
-    <dgm:pt modelId="{019E4FB6-94EA-43CF-83E1-3657D4D78A21}" type="sibTrans" cxnId="{9651F9B8-FF47-46F7-A4E3-EB3761BA39B0}">
-      <dgm:prSet/>
-      <dgm:spPr/>
-      <dgm:t>
-        <a:bodyPr/>
-        <a:lstStyle/>
-        <a:p>
-          <a:endParaRPr lang="en-US"/>
-        </a:p>
-      </dgm:t>
-    </dgm:pt>
-    <dgm:pt modelId="{9A1E0479-F7EC-45AF-97BB-D6C00E9D89F0}" type="pres">
-      <dgm:prSet presAssocID="{8B885064-3782-4453-948C-7ADBB6C73392}" presName="CompostProcess" presStyleCnt="0">
-        <dgm:presLayoutVars>
-          <dgm:dir/>
-          <dgm:resizeHandles val="exact"/>
-        </dgm:presLayoutVars>
-      </dgm:prSet>
-      <dgm:spPr/>
-    </dgm:pt>
-    <dgm:pt modelId="{347E1BBF-4D20-4EFA-8FBA-2CB51FC12354}" type="pres">
-      <dgm:prSet presAssocID="{8B885064-3782-4453-948C-7ADBB6C73392}" presName="arrow" presStyleLbl="bgShp" presStyleIdx="0" presStyleCnt="1"/>
-      <dgm:spPr/>
-    </dgm:pt>
-    <dgm:pt modelId="{0A5A5E69-5A3B-42B5-9E06-9553909709B0}" type="pres">
-      <dgm:prSet presAssocID="{8B885064-3782-4453-948C-7ADBB6C73392}" presName="linearProcess" presStyleCnt="0"/>
-      <dgm:spPr/>
-    </dgm:pt>
-    <dgm:pt modelId="{87A44C12-88B0-4110-A615-593B33661A2F}" type="pres">
-      <dgm:prSet presAssocID="{325C7D5C-3238-4A43-AB56-DF69266F663D}" presName="textNode" presStyleLbl="node1" presStyleIdx="0" presStyleCnt="4">
-        <dgm:presLayoutVars>
-          <dgm:bulletEnabled val="1"/>
-        </dgm:presLayoutVars>
-      </dgm:prSet>
-      <dgm:spPr/>
-    </dgm:pt>
-    <dgm:pt modelId="{82B1F723-A366-4F1D-82EA-B034E06F303E}" type="pres">
-      <dgm:prSet presAssocID="{878DC8CD-0BEE-4D04-9650-2609471D61F2}" presName="sibTrans" presStyleCnt="0"/>
-      <dgm:spPr/>
-    </dgm:pt>
-    <dgm:pt modelId="{C6028030-79D6-4C56-83A0-FFCC4FFD9531}" type="pres">
-      <dgm:prSet presAssocID="{9E214E60-5A9E-4034-A939-32CBE9FE7F67}" presName="textNode" presStyleLbl="node1" presStyleIdx="1" presStyleCnt="4">
-        <dgm:presLayoutVars>
-          <dgm:bulletEnabled val="1"/>
-        </dgm:presLayoutVars>
-      </dgm:prSet>
-      <dgm:spPr/>
-    </dgm:pt>
-    <dgm:pt modelId="{97BBD157-D73B-4644-8F4E-2042BE60E512}" type="pres">
-      <dgm:prSet presAssocID="{8CFFFCCF-C700-404F-9404-68AA9A48401F}" presName="sibTrans" presStyleCnt="0"/>
-      <dgm:spPr/>
-    </dgm:pt>
-    <dgm:pt modelId="{2E3B89D9-371F-4849-B1A1-13AE09760E56}" type="pres">
-      <dgm:prSet presAssocID="{950397D1-4181-45F4-852F-38712A3C6D62}" presName="textNode" presStyleLbl="node1" presStyleIdx="2" presStyleCnt="4">
-        <dgm:presLayoutVars>
-          <dgm:bulletEnabled val="1"/>
-        </dgm:presLayoutVars>
-      </dgm:prSet>
-      <dgm:spPr/>
-    </dgm:pt>
-    <dgm:pt modelId="{DED7FBC2-316A-4E56-B420-F1C3122146C4}" type="pres">
-      <dgm:prSet presAssocID="{997CBA52-261E-406D-B8BE-61EE54512554}" presName="sibTrans" presStyleCnt="0"/>
-      <dgm:spPr/>
-    </dgm:pt>
-    <dgm:pt modelId="{9B5E7A61-B802-4C8F-996C-51772610AE28}" type="pres">
-      <dgm:prSet presAssocID="{AFF4FD28-558F-46ED-A892-4F2D12B8A596}" presName="textNode" presStyleLbl="node1" presStyleIdx="3" presStyleCnt="4">
-        <dgm:presLayoutVars>
-          <dgm:bulletEnabled val="1"/>
-        </dgm:presLayoutVars>
-      </dgm:prSet>
-      <dgm:spPr/>
-    </dgm:pt>
-  </dgm:ptLst>
-  <dgm:cxnLst>
-    <dgm:cxn modelId="{F1D83C53-F80D-477D-A49F-155965EAD2F3}" type="presOf" srcId="{8B885064-3782-4453-948C-7ADBB6C73392}" destId="{9A1E0479-F7EC-45AF-97BB-D6C00E9D89F0}" srcOrd="0" destOrd="0" presId="urn:microsoft.com/office/officeart/2005/8/layout/hProcess9"/>
-    <dgm:cxn modelId="{6372F858-19AD-4A4A-97AC-4791ADD51ECB}" type="presOf" srcId="{AFF4FD28-558F-46ED-A892-4F2D12B8A596}" destId="{9B5E7A61-B802-4C8F-996C-51772610AE28}" srcOrd="0" destOrd="0" presId="urn:microsoft.com/office/officeart/2005/8/layout/hProcess9"/>
-    <dgm:cxn modelId="{274C0891-7EA8-42BB-BB59-17545E0C0B09}" srcId="{8B885064-3782-4453-948C-7ADBB6C73392}" destId="{950397D1-4181-45F4-852F-38712A3C6D62}" srcOrd="2" destOrd="0" parTransId="{6D49EEFC-CB4A-4F0B-83A2-2D262767DB23}" sibTransId="{997CBA52-261E-406D-B8BE-61EE54512554}"/>
-    <dgm:cxn modelId="{88160CA0-B31E-497C-AE1A-3B8710F63CD4}" type="presOf" srcId="{950397D1-4181-45F4-852F-38712A3C6D62}" destId="{2E3B89D9-371F-4849-B1A1-13AE09760E56}" srcOrd="0" destOrd="0" presId="urn:microsoft.com/office/officeart/2005/8/layout/hProcess9"/>
-    <dgm:cxn modelId="{06305EB4-0DAF-4124-81C9-D3C9760935E4}" type="presOf" srcId="{325C7D5C-3238-4A43-AB56-DF69266F663D}" destId="{87A44C12-88B0-4110-A615-593B33661A2F}" srcOrd="0" destOrd="0" presId="urn:microsoft.com/office/officeart/2005/8/layout/hProcess9"/>
-    <dgm:cxn modelId="{9651F9B8-FF47-46F7-A4E3-EB3761BA39B0}" srcId="{8B885064-3782-4453-948C-7ADBB6C73392}" destId="{AFF4FD28-558F-46ED-A892-4F2D12B8A596}" srcOrd="3" destOrd="0" parTransId="{D096B6BB-2A24-44A7-ABD2-2F04A497D072}" sibTransId="{019E4FB6-94EA-43CF-83E1-3657D4D78A21}"/>
-    <dgm:cxn modelId="{C38FC5BF-F703-45FA-B631-F4DD2FDA6A77}" srcId="{8B885064-3782-4453-948C-7ADBB6C73392}" destId="{9E214E60-5A9E-4034-A939-32CBE9FE7F67}" srcOrd="1" destOrd="0" parTransId="{02A4BFC8-457D-4E0D-A31E-A34A60D9FEF3}" sibTransId="{8CFFFCCF-C700-404F-9404-68AA9A48401F}"/>
-    <dgm:cxn modelId="{0039BDE5-DAA3-4602-9E40-631E0243D4EC}" srcId="{8B885064-3782-4453-948C-7ADBB6C73392}" destId="{325C7D5C-3238-4A43-AB56-DF69266F663D}" srcOrd="0" destOrd="0" parTransId="{BAEBABFA-0C3C-4D5D-8525-19F15555B1ED}" sibTransId="{878DC8CD-0BEE-4D04-9650-2609471D61F2}"/>
-    <dgm:cxn modelId="{793B99EA-7A85-4A9B-9743-07B3D97B3F00}" type="presOf" srcId="{9E214E60-5A9E-4034-A939-32CBE9FE7F67}" destId="{C6028030-79D6-4C56-83A0-FFCC4FFD9531}" srcOrd="0" destOrd="0" presId="urn:microsoft.com/office/officeart/2005/8/layout/hProcess9"/>
-    <dgm:cxn modelId="{AAE56218-FF42-4F5D-8BD1-D9531EBEBB8B}" type="presParOf" srcId="{9A1E0479-F7EC-45AF-97BB-D6C00E9D89F0}" destId="{347E1BBF-4D20-4EFA-8FBA-2CB51FC12354}" srcOrd="0" destOrd="0" presId="urn:microsoft.com/office/officeart/2005/8/layout/hProcess9"/>
-    <dgm:cxn modelId="{7C936FB3-60E3-4241-96A1-447D6652052F}" type="presParOf" srcId="{9A1E0479-F7EC-45AF-97BB-D6C00E9D89F0}" destId="{0A5A5E69-5A3B-42B5-9E06-9553909709B0}" srcOrd="1" destOrd="0" presId="urn:microsoft.com/office/officeart/2005/8/layout/hProcess9"/>
-    <dgm:cxn modelId="{A110DB56-92FE-4A1E-BD80-402D6CDDC34E}" type="presParOf" srcId="{0A5A5E69-5A3B-42B5-9E06-9553909709B0}" destId="{87A44C12-88B0-4110-A615-593B33661A2F}" srcOrd="0" destOrd="0" presId="urn:microsoft.com/office/officeart/2005/8/layout/hProcess9"/>
-    <dgm:cxn modelId="{2CD00821-027D-4461-91B0-F2C13B366F1B}" type="presParOf" srcId="{0A5A5E69-5A3B-42B5-9E06-9553909709B0}" destId="{82B1F723-A366-4F1D-82EA-B034E06F303E}" srcOrd="1" destOrd="0" presId="urn:microsoft.com/office/officeart/2005/8/layout/hProcess9"/>
-    <dgm:cxn modelId="{7447FA25-E4C3-4244-97C3-376A75C9902F}" type="presParOf" srcId="{0A5A5E69-5A3B-42B5-9E06-9553909709B0}" destId="{C6028030-79D6-4C56-83A0-FFCC4FFD9531}" srcOrd="2" destOrd="0" presId="urn:microsoft.com/office/officeart/2005/8/layout/hProcess9"/>
-    <dgm:cxn modelId="{5B8FFB21-34AB-4513-A882-1E0CFB8E2006}" type="presParOf" srcId="{0A5A5E69-5A3B-42B5-9E06-9553909709B0}" destId="{97BBD157-D73B-4644-8F4E-2042BE60E512}" srcOrd="3" destOrd="0" presId="urn:microsoft.com/office/officeart/2005/8/layout/hProcess9"/>
-    <dgm:cxn modelId="{DD7AA19A-902B-4003-995A-5602688B3D9C}" type="presParOf" srcId="{0A5A5E69-5A3B-42B5-9E06-9553909709B0}" destId="{2E3B89D9-371F-4849-B1A1-13AE09760E56}" srcOrd="4" destOrd="0" presId="urn:microsoft.com/office/officeart/2005/8/layout/hProcess9"/>
-    <dgm:cxn modelId="{BF7027E7-E5AB-4805-B658-F35FE34013E6}" type="presParOf" srcId="{0A5A5E69-5A3B-42B5-9E06-9553909709B0}" destId="{DED7FBC2-316A-4E56-B420-F1C3122146C4}" srcOrd="5" destOrd="0" presId="urn:microsoft.com/office/officeart/2005/8/layout/hProcess9"/>
-    <dgm:cxn modelId="{BBF937C9-85CF-4B5A-9D4F-67F82E180BF2}" type="presParOf" srcId="{0A5A5E69-5A3B-42B5-9E06-9553909709B0}" destId="{9B5E7A61-B802-4C8F-996C-51772610AE28}" srcOrd="6" destOrd="0" presId="urn:microsoft.com/office/officeart/2005/8/layout/hProcess9"/>
-  </dgm:cxnLst>
-  <dgm:bg/>
-  <dgm:whole/>
-  <dgm:extLst>
-    <a:ext uri="http://schemas.microsoft.com/office/drawing/2008/diagram">
-      <dsp:dataModelExt xmlns:dsp="http://schemas.microsoft.com/office/drawing/2008/diagram" relId="rId6" minVer="http://schemas.openxmlformats.org/drawingml/2006/diagram"/>
-    </a:ext>
-  </dgm:extLst>
-</dgm:dataModel>
-</file>
-
-<file path=ppt/diagrams/data4.xml><?xml version="1.0" encoding="utf-8"?>
 <dgm:dataModel xmlns:dgm="http://schemas.openxmlformats.org/drawingml/2006/diagram" xmlns:a="http://schemas.openxmlformats.org/drawingml/2006/main">
   <dgm:ptLst>
     <dgm:pt modelId="{8B885064-3782-4453-948C-7ADBB6C73392}" type="doc">
@@ -6721,7 +6413,7 @@
         </a:p>
       </dgm:t>
     </dgm:pt>
-    <dgm:pt modelId="{AFF4FD28-558F-46ED-A892-4F2D12B8A596}">
+    <dgm:pt modelId="{FF028075-DDB0-4496-85C7-DAC6FF065094}">
       <dgm:prSet phldrT="[Text]">
         <dgm:style>
           <a:lnRef idx="3">
@@ -6744,14 +6436,13 @@
         <a:lstStyle/>
         <a:p>
           <a:r>
-            <a:rPr lang="en-US"/>
-            <a:t>Probabilistic Reasoning</a:t>
+            <a:rPr lang="en-US" dirty="0"/>
+            <a:t>Probabilistic Reasoning Agents</a:t>
           </a:r>
-          <a:endParaRPr lang="en-US" dirty="0"/>
         </a:p>
       </dgm:t>
     </dgm:pt>
-    <dgm:pt modelId="{D096B6BB-2A24-44A7-ABD2-2F04A497D072}" type="parTrans" cxnId="{9651F9B8-FF47-46F7-A4E3-EB3761BA39B0}">
+    <dgm:pt modelId="{2B2A136F-9240-4940-ADDF-6EB9A2C0266B}" type="parTrans" cxnId="{CFFCAF8C-C111-45B6-8171-987A486B8708}">
       <dgm:prSet/>
       <dgm:spPr/>
       <dgm:t>
@@ -6762,7 +6453,7 @@
         </a:p>
       </dgm:t>
     </dgm:pt>
-    <dgm:pt modelId="{019E4FB6-94EA-43CF-83E1-3657D4D78A21}" type="sibTrans" cxnId="{9651F9B8-FF47-46F7-A4E3-EB3761BA39B0}">
+    <dgm:pt modelId="{DCAE8440-0DD2-4172-830D-D800F6858EC2}" type="sibTrans" cxnId="{CFFCAF8C-C111-45B6-8171-987A486B8708}">
       <dgm:prSet/>
       <dgm:spPr/>
       <dgm:t>
@@ -6814,20 +6505,20 @@
       <dgm:prSet presAssocID="{8CFFFCCF-C700-404F-9404-68AA9A48401F}" presName="sibTrans" presStyleCnt="0"/>
       <dgm:spPr/>
     </dgm:pt>
-    <dgm:pt modelId="{2E3B89D9-371F-4849-B1A1-13AE09760E56}" type="pres">
-      <dgm:prSet presAssocID="{950397D1-4181-45F4-852F-38712A3C6D62}" presName="textNode" presStyleLbl="node1" presStyleIdx="2" presStyleCnt="4">
+    <dgm:pt modelId="{DDCFE056-7DBC-41D4-9B2A-043DC107776E}" type="pres">
+      <dgm:prSet presAssocID="{FF028075-DDB0-4496-85C7-DAC6FF065094}" presName="textNode" presStyleLbl="node1" presStyleIdx="2" presStyleCnt="4">
         <dgm:presLayoutVars>
           <dgm:bulletEnabled val="1"/>
         </dgm:presLayoutVars>
       </dgm:prSet>
       <dgm:spPr/>
     </dgm:pt>
-    <dgm:pt modelId="{DED7FBC2-316A-4E56-B420-F1C3122146C4}" type="pres">
-      <dgm:prSet presAssocID="{997CBA52-261E-406D-B8BE-61EE54512554}" presName="sibTrans" presStyleCnt="0"/>
+    <dgm:pt modelId="{97310F02-A7E6-425E-B0ED-B45C35AAC04B}" type="pres">
+      <dgm:prSet presAssocID="{DCAE8440-0DD2-4172-830D-D800F6858EC2}" presName="sibTrans" presStyleCnt="0"/>
       <dgm:spPr/>
     </dgm:pt>
-    <dgm:pt modelId="{9B5E7A61-B802-4C8F-996C-51772610AE28}" type="pres">
-      <dgm:prSet presAssocID="{AFF4FD28-558F-46ED-A892-4F2D12B8A596}" presName="textNode" presStyleLbl="node1" presStyleIdx="3" presStyleCnt="4">
+    <dgm:pt modelId="{2E3B89D9-371F-4849-B1A1-13AE09760E56}" type="pres">
+      <dgm:prSet presAssocID="{950397D1-4181-45F4-852F-38712A3C6D62}" presName="textNode" presStyleLbl="node1" presStyleIdx="3" presStyleCnt="4">
         <dgm:presLayoutVars>
           <dgm:bulletEnabled val="1"/>
         </dgm:presLayoutVars>
@@ -6837,11 +6528,11 @@
   </dgm:ptLst>
   <dgm:cxnLst>
     <dgm:cxn modelId="{F1D83C53-F80D-477D-A49F-155965EAD2F3}" type="presOf" srcId="{8B885064-3782-4453-948C-7ADBB6C73392}" destId="{9A1E0479-F7EC-45AF-97BB-D6C00E9D89F0}" srcOrd="0" destOrd="0" presId="urn:microsoft.com/office/officeart/2005/8/layout/hProcess9"/>
-    <dgm:cxn modelId="{6372F858-19AD-4A4A-97AC-4791ADD51ECB}" type="presOf" srcId="{AFF4FD28-558F-46ED-A892-4F2D12B8A596}" destId="{9B5E7A61-B802-4C8F-996C-51772610AE28}" srcOrd="0" destOrd="0" presId="urn:microsoft.com/office/officeart/2005/8/layout/hProcess9"/>
-    <dgm:cxn modelId="{274C0891-7EA8-42BB-BB59-17545E0C0B09}" srcId="{8B885064-3782-4453-948C-7ADBB6C73392}" destId="{950397D1-4181-45F4-852F-38712A3C6D62}" srcOrd="2" destOrd="0" parTransId="{6D49EEFC-CB4A-4F0B-83A2-2D262767DB23}" sibTransId="{997CBA52-261E-406D-B8BE-61EE54512554}"/>
+    <dgm:cxn modelId="{E12BB078-C2A5-4D01-BB87-A135C1298326}" type="presOf" srcId="{FF028075-DDB0-4496-85C7-DAC6FF065094}" destId="{DDCFE056-7DBC-41D4-9B2A-043DC107776E}" srcOrd="0" destOrd="0" presId="urn:microsoft.com/office/officeart/2005/8/layout/hProcess9"/>
+    <dgm:cxn modelId="{CFFCAF8C-C111-45B6-8171-987A486B8708}" srcId="{8B885064-3782-4453-948C-7ADBB6C73392}" destId="{FF028075-DDB0-4496-85C7-DAC6FF065094}" srcOrd="2" destOrd="0" parTransId="{2B2A136F-9240-4940-ADDF-6EB9A2C0266B}" sibTransId="{DCAE8440-0DD2-4172-830D-D800F6858EC2}"/>
+    <dgm:cxn modelId="{274C0891-7EA8-42BB-BB59-17545E0C0B09}" srcId="{8B885064-3782-4453-948C-7ADBB6C73392}" destId="{950397D1-4181-45F4-852F-38712A3C6D62}" srcOrd="3" destOrd="0" parTransId="{6D49EEFC-CB4A-4F0B-83A2-2D262767DB23}" sibTransId="{997CBA52-261E-406D-B8BE-61EE54512554}"/>
     <dgm:cxn modelId="{88160CA0-B31E-497C-AE1A-3B8710F63CD4}" type="presOf" srcId="{950397D1-4181-45F4-852F-38712A3C6D62}" destId="{2E3B89D9-371F-4849-B1A1-13AE09760E56}" srcOrd="0" destOrd="0" presId="urn:microsoft.com/office/officeart/2005/8/layout/hProcess9"/>
     <dgm:cxn modelId="{06305EB4-0DAF-4124-81C9-D3C9760935E4}" type="presOf" srcId="{325C7D5C-3238-4A43-AB56-DF69266F663D}" destId="{87A44C12-88B0-4110-A615-593B33661A2F}" srcOrd="0" destOrd="0" presId="urn:microsoft.com/office/officeart/2005/8/layout/hProcess9"/>
-    <dgm:cxn modelId="{9651F9B8-FF47-46F7-A4E3-EB3761BA39B0}" srcId="{8B885064-3782-4453-948C-7ADBB6C73392}" destId="{AFF4FD28-558F-46ED-A892-4F2D12B8A596}" srcOrd="3" destOrd="0" parTransId="{D096B6BB-2A24-44A7-ABD2-2F04A497D072}" sibTransId="{019E4FB6-94EA-43CF-83E1-3657D4D78A21}"/>
     <dgm:cxn modelId="{C38FC5BF-F703-45FA-B631-F4DD2FDA6A77}" srcId="{8B885064-3782-4453-948C-7ADBB6C73392}" destId="{9E214E60-5A9E-4034-A939-32CBE9FE7F67}" srcOrd="1" destOrd="0" parTransId="{02A4BFC8-457D-4E0D-A31E-A34A60D9FEF3}" sibTransId="{8CFFFCCF-C700-404F-9404-68AA9A48401F}"/>
     <dgm:cxn modelId="{0039BDE5-DAA3-4602-9E40-631E0243D4EC}" srcId="{8B885064-3782-4453-948C-7ADBB6C73392}" destId="{325C7D5C-3238-4A43-AB56-DF69266F663D}" srcOrd="0" destOrd="0" parTransId="{BAEBABFA-0C3C-4D5D-8525-19F15555B1ED}" sibTransId="{878DC8CD-0BEE-4D04-9650-2609471D61F2}"/>
     <dgm:cxn modelId="{793B99EA-7A85-4A9B-9743-07B3D97B3F00}" type="presOf" srcId="{9E214E60-5A9E-4034-A939-32CBE9FE7F67}" destId="{C6028030-79D6-4C56-83A0-FFCC4FFD9531}" srcOrd="0" destOrd="0" presId="urn:microsoft.com/office/officeart/2005/8/layout/hProcess9"/>
@@ -6851,9 +6542,313 @@
     <dgm:cxn modelId="{2CD00821-027D-4461-91B0-F2C13B366F1B}" type="presParOf" srcId="{0A5A5E69-5A3B-42B5-9E06-9553909709B0}" destId="{82B1F723-A366-4F1D-82EA-B034E06F303E}" srcOrd="1" destOrd="0" presId="urn:microsoft.com/office/officeart/2005/8/layout/hProcess9"/>
     <dgm:cxn modelId="{7447FA25-E4C3-4244-97C3-376A75C9902F}" type="presParOf" srcId="{0A5A5E69-5A3B-42B5-9E06-9553909709B0}" destId="{C6028030-79D6-4C56-83A0-FFCC4FFD9531}" srcOrd="2" destOrd="0" presId="urn:microsoft.com/office/officeart/2005/8/layout/hProcess9"/>
     <dgm:cxn modelId="{5B8FFB21-34AB-4513-A882-1E0CFB8E2006}" type="presParOf" srcId="{0A5A5E69-5A3B-42B5-9E06-9553909709B0}" destId="{97BBD157-D73B-4644-8F4E-2042BE60E512}" srcOrd="3" destOrd="0" presId="urn:microsoft.com/office/officeart/2005/8/layout/hProcess9"/>
-    <dgm:cxn modelId="{DD7AA19A-902B-4003-995A-5602688B3D9C}" type="presParOf" srcId="{0A5A5E69-5A3B-42B5-9E06-9553909709B0}" destId="{2E3B89D9-371F-4849-B1A1-13AE09760E56}" srcOrd="4" destOrd="0" presId="urn:microsoft.com/office/officeart/2005/8/layout/hProcess9"/>
-    <dgm:cxn modelId="{BF7027E7-E5AB-4805-B658-F35FE34013E6}" type="presParOf" srcId="{0A5A5E69-5A3B-42B5-9E06-9553909709B0}" destId="{DED7FBC2-316A-4E56-B420-F1C3122146C4}" srcOrd="5" destOrd="0" presId="urn:microsoft.com/office/officeart/2005/8/layout/hProcess9"/>
-    <dgm:cxn modelId="{BBF937C9-85CF-4B5A-9D4F-67F82E180BF2}" type="presParOf" srcId="{0A5A5E69-5A3B-42B5-9E06-9553909709B0}" destId="{9B5E7A61-B802-4C8F-996C-51772610AE28}" srcOrd="6" destOrd="0" presId="urn:microsoft.com/office/officeart/2005/8/layout/hProcess9"/>
+    <dgm:cxn modelId="{410C8326-F9DB-43AD-9140-DA5F4719C730}" type="presParOf" srcId="{0A5A5E69-5A3B-42B5-9E06-9553909709B0}" destId="{DDCFE056-7DBC-41D4-9B2A-043DC107776E}" srcOrd="4" destOrd="0" presId="urn:microsoft.com/office/officeart/2005/8/layout/hProcess9"/>
+    <dgm:cxn modelId="{7401366B-9BB7-4025-9249-A6EE901296AB}" type="presParOf" srcId="{0A5A5E69-5A3B-42B5-9E06-9553909709B0}" destId="{97310F02-A7E6-425E-B0ED-B45C35AAC04B}" srcOrd="5" destOrd="0" presId="urn:microsoft.com/office/officeart/2005/8/layout/hProcess9"/>
+    <dgm:cxn modelId="{DD7AA19A-902B-4003-995A-5602688B3D9C}" type="presParOf" srcId="{0A5A5E69-5A3B-42B5-9E06-9553909709B0}" destId="{2E3B89D9-371F-4849-B1A1-13AE09760E56}" srcOrd="6" destOrd="0" presId="urn:microsoft.com/office/officeart/2005/8/layout/hProcess9"/>
+  </dgm:cxnLst>
+  <dgm:bg/>
+  <dgm:whole/>
+  <dgm:extLst>
+    <a:ext uri="http://schemas.microsoft.com/office/drawing/2008/diagram">
+      <dsp:dataModelExt xmlns:dsp="http://schemas.microsoft.com/office/drawing/2008/diagram" relId="rId6" minVer="http://schemas.openxmlformats.org/drawingml/2006/diagram"/>
+    </a:ext>
+  </dgm:extLst>
+</dgm:dataModel>
+</file>
+
+<file path=ppt/diagrams/data4.xml><?xml version="1.0" encoding="utf-8"?>
+<dgm:dataModel xmlns:dgm="http://schemas.openxmlformats.org/drawingml/2006/diagram" xmlns:a="http://schemas.openxmlformats.org/drawingml/2006/main">
+  <dgm:ptLst>
+    <dgm:pt modelId="{8B885064-3782-4453-948C-7ADBB6C73392}" type="doc">
+      <dgm:prSet loTypeId="urn:microsoft.com/office/officeart/2005/8/layout/hProcess9" loCatId="process" qsTypeId="urn:microsoft.com/office/officeart/2005/8/quickstyle/simple1" qsCatId="simple" csTypeId="urn:microsoft.com/office/officeart/2005/8/colors/accent1_2" csCatId="accent1" phldr="1"/>
+      <dgm:spPr/>
+    </dgm:pt>
+    <dgm:pt modelId="{325C7D5C-3238-4A43-AB56-DF69266F663D}">
+      <dgm:prSet phldrT="[Text]">
+        <dgm:style>
+          <a:lnRef idx="3">
+            <a:schemeClr val="lt1"/>
+          </a:lnRef>
+          <a:fillRef idx="1">
+            <a:schemeClr val="accent3"/>
+          </a:fillRef>
+          <a:effectRef idx="1">
+            <a:schemeClr val="accent3"/>
+          </a:effectRef>
+          <a:fontRef idx="minor">
+            <a:schemeClr val="lt1"/>
+          </a:fontRef>
+        </dgm:style>
+      </dgm:prSet>
+      <dgm:spPr/>
+      <dgm:t>
+        <a:bodyPr/>
+        <a:lstStyle/>
+        <a:p>
+          <a:r>
+            <a:rPr lang="en-US" dirty="0"/>
+            <a:t>Knowledge-Based Agents</a:t>
+          </a:r>
+        </a:p>
+      </dgm:t>
+    </dgm:pt>
+    <dgm:pt modelId="{BAEBABFA-0C3C-4D5D-8525-19F15555B1ED}" type="parTrans" cxnId="{0039BDE5-DAA3-4602-9E40-631E0243D4EC}">
+      <dgm:prSet/>
+      <dgm:spPr/>
+      <dgm:t>
+        <a:bodyPr/>
+        <a:lstStyle/>
+        <a:p>
+          <a:endParaRPr lang="en-US"/>
+        </a:p>
+      </dgm:t>
+    </dgm:pt>
+    <dgm:pt modelId="{878DC8CD-0BEE-4D04-9650-2609471D61F2}" type="sibTrans" cxnId="{0039BDE5-DAA3-4602-9E40-631E0243D4EC}">
+      <dgm:prSet/>
+      <dgm:spPr/>
+      <dgm:t>
+        <a:bodyPr/>
+        <a:lstStyle/>
+        <a:p>
+          <a:endParaRPr lang="en-US"/>
+        </a:p>
+      </dgm:t>
+    </dgm:pt>
+    <dgm:pt modelId="{9E214E60-5A9E-4034-A939-32CBE9FE7F67}">
+      <dgm:prSet phldrT="[Text]">
+        <dgm:style>
+          <a:lnRef idx="3">
+            <a:schemeClr val="lt1"/>
+          </a:lnRef>
+          <a:fillRef idx="1">
+            <a:schemeClr val="accent3"/>
+          </a:fillRef>
+          <a:effectRef idx="1">
+            <a:schemeClr val="accent3"/>
+          </a:effectRef>
+          <a:fontRef idx="minor">
+            <a:schemeClr val="lt1"/>
+          </a:fontRef>
+        </dgm:style>
+      </dgm:prSet>
+      <dgm:spPr/>
+      <dgm:t>
+        <a:bodyPr/>
+        <a:lstStyle/>
+        <a:p>
+          <a:r>
+            <a:rPr lang="en-US" dirty="0"/>
+            <a:t>Logical Agents</a:t>
+          </a:r>
+        </a:p>
+      </dgm:t>
+    </dgm:pt>
+    <dgm:pt modelId="{02A4BFC8-457D-4E0D-A31E-A34A60D9FEF3}" type="parTrans" cxnId="{C38FC5BF-F703-45FA-B631-F4DD2FDA6A77}">
+      <dgm:prSet/>
+      <dgm:spPr/>
+      <dgm:t>
+        <a:bodyPr/>
+        <a:lstStyle/>
+        <a:p>
+          <a:endParaRPr lang="en-US"/>
+        </a:p>
+      </dgm:t>
+    </dgm:pt>
+    <dgm:pt modelId="{8CFFFCCF-C700-404F-9404-68AA9A48401F}" type="sibTrans" cxnId="{C38FC5BF-F703-45FA-B631-F4DD2FDA6A77}">
+      <dgm:prSet/>
+      <dgm:spPr/>
+      <dgm:t>
+        <a:bodyPr/>
+        <a:lstStyle/>
+        <a:p>
+          <a:endParaRPr lang="en-US"/>
+        </a:p>
+      </dgm:t>
+    </dgm:pt>
+    <dgm:pt modelId="{950397D1-4181-45F4-852F-38712A3C6D62}">
+      <dgm:prSet phldrT="[Text]">
+        <dgm:style>
+          <a:lnRef idx="3">
+            <a:schemeClr val="lt1"/>
+          </a:lnRef>
+          <a:fillRef idx="1">
+            <a:schemeClr val="accent2"/>
+          </a:fillRef>
+          <a:effectRef idx="1">
+            <a:schemeClr val="accent2"/>
+          </a:effectRef>
+          <a:fontRef idx="minor">
+            <a:schemeClr val="lt1"/>
+          </a:fontRef>
+        </dgm:style>
+      </dgm:prSet>
+      <dgm:spPr/>
+      <dgm:t>
+        <a:bodyPr/>
+        <a:lstStyle/>
+        <a:p>
+          <a:r>
+            <a:rPr lang="en-US" dirty="0"/>
+            <a:t>Large Language Models</a:t>
+          </a:r>
+        </a:p>
+      </dgm:t>
+    </dgm:pt>
+    <dgm:pt modelId="{6D49EEFC-CB4A-4F0B-83A2-2D262767DB23}" type="parTrans" cxnId="{274C0891-7EA8-42BB-BB59-17545E0C0B09}">
+      <dgm:prSet/>
+      <dgm:spPr/>
+      <dgm:t>
+        <a:bodyPr/>
+        <a:lstStyle/>
+        <a:p>
+          <a:endParaRPr lang="en-US"/>
+        </a:p>
+      </dgm:t>
+    </dgm:pt>
+    <dgm:pt modelId="{997CBA52-261E-406D-B8BE-61EE54512554}" type="sibTrans" cxnId="{274C0891-7EA8-42BB-BB59-17545E0C0B09}">
+      <dgm:prSet/>
+      <dgm:spPr/>
+      <dgm:t>
+        <a:bodyPr/>
+        <a:lstStyle/>
+        <a:p>
+          <a:endParaRPr lang="en-US"/>
+        </a:p>
+      </dgm:t>
+    </dgm:pt>
+    <dgm:pt modelId="{FF028075-DDB0-4496-85C7-DAC6FF065094}">
+      <dgm:prSet phldrT="[Text]">
+        <dgm:style>
+          <a:lnRef idx="3">
+            <a:schemeClr val="lt1"/>
+          </a:lnRef>
+          <a:fillRef idx="1">
+            <a:schemeClr val="accent3"/>
+          </a:fillRef>
+          <a:effectRef idx="1">
+            <a:schemeClr val="accent3"/>
+          </a:effectRef>
+          <a:fontRef idx="minor">
+            <a:schemeClr val="lt1"/>
+          </a:fontRef>
+        </dgm:style>
+      </dgm:prSet>
+      <dgm:spPr/>
+      <dgm:t>
+        <a:bodyPr/>
+        <a:lstStyle/>
+        <a:p>
+          <a:r>
+            <a:rPr lang="en-US"/>
+            <a:t>Probabilistic Reasoning Agents</a:t>
+          </a:r>
+          <a:endParaRPr lang="en-US" dirty="0"/>
+        </a:p>
+      </dgm:t>
+    </dgm:pt>
+    <dgm:pt modelId="{2B2A136F-9240-4940-ADDF-6EB9A2C0266B}" type="parTrans" cxnId="{CFFCAF8C-C111-45B6-8171-987A486B8708}">
+      <dgm:prSet/>
+      <dgm:spPr/>
+      <dgm:t>
+        <a:bodyPr/>
+        <a:lstStyle/>
+        <a:p>
+          <a:endParaRPr lang="en-US"/>
+        </a:p>
+      </dgm:t>
+    </dgm:pt>
+    <dgm:pt modelId="{DCAE8440-0DD2-4172-830D-D800F6858EC2}" type="sibTrans" cxnId="{CFFCAF8C-C111-45B6-8171-987A486B8708}">
+      <dgm:prSet/>
+      <dgm:spPr/>
+      <dgm:t>
+        <a:bodyPr/>
+        <a:lstStyle/>
+        <a:p>
+          <a:endParaRPr lang="en-US"/>
+        </a:p>
+      </dgm:t>
+    </dgm:pt>
+    <dgm:pt modelId="{9A1E0479-F7EC-45AF-97BB-D6C00E9D89F0}" type="pres">
+      <dgm:prSet presAssocID="{8B885064-3782-4453-948C-7ADBB6C73392}" presName="CompostProcess" presStyleCnt="0">
+        <dgm:presLayoutVars>
+          <dgm:dir/>
+          <dgm:resizeHandles val="exact"/>
+        </dgm:presLayoutVars>
+      </dgm:prSet>
+      <dgm:spPr/>
+    </dgm:pt>
+    <dgm:pt modelId="{347E1BBF-4D20-4EFA-8FBA-2CB51FC12354}" type="pres">
+      <dgm:prSet presAssocID="{8B885064-3782-4453-948C-7ADBB6C73392}" presName="arrow" presStyleLbl="bgShp" presStyleIdx="0" presStyleCnt="1"/>
+      <dgm:spPr/>
+    </dgm:pt>
+    <dgm:pt modelId="{0A5A5E69-5A3B-42B5-9E06-9553909709B0}" type="pres">
+      <dgm:prSet presAssocID="{8B885064-3782-4453-948C-7ADBB6C73392}" presName="linearProcess" presStyleCnt="0"/>
+      <dgm:spPr/>
+    </dgm:pt>
+    <dgm:pt modelId="{87A44C12-88B0-4110-A615-593B33661A2F}" type="pres">
+      <dgm:prSet presAssocID="{325C7D5C-3238-4A43-AB56-DF69266F663D}" presName="textNode" presStyleLbl="node1" presStyleIdx="0" presStyleCnt="4">
+        <dgm:presLayoutVars>
+          <dgm:bulletEnabled val="1"/>
+        </dgm:presLayoutVars>
+      </dgm:prSet>
+      <dgm:spPr/>
+    </dgm:pt>
+    <dgm:pt modelId="{82B1F723-A366-4F1D-82EA-B034E06F303E}" type="pres">
+      <dgm:prSet presAssocID="{878DC8CD-0BEE-4D04-9650-2609471D61F2}" presName="sibTrans" presStyleCnt="0"/>
+      <dgm:spPr/>
+    </dgm:pt>
+    <dgm:pt modelId="{C6028030-79D6-4C56-83A0-FFCC4FFD9531}" type="pres">
+      <dgm:prSet presAssocID="{9E214E60-5A9E-4034-A939-32CBE9FE7F67}" presName="textNode" presStyleLbl="node1" presStyleIdx="1" presStyleCnt="4">
+        <dgm:presLayoutVars>
+          <dgm:bulletEnabled val="1"/>
+        </dgm:presLayoutVars>
+      </dgm:prSet>
+      <dgm:spPr/>
+    </dgm:pt>
+    <dgm:pt modelId="{97BBD157-D73B-4644-8F4E-2042BE60E512}" type="pres">
+      <dgm:prSet presAssocID="{8CFFFCCF-C700-404F-9404-68AA9A48401F}" presName="sibTrans" presStyleCnt="0"/>
+      <dgm:spPr/>
+    </dgm:pt>
+    <dgm:pt modelId="{DDCFE056-7DBC-41D4-9B2A-043DC107776E}" type="pres">
+      <dgm:prSet presAssocID="{FF028075-DDB0-4496-85C7-DAC6FF065094}" presName="textNode" presStyleLbl="node1" presStyleIdx="2" presStyleCnt="4">
+        <dgm:presLayoutVars>
+          <dgm:bulletEnabled val="1"/>
+        </dgm:presLayoutVars>
+      </dgm:prSet>
+      <dgm:spPr/>
+    </dgm:pt>
+    <dgm:pt modelId="{97310F02-A7E6-425E-B0ED-B45C35AAC04B}" type="pres">
+      <dgm:prSet presAssocID="{DCAE8440-0DD2-4172-830D-D800F6858EC2}" presName="sibTrans" presStyleCnt="0"/>
+      <dgm:spPr/>
+    </dgm:pt>
+    <dgm:pt modelId="{2E3B89D9-371F-4849-B1A1-13AE09760E56}" type="pres">
+      <dgm:prSet presAssocID="{950397D1-4181-45F4-852F-38712A3C6D62}" presName="textNode" presStyleLbl="node1" presStyleIdx="3" presStyleCnt="4">
+        <dgm:presLayoutVars>
+          <dgm:bulletEnabled val="1"/>
+        </dgm:presLayoutVars>
+      </dgm:prSet>
+      <dgm:spPr/>
+    </dgm:pt>
+  </dgm:ptLst>
+  <dgm:cxnLst>
+    <dgm:cxn modelId="{F1D83C53-F80D-477D-A49F-155965EAD2F3}" type="presOf" srcId="{8B885064-3782-4453-948C-7ADBB6C73392}" destId="{9A1E0479-F7EC-45AF-97BB-D6C00E9D89F0}" srcOrd="0" destOrd="0" presId="urn:microsoft.com/office/officeart/2005/8/layout/hProcess9"/>
+    <dgm:cxn modelId="{E12BB078-C2A5-4D01-BB87-A135C1298326}" type="presOf" srcId="{FF028075-DDB0-4496-85C7-DAC6FF065094}" destId="{DDCFE056-7DBC-41D4-9B2A-043DC107776E}" srcOrd="0" destOrd="0" presId="urn:microsoft.com/office/officeart/2005/8/layout/hProcess9"/>
+    <dgm:cxn modelId="{CFFCAF8C-C111-45B6-8171-987A486B8708}" srcId="{8B885064-3782-4453-948C-7ADBB6C73392}" destId="{FF028075-DDB0-4496-85C7-DAC6FF065094}" srcOrd="2" destOrd="0" parTransId="{2B2A136F-9240-4940-ADDF-6EB9A2C0266B}" sibTransId="{DCAE8440-0DD2-4172-830D-D800F6858EC2}"/>
+    <dgm:cxn modelId="{274C0891-7EA8-42BB-BB59-17545E0C0B09}" srcId="{8B885064-3782-4453-948C-7ADBB6C73392}" destId="{950397D1-4181-45F4-852F-38712A3C6D62}" srcOrd="3" destOrd="0" parTransId="{6D49EEFC-CB4A-4F0B-83A2-2D262767DB23}" sibTransId="{997CBA52-261E-406D-B8BE-61EE54512554}"/>
+    <dgm:cxn modelId="{88160CA0-B31E-497C-AE1A-3B8710F63CD4}" type="presOf" srcId="{950397D1-4181-45F4-852F-38712A3C6D62}" destId="{2E3B89D9-371F-4849-B1A1-13AE09760E56}" srcOrd="0" destOrd="0" presId="urn:microsoft.com/office/officeart/2005/8/layout/hProcess9"/>
+    <dgm:cxn modelId="{06305EB4-0DAF-4124-81C9-D3C9760935E4}" type="presOf" srcId="{325C7D5C-3238-4A43-AB56-DF69266F663D}" destId="{87A44C12-88B0-4110-A615-593B33661A2F}" srcOrd="0" destOrd="0" presId="urn:microsoft.com/office/officeart/2005/8/layout/hProcess9"/>
+    <dgm:cxn modelId="{C38FC5BF-F703-45FA-B631-F4DD2FDA6A77}" srcId="{8B885064-3782-4453-948C-7ADBB6C73392}" destId="{9E214E60-5A9E-4034-A939-32CBE9FE7F67}" srcOrd="1" destOrd="0" parTransId="{02A4BFC8-457D-4E0D-A31E-A34A60D9FEF3}" sibTransId="{8CFFFCCF-C700-404F-9404-68AA9A48401F}"/>
+    <dgm:cxn modelId="{0039BDE5-DAA3-4602-9E40-631E0243D4EC}" srcId="{8B885064-3782-4453-948C-7ADBB6C73392}" destId="{325C7D5C-3238-4A43-AB56-DF69266F663D}" srcOrd="0" destOrd="0" parTransId="{BAEBABFA-0C3C-4D5D-8525-19F15555B1ED}" sibTransId="{878DC8CD-0BEE-4D04-9650-2609471D61F2}"/>
+    <dgm:cxn modelId="{793B99EA-7A85-4A9B-9743-07B3D97B3F00}" type="presOf" srcId="{9E214E60-5A9E-4034-A939-32CBE9FE7F67}" destId="{C6028030-79D6-4C56-83A0-FFCC4FFD9531}" srcOrd="0" destOrd="0" presId="urn:microsoft.com/office/officeart/2005/8/layout/hProcess9"/>
+    <dgm:cxn modelId="{AAE56218-FF42-4F5D-8BD1-D9531EBEBB8B}" type="presParOf" srcId="{9A1E0479-F7EC-45AF-97BB-D6C00E9D89F0}" destId="{347E1BBF-4D20-4EFA-8FBA-2CB51FC12354}" srcOrd="0" destOrd="0" presId="urn:microsoft.com/office/officeart/2005/8/layout/hProcess9"/>
+    <dgm:cxn modelId="{7C936FB3-60E3-4241-96A1-447D6652052F}" type="presParOf" srcId="{9A1E0479-F7EC-45AF-97BB-D6C00E9D89F0}" destId="{0A5A5E69-5A3B-42B5-9E06-9553909709B0}" srcOrd="1" destOrd="0" presId="urn:microsoft.com/office/officeart/2005/8/layout/hProcess9"/>
+    <dgm:cxn modelId="{A110DB56-92FE-4A1E-BD80-402D6CDDC34E}" type="presParOf" srcId="{0A5A5E69-5A3B-42B5-9E06-9553909709B0}" destId="{87A44C12-88B0-4110-A615-593B33661A2F}" srcOrd="0" destOrd="0" presId="urn:microsoft.com/office/officeart/2005/8/layout/hProcess9"/>
+    <dgm:cxn modelId="{2CD00821-027D-4461-91B0-F2C13B366F1B}" type="presParOf" srcId="{0A5A5E69-5A3B-42B5-9E06-9553909709B0}" destId="{82B1F723-A366-4F1D-82EA-B034E06F303E}" srcOrd="1" destOrd="0" presId="urn:microsoft.com/office/officeart/2005/8/layout/hProcess9"/>
+    <dgm:cxn modelId="{7447FA25-E4C3-4244-97C3-376A75C9902F}" type="presParOf" srcId="{0A5A5E69-5A3B-42B5-9E06-9553909709B0}" destId="{C6028030-79D6-4C56-83A0-FFCC4FFD9531}" srcOrd="2" destOrd="0" presId="urn:microsoft.com/office/officeart/2005/8/layout/hProcess9"/>
+    <dgm:cxn modelId="{5B8FFB21-34AB-4513-A882-1E0CFB8E2006}" type="presParOf" srcId="{0A5A5E69-5A3B-42B5-9E06-9553909709B0}" destId="{97BBD157-D73B-4644-8F4E-2042BE60E512}" srcOrd="3" destOrd="0" presId="urn:microsoft.com/office/officeart/2005/8/layout/hProcess9"/>
+    <dgm:cxn modelId="{410C8326-F9DB-43AD-9140-DA5F4719C730}" type="presParOf" srcId="{0A5A5E69-5A3B-42B5-9E06-9553909709B0}" destId="{DDCFE056-7DBC-41D4-9B2A-043DC107776E}" srcOrd="4" destOrd="0" presId="urn:microsoft.com/office/officeart/2005/8/layout/hProcess9"/>
+    <dgm:cxn modelId="{7401366B-9BB7-4025-9249-A6EE901296AB}" type="presParOf" srcId="{0A5A5E69-5A3B-42B5-9E06-9553909709B0}" destId="{97310F02-A7E6-425E-B0ED-B45C35AAC04B}" srcOrd="5" destOrd="0" presId="urn:microsoft.com/office/officeart/2005/8/layout/hProcess9"/>
+    <dgm:cxn modelId="{DD7AA19A-902B-4003-995A-5602688B3D9C}" type="presParOf" srcId="{0A5A5E69-5A3B-42B5-9E06-9553909709B0}" destId="{2E3B89D9-371F-4849-B1A1-13AE09760E56}" srcOrd="6" destOrd="0" presId="urn:microsoft.com/office/officeart/2005/8/layout/hProcess9"/>
   </dgm:cxnLst>
   <dgm:bg/>
   <dgm:whole/>
@@ -8502,7 +8497,7 @@
         <a:ext cx="1728575" cy="1570603"/>
       </dsp:txXfrm>
     </dsp:sp>
-    <dsp:sp modelId="{2E3B89D9-371F-4849-B1A1-13AE09760E56}">
+    <dsp:sp modelId="{DDCFE056-7DBC-41D4-9B2A-043DC107776E}">
       <dsp:nvSpPr>
         <dsp:cNvPr id="0" name=""/>
         <dsp:cNvSpPr/>
@@ -8561,7 +8556,7 @@
           </a:pPr>
           <a:r>
             <a:rPr lang="en-US" sz="2400" kern="1200" dirty="0"/>
-            <a:t>Large Language Models</a:t>
+            <a:t>Probabilistic Reasoning Agents</a:t>
           </a:r>
         </a:p>
       </dsp:txBody>
@@ -8570,7 +8565,7 @@
         <a:ext cx="1728575" cy="1570603"/>
       </dsp:txXfrm>
     </dsp:sp>
-    <dsp:sp modelId="{81AAB2F1-B560-49A2-90F8-D02D2FCD744A}">
+    <dsp:sp modelId="{2E3B89D9-371F-4849-B1A1-13AE09760E56}">
       <dsp:nvSpPr>
         <dsp:cNvPr id="0" name=""/>
         <dsp:cNvSpPr/>
@@ -8629,7 +8624,7 @@
           </a:pPr>
           <a:r>
             <a:rPr lang="en-US" sz="2400" kern="1200" dirty="0"/>
-            <a:t>Probabilistic Reasoning</a:t>
+            <a:t>Large Language Models</a:t>
           </a:r>
         </a:p>
       </dsp:txBody>
@@ -8826,7 +8821,7 @@
         <a:ext cx="1728575" cy="1570603"/>
       </dsp:txXfrm>
     </dsp:sp>
-    <dsp:sp modelId="{2E3B89D9-371F-4849-B1A1-13AE09760E56}">
+    <dsp:sp modelId="{DDCFE056-7DBC-41D4-9B2A-043DC107776E}">
       <dsp:nvSpPr>
         <dsp:cNvPr id="0" name=""/>
         <dsp:cNvSpPr/>
@@ -8884,9 +8879,10 @@
             <a:buNone/>
           </a:pPr>
           <a:r>
-            <a:rPr lang="en-US" sz="2400" kern="1200" dirty="0"/>
-            <a:t>Large Language Models</a:t>
+            <a:rPr lang="en-US" sz="2400" kern="1200"/>
+            <a:t>Probabilistic Reasoning Agents</a:t>
           </a:r>
+          <a:endParaRPr lang="en-US" sz="2400" kern="1200" dirty="0"/>
         </a:p>
       </dsp:txBody>
       <dsp:txXfrm>
@@ -8894,7 +8890,7 @@
         <a:ext cx="1728575" cy="1570603"/>
       </dsp:txXfrm>
     </dsp:sp>
-    <dsp:sp modelId="{3F802EB4-1F06-4A32-AD0D-0627C0DBD141}">
+    <dsp:sp modelId="{2E3B89D9-371F-4849-B1A1-13AE09760E56}">
       <dsp:nvSpPr>
         <dsp:cNvPr id="0" name=""/>
         <dsp:cNvSpPr/>
@@ -8952,10 +8948,9 @@
             <a:buNone/>
           </a:pPr>
           <a:r>
-            <a:rPr lang="en-US" sz="2400" kern="1200"/>
-            <a:t>Probabilistic Reasoning</a:t>
+            <a:rPr lang="en-US" sz="2400" kern="1200" dirty="0"/>
+            <a:t>Large Language Models</a:t>
           </a:r>
-          <a:endParaRPr lang="en-US" sz="2400" kern="1200" dirty="0"/>
         </a:p>
       </dsp:txBody>
       <dsp:txXfrm>
@@ -9151,7 +9146,7 @@
         <a:ext cx="1728575" cy="1570603"/>
       </dsp:txXfrm>
     </dsp:sp>
-    <dsp:sp modelId="{2E3B89D9-371F-4849-B1A1-13AE09760E56}">
+    <dsp:sp modelId="{DDCFE056-7DBC-41D4-9B2A-043DC107776E}">
       <dsp:nvSpPr>
         <dsp:cNvPr id="0" name=""/>
         <dsp:cNvSpPr/>
@@ -9210,7 +9205,7 @@
           </a:pPr>
           <a:r>
             <a:rPr lang="en-US" sz="2400" kern="1200" dirty="0"/>
-            <a:t>Large Language Models*</a:t>
+            <a:t>Probabilistic Reasoning Agents</a:t>
           </a:r>
         </a:p>
       </dsp:txBody>
@@ -9219,7 +9214,7 @@
         <a:ext cx="1728575" cy="1570603"/>
       </dsp:txXfrm>
     </dsp:sp>
-    <dsp:sp modelId="{9B5E7A61-B802-4C8F-996C-51772610AE28}">
+    <dsp:sp modelId="{2E3B89D9-371F-4849-B1A1-13AE09760E56}">
       <dsp:nvSpPr>
         <dsp:cNvPr id="0" name=""/>
         <dsp:cNvSpPr/>
@@ -9277,10 +9272,9 @@
             <a:buNone/>
           </a:pPr>
           <a:r>
-            <a:rPr lang="en-US" sz="2400" kern="1200"/>
-            <a:t>Probabilistic Reasoning</a:t>
+            <a:rPr lang="en-US" sz="2400" kern="1200" dirty="0"/>
+            <a:t>Large Language Models</a:t>
           </a:r>
-          <a:endParaRPr lang="en-US" sz="2400" kern="1200" dirty="0"/>
         </a:p>
       </dsp:txBody>
       <dsp:txXfrm>
@@ -9476,7 +9470,7 @@
         <a:ext cx="1728575" cy="1570603"/>
       </dsp:txXfrm>
     </dsp:sp>
-    <dsp:sp modelId="{2E3B89D9-371F-4849-B1A1-13AE09760E56}">
+    <dsp:sp modelId="{DDCFE056-7DBC-41D4-9B2A-043DC107776E}">
       <dsp:nvSpPr>
         <dsp:cNvPr id="0" name=""/>
         <dsp:cNvSpPr/>
@@ -9534,9 +9528,10 @@
             <a:buNone/>
           </a:pPr>
           <a:r>
-            <a:rPr lang="en-US" sz="2400" kern="1200" dirty="0"/>
-            <a:t>Large Language Models</a:t>
+            <a:rPr lang="en-US" sz="2400" kern="1200"/>
+            <a:t>Probabilistic Reasoning Agents</a:t>
           </a:r>
+          <a:endParaRPr lang="en-US" sz="2400" kern="1200" dirty="0"/>
         </a:p>
       </dsp:txBody>
       <dsp:txXfrm>
@@ -9544,7 +9539,7 @@
         <a:ext cx="1728575" cy="1570603"/>
       </dsp:txXfrm>
     </dsp:sp>
-    <dsp:sp modelId="{9B5E7A61-B802-4C8F-996C-51772610AE28}">
+    <dsp:sp modelId="{2E3B89D9-371F-4849-B1A1-13AE09760E56}">
       <dsp:nvSpPr>
         <dsp:cNvPr id="0" name=""/>
         <dsp:cNvSpPr/>
@@ -9602,10 +9597,9 @@
             <a:buNone/>
           </a:pPr>
           <a:r>
-            <a:rPr lang="en-US" sz="2400" kern="1200"/>
-            <a:t>Probabilistic Reasoning</a:t>
+            <a:rPr lang="en-US" sz="2400" kern="1200" dirty="0"/>
+            <a:t>Large Language Models</a:t>
           </a:r>
-          <a:endParaRPr lang="en-US" sz="2400" kern="1200" dirty="0"/>
         </a:p>
       </dsp:txBody>
       <dsp:txXfrm>
@@ -19757,7 +19751,7 @@
             <a:fld id="{441436E8-D6C9-439C-8057-F594059D4145}" type="datetimeFigureOut">
               <a:rPr lang="en-US" smtClean="0"/>
               <a:pPr/>
-              <a:t>12/6/2024</a:t>
+              <a:t>2/11/2025</a:t>
             </a:fld>
             <a:endParaRPr lang="en-US"/>
           </a:p>
@@ -22515,7 +22509,7 @@
     </p:spTree>
     <p:extLst>
       <p:ext uri="{BB962C8B-B14F-4D97-AF65-F5344CB8AC3E}">
-        <p14:creationId xmlns:p14="http://schemas.microsoft.com/office/powerpoint/2010/main" val="2615277292"/>
+        <p14:creationId xmlns:p14="http://schemas.microsoft.com/office/powerpoint/2010/main" val="2185405377"/>
       </p:ext>
     </p:extLst>
   </p:cSld>
@@ -22590,7 +22584,7 @@
           <a:bodyPr/>
           <a:lstStyle/>
           <a:p>
-            <a:fld id="{CFBD67E5-DBC4-4CEE-B749-873FCECA15D7}" type="slidenum">
+            <a:fld id="{B6DFCE81-ED3B-4626-8C28-1345F07C10AE}" type="slidenum">
               <a:rPr lang="en-US" smtClean="0"/>
               <a:pPr/>
               <a:t>12</a:t>
@@ -22602,7 +22596,7 @@
     </p:spTree>
     <p:extLst>
       <p:ext uri="{BB962C8B-B14F-4D97-AF65-F5344CB8AC3E}">
-        <p14:creationId xmlns:p14="http://schemas.microsoft.com/office/powerpoint/2010/main" val="1768885349"/>
+        <p14:creationId xmlns:p14="http://schemas.microsoft.com/office/powerpoint/2010/main" val="2615277292"/>
       </p:ext>
     </p:extLst>
   </p:cSld>
@@ -22677,10 +22671,10 @@
           <a:bodyPr/>
           <a:lstStyle/>
           <a:p>
-            <a:fld id="{B6DFCE81-ED3B-4626-8C28-1345F07C10AE}" type="slidenum">
+            <a:fld id="{CFBD67E5-DBC4-4CEE-B749-873FCECA15D7}" type="slidenum">
               <a:rPr lang="en-US" smtClean="0"/>
               <a:pPr/>
-              <a:t>16</a:t>
+              <a:t>14</a:t>
             </a:fld>
             <a:endParaRPr lang="en-US"/>
           </a:p>
@@ -22689,7 +22683,7 @@
     </p:spTree>
     <p:extLst>
       <p:ext uri="{BB962C8B-B14F-4D97-AF65-F5344CB8AC3E}">
-        <p14:creationId xmlns:p14="http://schemas.microsoft.com/office/powerpoint/2010/main" val="2185405377"/>
+        <p14:creationId xmlns:p14="http://schemas.microsoft.com/office/powerpoint/2010/main" val="1768885349"/>
       </p:ext>
     </p:extLst>
   </p:cSld>
@@ -27270,6 +27264,351 @@
           <a:p>
             <a:r>
               <a:rPr lang="en-US" dirty="0"/>
+              <a:t>Probabilistic Reasoning</a:t>
+            </a:r>
+          </a:p>
+        </p:txBody>
+      </p:sp>
+      <p:pic>
+        <p:nvPicPr>
+          <p:cNvPr id="2" name="Picture 1">
+            <a:extLst>
+              <a:ext uri="{FF2B5EF4-FFF2-40B4-BE49-F238E27FC236}">
+                <a16:creationId xmlns:a16="http://schemas.microsoft.com/office/drawing/2014/main" id="{466ABFD7-3370-4CE3-A3D4-94A70A5AF9D9}"/>
+              </a:ext>
+            </a:extLst>
+          </p:cNvPr>
+          <p:cNvPicPr>
+            <a:picLocks noChangeAspect="1"/>
+          </p:cNvPicPr>
+          <p:nvPr/>
+        </p:nvPicPr>
+        <p:blipFill>
+          <a:blip r:embed="rId3"/>
+          <a:stretch>
+            <a:fillRect/>
+          </a:stretch>
+        </p:blipFill>
+        <p:spPr>
+          <a:xfrm>
+            <a:off x="381000" y="1524000"/>
+            <a:ext cx="8382000" cy="2290976"/>
+          </a:xfrm>
+          <a:prstGeom prst="rect">
+            <a:avLst/>
+          </a:prstGeom>
+        </p:spPr>
+      </p:pic>
+      <p:sp>
+        <p:nvSpPr>
+          <p:cNvPr id="3" name="Rectangle 2">
+            <a:extLst>
+              <a:ext uri="{FF2B5EF4-FFF2-40B4-BE49-F238E27FC236}">
+                <a16:creationId xmlns:a16="http://schemas.microsoft.com/office/drawing/2014/main" id="{8AF2A674-3771-B596-4A5C-67250D2ED5D6}"/>
+              </a:ext>
+              <a:ext uri="{C183D7F6-B498-43B3-948B-1728B52AA6E4}">
+                <adec:decorative xmlns:adec="http://schemas.microsoft.com/office/drawing/2017/decorative" val="1"/>
+              </a:ext>
+            </a:extLst>
+          </p:cNvPr>
+          <p:cNvSpPr/>
+          <p:nvPr/>
+        </p:nvSpPr>
+        <p:spPr>
+          <a:xfrm>
+            <a:off x="680987" y="3116761"/>
+            <a:ext cx="6634213" cy="293641"/>
+          </a:xfrm>
+          <a:prstGeom prst="rect">
+            <a:avLst/>
+          </a:prstGeom>
+          <a:noFill/>
+          <a:ln w="28575"/>
+        </p:spPr>
+        <p:style>
+          <a:lnRef idx="2">
+            <a:schemeClr val="accent2"/>
+          </a:lnRef>
+          <a:fillRef idx="1">
+            <a:schemeClr val="lt1"/>
+          </a:fillRef>
+          <a:effectRef idx="0">
+            <a:schemeClr val="accent2"/>
+          </a:effectRef>
+          <a:fontRef idx="minor">
+            <a:schemeClr val="dk1"/>
+          </a:fontRef>
+        </p:style>
+        <p:txBody>
+          <a:bodyPr rtlCol="0" anchor="ctr"/>
+          <a:lstStyle/>
+          <a:p>
+            <a:pPr algn="ctr"/>
+            <a:endParaRPr lang="en-US"/>
+          </a:p>
+        </p:txBody>
+      </p:sp>
+      <p:sp>
+        <p:nvSpPr>
+          <p:cNvPr id="4" name="Content Placeholder 3">
+            <a:extLst>
+              <a:ext uri="{FF2B5EF4-FFF2-40B4-BE49-F238E27FC236}">
+                <a16:creationId xmlns:a16="http://schemas.microsoft.com/office/drawing/2014/main" id="{937E0161-09BD-3B71-7250-E8FE0789266E}"/>
+              </a:ext>
+            </a:extLst>
+          </p:cNvPr>
+          <p:cNvSpPr>
+            <a:spLocks noGrp="1"/>
+          </p:cNvSpPr>
+          <p:nvPr>
+            <p:ph idx="1"/>
+          </p:nvPr>
+        </p:nvSpPr>
+        <p:spPr>
+          <a:xfrm>
+            <a:off x="628650" y="4375433"/>
+            <a:ext cx="7886700" cy="1801529"/>
+          </a:xfrm>
+        </p:spPr>
+        <p:txBody>
+          <a:bodyPr>
+            <a:normAutofit/>
+          </a:bodyPr>
+          <a:lstStyle/>
+          <a:p>
+            <a:r>
+              <a:rPr lang="en-US" dirty="0"/>
+              <a:t>Replaces true/false with a probability.</a:t>
+            </a:r>
+          </a:p>
+          <a:p>
+            <a:r>
+              <a:rPr lang="en-US" dirty="0"/>
+              <a:t>This is the basis for</a:t>
+            </a:r>
+          </a:p>
+          <a:p>
+            <a:pPr lvl="1"/>
+            <a:r>
+              <a:rPr lang="en-US" dirty="0"/>
+              <a:t>Probabilistic reasoning under uncertainty</a:t>
+            </a:r>
+          </a:p>
+          <a:p>
+            <a:pPr lvl="1"/>
+            <a:r>
+              <a:rPr lang="en-US" dirty="0"/>
+              <a:t>Decision theory</a:t>
+            </a:r>
+          </a:p>
+          <a:p>
+            <a:pPr lvl="1"/>
+            <a:r>
+              <a:rPr lang="en-US" dirty="0"/>
+              <a:t>Machine Learning</a:t>
+            </a:r>
+          </a:p>
+          <a:p>
+            <a:endParaRPr lang="en-US" dirty="0"/>
+          </a:p>
+          <a:p>
+            <a:endParaRPr lang="en-US" dirty="0"/>
+          </a:p>
+        </p:txBody>
+      </p:sp>
+      <p:sp>
+        <p:nvSpPr>
+          <p:cNvPr id="5" name="TextBox 4">
+            <a:extLst>
+              <a:ext uri="{FF2B5EF4-FFF2-40B4-BE49-F238E27FC236}">
+                <a16:creationId xmlns:a16="http://schemas.microsoft.com/office/drawing/2014/main" id="{2374A6F6-9FA1-53CC-EAF7-09306D51B7FA}"/>
+              </a:ext>
+            </a:extLst>
+          </p:cNvPr>
+          <p:cNvSpPr txBox="1"/>
+          <p:nvPr/>
+        </p:nvSpPr>
+        <p:spPr>
+          <a:xfrm>
+            <a:off x="2593105" y="6123542"/>
+            <a:ext cx="4043413" cy="369332"/>
+          </a:xfrm>
+          <a:prstGeom prst="rect">
+            <a:avLst/>
+          </a:prstGeom>
+        </p:spPr>
+        <p:style>
+          <a:lnRef idx="3">
+            <a:schemeClr val="lt1"/>
+          </a:lnRef>
+          <a:fillRef idx="1">
+            <a:schemeClr val="accent2"/>
+          </a:fillRef>
+          <a:effectRef idx="1">
+            <a:schemeClr val="accent2"/>
+          </a:effectRef>
+          <a:fontRef idx="minor">
+            <a:schemeClr val="lt1"/>
+          </a:fontRef>
+        </p:style>
+        <p:txBody>
+          <a:bodyPr wrap="square" rtlCol="0">
+            <a:spAutoFit/>
+          </a:bodyPr>
+          <a:lstStyle/>
+          <a:p>
+            <a:r>
+              <a:rPr lang="en-US" dirty="0"/>
+              <a:t>We will talk about these topics a lot more</a:t>
+            </a:r>
+          </a:p>
+        </p:txBody>
+      </p:sp>
+    </p:spTree>
+    <p:extLst>
+      <p:ext uri="{BB962C8B-B14F-4D97-AF65-F5344CB8AC3E}">
+        <p14:creationId xmlns:p14="http://schemas.microsoft.com/office/powerpoint/2010/main" val="1438923240"/>
+      </p:ext>
+    </p:extLst>
+  </p:cSld>
+  <p:clrMapOvr>
+    <a:masterClrMapping/>
+  </p:clrMapOvr>
+</p:sld>
+</file>
+
+<file path=ppt/slides/slide11.xml><?xml version="1.0" encoding="utf-8"?>
+<p:sld xmlns:a="http://schemas.openxmlformats.org/drawingml/2006/main" xmlns:r="http://schemas.openxmlformats.org/officeDocument/2006/relationships" xmlns:p="http://schemas.openxmlformats.org/presentationml/2006/main">
+  <p:cSld>
+    <p:spTree>
+      <p:nvGrpSpPr>
+        <p:cNvPr id="1" name="">
+          <a:extLst>
+            <a:ext uri="{FF2B5EF4-FFF2-40B4-BE49-F238E27FC236}">
+              <a16:creationId xmlns:a16="http://schemas.microsoft.com/office/drawing/2014/main" id="{8AFDB0CC-1E4D-0276-DF39-CD1E412F6A85}"/>
+            </a:ext>
+          </a:extLst>
+        </p:cNvPr>
+        <p:cNvGrpSpPr/>
+        <p:nvPr/>
+      </p:nvGrpSpPr>
+      <p:grpSpPr>
+        <a:xfrm>
+          <a:off x="0" y="0"/>
+          <a:ext cx="0" cy="0"/>
+          <a:chOff x="0" y="0"/>
+          <a:chExt cx="0" cy="0"/>
+        </a:xfrm>
+      </p:grpSpPr>
+      <p:sp>
+        <p:nvSpPr>
+          <p:cNvPr id="2" name="Title 1">
+            <a:extLst>
+              <a:ext uri="{FF2B5EF4-FFF2-40B4-BE49-F238E27FC236}">
+                <a16:creationId xmlns:a16="http://schemas.microsoft.com/office/drawing/2014/main" id="{037780D9-BB3D-1069-69BA-D7639F566C17}"/>
+              </a:ext>
+            </a:extLst>
+          </p:cNvPr>
+          <p:cNvSpPr>
+            <a:spLocks noGrp="1"/>
+          </p:cNvSpPr>
+          <p:nvPr>
+            <p:ph type="title"/>
+          </p:nvPr>
+        </p:nvSpPr>
+        <p:spPr/>
+        <p:txBody>
+          <a:bodyPr/>
+          <a:lstStyle/>
+          <a:p>
+            <a:r>
+              <a:rPr lang="en-US" dirty="0"/>
+              <a:t>Outline</a:t>
+            </a:r>
+          </a:p>
+        </p:txBody>
+      </p:sp>
+      <p:graphicFrame>
+        <p:nvGraphicFramePr>
+          <p:cNvPr id="4" name="Content Placeholder 3">
+            <a:extLst>
+              <a:ext uri="{FF2B5EF4-FFF2-40B4-BE49-F238E27FC236}">
+                <a16:creationId xmlns:a16="http://schemas.microsoft.com/office/drawing/2014/main" id="{0A6DB192-D69E-45DA-1C13-FCADFAE64E21}"/>
+              </a:ext>
+              <a:ext uri="{C183D7F6-B498-43B3-948B-1728B52AA6E4}">
+                <adec:decorative xmlns:adec="http://schemas.microsoft.com/office/drawing/2017/decorative" val="1"/>
+              </a:ext>
+            </a:extLst>
+          </p:cNvPr>
+          <p:cNvGraphicFramePr>
+            <a:graphicFrameLocks noGrp="1"/>
+          </p:cNvGraphicFramePr>
+          <p:nvPr>
+            <p:ph idx="1"/>
+            <p:extLst>
+              <p:ext uri="{D42A27DB-BD31-4B8C-83A1-F6EECF244321}">
+                <p14:modId xmlns:p14="http://schemas.microsoft.com/office/powerpoint/2010/main" val="847736288"/>
+              </p:ext>
+            </p:extLst>
+          </p:nvPr>
+        </p:nvGraphicFramePr>
+        <p:xfrm>
+          <a:off x="628650" y="1825625"/>
+          <a:ext cx="7886700" cy="4351338"/>
+        </p:xfrm>
+        <a:graphic>
+          <a:graphicData uri="http://schemas.openxmlformats.org/drawingml/2006/diagram">
+            <dgm:relIds xmlns:dgm="http://schemas.openxmlformats.org/drawingml/2006/diagram" xmlns:r="http://schemas.openxmlformats.org/officeDocument/2006/relationships" r:dm="rId2" r:lo="rId3" r:qs="rId4" r:cs="rId5"/>
+          </a:graphicData>
+        </a:graphic>
+      </p:graphicFrame>
+    </p:spTree>
+    <p:extLst>
+      <p:ext uri="{BB962C8B-B14F-4D97-AF65-F5344CB8AC3E}">
+        <p14:creationId xmlns:p14="http://schemas.microsoft.com/office/powerpoint/2010/main" val="4068247504"/>
+      </p:ext>
+    </p:extLst>
+  </p:cSld>
+  <p:clrMapOvr>
+    <a:masterClrMapping/>
+  </p:clrMapOvr>
+</p:sld>
+</file>
+
+<file path=ppt/slides/slide12.xml><?xml version="1.0" encoding="utf-8"?>
+<p:sld xmlns:a="http://schemas.openxmlformats.org/drawingml/2006/main" xmlns:r="http://schemas.openxmlformats.org/officeDocument/2006/relationships" xmlns:p="http://schemas.openxmlformats.org/presentationml/2006/main">
+  <p:cSld>
+    <p:spTree>
+      <p:nvGrpSpPr>
+        <p:cNvPr id="1" name=""/>
+        <p:cNvGrpSpPr/>
+        <p:nvPr/>
+      </p:nvGrpSpPr>
+      <p:grpSpPr>
+        <a:xfrm>
+          <a:off x="0" y="0"/>
+          <a:ext cx="0" cy="0"/>
+          <a:chOff x="0" y="0"/>
+          <a:chExt cx="0" cy="0"/>
+        </a:xfrm>
+      </p:grpSpPr>
+      <p:sp>
+        <p:nvSpPr>
+          <p:cNvPr id="6146" name="Rectangle 2"/>
+          <p:cNvSpPr>
+            <a:spLocks noGrp="1" noChangeArrowheads="1"/>
+          </p:cNvSpPr>
+          <p:nvPr>
+            <p:ph type="title"/>
+          </p:nvPr>
+        </p:nvSpPr>
+        <p:spPr/>
+        <p:txBody>
+          <a:bodyPr/>
+          <a:lstStyle/>
+          <a:p>
+            <a:r>
+              <a:rPr lang="en-US" dirty="0"/>
               <a:t>LLMs - Large Language Models</a:t>
             </a:r>
           </a:p>
@@ -27293,9 +27632,9 @@
         <p:grpSpPr>
           <a:xfrm>
             <a:off x="381000" y="1524000"/>
-            <a:ext cx="8382000" cy="3022472"/>
+            <a:ext cx="8382000" cy="3031499"/>
             <a:chOff x="381000" y="1524000"/>
-            <a:chExt cx="8382000" cy="3022472"/>
+            <a:chExt cx="8382000" cy="3031499"/>
           </a:xfrm>
         </p:grpSpPr>
         <p:pic>
@@ -27343,9 +27682,9 @@
           <p:grpSpPr>
             <a:xfrm>
               <a:off x="395406" y="3869917"/>
-              <a:ext cx="8245345" cy="676555"/>
+              <a:ext cx="8217543" cy="685582"/>
               <a:chOff x="395406" y="3869917"/>
-              <a:chExt cx="8245345" cy="676555"/>
+              <a:chExt cx="8217543" cy="685582"/>
             </a:xfrm>
           </p:grpSpPr>
           <p:sp>
@@ -27362,7 +27701,7 @@
             </p:nvSpPr>
             <p:spPr>
               <a:xfrm>
-                <a:off x="658801" y="3961697"/>
+                <a:off x="630999" y="3970724"/>
                 <a:ext cx="7981950" cy="584775"/>
               </a:xfrm>
               <a:prstGeom prst="rect">
@@ -27457,7 +27796,7 @@
         </p:nvSpPr>
         <p:spPr>
           <a:xfrm>
-            <a:off x="345367" y="3961697"/>
+            <a:off x="395406" y="3961697"/>
             <a:ext cx="6248400" cy="686776"/>
           </a:xfrm>
           <a:prstGeom prst="rect">
@@ -27543,7 +27882,7 @@
 </p:sld>
 </file>
 
-<file path=ppt/slides/slide11.xml><?xml version="1.0" encoding="utf-8"?>
+<file path=ppt/slides/slide13.xml><?xml version="1.0" encoding="utf-8"?>
 <p:sld xmlns:a="http://schemas.openxmlformats.org/drawingml/2006/main" xmlns:r="http://schemas.openxmlformats.org/officeDocument/2006/relationships" xmlns:p="http://schemas.openxmlformats.org/presentationml/2006/main">
   <p:cSld>
     <p:spTree>
@@ -28344,7 +28683,7 @@
 </p:sld>
 </file>
 
-<file path=ppt/slides/slide12.xml><?xml version="1.0" encoding="utf-8"?>
+<file path=ppt/slides/slide14.xml><?xml version="1.0" encoding="utf-8"?>
 <p:sld xmlns:a="http://schemas.openxmlformats.org/drawingml/2006/main" xmlns:r="http://schemas.openxmlformats.org/officeDocument/2006/relationships" xmlns:p="http://schemas.openxmlformats.org/presentationml/2006/main">
   <p:cSld>
     <p:spTree>
@@ -28906,7 +29245,7 @@
 </p:sld>
 </file>
 
-<file path=ppt/slides/slide13.xml><?xml version="1.0" encoding="utf-8"?>
+<file path=ppt/slides/slide15.xml><?xml version="1.0" encoding="utf-8"?>
 <p:sld xmlns:a="http://schemas.openxmlformats.org/drawingml/2006/main" xmlns:r="http://schemas.openxmlformats.org/officeDocument/2006/relationships" xmlns:p="http://schemas.openxmlformats.org/presentationml/2006/main">
   <p:cSld>
     <p:spTree>
@@ -29363,7 +29702,7 @@
 </p:sld>
 </file>
 
-<file path=ppt/slides/slide14.xml><?xml version="1.0" encoding="utf-8"?>
+<file path=ppt/slides/slide16.xml><?xml version="1.0" encoding="utf-8"?>
 <p:sld xmlns:a="http://schemas.openxmlformats.org/drawingml/2006/main" xmlns:r="http://schemas.openxmlformats.org/officeDocument/2006/relationships" xmlns:p="http://schemas.openxmlformats.org/presentationml/2006/main">
   <p:cSld>
     <p:bg>
@@ -29762,480 +30101,6 @@
     <p:extLst>
       <p:ext uri="{BB962C8B-B14F-4D97-AF65-F5344CB8AC3E}">
         <p14:creationId xmlns:p14="http://schemas.microsoft.com/office/powerpoint/2010/main" val="3451894209"/>
-      </p:ext>
-    </p:extLst>
-  </p:cSld>
-  <p:clrMapOvr>
-    <a:masterClrMapping/>
-  </p:clrMapOvr>
-</p:sld>
-</file>
-
-<file path=ppt/slides/slide15.xml><?xml version="1.0" encoding="utf-8"?>
-<p:sld xmlns:a="http://schemas.openxmlformats.org/drawingml/2006/main" xmlns:r="http://schemas.openxmlformats.org/officeDocument/2006/relationships" xmlns:p="http://schemas.openxmlformats.org/presentationml/2006/main">
-  <p:cSld>
-    <p:spTree>
-      <p:nvGrpSpPr>
-        <p:cNvPr id="1" name=""/>
-        <p:cNvGrpSpPr/>
-        <p:nvPr/>
-      </p:nvGrpSpPr>
-      <p:grpSpPr>
-        <a:xfrm>
-          <a:off x="0" y="0"/>
-          <a:ext cx="0" cy="0"/>
-          <a:chOff x="0" y="0"/>
-          <a:chExt cx="0" cy="0"/>
-        </a:xfrm>
-      </p:grpSpPr>
-      <p:sp>
-        <p:nvSpPr>
-          <p:cNvPr id="2" name="Title 1">
-            <a:extLst>
-              <a:ext uri="{FF2B5EF4-FFF2-40B4-BE49-F238E27FC236}">
-                <a16:creationId xmlns:a16="http://schemas.microsoft.com/office/drawing/2014/main" id="{5842A7C6-15BC-C9D5-E9E1-8402BE754809}"/>
-              </a:ext>
-            </a:extLst>
-          </p:cNvPr>
-          <p:cNvSpPr>
-            <a:spLocks noGrp="1"/>
-          </p:cNvSpPr>
-          <p:nvPr>
-            <p:ph type="title"/>
-          </p:nvPr>
-        </p:nvSpPr>
-        <p:spPr/>
-        <p:txBody>
-          <a:bodyPr/>
-          <a:lstStyle/>
-          <a:p>
-            <a:r>
-              <a:rPr lang="en-US" dirty="0"/>
-              <a:t>Outline</a:t>
-            </a:r>
-          </a:p>
-        </p:txBody>
-      </p:sp>
-      <p:graphicFrame>
-        <p:nvGraphicFramePr>
-          <p:cNvPr id="4" name="Content Placeholder 3">
-            <a:extLst>
-              <a:ext uri="{FF2B5EF4-FFF2-40B4-BE49-F238E27FC236}">
-                <a16:creationId xmlns:a16="http://schemas.microsoft.com/office/drawing/2014/main" id="{C6D9D45A-DBCC-78B1-7955-6C5FCC400515}"/>
-              </a:ext>
-              <a:ext uri="{C183D7F6-B498-43B3-948B-1728B52AA6E4}">
-                <adec:decorative xmlns:adec="http://schemas.microsoft.com/office/drawing/2017/decorative" val="1"/>
-              </a:ext>
-            </a:extLst>
-          </p:cNvPr>
-          <p:cNvGraphicFramePr>
-            <a:graphicFrameLocks noGrp="1"/>
-          </p:cNvGraphicFramePr>
-          <p:nvPr>
-            <p:ph idx="1"/>
-            <p:extLst>
-              <p:ext uri="{D42A27DB-BD31-4B8C-83A1-F6EECF244321}">
-                <p14:modId xmlns:p14="http://schemas.microsoft.com/office/powerpoint/2010/main" val="3952300743"/>
-              </p:ext>
-            </p:extLst>
-          </p:nvPr>
-        </p:nvGraphicFramePr>
-        <p:xfrm>
-          <a:off x="628650" y="1825625"/>
-          <a:ext cx="7886700" cy="4351338"/>
-        </p:xfrm>
-        <a:graphic>
-          <a:graphicData uri="http://schemas.openxmlformats.org/drawingml/2006/diagram">
-            <dgm:relIds xmlns:dgm="http://schemas.openxmlformats.org/drawingml/2006/diagram" xmlns:r="http://schemas.openxmlformats.org/officeDocument/2006/relationships" r:dm="rId2" r:lo="rId3" r:qs="rId4" r:cs="rId5"/>
-          </a:graphicData>
-        </a:graphic>
-      </p:graphicFrame>
-    </p:spTree>
-    <p:extLst>
-      <p:ext uri="{BB962C8B-B14F-4D97-AF65-F5344CB8AC3E}">
-        <p14:creationId xmlns:p14="http://schemas.microsoft.com/office/powerpoint/2010/main" val="1891358099"/>
-      </p:ext>
-    </p:extLst>
-  </p:cSld>
-  <p:clrMapOvr>
-    <a:masterClrMapping/>
-  </p:clrMapOvr>
-</p:sld>
-</file>
-
-<file path=ppt/slides/slide16.xml><?xml version="1.0" encoding="utf-8"?>
-<p:sld xmlns:a="http://schemas.openxmlformats.org/drawingml/2006/main" xmlns:r="http://schemas.openxmlformats.org/officeDocument/2006/relationships" xmlns:p="http://schemas.openxmlformats.org/presentationml/2006/main">
-  <p:cSld>
-    <p:spTree>
-      <p:nvGrpSpPr>
-        <p:cNvPr id="1" name=""/>
-        <p:cNvGrpSpPr/>
-        <p:nvPr/>
-      </p:nvGrpSpPr>
-      <p:grpSpPr>
-        <a:xfrm>
-          <a:off x="0" y="0"/>
-          <a:ext cx="0" cy="0"/>
-          <a:chOff x="0" y="0"/>
-          <a:chExt cx="0" cy="0"/>
-        </a:xfrm>
-      </p:grpSpPr>
-      <p:sp>
-        <p:nvSpPr>
-          <p:cNvPr id="6146" name="Rectangle 2"/>
-          <p:cNvSpPr>
-            <a:spLocks noGrp="1" noChangeArrowheads="1"/>
-          </p:cNvSpPr>
-          <p:nvPr>
-            <p:ph type="title"/>
-          </p:nvPr>
-        </p:nvSpPr>
-        <p:spPr/>
-        <p:txBody>
-          <a:bodyPr/>
-          <a:lstStyle/>
-          <a:p>
-            <a:r>
-              <a:rPr lang="en-US" dirty="0"/>
-              <a:t>Probabilistic Reasoning</a:t>
-            </a:r>
-          </a:p>
-        </p:txBody>
-      </p:sp>
-      <p:grpSp>
-        <p:nvGrpSpPr>
-          <p:cNvPr id="10" name="Group 9">
-            <a:extLst>
-              <a:ext uri="{FF2B5EF4-FFF2-40B4-BE49-F238E27FC236}">
-                <a16:creationId xmlns:a16="http://schemas.microsoft.com/office/drawing/2014/main" id="{CF86383B-2596-B951-6E5C-58535139642A}"/>
-              </a:ext>
-              <a:ext uri="{C183D7F6-B498-43B3-948B-1728B52AA6E4}">
-                <adec:decorative xmlns:adec="http://schemas.microsoft.com/office/drawing/2017/decorative" val="1"/>
-              </a:ext>
-            </a:extLst>
-          </p:cNvPr>
-          <p:cNvGrpSpPr/>
-          <p:nvPr/>
-        </p:nvGrpSpPr>
-        <p:grpSpPr>
-          <a:xfrm>
-            <a:off x="381000" y="1524000"/>
-            <a:ext cx="8382000" cy="2732787"/>
-            <a:chOff x="381000" y="1524000"/>
-            <a:chExt cx="8382000" cy="2732787"/>
-          </a:xfrm>
-        </p:grpSpPr>
-        <p:pic>
-          <p:nvPicPr>
-            <p:cNvPr id="2" name="Picture 1">
-              <a:extLst>
-                <a:ext uri="{FF2B5EF4-FFF2-40B4-BE49-F238E27FC236}">
-                  <a16:creationId xmlns:a16="http://schemas.microsoft.com/office/drawing/2014/main" id="{466ABFD7-3370-4CE3-A3D4-94A70A5AF9D9}"/>
-                </a:ext>
-              </a:extLst>
-            </p:cNvPr>
-            <p:cNvPicPr>
-              <a:picLocks noChangeAspect="1"/>
-            </p:cNvPicPr>
-            <p:nvPr/>
-          </p:nvPicPr>
-          <p:blipFill>
-            <a:blip r:embed="rId3"/>
-            <a:stretch>
-              <a:fillRect/>
-            </a:stretch>
-          </p:blipFill>
-          <p:spPr>
-            <a:xfrm>
-              <a:off x="381000" y="1524000"/>
-              <a:ext cx="8382000" cy="2290976"/>
-            </a:xfrm>
-            <a:prstGeom prst="rect">
-              <a:avLst/>
-            </a:prstGeom>
-          </p:spPr>
-        </p:pic>
-        <p:grpSp>
-          <p:nvGrpSpPr>
-            <p:cNvPr id="9" name="Group 8">
-              <a:extLst>
-                <a:ext uri="{FF2B5EF4-FFF2-40B4-BE49-F238E27FC236}">
-                  <a16:creationId xmlns:a16="http://schemas.microsoft.com/office/drawing/2014/main" id="{7AC5B94A-8EEC-2B3B-3736-8498A95B47B6}"/>
-                </a:ext>
-              </a:extLst>
-            </p:cNvPr>
-            <p:cNvGrpSpPr/>
-            <p:nvPr/>
-          </p:nvGrpSpPr>
-          <p:grpSpPr>
-            <a:xfrm>
-              <a:off x="381000" y="3553366"/>
-              <a:ext cx="8224787" cy="703421"/>
-              <a:chOff x="381000" y="3553366"/>
-              <a:chExt cx="8224787" cy="703421"/>
-            </a:xfrm>
-          </p:grpSpPr>
-          <p:sp>
-            <p:nvSpPr>
-              <p:cNvPr id="7" name="TextBox 6">
-                <a:extLst>
-                  <a:ext uri="{FF2B5EF4-FFF2-40B4-BE49-F238E27FC236}">
-                    <a16:creationId xmlns:a16="http://schemas.microsoft.com/office/drawing/2014/main" id="{ABAB136D-66B9-A975-086A-D7B2D61B5DB7}"/>
-                  </a:ext>
-                </a:extLst>
-              </p:cNvPr>
-              <p:cNvSpPr txBox="1"/>
-              <p:nvPr/>
-            </p:nvSpPr>
-            <p:spPr>
-              <a:xfrm>
-                <a:off x="623837" y="3672012"/>
-                <a:ext cx="7981950" cy="584775"/>
-              </a:xfrm>
-              <a:prstGeom prst="rect">
-                <a:avLst/>
-              </a:prstGeom>
-              <a:noFill/>
-            </p:spPr>
-            <p:txBody>
-              <a:bodyPr wrap="square" rtlCol="0">
-                <a:spAutoFit/>
-              </a:bodyPr>
-              <a:lstStyle/>
-              <a:p>
-                <a:r>
-                  <a:rPr lang="en-US" sz="1600" dirty="0">
-                    <a:latin typeface="Times New Roman" panose="02020603050405020304" pitchFamily="18" charset="0"/>
-                    <a:cs typeface="Times New Roman" panose="02020603050405020304" pitchFamily="18" charset="0"/>
-                  </a:rPr>
-                  <a:t>Natural Language        word patterns representing </a:t>
-                </a:r>
-                <a:br>
-                  <a:rPr lang="en-US" sz="1600" dirty="0">
-                    <a:latin typeface="Times New Roman" panose="02020603050405020304" pitchFamily="18" charset="0"/>
-                    <a:cs typeface="Times New Roman" panose="02020603050405020304" pitchFamily="18" charset="0"/>
-                  </a:rPr>
-                </a:br>
-                <a:r>
-                  <a:rPr lang="en-US" sz="1600" dirty="0">
-                    <a:latin typeface="Times New Roman" panose="02020603050405020304" pitchFamily="18" charset="0"/>
-                    <a:cs typeface="Times New Roman" panose="02020603050405020304" pitchFamily="18" charset="0"/>
-                  </a:rPr>
-                  <a:t>		      facts, objects, relations, …                 ???</a:t>
-                </a:r>
-              </a:p>
-            </p:txBody>
-          </p:sp>
-          <p:sp>
-            <p:nvSpPr>
-              <p:cNvPr id="8" name="TextBox 7">
-                <a:extLst>
-                  <a:ext uri="{FF2B5EF4-FFF2-40B4-BE49-F238E27FC236}">
-                    <a16:creationId xmlns:a16="http://schemas.microsoft.com/office/drawing/2014/main" id="{4B097C8C-EBC1-6D92-3D3B-A5974704F6DE}"/>
-                  </a:ext>
-                </a:extLst>
-              </p:cNvPr>
-              <p:cNvSpPr txBox="1"/>
-              <p:nvPr/>
-            </p:nvSpPr>
-            <p:spPr>
-              <a:xfrm>
-                <a:off x="381000" y="3553366"/>
-                <a:ext cx="299987" cy="523220"/>
-              </a:xfrm>
-              <a:prstGeom prst="rect">
-                <a:avLst/>
-              </a:prstGeom>
-              <a:noFill/>
-            </p:spPr>
-            <p:txBody>
-              <a:bodyPr wrap="square" rtlCol="0">
-                <a:spAutoFit/>
-              </a:bodyPr>
-              <a:lstStyle/>
-              <a:p>
-                <a:r>
-                  <a:rPr lang="en-US" sz="2800" b="1" dirty="0">
-                    <a:solidFill>
-                      <a:srgbClr val="FF0000"/>
-                    </a:solidFill>
-                  </a:rPr>
-                  <a:t>+</a:t>
-                </a:r>
-              </a:p>
-            </p:txBody>
-          </p:sp>
-        </p:grpSp>
-      </p:grpSp>
-      <p:sp>
-        <p:nvSpPr>
-          <p:cNvPr id="3" name="Rectangle 2">
-            <a:extLst>
-              <a:ext uri="{FF2B5EF4-FFF2-40B4-BE49-F238E27FC236}">
-                <a16:creationId xmlns:a16="http://schemas.microsoft.com/office/drawing/2014/main" id="{8AF2A674-3771-B596-4A5C-67250D2ED5D6}"/>
-              </a:ext>
-              <a:ext uri="{C183D7F6-B498-43B3-948B-1728B52AA6E4}">
-                <adec:decorative xmlns:adec="http://schemas.microsoft.com/office/drawing/2017/decorative" val="1"/>
-              </a:ext>
-            </a:extLst>
-          </p:cNvPr>
-          <p:cNvSpPr/>
-          <p:nvPr/>
-        </p:nvSpPr>
-        <p:spPr>
-          <a:xfrm>
-            <a:off x="680987" y="3116761"/>
-            <a:ext cx="6634213" cy="293641"/>
-          </a:xfrm>
-          <a:prstGeom prst="rect">
-            <a:avLst/>
-          </a:prstGeom>
-          <a:noFill/>
-          <a:ln w="28575"/>
-        </p:spPr>
-        <p:style>
-          <a:lnRef idx="2">
-            <a:schemeClr val="accent2"/>
-          </a:lnRef>
-          <a:fillRef idx="1">
-            <a:schemeClr val="lt1"/>
-          </a:fillRef>
-          <a:effectRef idx="0">
-            <a:schemeClr val="accent2"/>
-          </a:effectRef>
-          <a:fontRef idx="minor">
-            <a:schemeClr val="dk1"/>
-          </a:fontRef>
-        </p:style>
-        <p:txBody>
-          <a:bodyPr rtlCol="0" anchor="ctr"/>
-          <a:lstStyle/>
-          <a:p>
-            <a:pPr algn="ctr"/>
-            <a:endParaRPr lang="en-US"/>
-          </a:p>
-        </p:txBody>
-      </p:sp>
-      <p:sp>
-        <p:nvSpPr>
-          <p:cNvPr id="4" name="Content Placeholder 3">
-            <a:extLst>
-              <a:ext uri="{FF2B5EF4-FFF2-40B4-BE49-F238E27FC236}">
-                <a16:creationId xmlns:a16="http://schemas.microsoft.com/office/drawing/2014/main" id="{937E0161-09BD-3B71-7250-E8FE0789266E}"/>
-              </a:ext>
-            </a:extLst>
-          </p:cNvPr>
-          <p:cNvSpPr>
-            <a:spLocks noGrp="1"/>
-          </p:cNvSpPr>
-          <p:nvPr>
-            <p:ph idx="1"/>
-          </p:nvPr>
-        </p:nvSpPr>
-        <p:spPr>
-          <a:xfrm>
-            <a:off x="628650" y="4375433"/>
-            <a:ext cx="7886700" cy="1801529"/>
-          </a:xfrm>
-        </p:spPr>
-        <p:txBody>
-          <a:bodyPr>
-            <a:normAutofit/>
-          </a:bodyPr>
-          <a:lstStyle/>
-          <a:p>
-            <a:r>
-              <a:rPr lang="en-US" dirty="0"/>
-              <a:t>Replaces true/false with a probability.</a:t>
-            </a:r>
-          </a:p>
-          <a:p>
-            <a:r>
-              <a:rPr lang="en-US" dirty="0"/>
-              <a:t>This is the basis for</a:t>
-            </a:r>
-          </a:p>
-          <a:p>
-            <a:pPr lvl="1"/>
-            <a:r>
-              <a:rPr lang="en-US" dirty="0"/>
-              <a:t>Probabilistic reasoning under uncertainty</a:t>
-            </a:r>
-          </a:p>
-          <a:p>
-            <a:pPr lvl="1"/>
-            <a:r>
-              <a:rPr lang="en-US" dirty="0"/>
-              <a:t>Decision theory</a:t>
-            </a:r>
-          </a:p>
-          <a:p>
-            <a:pPr lvl="1"/>
-            <a:r>
-              <a:rPr lang="en-US" dirty="0"/>
-              <a:t>Machine Learning</a:t>
-            </a:r>
-          </a:p>
-          <a:p>
-            <a:endParaRPr lang="en-US" dirty="0"/>
-          </a:p>
-          <a:p>
-            <a:endParaRPr lang="en-US" dirty="0"/>
-          </a:p>
-        </p:txBody>
-      </p:sp>
-      <p:sp>
-        <p:nvSpPr>
-          <p:cNvPr id="5" name="TextBox 4">
-            <a:extLst>
-              <a:ext uri="{FF2B5EF4-FFF2-40B4-BE49-F238E27FC236}">
-                <a16:creationId xmlns:a16="http://schemas.microsoft.com/office/drawing/2014/main" id="{2374A6F6-9FA1-53CC-EAF7-09306D51B7FA}"/>
-              </a:ext>
-            </a:extLst>
-          </p:cNvPr>
-          <p:cNvSpPr txBox="1"/>
-          <p:nvPr/>
-        </p:nvSpPr>
-        <p:spPr>
-          <a:xfrm>
-            <a:off x="2593105" y="6123542"/>
-            <a:ext cx="4043413" cy="369332"/>
-          </a:xfrm>
-          <a:prstGeom prst="rect">
-            <a:avLst/>
-          </a:prstGeom>
-        </p:spPr>
-        <p:style>
-          <a:lnRef idx="3">
-            <a:schemeClr val="lt1"/>
-          </a:lnRef>
-          <a:fillRef idx="1">
-            <a:schemeClr val="accent2"/>
-          </a:fillRef>
-          <a:effectRef idx="1">
-            <a:schemeClr val="accent2"/>
-          </a:effectRef>
-          <a:fontRef idx="minor">
-            <a:schemeClr val="lt1"/>
-          </a:fontRef>
-        </p:style>
-        <p:txBody>
-          <a:bodyPr wrap="square" rtlCol="0">
-            <a:spAutoFit/>
-          </a:bodyPr>
-          <a:lstStyle/>
-          <a:p>
-            <a:r>
-              <a:rPr lang="en-US" dirty="0"/>
-              <a:t>We will talk about these topics a lot more</a:t>
-            </a:r>
-          </a:p>
-        </p:txBody>
-      </p:sp>
-    </p:spTree>
-    <p:extLst>
-      <p:ext uri="{BB962C8B-B14F-4D97-AF65-F5344CB8AC3E}">
-        <p14:creationId xmlns:p14="http://schemas.microsoft.com/office/powerpoint/2010/main" val="1438923240"/>
       </p:ext>
     </p:extLst>
   </p:cSld>
@@ -30943,7 +30808,7 @@
             <p:ph idx="1"/>
             <p:extLst>
               <p:ext uri="{D42A27DB-BD31-4B8C-83A1-F6EECF244321}">
-                <p14:modId xmlns:p14="http://schemas.microsoft.com/office/powerpoint/2010/main" val="1093325998"/>
+                <p14:modId xmlns:p14="http://schemas.microsoft.com/office/powerpoint/2010/main" val="1218406165"/>
               </p:ext>
             </p:extLst>
           </p:nvPr>
@@ -45148,7 +45013,13 @@
   <p:cSld>
     <p:spTree>
       <p:nvGrpSpPr>
-        <p:cNvPr id="1" name=""/>
+        <p:cNvPr id="1" name="">
+          <a:extLst>
+            <a:ext uri="{FF2B5EF4-FFF2-40B4-BE49-F238E27FC236}">
+              <a16:creationId xmlns:a16="http://schemas.microsoft.com/office/drawing/2014/main" id="{9B54F654-914A-7515-10BB-A23C140AFCB1}"/>
+            </a:ext>
+          </a:extLst>
+        </p:cNvPr>
         <p:cNvGrpSpPr/>
         <p:nvPr/>
       </p:nvGrpSpPr>
@@ -45165,7 +45036,7 @@
           <p:cNvPr id="2" name="Title 1">
             <a:extLst>
               <a:ext uri="{FF2B5EF4-FFF2-40B4-BE49-F238E27FC236}">
-                <a16:creationId xmlns:a16="http://schemas.microsoft.com/office/drawing/2014/main" id="{5842A7C6-15BC-C9D5-E9E1-8402BE754809}"/>
+                <a16:creationId xmlns:a16="http://schemas.microsoft.com/office/drawing/2014/main" id="{08C82FD5-42B3-4813-E1B0-C87192337178}"/>
               </a:ext>
             </a:extLst>
           </p:cNvPr>
@@ -45193,7 +45064,7 @@
           <p:cNvPr id="4" name="Content Placeholder 3">
             <a:extLst>
               <a:ext uri="{FF2B5EF4-FFF2-40B4-BE49-F238E27FC236}">
-                <a16:creationId xmlns:a16="http://schemas.microsoft.com/office/drawing/2014/main" id="{C6D9D45A-DBCC-78B1-7955-6C5FCC400515}"/>
+                <a16:creationId xmlns:a16="http://schemas.microsoft.com/office/drawing/2014/main" id="{BED0ED25-5F78-F2C4-89AF-E39D8E2BB4E9}"/>
               </a:ext>
               <a:ext uri="{C183D7F6-B498-43B3-948B-1728B52AA6E4}">
                 <adec:decorative xmlns:adec="http://schemas.microsoft.com/office/drawing/2017/decorative" val="1"/>
@@ -45207,7 +45078,7 @@
             <p:ph idx="1"/>
             <p:extLst>
               <p:ext uri="{D42A27DB-BD31-4B8C-83A1-F6EECF244321}">
-                <p14:modId xmlns:p14="http://schemas.microsoft.com/office/powerpoint/2010/main" val="3857229035"/>
+                <p14:modId xmlns:p14="http://schemas.microsoft.com/office/powerpoint/2010/main" val="491910027"/>
               </p:ext>
             </p:extLst>
           </p:nvPr>
@@ -45225,7 +45096,7 @@
     </p:spTree>
     <p:extLst>
       <p:ext uri="{BB962C8B-B14F-4D97-AF65-F5344CB8AC3E}">
-        <p14:creationId xmlns:p14="http://schemas.microsoft.com/office/powerpoint/2010/main" val="1527135752"/>
+        <p14:creationId xmlns:p14="http://schemas.microsoft.com/office/powerpoint/2010/main" val="2943598476"/>
       </p:ext>
     </p:extLst>
   </p:cSld>
@@ -45467,7 +45338,13 @@
   <p:cSld>
     <p:spTree>
       <p:nvGrpSpPr>
-        <p:cNvPr id="1" name=""/>
+        <p:cNvPr id="1" name="">
+          <a:extLst>
+            <a:ext uri="{FF2B5EF4-FFF2-40B4-BE49-F238E27FC236}">
+              <a16:creationId xmlns:a16="http://schemas.microsoft.com/office/drawing/2014/main" id="{2B29F632-8097-1021-2215-8103D6949BD8}"/>
+            </a:ext>
+          </a:extLst>
+        </p:cNvPr>
         <p:cNvGrpSpPr/>
         <p:nvPr/>
       </p:nvGrpSpPr>
@@ -45484,7 +45361,7 @@
           <p:cNvPr id="2" name="Title 1">
             <a:extLst>
               <a:ext uri="{FF2B5EF4-FFF2-40B4-BE49-F238E27FC236}">
-                <a16:creationId xmlns:a16="http://schemas.microsoft.com/office/drawing/2014/main" id="{5842A7C6-15BC-C9D5-E9E1-8402BE754809}"/>
+                <a16:creationId xmlns:a16="http://schemas.microsoft.com/office/drawing/2014/main" id="{F112CCA3-4B93-BFBE-61D2-30DEAB4C7A30}"/>
               </a:ext>
             </a:extLst>
           </p:cNvPr>
@@ -45512,7 +45389,7 @@
           <p:cNvPr id="4" name="Content Placeholder 3">
             <a:extLst>
               <a:ext uri="{FF2B5EF4-FFF2-40B4-BE49-F238E27FC236}">
-                <a16:creationId xmlns:a16="http://schemas.microsoft.com/office/drawing/2014/main" id="{C6D9D45A-DBCC-78B1-7955-6C5FCC400515}"/>
+                <a16:creationId xmlns:a16="http://schemas.microsoft.com/office/drawing/2014/main" id="{8968134B-2B7E-5468-9515-AA0C4C8A30CD}"/>
               </a:ext>
               <a:ext uri="{C183D7F6-B498-43B3-948B-1728B52AA6E4}">
                 <adec:decorative xmlns:adec="http://schemas.microsoft.com/office/drawing/2017/decorative" val="1"/>
@@ -45526,7 +45403,7 @@
             <p:ph idx="1"/>
             <p:extLst>
               <p:ext uri="{D42A27DB-BD31-4B8C-83A1-F6EECF244321}">
-                <p14:modId xmlns:p14="http://schemas.microsoft.com/office/powerpoint/2010/main" val="3488021889"/>
+                <p14:modId xmlns:p14="http://schemas.microsoft.com/office/powerpoint/2010/main" val="3385846017"/>
               </p:ext>
             </p:extLst>
           </p:nvPr>
@@ -45541,51 +45418,10 @@
           </a:graphicData>
         </a:graphic>
       </p:graphicFrame>
-      <p:sp>
-        <p:nvSpPr>
-          <p:cNvPr id="3" name="TextBox 2">
-            <a:extLst>
-              <a:ext uri="{FF2B5EF4-FFF2-40B4-BE49-F238E27FC236}">
-                <a16:creationId xmlns:a16="http://schemas.microsoft.com/office/drawing/2014/main" id="{699A1E77-951D-DEF8-FC50-929B61522EB6}"/>
-              </a:ext>
-            </a:extLst>
-          </p:cNvPr>
-          <p:cNvSpPr txBox="1"/>
-          <p:nvPr/>
-        </p:nvSpPr>
-        <p:spPr>
-          <a:xfrm>
-            <a:off x="533400" y="6138301"/>
-            <a:ext cx="3200400" cy="338554"/>
-          </a:xfrm>
-          <a:prstGeom prst="rect">
-            <a:avLst/>
-          </a:prstGeom>
-          <a:noFill/>
-        </p:spPr>
-        <p:txBody>
-          <a:bodyPr wrap="square" rtlCol="0">
-            <a:spAutoFit/>
-          </a:bodyPr>
-          <a:lstStyle/>
-          <a:p>
-            <a:r>
-              <a:rPr lang="en-US" sz="1600" b="1" dirty="0">
-                <a:solidFill>
-                  <a:schemeClr val="accent3">
-                    <a:lumMod val="50000"/>
-                  </a:schemeClr>
-                </a:solidFill>
-              </a:rPr>
-              <a:t>* This is not in the AIMA textbook!</a:t>
-            </a:r>
-          </a:p>
-        </p:txBody>
-      </p:sp>
     </p:spTree>
     <p:extLst>
       <p:ext uri="{BB962C8B-B14F-4D97-AF65-F5344CB8AC3E}">
-        <p14:creationId xmlns:p14="http://schemas.microsoft.com/office/powerpoint/2010/main" val="951625830"/>
+        <p14:creationId xmlns:p14="http://schemas.microsoft.com/office/powerpoint/2010/main" val="245168875"/>
       </p:ext>
     </p:extLst>
   </p:cSld>

--- a/slides/07_knowledge-based.pptx
+++ b/slides/07_knowledge-based.pptx
@@ -19751,7 +19751,7 @@
             <a:fld id="{441436E8-D6C9-439C-8057-F594059D4145}" type="datetimeFigureOut">
               <a:rPr lang="en-US" smtClean="0"/>
               <a:pPr/>
-              <a:t>2/11/2025</a:t>
+              <a:t>4/7/2025</a:t>
             </a:fld>
             <a:endParaRPr lang="en-US"/>
           </a:p>
@@ -26724,6 +26724,15 @@
             <a:br>
               <a:rPr lang="en-US" sz="1500" dirty="0"/>
             </a:br>
+            <a:endParaRPr lang="en-US" sz="1500" dirty="0"/>
+          </a:p>
+          <a:p>
+            <a:pPr marL="0" indent="0" defTabSz="914400">
+              <a:spcBef>
+                <a:spcPts val="1000"/>
+              </a:spcBef>
+              <a:buNone/>
+            </a:pPr>
             <a:r>
               <a:rPr lang="en-US" sz="1200" dirty="0"/>
               <a:t>based on slides by Svetlana </a:t>
@@ -26743,193 +26752,6 @@
           </a:p>
         </p:txBody>
       </p:sp>
-      <p:grpSp>
-        <p:nvGrpSpPr>
-          <p:cNvPr id="8" name="Group 7">
-            <a:extLst>
-              <a:ext uri="{FF2B5EF4-FFF2-40B4-BE49-F238E27FC236}">
-                <a16:creationId xmlns:a16="http://schemas.microsoft.com/office/drawing/2014/main" id="{F21D57B0-AA54-C3D3-2D2D-F6924C228172}"/>
-              </a:ext>
-            </a:extLst>
-          </p:cNvPr>
-          <p:cNvGrpSpPr/>
-          <p:nvPr/>
-        </p:nvGrpSpPr>
-        <p:grpSpPr>
-          <a:xfrm>
-            <a:off x="396203" y="6279488"/>
-            <a:ext cx="3840518" cy="430887"/>
-            <a:chOff x="396203" y="6279488"/>
-            <a:chExt cx="3840518" cy="430887"/>
-          </a:xfrm>
-        </p:grpSpPr>
-        <p:pic>
-          <p:nvPicPr>
-            <p:cNvPr id="10" name="Picture 4" descr="Creative Commons License">
-              <a:extLst>
-                <a:ext uri="{FF2B5EF4-FFF2-40B4-BE49-F238E27FC236}">
-                  <a16:creationId xmlns:a16="http://schemas.microsoft.com/office/drawing/2014/main" id="{FE7BFCD8-CF74-4C3A-A876-9E235852D501}"/>
-                </a:ext>
-              </a:extLst>
-            </p:cNvPr>
-            <p:cNvPicPr>
-              <a:picLocks noChangeAspect="1" noChangeArrowheads="1"/>
-            </p:cNvPicPr>
-            <p:nvPr/>
-          </p:nvPicPr>
-          <p:blipFill>
-            <a:blip r:embed="rId4">
-              <a:extLst>
-                <a:ext uri="{28A0092B-C50C-407E-A947-70E740481C1C}">
-                  <a14:useLocalDpi xmlns:a14="http://schemas.microsoft.com/office/drawing/2010/main" val="0"/>
-                </a:ext>
-              </a:extLst>
-            </a:blip>
-            <a:srcRect/>
-            <a:stretch>
-              <a:fillRect/>
-            </a:stretch>
-          </p:blipFill>
-          <p:spPr bwMode="auto">
-            <a:xfrm>
-              <a:off x="396203" y="6347293"/>
-              <a:ext cx="838200" cy="295275"/>
-            </a:xfrm>
-            <a:prstGeom prst="rect">
-              <a:avLst/>
-            </a:prstGeom>
-            <a:noFill/>
-            <a:extLst>
-              <a:ext uri="{909E8E84-426E-40DD-AFC4-6F175D3DCCD1}">
-                <a14:hiddenFill xmlns:a14="http://schemas.microsoft.com/office/drawing/2010/main">
-                  <a:solidFill>
-                    <a:srgbClr val="FFFFFF"/>
-                  </a:solidFill>
-                </a14:hiddenFill>
-              </a:ext>
-            </a:extLst>
-          </p:spPr>
-        </p:pic>
-        <p:sp>
-          <p:nvSpPr>
-            <p:cNvPr id="11" name="TextBox 10">
-              <a:extLst>
-                <a:ext uri="{FF2B5EF4-FFF2-40B4-BE49-F238E27FC236}">
-                  <a16:creationId xmlns:a16="http://schemas.microsoft.com/office/drawing/2014/main" id="{A8A1568C-1D35-4F93-AB71-23FCF857DC00}"/>
-                </a:ext>
-              </a:extLst>
-            </p:cNvPr>
-            <p:cNvSpPr txBox="1"/>
-            <p:nvPr/>
-          </p:nvSpPr>
-          <p:spPr>
-            <a:xfrm>
-              <a:off x="1219200" y="6279488"/>
-              <a:ext cx="3017521" cy="430887"/>
-            </a:xfrm>
-            <a:prstGeom prst="rect">
-              <a:avLst/>
-            </a:prstGeom>
-            <a:noFill/>
-          </p:spPr>
-          <p:txBody>
-            <a:bodyPr wrap="square">
-              <a:spAutoFit/>
-            </a:bodyPr>
-            <a:lstStyle/>
-            <a:p>
-              <a:r>
-                <a:rPr lang="en-US" sz="1100" b="0" i="0" dirty="0">
-                  <a:solidFill>
-                    <a:schemeClr val="tx1">
-                      <a:lumMod val="65000"/>
-                    </a:schemeClr>
-                  </a:solidFill>
-                  <a:effectLst/>
-                  <a:latin typeface="source sans pro" panose="020B0503030403020204" pitchFamily="34" charset="0"/>
-                </a:rPr>
-                <a:t>This work is licensed under a </a:t>
-              </a:r>
-              <a:r>
-                <a:rPr lang="en-US" sz="1100" b="0" i="0" strike="noStrike" dirty="0">
-                  <a:solidFill>
-                    <a:schemeClr val="tx1">
-                      <a:lumMod val="65000"/>
-                    </a:schemeClr>
-                  </a:solidFill>
-                  <a:effectLst/>
-                  <a:latin typeface="source sans pro" panose="020B0503030403020204" pitchFamily="34" charset="0"/>
-                  <a:hlinkClick r:id="rId5">
-                    <a:extLst>
-                      <a:ext uri="{A12FA001-AC4F-418D-AE19-62706E023703}">
-                        <ahyp:hlinkClr xmlns:ahyp="http://schemas.microsoft.com/office/drawing/2018/hyperlinkcolor" val="tx"/>
-                      </a:ext>
-                    </a:extLst>
-                  </a:hlinkClick>
-                </a:rPr>
-                <a:t>Creative Commons Attribution-</a:t>
-              </a:r>
-              <a:r>
-                <a:rPr lang="en-US" sz="1100" b="0" i="0" strike="noStrike" dirty="0" err="1">
-                  <a:solidFill>
-                    <a:schemeClr val="tx1">
-                      <a:lumMod val="65000"/>
-                    </a:schemeClr>
-                  </a:solidFill>
-                  <a:effectLst/>
-                  <a:latin typeface="source sans pro" panose="020B0503030403020204" pitchFamily="34" charset="0"/>
-                  <a:hlinkClick r:id="rId5">
-                    <a:extLst>
-                      <a:ext uri="{A12FA001-AC4F-418D-AE19-62706E023703}">
-                        <ahyp:hlinkClr xmlns:ahyp="http://schemas.microsoft.com/office/drawing/2018/hyperlinkcolor" val="tx"/>
-                      </a:ext>
-                    </a:extLst>
-                  </a:hlinkClick>
-                </a:rPr>
-                <a:t>ShareAlike</a:t>
-              </a:r>
-              <a:r>
-                <a:rPr lang="en-US" sz="1100" b="0" i="0" strike="noStrike" dirty="0">
-                  <a:solidFill>
-                    <a:schemeClr val="tx1">
-                      <a:lumMod val="65000"/>
-                    </a:schemeClr>
-                  </a:solidFill>
-                  <a:effectLst/>
-                  <a:latin typeface="source sans pro" panose="020B0503030403020204" pitchFamily="34" charset="0"/>
-                  <a:hlinkClick r:id="rId5">
-                    <a:extLst>
-                      <a:ext uri="{A12FA001-AC4F-418D-AE19-62706E023703}">
-                        <ahyp:hlinkClr xmlns:ahyp="http://schemas.microsoft.com/office/drawing/2018/hyperlinkcolor" val="tx"/>
-                      </a:ext>
-                    </a:extLst>
-                  </a:hlinkClick>
-                </a:rPr>
-                <a:t> 4.0 International License</a:t>
-              </a:r>
-              <a:r>
-                <a:rPr lang="en-US" sz="1100" b="0" i="0" dirty="0">
-                  <a:solidFill>
-                    <a:schemeClr val="tx1">
-                      <a:lumMod val="65000"/>
-                    </a:schemeClr>
-                  </a:solidFill>
-                  <a:effectLst/>
-                  <a:latin typeface="source sans pro" panose="020B0503030403020204" pitchFamily="34" charset="0"/>
-                </a:rPr>
-                <a:t>.</a:t>
-              </a:r>
-              <a:endParaRPr lang="en-US" sz="1100" dirty="0">
-                <a:solidFill>
-                  <a:schemeClr val="tx1">
-                    <a:lumMod val="65000"/>
-                  </a:schemeClr>
-                </a:solidFill>
-              </a:endParaRPr>
-            </a:p>
-          </p:txBody>
-        </p:sp>
-      </p:grpSp>
       <p:sp>
         <p:nvSpPr>
           <p:cNvPr id="14" name="TextBox 13">
@@ -26944,7 +26766,7 @@
         </p:nvSpPr>
         <p:spPr>
           <a:xfrm>
-            <a:off x="4001628" y="6295237"/>
+            <a:off x="4571859" y="6298644"/>
             <a:ext cx="3237460" cy="430887"/>
           </a:xfrm>
           <a:prstGeom prst="rect">
@@ -26958,7 +26780,7 @@
           </a:bodyPr>
           <a:lstStyle/>
           <a:p>
-            <a:pPr algn="r"/>
+            <a:pPr algn="ctr"/>
             <a:r>
               <a:rPr lang="en-US" sz="1100" b="0" i="0" strike="noStrike" dirty="0">
                 <a:solidFill>
@@ -26968,7 +26790,7 @@
                 </a:solidFill>
                 <a:effectLst/>
                 <a:latin typeface="Source Sans Pro" panose="020B0503030403020204" pitchFamily="34" charset="0"/>
-                <a:hlinkClick r:id="rId6">
+                <a:hlinkClick r:id="rId4">
                   <a:extLst>
                     <a:ext uri="{A12FA001-AC4F-418D-AE19-62706E023703}">
                       <ahyp:hlinkClr xmlns:ahyp="http://schemas.microsoft.com/office/drawing/2018/hyperlinkcolor" val="tx"/>
@@ -26987,7 +26809,7 @@
                 </a:solidFill>
                 <a:effectLst/>
                 <a:latin typeface="Source Sans Pro" panose="020B0503030403020204" pitchFamily="34" charset="0"/>
-                <a:hlinkClick r:id="rId6">
+                <a:hlinkClick r:id="rId4">
                   <a:extLst>
                     <a:ext uri="{A12FA001-AC4F-418D-AE19-62706E023703}">
                       <ahyp:hlinkClr xmlns:ahyp="http://schemas.microsoft.com/office/drawing/2018/hyperlinkcolor" val="tx"/>
@@ -27005,7 +26827,7 @@
                 </a:solidFill>
                 <a:effectLst/>
                 <a:latin typeface="Source Sans Pro" panose="020B0503030403020204" pitchFamily="34" charset="0"/>
-                <a:hlinkClick r:id="rId6">
+                <a:hlinkClick r:id="rId4">
                   <a:extLst>
                     <a:ext uri="{A12FA001-AC4F-418D-AE19-62706E023703}">
                       <ahyp:hlinkClr xmlns:ahyp="http://schemas.microsoft.com/office/drawing/2018/hyperlinkcolor" val="tx"/>
@@ -27036,7 +26858,7 @@
                 </a:solidFill>
                 <a:effectLst/>
                 <a:latin typeface="Source Sans Pro" panose="020B0503030403020204" pitchFamily="34" charset="0"/>
-                <a:hlinkClick r:id="rId7">
+                <a:hlinkClick r:id="rId5">
                   <a:extLst>
                     <a:ext uri="{A12FA001-AC4F-418D-AE19-62706E023703}">
                       <ahyp:hlinkClr xmlns:ahyp="http://schemas.microsoft.com/office/drawing/2018/hyperlinkcolor" val="tx"/>
@@ -27151,7 +26973,7 @@
             <p:nvPr/>
           </p:nvPicPr>
           <p:blipFill>
-            <a:blip r:embed="rId8">
+            <a:blip r:embed="rId6">
               <a:extLst>
                 <a:ext uri="{28A0092B-C50C-407E-A947-70E740481C1C}">
                   <a14:useLocalDpi xmlns:a14="http://schemas.microsoft.com/office/drawing/2010/main" val="0"/>
@@ -27221,6 +27043,193 @@
             </a:p>
           </p:txBody>
         </p:sp>
+      </p:grpSp>
+      <p:grpSp>
+        <p:nvGrpSpPr>
+          <p:cNvPr id="9" name="Group 8">
+            <a:extLst>
+              <a:ext uri="{FF2B5EF4-FFF2-40B4-BE49-F238E27FC236}">
+                <a16:creationId xmlns:a16="http://schemas.microsoft.com/office/drawing/2014/main" id="{35D37B3C-6150-364D-E7F1-72F790C19EFD}"/>
+              </a:ext>
+            </a:extLst>
+          </p:cNvPr>
+          <p:cNvGrpSpPr/>
+          <p:nvPr/>
+        </p:nvGrpSpPr>
+        <p:grpSpPr>
+          <a:xfrm>
+            <a:off x="318772" y="6300799"/>
+            <a:ext cx="3967260" cy="430887"/>
+            <a:chOff x="269461" y="6324600"/>
+            <a:chExt cx="3967260" cy="430887"/>
+          </a:xfrm>
+        </p:grpSpPr>
+        <p:sp>
+          <p:nvSpPr>
+            <p:cNvPr id="12" name="TextBox 11">
+              <a:extLst>
+                <a:ext uri="{FF2B5EF4-FFF2-40B4-BE49-F238E27FC236}">
+                  <a16:creationId xmlns:a16="http://schemas.microsoft.com/office/drawing/2014/main" id="{20B4CDC4-05E9-2D92-97BB-234616B25C86}"/>
+                </a:ext>
+              </a:extLst>
+            </p:cNvPr>
+            <p:cNvSpPr txBox="1"/>
+            <p:nvPr/>
+          </p:nvSpPr>
+          <p:spPr>
+            <a:xfrm>
+              <a:off x="1219200" y="6324600"/>
+              <a:ext cx="3017521" cy="430887"/>
+            </a:xfrm>
+            <a:prstGeom prst="rect">
+              <a:avLst/>
+            </a:prstGeom>
+            <a:noFill/>
+          </p:spPr>
+          <p:txBody>
+            <a:bodyPr wrap="square">
+              <a:spAutoFit/>
+            </a:bodyPr>
+            <a:lstStyle/>
+            <a:p>
+              <a:r>
+                <a:rPr lang="en-US" sz="1100" b="0" i="0" dirty="0">
+                  <a:solidFill>
+                    <a:schemeClr val="tx1">
+                      <a:lumMod val="50000"/>
+                    </a:schemeClr>
+                  </a:solidFill>
+                  <a:effectLst/>
+                  <a:latin typeface="source sans pro" panose="020B0503030403020204" pitchFamily="34" charset="0"/>
+                </a:rPr>
+                <a:t>This work is licensed under a </a:t>
+              </a:r>
+              <a:r>
+                <a:rPr lang="en-US" sz="1100" b="0" i="0" strike="noStrike" dirty="0">
+                  <a:solidFill>
+                    <a:schemeClr val="tx1">
+                      <a:lumMod val="50000"/>
+                    </a:schemeClr>
+                  </a:solidFill>
+                  <a:effectLst/>
+                  <a:latin typeface="source sans pro" panose="020B0503030403020204" pitchFamily="34" charset="0"/>
+                  <a:hlinkClick r:id="rId7">
+                    <a:extLst>
+                      <a:ext uri="{A12FA001-AC4F-418D-AE19-62706E023703}">
+                        <ahyp:hlinkClr xmlns:ahyp="http://schemas.microsoft.com/office/drawing/2018/hyperlinkcolor" val="tx"/>
+                      </a:ext>
+                    </a:extLst>
+                  </a:hlinkClick>
+                </a:rPr>
+                <a:t>Creative Commons Attribution-</a:t>
+              </a:r>
+              <a:r>
+                <a:rPr lang="en-US" sz="1100" b="0" i="0" strike="noStrike" dirty="0" err="1">
+                  <a:solidFill>
+                    <a:schemeClr val="tx1">
+                      <a:lumMod val="50000"/>
+                    </a:schemeClr>
+                  </a:solidFill>
+                  <a:effectLst/>
+                  <a:latin typeface="source sans pro" panose="020B0503030403020204" pitchFamily="34" charset="0"/>
+                  <a:hlinkClick r:id="rId7">
+                    <a:extLst>
+                      <a:ext uri="{A12FA001-AC4F-418D-AE19-62706E023703}">
+                        <ahyp:hlinkClr xmlns:ahyp="http://schemas.microsoft.com/office/drawing/2018/hyperlinkcolor" val="tx"/>
+                      </a:ext>
+                    </a:extLst>
+                  </a:hlinkClick>
+                </a:rPr>
+                <a:t>ShareAlike</a:t>
+              </a:r>
+              <a:r>
+                <a:rPr lang="en-US" sz="1100" b="0" i="0" strike="noStrike" dirty="0">
+                  <a:solidFill>
+                    <a:schemeClr val="tx1">
+                      <a:lumMod val="50000"/>
+                    </a:schemeClr>
+                  </a:solidFill>
+                  <a:effectLst/>
+                  <a:latin typeface="source sans pro" panose="020B0503030403020204" pitchFamily="34" charset="0"/>
+                  <a:hlinkClick r:id="rId7">
+                    <a:extLst>
+                      <a:ext uri="{A12FA001-AC4F-418D-AE19-62706E023703}">
+                        <ahyp:hlinkClr xmlns:ahyp="http://schemas.microsoft.com/office/drawing/2018/hyperlinkcolor" val="tx"/>
+                      </a:ext>
+                    </a:extLst>
+                  </a:hlinkClick>
+                </a:rPr>
+                <a:t> 4.0 International License</a:t>
+              </a:r>
+              <a:r>
+                <a:rPr lang="en-US" sz="1100" b="0" i="0" dirty="0">
+                  <a:solidFill>
+                    <a:schemeClr val="tx1">
+                      <a:lumMod val="50000"/>
+                    </a:schemeClr>
+                  </a:solidFill>
+                  <a:effectLst/>
+                  <a:latin typeface="source sans pro" panose="020B0503030403020204" pitchFamily="34" charset="0"/>
+                </a:rPr>
+                <a:t>.</a:t>
+              </a:r>
+              <a:endParaRPr lang="en-US" sz="1100" dirty="0">
+                <a:solidFill>
+                  <a:schemeClr val="tx1">
+                    <a:lumMod val="50000"/>
+                  </a:schemeClr>
+                </a:solidFill>
+              </a:endParaRPr>
+            </a:p>
+          </p:txBody>
+        </p:sp>
+        <p:pic>
+          <p:nvPicPr>
+            <p:cNvPr id="15" name="Picture 2">
+              <a:extLst>
+                <a:ext uri="{FF2B5EF4-FFF2-40B4-BE49-F238E27FC236}">
+                  <a16:creationId xmlns:a16="http://schemas.microsoft.com/office/drawing/2014/main" id="{D943C2EF-B775-5F8E-8038-C97379765398}"/>
+                </a:ext>
+              </a:extLst>
+            </p:cNvPr>
+            <p:cNvPicPr>
+              <a:picLocks noChangeAspect="1" noChangeArrowheads="1"/>
+            </p:cNvPicPr>
+            <p:nvPr/>
+          </p:nvPicPr>
+          <p:blipFill>
+            <a:blip r:embed="rId8" cstate="print">
+              <a:extLst>
+                <a:ext uri="{28A0092B-C50C-407E-A947-70E740481C1C}">
+                  <a14:useLocalDpi xmlns:a14="http://schemas.microsoft.com/office/drawing/2010/main" val="0"/>
+                </a:ext>
+              </a:extLst>
+            </a:blip>
+            <a:srcRect/>
+            <a:stretch>
+              <a:fillRect/>
+            </a:stretch>
+          </p:blipFill>
+          <p:spPr bwMode="auto">
+            <a:xfrm>
+              <a:off x="269461" y="6372959"/>
+              <a:ext cx="888838" cy="311093"/>
+            </a:xfrm>
+            <a:prstGeom prst="rect">
+              <a:avLst/>
+            </a:prstGeom>
+            <a:noFill/>
+            <a:extLst>
+              <a:ext uri="{909E8E84-426E-40DD-AFC4-6F175D3DCCD1}">
+                <a14:hiddenFill xmlns:a14="http://schemas.microsoft.com/office/drawing/2010/main">
+                  <a:solidFill>
+                    <a:srgbClr val="FFFFFF"/>
+                  </a:solidFill>
+                </a14:hiddenFill>
+              </a:ext>
+            </a:extLst>
+          </p:spPr>
+        </p:pic>
       </p:grpSp>
     </p:spTree>
   </p:cSld>

--- a/slides/07_knowledge-based.pptx
+++ b/slides/07_knowledge-based.pptx
@@ -19751,7 +19751,7 @@
             <a:fld id="{441436E8-D6C9-439C-8057-F594059D4145}" type="datetimeFigureOut">
               <a:rPr lang="en-US" smtClean="0"/>
               <a:pPr/>
-              <a:t>4/7/2025</a:t>
+              <a:t>4/10/2025</a:t>
             </a:fld>
             <a:endParaRPr lang="en-US"/>
           </a:p>
@@ -20593,7 +20593,7 @@
                 <a:solidFill>
                   <a:srgbClr val="CC0099"/>
                 </a:solidFill>
-                <a:cs typeface="Arial" charset="0"/>
+                <a:cs typeface="Calibri" panose="020F0502020204030204" pitchFamily="34" charset="0"/>
               </a:rPr>
               <a:t>╞</a:t>
             </a:r>
@@ -20610,7 +20610,7 @@
                 <a:solidFill>
                   <a:srgbClr val="CC0099"/>
                 </a:solidFill>
-                <a:cs typeface="Arial" charset="0"/>
+                <a:cs typeface="Calibri" panose="020F0502020204030204" pitchFamily="34" charset="0"/>
               </a:rPr>
               <a:t>b,</a:t>
             </a:r>
@@ -20619,7 +20619,7 @@
                 <a:solidFill>
                   <a:srgbClr val="CC0099"/>
                 </a:solidFill>
-                <a:cs typeface="Arial" charset="0"/>
+                <a:cs typeface="Calibri" panose="020F0502020204030204" pitchFamily="34" charset="0"/>
               </a:rPr>
               <a:t> a is a </a:t>
             </a:r>
@@ -20628,7 +20628,7 @@
                 <a:solidFill>
                   <a:srgbClr val="CC0099"/>
                 </a:solidFill>
-                <a:cs typeface="Arial" charset="0"/>
+                <a:cs typeface="Calibri" panose="020F0502020204030204" pitchFamily="34" charset="0"/>
               </a:rPr>
               <a:t>stronger</a:t>
             </a:r>
@@ -20637,7 +20637,7 @@
                 <a:solidFill>
                   <a:srgbClr val="CC0099"/>
                 </a:solidFill>
-                <a:cs typeface="Arial" charset="0"/>
+                <a:cs typeface="Calibri" panose="020F0502020204030204" pitchFamily="34" charset="0"/>
               </a:rPr>
               <a:t> assertion than b (a rules out more possible worlds)</a:t>
             </a:r>
@@ -20645,7 +20645,7 @@
               <a:solidFill>
                 <a:srgbClr val="CC0099"/>
               </a:solidFill>
-              <a:cs typeface="Arial" charset="0"/>
+              <a:cs typeface="Calibri" panose="020F0502020204030204" pitchFamily="34" charset="0"/>
             </a:endParaRPr>
           </a:p>
           <a:p>
@@ -26789,7 +26789,7 @@
                   </a:schemeClr>
                 </a:solidFill>
                 <a:effectLst/>
-                <a:latin typeface="Source Sans Pro" panose="020B0503030403020204" pitchFamily="34" charset="0"/>
+                <a:latin typeface="Calibri" panose="020F0502020204030204" pitchFamily="34" charset="0"/>
                 <a:hlinkClick r:id="rId4">
                   <a:extLst>
                     <a:ext uri="{A12FA001-AC4F-418D-AE19-62706E023703}">
@@ -26808,7 +26808,7 @@
                   </a:schemeClr>
                 </a:solidFill>
                 <a:effectLst/>
-                <a:latin typeface="Source Sans Pro" panose="020B0503030403020204" pitchFamily="34" charset="0"/>
+                <a:latin typeface="Calibri" panose="020F0502020204030204" pitchFamily="34" charset="0"/>
                 <a:hlinkClick r:id="rId4">
                   <a:extLst>
                     <a:ext uri="{A12FA001-AC4F-418D-AE19-62706E023703}">
@@ -26826,7 +26826,7 @@
                   </a:schemeClr>
                 </a:solidFill>
                 <a:effectLst/>
-                <a:latin typeface="Source Sans Pro" panose="020B0503030403020204" pitchFamily="34" charset="0"/>
+                <a:latin typeface="Calibri" panose="020F0502020204030204" pitchFamily="34" charset="0"/>
                 <a:hlinkClick r:id="rId4">
                   <a:extLst>
                     <a:ext uri="{A12FA001-AC4F-418D-AE19-62706E023703}">
@@ -26845,7 +26845,7 @@
                   </a:schemeClr>
                 </a:solidFill>
                 <a:effectLst/>
-                <a:latin typeface="Source Sans Pro" panose="020B0503030403020204" pitchFamily="34" charset="0"/>
+                <a:latin typeface="Calibri" panose="020F0502020204030204" pitchFamily="34" charset="0"/>
               </a:rPr>
               <a:t>  by </a:t>
             </a:r>
@@ -26857,7 +26857,7 @@
                   </a:schemeClr>
                 </a:solidFill>
                 <a:effectLst/>
-                <a:latin typeface="Source Sans Pro" panose="020B0503030403020204" pitchFamily="34" charset="0"/>
+                <a:latin typeface="Calibri" panose="020F0502020204030204" pitchFamily="34" charset="0"/>
                 <a:hlinkClick r:id="rId5">
                   <a:extLst>
                     <a:ext uri="{A12FA001-AC4F-418D-AE19-62706E023703}">
@@ -26876,7 +26876,7 @@
                   </a:schemeClr>
                 </a:solidFill>
                 <a:effectLst/>
-                <a:latin typeface="Source Sans Pro" panose="020B0503030403020204" pitchFamily="34" charset="0"/>
+                <a:latin typeface="Calibri" panose="020F0502020204030204" pitchFamily="34" charset="0"/>
               </a:rPr>
               <a:t> </a:t>
             </a:r>
@@ -26907,10 +26907,10 @@
         </p:nvGrpSpPr>
         <p:grpSpPr>
           <a:xfrm>
-            <a:off x="7656393" y="5243763"/>
-            <a:ext cx="1218146" cy="1440289"/>
-            <a:chOff x="7151029" y="4191000"/>
-            <a:chExt cx="1688171" cy="1981200"/>
+            <a:off x="7664886" y="5243763"/>
+            <a:ext cx="1209654" cy="1440289"/>
+            <a:chOff x="7162798" y="4191000"/>
+            <a:chExt cx="1676402" cy="1981200"/>
           </a:xfrm>
         </p:grpSpPr>
         <p:sp>
@@ -27008,8 +27008,8 @@
           </p:nvSpPr>
           <p:spPr>
             <a:xfrm>
-              <a:off x="7151029" y="5812970"/>
-              <a:ext cx="1676400" cy="359230"/>
+              <a:off x="7162798" y="5812970"/>
+              <a:ext cx="1664630" cy="359230"/>
             </a:xfrm>
             <a:prstGeom prst="rect">
               <a:avLst/>
@@ -27046,10 +27046,10 @@
       </p:grpSp>
       <p:grpSp>
         <p:nvGrpSpPr>
-          <p:cNvPr id="9" name="Group 8">
+          <p:cNvPr id="10" name="Group 9">
             <a:extLst>
               <a:ext uri="{FF2B5EF4-FFF2-40B4-BE49-F238E27FC236}">
-                <a16:creationId xmlns:a16="http://schemas.microsoft.com/office/drawing/2014/main" id="{35D37B3C-6150-364D-E7F1-72F790C19EFD}"/>
+                <a16:creationId xmlns:a16="http://schemas.microsoft.com/office/drawing/2014/main" id="{F969C183-FD8C-0084-1F83-C8EA37508122}"/>
               </a:ext>
             </a:extLst>
           </p:cNvPr>
@@ -27058,10 +27058,10 @@
         </p:nvGrpSpPr>
         <p:grpSpPr>
           <a:xfrm>
-            <a:off x="318772" y="6300799"/>
-            <a:ext cx="3967260" cy="430887"/>
-            <a:chOff x="269461" y="6324600"/>
-            <a:chExt cx="3967260" cy="430887"/>
+            <a:off x="433443" y="6298644"/>
+            <a:ext cx="3880301" cy="430887"/>
+            <a:chOff x="433443" y="6298644"/>
+            <a:chExt cx="3880301" cy="430887"/>
           </a:xfrm>
         </p:grpSpPr>
         <p:sp>
@@ -27078,7 +27078,7 @@
           </p:nvSpPr>
           <p:spPr>
             <a:xfrm>
-              <a:off x="1219200" y="6324600"/>
+              <a:off x="1296223" y="6298644"/>
               <a:ext cx="3017521" cy="430887"/>
             </a:xfrm>
             <a:prstGeom prst="rect">
@@ -27100,7 +27100,7 @@
                     </a:schemeClr>
                   </a:solidFill>
                   <a:effectLst/>
-                  <a:latin typeface="source sans pro" panose="020B0503030403020204" pitchFamily="34" charset="0"/>
+                  <a:latin typeface="Calibri" panose="020F0502020204030204" pitchFamily="34" charset="0"/>
                 </a:rPr>
                 <a:t>This work is licensed under a </a:t>
               </a:r>
@@ -27112,7 +27112,7 @@
                     </a:schemeClr>
                   </a:solidFill>
                   <a:effectLst/>
-                  <a:latin typeface="source sans pro" panose="020B0503030403020204" pitchFamily="34" charset="0"/>
+                  <a:latin typeface="Calibri" panose="020F0502020204030204" pitchFamily="34" charset="0"/>
                   <a:hlinkClick r:id="rId7">
                     <a:extLst>
                       <a:ext uri="{A12FA001-AC4F-418D-AE19-62706E023703}">
@@ -27131,7 +27131,7 @@
                     </a:schemeClr>
                   </a:solidFill>
                   <a:effectLst/>
-                  <a:latin typeface="source sans pro" panose="020B0503030403020204" pitchFamily="34" charset="0"/>
+                  <a:latin typeface="Calibri" panose="020F0502020204030204" pitchFamily="34" charset="0"/>
                   <a:hlinkClick r:id="rId7">
                     <a:extLst>
                       <a:ext uri="{A12FA001-AC4F-418D-AE19-62706E023703}">
@@ -27150,7 +27150,7 @@
                     </a:schemeClr>
                   </a:solidFill>
                   <a:effectLst/>
-                  <a:latin typeface="source sans pro" panose="020B0503030403020204" pitchFamily="34" charset="0"/>
+                  <a:latin typeface="Calibri" panose="020F0502020204030204" pitchFamily="34" charset="0"/>
                   <a:hlinkClick r:id="rId7">
                     <a:extLst>
                       <a:ext uri="{A12FA001-AC4F-418D-AE19-62706E023703}">
@@ -27169,7 +27169,7 @@
                     </a:schemeClr>
                   </a:solidFill>
                   <a:effectLst/>
-                  <a:latin typeface="source sans pro" panose="020B0503030403020204" pitchFamily="34" charset="0"/>
+                  <a:latin typeface="Calibri" panose="020F0502020204030204" pitchFamily="34" charset="0"/>
                 </a:rPr>
                 <a:t>.</a:t>
               </a:r>
@@ -27185,10 +27185,10 @@
         </p:sp>
         <p:pic>
           <p:nvPicPr>
-            <p:cNvPr id="15" name="Picture 2">
+            <p:cNvPr id="8" name="Picture 2">
               <a:extLst>
                 <a:ext uri="{FF2B5EF4-FFF2-40B4-BE49-F238E27FC236}">
-                  <a16:creationId xmlns:a16="http://schemas.microsoft.com/office/drawing/2014/main" id="{D943C2EF-B775-5F8E-8038-C97379765398}"/>
+                  <a16:creationId xmlns:a16="http://schemas.microsoft.com/office/drawing/2014/main" id="{B7D9D40E-A82F-D863-26DF-BB12CD155EB6}"/>
                 </a:ext>
               </a:extLst>
             </p:cNvPr>
@@ -27212,8 +27212,8 @@
           </p:blipFill>
           <p:spPr bwMode="auto">
             <a:xfrm>
-              <a:off x="269461" y="6372959"/>
-              <a:ext cx="888838" cy="311093"/>
+              <a:off x="433443" y="6371111"/>
+              <a:ext cx="894434" cy="312941"/>
             </a:xfrm>
             <a:prstGeom prst="rect">
               <a:avLst/>
@@ -27375,7 +27375,7 @@
         </p:nvSpPr>
         <p:spPr>
           <a:xfrm>
-            <a:off x="628650" y="4375433"/>
+            <a:off x="628650" y="4068494"/>
             <a:ext cx="7886700" cy="1801529"/>
           </a:xfrm>
         </p:spPr>
@@ -27640,10 +27640,10 @@
         </p:nvGrpSpPr>
         <p:grpSpPr>
           <a:xfrm>
-            <a:off x="381000" y="1524000"/>
-            <a:ext cx="8382000" cy="3031499"/>
-            <a:chOff x="381000" y="1524000"/>
-            <a:chExt cx="8382000" cy="3031499"/>
+            <a:off x="323220" y="1524000"/>
+            <a:ext cx="8439780" cy="3031499"/>
+            <a:chOff x="323220" y="1524000"/>
+            <a:chExt cx="8439780" cy="3031499"/>
           </a:xfrm>
         </p:grpSpPr>
         <p:pic>
@@ -27690,10 +27690,10 @@
           </p:nvGrpSpPr>
           <p:grpSpPr>
             <a:xfrm>
-              <a:off x="395406" y="3869917"/>
-              <a:ext cx="8217543" cy="685582"/>
-              <a:chOff x="395406" y="3869917"/>
-              <a:chExt cx="8217543" cy="685582"/>
+              <a:off x="323220" y="3886200"/>
+              <a:ext cx="6306180" cy="669299"/>
+              <a:chOff x="323220" y="3886200"/>
+              <a:chExt cx="6306180" cy="669299"/>
             </a:xfrm>
           </p:grpSpPr>
           <p:sp>
@@ -27711,7 +27711,7 @@
             <p:spPr>
               <a:xfrm>
                 <a:off x="630999" y="3970724"/>
-                <a:ext cx="7981950" cy="584775"/>
+                <a:ext cx="5998401" cy="584775"/>
               </a:xfrm>
               <a:prstGeom prst="rect">
                 <a:avLst/>
@@ -27726,21 +27726,21 @@
               <a:p>
                 <a:r>
                   <a:rPr lang="en-US" sz="1600" dirty="0">
-                    <a:latin typeface="Times New Roman" panose="02020603050405020304" pitchFamily="18" charset="0"/>
-                    <a:cs typeface="Times New Roman" panose="02020603050405020304" pitchFamily="18" charset="0"/>
+                    <a:latin typeface="Calibri" panose="020F0502020204030204" pitchFamily="34" charset="0"/>
+                    <a:cs typeface="Calibri" panose="020F0502020204030204" pitchFamily="34" charset="0"/>
                   </a:rPr>
                   <a:t>Natural Language        word patterns representing </a:t>
                 </a:r>
                 <a:br>
                   <a:rPr lang="en-US" sz="1600" dirty="0">
-                    <a:latin typeface="Times New Roman" panose="02020603050405020304" pitchFamily="18" charset="0"/>
-                    <a:cs typeface="Times New Roman" panose="02020603050405020304" pitchFamily="18" charset="0"/>
+                    <a:latin typeface="Calibri" panose="020F0502020204030204" pitchFamily="34" charset="0"/>
+                    <a:cs typeface="Calibri" panose="020F0502020204030204" pitchFamily="34" charset="0"/>
                   </a:rPr>
                 </a:br>
                 <a:r>
                   <a:rPr lang="en-US" sz="1600" dirty="0">
-                    <a:latin typeface="Times New Roman" panose="02020603050405020304" pitchFamily="18" charset="0"/>
-                    <a:cs typeface="Times New Roman" panose="02020603050405020304" pitchFamily="18" charset="0"/>
+                    <a:latin typeface="Calibri" panose="020F0502020204030204" pitchFamily="34" charset="0"/>
+                    <a:cs typeface="Calibri" panose="020F0502020204030204" pitchFamily="34" charset="0"/>
                   </a:rPr>
                   <a:t>		      facts, objects, relations, …                 ???</a:t>
                 </a:r>
@@ -27761,7 +27761,7 @@
             </p:nvSpPr>
             <p:spPr>
               <a:xfrm>
-                <a:off x="395406" y="3869917"/>
+                <a:off x="323220" y="3886200"/>
                 <a:ext cx="299987" cy="523220"/>
               </a:xfrm>
               <a:prstGeom prst="rect">
@@ -27805,7 +27805,7 @@
         </p:nvSpPr>
         <p:spPr>
           <a:xfrm>
-            <a:off x="395406" y="3961697"/>
+            <a:off x="628650" y="3954343"/>
             <a:ext cx="6248400" cy="686776"/>
           </a:xfrm>
           <a:prstGeom prst="rect">
@@ -29062,7 +29062,7 @@
                 <a:solidFill>
                   <a:schemeClr val="tx1"/>
                 </a:solidFill>
-                <a:latin typeface="Arial" charset="0"/>
+                <a:latin typeface="Calibri" panose="020F0502020204030204" pitchFamily="34" charset="0"/>
               </a:endParaRPr>
             </a:p>
           </p:txBody>
@@ -29966,7 +29966,7 @@
         <p:spPr>
           <a:xfrm>
             <a:off x="628650" y="2133600"/>
-            <a:ext cx="2952750" cy="4359275"/>
+            <a:ext cx="3105150" cy="4359275"/>
           </a:xfrm>
         </p:spPr>
         <p:txBody>
@@ -30201,52 +30201,51 @@
           <a:lstStyle/>
           <a:p>
             <a:r>
-              <a:rPr lang="en-US" sz="1800"/>
+              <a:rPr lang="en-US" sz="1800" dirty="0"/>
               <a:t>The </a:t>
             </a:r>
             <a:r>
-              <a:rPr lang="en-US" sz="1800" b="1"/>
+              <a:rPr lang="en-US" sz="1800" b="1" dirty="0"/>
               <a:t>clear separation between knowledge and inference engine</a:t>
             </a:r>
             <a:r>
-              <a:rPr lang="en-US" sz="1800"/>
+              <a:rPr lang="en-US" sz="1800" dirty="0"/>
               <a:t> is very useful.</a:t>
             </a:r>
           </a:p>
           <a:p>
             <a:r>
-              <a:rPr lang="en-US" sz="1800" b="1"/>
+              <a:rPr lang="en-US" sz="1800" b="1" dirty="0"/>
               <a:t>Pure logic </a:t>
             </a:r>
             <a:r>
-              <a:rPr lang="en-US" sz="1800"/>
+              <a:rPr lang="en-US" sz="1800" dirty="0"/>
               <a:t>is often not flexible enough. The fullest realization of knowledge-based agents using logic was in the field of expert systems or knowledge-based systems in the 1970s and 1980s.</a:t>
             </a:r>
           </a:p>
           <a:p>
             <a:r>
-              <a:rPr lang="en-US" sz="1800" b="1"/>
+              <a:rPr lang="en-US" sz="1800" b="1" dirty="0"/>
               <a:t>Pretrained Large Language Models </a:t>
             </a:r>
             <a:r>
-              <a:rPr lang="en-US" sz="1800"/>
+              <a:rPr lang="en-US" sz="1800" dirty="0"/>
               <a:t>are an interesting new application of knowledge-based agents based on natural language.</a:t>
             </a:r>
           </a:p>
           <a:p>
             <a:r>
-              <a:rPr lang="en-US" sz="1800"/>
+              <a:rPr lang="en-US" sz="1800" dirty="0"/>
               <a:t>Next, we will talk about </a:t>
             </a:r>
             <a:r>
-              <a:rPr lang="en-US" sz="1800" b="1"/>
+              <a:rPr lang="en-US" sz="1800" b="1" dirty="0"/>
               <a:t>probability theory</a:t>
             </a:r>
             <a:r>
-              <a:rPr lang="en-US" sz="1800"/>
+              <a:rPr lang="en-US" sz="1800" dirty="0"/>
               <a:t> which is the standard language to reason under uncertainty and forms the basis of machine learning.</a:t>
             </a:r>
-            <a:endParaRPr lang="en-US" sz="1800" dirty="0"/>
           </a:p>
         </p:txBody>
       </p:sp>
@@ -30296,6 +30295,235 @@
   <p:clrMapOvr>
     <a:masterClrMapping/>
   </p:clrMapOvr>
+  <p:timing>
+    <p:tnLst>
+      <p:par>
+        <p:cTn id="1" dur="indefinite" restart="never" nodeType="tmRoot">
+          <p:childTnLst>
+            <p:seq concurrent="1" nextAc="seek">
+              <p:cTn id="2" dur="indefinite" nodeType="mainSeq">
+                <p:childTnLst>
+                  <p:par>
+                    <p:cTn id="3" fill="hold">
+                      <p:stCondLst>
+                        <p:cond delay="indefinite"/>
+                      </p:stCondLst>
+                      <p:childTnLst>
+                        <p:par>
+                          <p:cTn id="4" fill="hold">
+                            <p:stCondLst>
+                              <p:cond delay="0"/>
+                            </p:stCondLst>
+                            <p:childTnLst>
+                              <p:par>
+                                <p:cTn id="5" presetID="1" presetClass="entr" presetSubtype="0" fill="hold" grpId="0" nodeType="clickEffect">
+                                  <p:stCondLst>
+                                    <p:cond delay="0"/>
+                                  </p:stCondLst>
+                                  <p:childTnLst>
+                                    <p:set>
+                                      <p:cBhvr>
+                                        <p:cTn id="6" dur="1" fill="hold">
+                                          <p:stCondLst>
+                                            <p:cond delay="0"/>
+                                          </p:stCondLst>
+                                        </p:cTn>
+                                        <p:tgtEl>
+                                          <p:spTgt spid="3">
+                                            <p:txEl>
+                                              <p:pRg st="0" end="0"/>
+                                            </p:txEl>
+                                          </p:spTgt>
+                                        </p:tgtEl>
+                                        <p:attrNameLst>
+                                          <p:attrName>style.visibility</p:attrName>
+                                        </p:attrNameLst>
+                                      </p:cBhvr>
+                                      <p:to>
+                                        <p:strVal val="visible"/>
+                                      </p:to>
+                                    </p:set>
+                                  </p:childTnLst>
+                                </p:cTn>
+                              </p:par>
+                            </p:childTnLst>
+                          </p:cTn>
+                        </p:par>
+                      </p:childTnLst>
+                    </p:cTn>
+                  </p:par>
+                  <p:par>
+                    <p:cTn id="7" fill="hold">
+                      <p:stCondLst>
+                        <p:cond delay="indefinite"/>
+                      </p:stCondLst>
+                      <p:childTnLst>
+                        <p:par>
+                          <p:cTn id="8" fill="hold">
+                            <p:stCondLst>
+                              <p:cond delay="0"/>
+                            </p:stCondLst>
+                            <p:childTnLst>
+                              <p:par>
+                                <p:cTn id="9" presetID="1" presetClass="entr" presetSubtype="0" fill="hold" grpId="0" nodeType="clickEffect">
+                                  <p:stCondLst>
+                                    <p:cond delay="0"/>
+                                  </p:stCondLst>
+                                  <p:childTnLst>
+                                    <p:set>
+                                      <p:cBhvr>
+                                        <p:cTn id="10" dur="1" fill="hold">
+                                          <p:stCondLst>
+                                            <p:cond delay="0"/>
+                                          </p:stCondLst>
+                                        </p:cTn>
+                                        <p:tgtEl>
+                                          <p:spTgt spid="3">
+                                            <p:txEl>
+                                              <p:pRg st="1" end="1"/>
+                                            </p:txEl>
+                                          </p:spTgt>
+                                        </p:tgtEl>
+                                        <p:attrNameLst>
+                                          <p:attrName>style.visibility</p:attrName>
+                                        </p:attrNameLst>
+                                      </p:cBhvr>
+                                      <p:to>
+                                        <p:strVal val="visible"/>
+                                      </p:to>
+                                    </p:set>
+                                  </p:childTnLst>
+                                </p:cTn>
+                              </p:par>
+                            </p:childTnLst>
+                          </p:cTn>
+                        </p:par>
+                      </p:childTnLst>
+                    </p:cTn>
+                  </p:par>
+                  <p:par>
+                    <p:cTn id="11" fill="hold">
+                      <p:stCondLst>
+                        <p:cond delay="indefinite"/>
+                      </p:stCondLst>
+                      <p:childTnLst>
+                        <p:par>
+                          <p:cTn id="12" fill="hold">
+                            <p:stCondLst>
+                              <p:cond delay="0"/>
+                            </p:stCondLst>
+                            <p:childTnLst>
+                              <p:par>
+                                <p:cTn id="13" presetID="1" presetClass="entr" presetSubtype="0" fill="hold" grpId="0" nodeType="clickEffect">
+                                  <p:stCondLst>
+                                    <p:cond delay="0"/>
+                                  </p:stCondLst>
+                                  <p:childTnLst>
+                                    <p:set>
+                                      <p:cBhvr>
+                                        <p:cTn id="14" dur="1" fill="hold">
+                                          <p:stCondLst>
+                                            <p:cond delay="0"/>
+                                          </p:stCondLst>
+                                        </p:cTn>
+                                        <p:tgtEl>
+                                          <p:spTgt spid="3">
+                                            <p:txEl>
+                                              <p:pRg st="2" end="2"/>
+                                            </p:txEl>
+                                          </p:spTgt>
+                                        </p:tgtEl>
+                                        <p:attrNameLst>
+                                          <p:attrName>style.visibility</p:attrName>
+                                        </p:attrNameLst>
+                                      </p:cBhvr>
+                                      <p:to>
+                                        <p:strVal val="visible"/>
+                                      </p:to>
+                                    </p:set>
+                                  </p:childTnLst>
+                                </p:cTn>
+                              </p:par>
+                            </p:childTnLst>
+                          </p:cTn>
+                        </p:par>
+                      </p:childTnLst>
+                    </p:cTn>
+                  </p:par>
+                  <p:par>
+                    <p:cTn id="15" fill="hold">
+                      <p:stCondLst>
+                        <p:cond delay="indefinite"/>
+                      </p:stCondLst>
+                      <p:childTnLst>
+                        <p:par>
+                          <p:cTn id="16" fill="hold">
+                            <p:stCondLst>
+                              <p:cond delay="0"/>
+                            </p:stCondLst>
+                            <p:childTnLst>
+                              <p:par>
+                                <p:cTn id="17" presetID="1" presetClass="entr" presetSubtype="0" fill="hold" grpId="0" nodeType="clickEffect">
+                                  <p:stCondLst>
+                                    <p:cond delay="0"/>
+                                  </p:stCondLst>
+                                  <p:childTnLst>
+                                    <p:set>
+                                      <p:cBhvr>
+                                        <p:cTn id="18" dur="1" fill="hold">
+                                          <p:stCondLst>
+                                            <p:cond delay="0"/>
+                                          </p:stCondLst>
+                                        </p:cTn>
+                                        <p:tgtEl>
+                                          <p:spTgt spid="3">
+                                            <p:txEl>
+                                              <p:pRg st="3" end="3"/>
+                                            </p:txEl>
+                                          </p:spTgt>
+                                        </p:tgtEl>
+                                        <p:attrNameLst>
+                                          <p:attrName>style.visibility</p:attrName>
+                                        </p:attrNameLst>
+                                      </p:cBhvr>
+                                      <p:to>
+                                        <p:strVal val="visible"/>
+                                      </p:to>
+                                    </p:set>
+                                  </p:childTnLst>
+                                </p:cTn>
+                              </p:par>
+                            </p:childTnLst>
+                          </p:cTn>
+                        </p:par>
+                      </p:childTnLst>
+                    </p:cTn>
+                  </p:par>
+                </p:childTnLst>
+              </p:cTn>
+              <p:prevCondLst>
+                <p:cond evt="onPrev" delay="0">
+                  <p:tgtEl>
+                    <p:sldTgt/>
+                  </p:tgtEl>
+                </p:cond>
+              </p:prevCondLst>
+              <p:nextCondLst>
+                <p:cond evt="onNext" delay="0">
+                  <p:tgtEl>
+                    <p:sldTgt/>
+                  </p:tgtEl>
+                </p:cond>
+              </p:nextCondLst>
+            </p:seq>
+          </p:childTnLst>
+        </p:cTn>
+      </p:par>
+    </p:tnLst>
+    <p:bldLst>
+      <p:bldP spid="3" grpId="0" build="p"/>
+    </p:bldLst>
+  </p:timing>
 </p:sld>
 </file>
 
@@ -32439,8 +32667,8 @@
           </a:p>
         </p:txBody>
       </p:sp>
-      <mc:AlternateContent xmlns:mc="http://schemas.openxmlformats.org/markup-compatibility/2006" xmlns:a14="http://schemas.microsoft.com/office/drawing/2010/main">
-        <mc:Choice Requires="a14">
+      <mc:AlternateContent xmlns:mc="http://schemas.openxmlformats.org/markup-compatibility/2006">
+        <mc:Choice xmlns:a14="http://schemas.microsoft.com/office/drawing/2010/main" Requires="a14">
           <p:sp>
             <p:nvSpPr>
               <p:cNvPr id="18435" name="Rectangle 3"/>
@@ -32496,7 +32724,7 @@
                 </a:r>
                 <a:r>
                   <a:rPr lang="en-US" sz="2800" b="1" dirty="0">
-                    <a:cs typeface="Arial" charset="0"/>
+                    <a:cs typeface="Calibri" panose="020F0502020204030204" pitchFamily="34" charset="0"/>
                   </a:rPr>
                   <a:t>╞</a:t>
                 </a:r>
@@ -32506,7 +32734,7 @@
                 </a:r>
                 <a:r>
                   <a:rPr lang="el-GR" sz="2800" b="1" i="1" dirty="0">
-                    <a:cs typeface="Arial" charset="0"/>
+                    <a:cs typeface="Calibri" panose="020F0502020204030204" pitchFamily="34" charset="0"/>
                   </a:rPr>
                   <a:t>α</a:t>
                 </a:r>
@@ -32702,7 +32930,7 @@
             </p:txBody>
           </p:sp>
         </mc:Choice>
-        <mc:Fallback xmlns="">
+        <mc:Fallback>
           <p:sp>
             <p:nvSpPr>
               <p:cNvPr id="18435" name="Rectangle 3"/>
@@ -35653,14 +35881,14 @@
             </a:pPr>
             <a:r>
               <a:rPr lang="el-GR" dirty="0">
-                <a:cs typeface="Times New Roman"/>
+                <a:cs typeface="Calibri" panose="020F0502020204030204" pitchFamily="34" charset="0"/>
                 <a:sym typeface="Symbol"/>
               </a:rPr>
               <a:t></a:t>
             </a:r>
             <a:r>
               <a:rPr lang="en-US" dirty="0">
-                <a:cs typeface="Times New Roman"/>
+                <a:cs typeface="Calibri" panose="020F0502020204030204" pitchFamily="34" charset="0"/>
                 <a:sym typeface="Symbol"/>
               </a:rPr>
               <a:t>: “The weather is dry”</a:t>
@@ -35672,20 +35900,20 @@
             </a:pPr>
             <a:r>
               <a:rPr lang="el-GR" dirty="0">
-                <a:cs typeface="Times New Roman"/>
+                <a:cs typeface="Calibri" panose="020F0502020204030204" pitchFamily="34" charset="0"/>
                 <a:sym typeface="Symbol"/>
               </a:rPr>
               <a:t></a:t>
             </a:r>
             <a:r>
               <a:rPr lang="en-US" dirty="0">
-                <a:cs typeface="Times New Roman"/>
+                <a:cs typeface="Calibri" panose="020F0502020204030204" pitchFamily="34" charset="0"/>
                 <a:sym typeface="Symbol"/>
               </a:rPr>
               <a:t>: “The weather is rainy”</a:t>
             </a:r>
             <a:endParaRPr lang="en-US" dirty="0">
-              <a:cs typeface="Times New Roman"/>
+              <a:cs typeface="Calibri" panose="020F0502020204030204" pitchFamily="34" charset="0"/>
             </a:endParaRPr>
           </a:p>
           <a:p>
@@ -35694,14 +35922,14 @@
             </a:pPr>
             <a:r>
               <a:rPr lang="el-GR" dirty="0">
-                <a:latin typeface="Times New Roman" pitchFamily="18" charset="0"/>
-                <a:cs typeface="Times New Roman" pitchFamily="18" charset="0"/>
+                <a:latin typeface="Calibri" panose="020F0502020204030204" pitchFamily="34" charset="0"/>
+                <a:cs typeface="Calibri" panose="020F0502020204030204" pitchFamily="34" charset="0"/>
               </a:rPr>
               <a:t>γ</a:t>
             </a:r>
             <a:r>
               <a:rPr lang="en-US" dirty="0">
-                <a:cs typeface="Times New Roman"/>
+                <a:cs typeface="Calibri" panose="020F0502020204030204" pitchFamily="34" charset="0"/>
               </a:rPr>
               <a:t>: “I carry an umbrella”</a:t>
             </a:r>
@@ -36905,14 +37133,14 @@
             </a:r>
             <a:r>
               <a:rPr lang="el-GR" dirty="0">
-                <a:latin typeface="Times New Roman"/>
-                <a:cs typeface="Times New Roman"/>
+                <a:latin typeface="Calibri" panose="020F0502020204030204" pitchFamily="34" charset="0"/>
+                <a:cs typeface="Calibri" panose="020F0502020204030204" pitchFamily="34" charset="0"/>
               </a:rPr>
               <a:t>β </a:t>
             </a:r>
             <a:r>
               <a:rPr lang="en-US" dirty="0">
-                <a:cs typeface="Times New Roman"/>
+                <a:cs typeface="Calibri" panose="020F0502020204030204" pitchFamily="34" charset="0"/>
               </a:rPr>
               <a:t>if and only if the sentence </a:t>
             </a:r>
@@ -36938,20 +37166,20 @@
             </a:r>
             <a:r>
               <a:rPr lang="el-GR" dirty="0">
-                <a:latin typeface="Times New Roman"/>
-                <a:cs typeface="Times New Roman"/>
+                <a:latin typeface="Calibri" panose="020F0502020204030204" pitchFamily="34" charset="0"/>
+                <a:cs typeface="Calibri" panose="020F0502020204030204" pitchFamily="34" charset="0"/>
               </a:rPr>
               <a:t>β </a:t>
             </a:r>
             <a:r>
               <a:rPr lang="en-US" dirty="0">
-                <a:cs typeface="Times New Roman"/>
+                <a:cs typeface="Calibri" panose="020F0502020204030204" pitchFamily="34" charset="0"/>
               </a:rPr>
               <a:t>is </a:t>
             </a:r>
             <a:r>
               <a:rPr lang="en-US" i="1" dirty="0" err="1">
-                <a:cs typeface="Times New Roman"/>
+                <a:cs typeface="Calibri" panose="020F0502020204030204" pitchFamily="34" charset="0"/>
               </a:rPr>
               <a:t>unsatisfiable</a:t>
             </a:r>
@@ -39542,7 +39770,7 @@
                 <a:solidFill>
                   <a:schemeClr val="tx1"/>
                 </a:solidFill>
-                <a:latin typeface="Arial" charset="0"/>
+                <a:latin typeface="Calibri" panose="020F0502020204030204" pitchFamily="34" charset="0"/>
               </a:endParaRPr>
             </a:p>
           </p:txBody>
@@ -44942,21 +45170,21 @@
               <a:p>
                 <a:r>
                   <a:rPr lang="en-US" sz="1600" dirty="0">
-                    <a:latin typeface="Times New Roman" panose="02020603050405020304" pitchFamily="18" charset="0"/>
-                    <a:cs typeface="Times New Roman" panose="02020603050405020304" pitchFamily="18" charset="0"/>
+                    <a:latin typeface="Calibri" panose="020F0502020204030204" pitchFamily="34" charset="0"/>
+                    <a:cs typeface="Calibri" panose="020F0502020204030204" pitchFamily="34" charset="0"/>
                   </a:rPr>
                   <a:t>Natural Language        word patterns representing </a:t>
                 </a:r>
                 <a:br>
                   <a:rPr lang="en-US" sz="1600" dirty="0">
-                    <a:latin typeface="Times New Roman" panose="02020603050405020304" pitchFamily="18" charset="0"/>
-                    <a:cs typeface="Times New Roman" panose="02020603050405020304" pitchFamily="18" charset="0"/>
+                    <a:latin typeface="Calibri" panose="020F0502020204030204" pitchFamily="34" charset="0"/>
+                    <a:cs typeface="Calibri" panose="020F0502020204030204" pitchFamily="34" charset="0"/>
                   </a:rPr>
                 </a:br>
                 <a:r>
                   <a:rPr lang="en-US" sz="1600" dirty="0">
-                    <a:latin typeface="Times New Roman" panose="02020603050405020304" pitchFamily="18" charset="0"/>
-                    <a:cs typeface="Times New Roman" panose="02020603050405020304" pitchFamily="18" charset="0"/>
+                    <a:latin typeface="Calibri" panose="020F0502020204030204" pitchFamily="34" charset="0"/>
+                    <a:cs typeface="Calibri" panose="020F0502020204030204" pitchFamily="34" charset="0"/>
                   </a:rPr>
                   <a:t>		      facts, objects, relations, …                 ???</a:t>
                 </a:r>
@@ -45178,7 +45406,7 @@
         </p:spPr>
         <p:txBody>
           <a:bodyPr>
-            <a:normAutofit fontScale="92500" lnSpcReduction="20000"/>
+            <a:normAutofit fontScale="85000" lnSpcReduction="20000"/>
           </a:bodyPr>
           <a:lstStyle/>
           <a:p>
@@ -45211,6 +45439,12 @@
             <a:r>
               <a:rPr lang="en-US" dirty="0"/>
               <a:t>Runs queries over the program (= the knowledge base)</a:t>
+            </a:r>
+          </a:p>
+          <a:p>
+            <a:r>
+              <a:rPr lang="en-US" dirty="0"/>
+              <a:t>Synonyms: Symbolic AI, Expert Systems</a:t>
             </a:r>
           </a:p>
           <a:p>

--- a/slides/07_knowledge-based.pptx
+++ b/slides/07_knowledge-based.pptx
@@ -18,13 +18,13 @@
     <p:sldId id="394" r:id="rId9"/>
     <p:sldId id="405" r:id="rId10"/>
     <p:sldId id="396" r:id="rId11"/>
-    <p:sldId id="406" r:id="rId12"/>
-    <p:sldId id="395" r:id="rId13"/>
-    <p:sldId id="384" r:id="rId14"/>
-    <p:sldId id="385" r:id="rId15"/>
-    <p:sldId id="386" r:id="rId16"/>
-    <p:sldId id="403" r:id="rId17"/>
-    <p:sldId id="392" r:id="rId18"/>
+    <p:sldId id="392" r:id="rId12"/>
+    <p:sldId id="406" r:id="rId13"/>
+    <p:sldId id="395" r:id="rId14"/>
+    <p:sldId id="384" r:id="rId15"/>
+    <p:sldId id="385" r:id="rId16"/>
+    <p:sldId id="386" r:id="rId17"/>
+    <p:sldId id="403" r:id="rId18"/>
     <p:sldId id="400" r:id="rId19"/>
     <p:sldId id="360" r:id="rId20"/>
     <p:sldId id="401" r:id="rId21"/>
@@ -159,10 +159,6 @@
         <p14:section name="Introduction" id="{F6C34C04-4B42-4188-AA53-14322E6C83C1}">
           <p14:sldIdLst>
             <p14:sldId id="372"/>
-          </p14:sldIdLst>
-        </p14:section>
-        <p14:section name="Knowledge-based Agents" id="{499C2742-DA4D-4EE0-BD87-B3B34F6A077E}">
-          <p14:sldIdLst>
             <p14:sldId id="387"/>
             <p14:sldId id="379"/>
             <p14:sldId id="259"/>
@@ -172,6 +168,7 @@
             <p14:sldId id="394"/>
             <p14:sldId id="405"/>
             <p14:sldId id="396"/>
+            <p14:sldId id="392"/>
           </p14:sldIdLst>
         </p14:section>
         <p14:section name="Large Language Models" id="{1664374C-FB97-4EAC-ACA0-010019395C59}">
@@ -182,11 +179,6 @@
             <p14:sldId id="385"/>
             <p14:sldId id="386"/>
             <p14:sldId id="403"/>
-          </p14:sldIdLst>
-        </p14:section>
-        <p14:section name="Wrap up" id="{7C1B02C3-FEC4-4A25-A922-46245CD0AA66}">
-          <p14:sldIdLst>
-            <p14:sldId id="392"/>
           </p14:sldIdLst>
         </p14:section>
         <p14:section name="Appendix: Logic" id="{EF800037-9E2E-4C8D-9AD5-DD5213A1D2F9}">
@@ -19751,7 +19743,7 @@
             <a:fld id="{441436E8-D6C9-439C-8057-F594059D4145}" type="datetimeFigureOut">
               <a:rPr lang="en-US" smtClean="0"/>
               <a:pPr/>
-              <a:t>4/10/2025</a:t>
+              <a:t>5/1/2025</a:t>
             </a:fld>
             <a:endParaRPr lang="en-US"/>
           </a:p>
@@ -22587,7 +22579,7 @@
             <a:fld id="{B6DFCE81-ED3B-4626-8C28-1345F07C10AE}" type="slidenum">
               <a:rPr lang="en-US" smtClean="0"/>
               <a:pPr/>
-              <a:t>12</a:t>
+              <a:t>13</a:t>
             </a:fld>
             <a:endParaRPr lang="en-US"/>
           </a:p>
@@ -22674,7 +22666,7 @@
             <a:fld id="{CFBD67E5-DBC4-4CEE-B749-873FCECA15D7}" type="slidenum">
               <a:rPr lang="en-US" smtClean="0"/>
               <a:pPr/>
-              <a:t>14</a:t>
+              <a:t>15</a:t>
             </a:fld>
             <a:endParaRPr lang="en-US"/>
           </a:p>
@@ -27491,6 +27483,414 @@
   <p:cSld>
     <p:spTree>
       <p:nvGrpSpPr>
+        <p:cNvPr id="1" name=""/>
+        <p:cNvGrpSpPr/>
+        <p:nvPr/>
+      </p:nvGrpSpPr>
+      <p:grpSpPr>
+        <a:xfrm>
+          <a:off x="0" y="0"/>
+          <a:ext cx="0" cy="0"/>
+          <a:chOff x="0" y="0"/>
+          <a:chExt cx="0" cy="0"/>
+        </a:xfrm>
+      </p:grpSpPr>
+      <p:sp>
+        <p:nvSpPr>
+          <p:cNvPr id="2" name="Title 1">
+            <a:extLst>
+              <a:ext uri="{FF2B5EF4-FFF2-40B4-BE49-F238E27FC236}">
+                <a16:creationId xmlns:a16="http://schemas.microsoft.com/office/drawing/2014/main" id="{2D2CF512-D5AE-9798-0F51-6F74D2F65C08}"/>
+              </a:ext>
+            </a:extLst>
+          </p:cNvPr>
+          <p:cNvSpPr>
+            <a:spLocks noGrp="1"/>
+          </p:cNvSpPr>
+          <p:nvPr>
+            <p:ph type="title"/>
+          </p:nvPr>
+        </p:nvSpPr>
+        <p:spPr>
+          <a:xfrm>
+            <a:off x="605986" y="280558"/>
+            <a:ext cx="4000647" cy="1708242"/>
+          </a:xfrm>
+        </p:spPr>
+        <p:txBody>
+          <a:bodyPr anchor="ctr">
+            <a:normAutofit/>
+          </a:bodyPr>
+          <a:lstStyle/>
+          <a:p>
+            <a:r>
+              <a:rPr lang="en-US" sz="3500"/>
+              <a:t>Conclusion</a:t>
+            </a:r>
+            <a:endParaRPr lang="en-US" sz="3500" dirty="0"/>
+          </a:p>
+        </p:txBody>
+      </p:sp>
+      <p:sp>
+        <p:nvSpPr>
+          <p:cNvPr id="3" name="Content Placeholder 2">
+            <a:extLst>
+              <a:ext uri="{FF2B5EF4-FFF2-40B4-BE49-F238E27FC236}">
+                <a16:creationId xmlns:a16="http://schemas.microsoft.com/office/drawing/2014/main" id="{7D36CAC1-53F7-DCF0-642D-B47B66609592}"/>
+              </a:ext>
+            </a:extLst>
+          </p:cNvPr>
+          <p:cNvSpPr>
+            <a:spLocks noGrp="1"/>
+          </p:cNvSpPr>
+          <p:nvPr>
+            <p:ph idx="1"/>
+          </p:nvPr>
+        </p:nvSpPr>
+        <p:spPr>
+          <a:xfrm>
+            <a:off x="571350" y="1752600"/>
+            <a:ext cx="4000647" cy="4487479"/>
+          </a:xfrm>
+        </p:spPr>
+        <p:txBody>
+          <a:bodyPr anchor="ctr">
+            <a:normAutofit lnSpcReduction="10000"/>
+          </a:bodyPr>
+          <a:lstStyle/>
+          <a:p>
+            <a:r>
+              <a:rPr lang="en-US" sz="1800" dirty="0"/>
+              <a:t>The </a:t>
+            </a:r>
+            <a:r>
+              <a:rPr lang="en-US" sz="1800" b="1" dirty="0"/>
+              <a:t>clear separation between knowledge and inference engine</a:t>
+            </a:r>
+            <a:r>
+              <a:rPr lang="en-US" sz="1800" dirty="0"/>
+              <a:t> is very useful.</a:t>
+            </a:r>
+          </a:p>
+          <a:p>
+            <a:r>
+              <a:rPr lang="en-US" sz="1800" b="1" dirty="0"/>
+              <a:t>Pure logic </a:t>
+            </a:r>
+            <a:r>
+              <a:rPr lang="en-US" sz="1800" dirty="0"/>
+              <a:t>is often not flexible enough. The fullest realization of knowledge-based agents using logic was in the field of expert systems or knowledge-based systems in the 1970s and 1980s.</a:t>
+            </a:r>
+          </a:p>
+          <a:p>
+            <a:r>
+              <a:rPr lang="en-US" sz="1800" b="1" dirty="0"/>
+              <a:t>Pretrained Large Language Models </a:t>
+            </a:r>
+            <a:r>
+              <a:rPr lang="en-US" sz="1800" dirty="0"/>
+              <a:t>are an interesting new application of knowledge-based agents based on natural language.</a:t>
+            </a:r>
+          </a:p>
+          <a:p>
+            <a:r>
+              <a:rPr lang="en-US" sz="1800" dirty="0"/>
+              <a:t>In one of the following chapters, we will talk about </a:t>
+            </a:r>
+            <a:r>
+              <a:rPr lang="en-US" sz="1800" b="1" dirty="0"/>
+              <a:t>probability theory,</a:t>
+            </a:r>
+            <a:r>
+              <a:rPr lang="en-US" sz="1800" dirty="0"/>
+              <a:t> the standard language to reason under uncertainty, and forms the basis of machine learning.</a:t>
+            </a:r>
+          </a:p>
+        </p:txBody>
+      </p:sp>
+      <p:pic>
+        <p:nvPicPr>
+          <p:cNvPr id="5" name="Picture 4" descr="Complex maths formulae on a blackboard">
+            <a:extLst>
+              <a:ext uri="{FF2B5EF4-FFF2-40B4-BE49-F238E27FC236}">
+                <a16:creationId xmlns:a16="http://schemas.microsoft.com/office/drawing/2014/main" id="{6B68BF71-85BE-4C36-7D62-640F5E53F5A3}"/>
+              </a:ext>
+            </a:extLst>
+          </p:cNvPr>
+          <p:cNvPicPr>
+            <a:picLocks noChangeAspect="1"/>
+          </p:cNvPicPr>
+          <p:nvPr/>
+        </p:nvPicPr>
+        <p:blipFill rotWithShape="1">
+          <a:blip r:embed="rId2"/>
+          <a:srcRect l="35702" r="21781" b="2"/>
+          <a:stretch/>
+        </p:blipFill>
+        <p:spPr>
+          <a:xfrm>
+            <a:off x="5143347" y="-10886"/>
+            <a:ext cx="4000653" cy="6868886"/>
+          </a:xfrm>
+          <a:prstGeom prst="rect">
+            <a:avLst/>
+          </a:prstGeom>
+          <a:effectLst>
+            <a:outerShdw blurRad="127000" dist="50800" dir="10800000" sx="99000" sy="99000" algn="r" rotWithShape="0">
+              <a:prstClr val="black">
+                <a:alpha val="40000"/>
+              </a:prstClr>
+            </a:outerShdw>
+          </a:effectLst>
+        </p:spPr>
+      </p:pic>
+    </p:spTree>
+    <p:extLst>
+      <p:ext uri="{BB962C8B-B14F-4D97-AF65-F5344CB8AC3E}">
+        <p14:creationId xmlns:p14="http://schemas.microsoft.com/office/powerpoint/2010/main" val="478086928"/>
+      </p:ext>
+    </p:extLst>
+  </p:cSld>
+  <p:clrMapOvr>
+    <a:masterClrMapping/>
+  </p:clrMapOvr>
+  <p:timing>
+    <p:tnLst>
+      <p:par>
+        <p:cTn id="1" dur="indefinite" restart="never" nodeType="tmRoot">
+          <p:childTnLst>
+            <p:seq concurrent="1" nextAc="seek">
+              <p:cTn id="2" dur="indefinite" nodeType="mainSeq">
+                <p:childTnLst>
+                  <p:par>
+                    <p:cTn id="3" fill="hold">
+                      <p:stCondLst>
+                        <p:cond delay="indefinite"/>
+                      </p:stCondLst>
+                      <p:childTnLst>
+                        <p:par>
+                          <p:cTn id="4" fill="hold">
+                            <p:stCondLst>
+                              <p:cond delay="0"/>
+                            </p:stCondLst>
+                            <p:childTnLst>
+                              <p:par>
+                                <p:cTn id="5" presetID="1" presetClass="entr" presetSubtype="0" fill="hold" grpId="0" nodeType="clickEffect">
+                                  <p:stCondLst>
+                                    <p:cond delay="0"/>
+                                  </p:stCondLst>
+                                  <p:childTnLst>
+                                    <p:set>
+                                      <p:cBhvr>
+                                        <p:cTn id="6" dur="1" fill="hold">
+                                          <p:stCondLst>
+                                            <p:cond delay="0"/>
+                                          </p:stCondLst>
+                                        </p:cTn>
+                                        <p:tgtEl>
+                                          <p:spTgt spid="3">
+                                            <p:txEl>
+                                              <p:pRg st="0" end="0"/>
+                                            </p:txEl>
+                                          </p:spTgt>
+                                        </p:tgtEl>
+                                        <p:attrNameLst>
+                                          <p:attrName>style.visibility</p:attrName>
+                                        </p:attrNameLst>
+                                      </p:cBhvr>
+                                      <p:to>
+                                        <p:strVal val="visible"/>
+                                      </p:to>
+                                    </p:set>
+                                  </p:childTnLst>
+                                </p:cTn>
+                              </p:par>
+                            </p:childTnLst>
+                          </p:cTn>
+                        </p:par>
+                      </p:childTnLst>
+                    </p:cTn>
+                  </p:par>
+                  <p:par>
+                    <p:cTn id="7" fill="hold">
+                      <p:stCondLst>
+                        <p:cond delay="indefinite"/>
+                      </p:stCondLst>
+                      <p:childTnLst>
+                        <p:par>
+                          <p:cTn id="8" fill="hold">
+                            <p:stCondLst>
+                              <p:cond delay="0"/>
+                            </p:stCondLst>
+                            <p:childTnLst>
+                              <p:par>
+                                <p:cTn id="9" presetID="1" presetClass="entr" presetSubtype="0" fill="hold" grpId="0" nodeType="clickEffect">
+                                  <p:stCondLst>
+                                    <p:cond delay="0"/>
+                                  </p:stCondLst>
+                                  <p:childTnLst>
+                                    <p:set>
+                                      <p:cBhvr>
+                                        <p:cTn id="10" dur="1" fill="hold">
+                                          <p:stCondLst>
+                                            <p:cond delay="0"/>
+                                          </p:stCondLst>
+                                        </p:cTn>
+                                        <p:tgtEl>
+                                          <p:spTgt spid="3">
+                                            <p:txEl>
+                                              <p:pRg st="1" end="1"/>
+                                            </p:txEl>
+                                          </p:spTgt>
+                                        </p:tgtEl>
+                                        <p:attrNameLst>
+                                          <p:attrName>style.visibility</p:attrName>
+                                        </p:attrNameLst>
+                                      </p:cBhvr>
+                                      <p:to>
+                                        <p:strVal val="visible"/>
+                                      </p:to>
+                                    </p:set>
+                                  </p:childTnLst>
+                                </p:cTn>
+                              </p:par>
+                            </p:childTnLst>
+                          </p:cTn>
+                        </p:par>
+                      </p:childTnLst>
+                    </p:cTn>
+                  </p:par>
+                  <p:par>
+                    <p:cTn id="11" fill="hold">
+                      <p:stCondLst>
+                        <p:cond delay="indefinite"/>
+                      </p:stCondLst>
+                      <p:childTnLst>
+                        <p:par>
+                          <p:cTn id="12" fill="hold">
+                            <p:stCondLst>
+                              <p:cond delay="0"/>
+                            </p:stCondLst>
+                            <p:childTnLst>
+                              <p:par>
+                                <p:cTn id="13" presetID="1" presetClass="entr" presetSubtype="0" fill="hold" grpId="0" nodeType="clickEffect">
+                                  <p:stCondLst>
+                                    <p:cond delay="0"/>
+                                  </p:stCondLst>
+                                  <p:childTnLst>
+                                    <p:set>
+                                      <p:cBhvr>
+                                        <p:cTn id="14" dur="1" fill="hold">
+                                          <p:stCondLst>
+                                            <p:cond delay="0"/>
+                                          </p:stCondLst>
+                                        </p:cTn>
+                                        <p:tgtEl>
+                                          <p:spTgt spid="3">
+                                            <p:txEl>
+                                              <p:pRg st="2" end="2"/>
+                                            </p:txEl>
+                                          </p:spTgt>
+                                        </p:tgtEl>
+                                        <p:attrNameLst>
+                                          <p:attrName>style.visibility</p:attrName>
+                                        </p:attrNameLst>
+                                      </p:cBhvr>
+                                      <p:to>
+                                        <p:strVal val="visible"/>
+                                      </p:to>
+                                    </p:set>
+                                  </p:childTnLst>
+                                </p:cTn>
+                              </p:par>
+                            </p:childTnLst>
+                          </p:cTn>
+                        </p:par>
+                      </p:childTnLst>
+                    </p:cTn>
+                  </p:par>
+                  <p:par>
+                    <p:cTn id="15" fill="hold">
+                      <p:stCondLst>
+                        <p:cond delay="indefinite"/>
+                      </p:stCondLst>
+                      <p:childTnLst>
+                        <p:par>
+                          <p:cTn id="16" fill="hold">
+                            <p:stCondLst>
+                              <p:cond delay="0"/>
+                            </p:stCondLst>
+                            <p:childTnLst>
+                              <p:par>
+                                <p:cTn id="17" presetID="1" presetClass="entr" presetSubtype="0" fill="hold" grpId="0" nodeType="clickEffect">
+                                  <p:stCondLst>
+                                    <p:cond delay="0"/>
+                                  </p:stCondLst>
+                                  <p:childTnLst>
+                                    <p:set>
+                                      <p:cBhvr>
+                                        <p:cTn id="18" dur="1" fill="hold">
+                                          <p:stCondLst>
+                                            <p:cond delay="0"/>
+                                          </p:stCondLst>
+                                        </p:cTn>
+                                        <p:tgtEl>
+                                          <p:spTgt spid="3">
+                                            <p:txEl>
+                                              <p:pRg st="3" end="3"/>
+                                            </p:txEl>
+                                          </p:spTgt>
+                                        </p:tgtEl>
+                                        <p:attrNameLst>
+                                          <p:attrName>style.visibility</p:attrName>
+                                        </p:attrNameLst>
+                                      </p:cBhvr>
+                                      <p:to>
+                                        <p:strVal val="visible"/>
+                                      </p:to>
+                                    </p:set>
+                                  </p:childTnLst>
+                                </p:cTn>
+                              </p:par>
+                            </p:childTnLst>
+                          </p:cTn>
+                        </p:par>
+                      </p:childTnLst>
+                    </p:cTn>
+                  </p:par>
+                </p:childTnLst>
+              </p:cTn>
+              <p:prevCondLst>
+                <p:cond evt="onPrev" delay="0">
+                  <p:tgtEl>
+                    <p:sldTgt/>
+                  </p:tgtEl>
+                </p:cond>
+              </p:prevCondLst>
+              <p:nextCondLst>
+                <p:cond evt="onNext" delay="0">
+                  <p:tgtEl>
+                    <p:sldTgt/>
+                  </p:tgtEl>
+                </p:cond>
+              </p:nextCondLst>
+            </p:seq>
+          </p:childTnLst>
+        </p:cTn>
+      </p:par>
+    </p:tnLst>
+    <p:bldLst>
+      <p:bldP spid="3" grpId="0" build="p"/>
+    </p:bldLst>
+  </p:timing>
+</p:sld>
+</file>
+
+<file path=ppt/slides/slide12.xml><?xml version="1.0" encoding="utf-8"?>
+<p:sld xmlns:a="http://schemas.openxmlformats.org/drawingml/2006/main" xmlns:r="http://schemas.openxmlformats.org/officeDocument/2006/relationships" xmlns:p="http://schemas.openxmlformats.org/presentationml/2006/main">
+  <p:cSld>
+    <p:spTree>
+      <p:nvGrpSpPr>
         <p:cNvPr id="1" name="">
           <a:extLst>
             <a:ext uri="{FF2B5EF4-FFF2-40B4-BE49-F238E27FC236}">
@@ -27584,7 +27984,7 @@
 </p:sld>
 </file>
 
-<file path=ppt/slides/slide12.xml><?xml version="1.0" encoding="utf-8"?>
+<file path=ppt/slides/slide13.xml><?xml version="1.0" encoding="utf-8"?>
 <p:sld xmlns:a="http://schemas.openxmlformats.org/drawingml/2006/main" xmlns:r="http://schemas.openxmlformats.org/officeDocument/2006/relationships" xmlns:p="http://schemas.openxmlformats.org/presentationml/2006/main">
   <p:cSld>
     <p:spTree>
@@ -27891,7 +28291,7 @@
 </p:sld>
 </file>
 
-<file path=ppt/slides/slide13.xml><?xml version="1.0" encoding="utf-8"?>
+<file path=ppt/slides/slide14.xml><?xml version="1.0" encoding="utf-8"?>
 <p:sld xmlns:a="http://schemas.openxmlformats.org/drawingml/2006/main" xmlns:r="http://schemas.openxmlformats.org/officeDocument/2006/relationships" xmlns:p="http://schemas.openxmlformats.org/presentationml/2006/main">
   <p:cSld>
     <p:spTree>
@@ -28692,7 +29092,7 @@
 </p:sld>
 </file>
 
-<file path=ppt/slides/slide14.xml><?xml version="1.0" encoding="utf-8"?>
+<file path=ppt/slides/slide15.xml><?xml version="1.0" encoding="utf-8"?>
 <p:sld xmlns:a="http://schemas.openxmlformats.org/drawingml/2006/main" xmlns:r="http://schemas.openxmlformats.org/officeDocument/2006/relationships" xmlns:p="http://schemas.openxmlformats.org/presentationml/2006/main">
   <p:cSld>
     <p:spTree>
@@ -29254,7 +29654,7 @@
 </p:sld>
 </file>
 
-<file path=ppt/slides/slide15.xml><?xml version="1.0" encoding="utf-8"?>
+<file path=ppt/slides/slide16.xml><?xml version="1.0" encoding="utf-8"?>
 <p:sld xmlns:a="http://schemas.openxmlformats.org/drawingml/2006/main" xmlns:r="http://schemas.openxmlformats.org/officeDocument/2006/relationships" xmlns:p="http://schemas.openxmlformats.org/presentationml/2006/main">
   <p:cSld>
     <p:spTree>
@@ -29711,7 +30111,7 @@
 </p:sld>
 </file>
 
-<file path=ppt/slides/slide16.xml><?xml version="1.0" encoding="utf-8"?>
+<file path=ppt/slides/slide17.xml><?xml version="1.0" encoding="utf-8"?>
 <p:sld xmlns:a="http://schemas.openxmlformats.org/drawingml/2006/main" xmlns:r="http://schemas.openxmlformats.org/officeDocument/2006/relationships" xmlns:p="http://schemas.openxmlformats.org/presentationml/2006/main">
   <p:cSld>
     <p:bg>
@@ -30116,414 +30516,6 @@
   <p:clrMapOvr>
     <a:masterClrMapping/>
   </p:clrMapOvr>
-</p:sld>
-</file>
-
-<file path=ppt/slides/slide17.xml><?xml version="1.0" encoding="utf-8"?>
-<p:sld xmlns:a="http://schemas.openxmlformats.org/drawingml/2006/main" xmlns:r="http://schemas.openxmlformats.org/officeDocument/2006/relationships" xmlns:p="http://schemas.openxmlformats.org/presentationml/2006/main">
-  <p:cSld>
-    <p:spTree>
-      <p:nvGrpSpPr>
-        <p:cNvPr id="1" name=""/>
-        <p:cNvGrpSpPr/>
-        <p:nvPr/>
-      </p:nvGrpSpPr>
-      <p:grpSpPr>
-        <a:xfrm>
-          <a:off x="0" y="0"/>
-          <a:ext cx="0" cy="0"/>
-          <a:chOff x="0" y="0"/>
-          <a:chExt cx="0" cy="0"/>
-        </a:xfrm>
-      </p:grpSpPr>
-      <p:sp>
-        <p:nvSpPr>
-          <p:cNvPr id="2" name="Title 1">
-            <a:extLst>
-              <a:ext uri="{FF2B5EF4-FFF2-40B4-BE49-F238E27FC236}">
-                <a16:creationId xmlns:a16="http://schemas.microsoft.com/office/drawing/2014/main" id="{2D2CF512-D5AE-9798-0F51-6F74D2F65C08}"/>
-              </a:ext>
-            </a:extLst>
-          </p:cNvPr>
-          <p:cNvSpPr>
-            <a:spLocks noGrp="1"/>
-          </p:cNvSpPr>
-          <p:nvPr>
-            <p:ph type="title"/>
-          </p:nvPr>
-        </p:nvSpPr>
-        <p:spPr>
-          <a:xfrm>
-            <a:off x="605986" y="280558"/>
-            <a:ext cx="4000647" cy="1708242"/>
-          </a:xfrm>
-        </p:spPr>
-        <p:txBody>
-          <a:bodyPr anchor="ctr">
-            <a:normAutofit/>
-          </a:bodyPr>
-          <a:lstStyle/>
-          <a:p>
-            <a:r>
-              <a:rPr lang="en-US" sz="3500"/>
-              <a:t>Conclusion</a:t>
-            </a:r>
-            <a:endParaRPr lang="en-US" sz="3500" dirty="0"/>
-          </a:p>
-        </p:txBody>
-      </p:sp>
-      <p:sp>
-        <p:nvSpPr>
-          <p:cNvPr id="3" name="Content Placeholder 2">
-            <a:extLst>
-              <a:ext uri="{FF2B5EF4-FFF2-40B4-BE49-F238E27FC236}">
-                <a16:creationId xmlns:a16="http://schemas.microsoft.com/office/drawing/2014/main" id="{7D36CAC1-53F7-DCF0-642D-B47B66609592}"/>
-              </a:ext>
-            </a:extLst>
-          </p:cNvPr>
-          <p:cNvSpPr>
-            <a:spLocks noGrp="1"/>
-          </p:cNvSpPr>
-          <p:nvPr>
-            <p:ph idx="1"/>
-          </p:nvPr>
-        </p:nvSpPr>
-        <p:spPr>
-          <a:xfrm>
-            <a:off x="571350" y="1752600"/>
-            <a:ext cx="4000647" cy="4487479"/>
-          </a:xfrm>
-        </p:spPr>
-        <p:txBody>
-          <a:bodyPr anchor="ctr">
-            <a:normAutofit/>
-          </a:bodyPr>
-          <a:lstStyle/>
-          <a:p>
-            <a:r>
-              <a:rPr lang="en-US" sz="1800" dirty="0"/>
-              <a:t>The </a:t>
-            </a:r>
-            <a:r>
-              <a:rPr lang="en-US" sz="1800" b="1" dirty="0"/>
-              <a:t>clear separation between knowledge and inference engine</a:t>
-            </a:r>
-            <a:r>
-              <a:rPr lang="en-US" sz="1800" dirty="0"/>
-              <a:t> is very useful.</a:t>
-            </a:r>
-          </a:p>
-          <a:p>
-            <a:r>
-              <a:rPr lang="en-US" sz="1800" b="1" dirty="0"/>
-              <a:t>Pure logic </a:t>
-            </a:r>
-            <a:r>
-              <a:rPr lang="en-US" sz="1800" dirty="0"/>
-              <a:t>is often not flexible enough. The fullest realization of knowledge-based agents using logic was in the field of expert systems or knowledge-based systems in the 1970s and 1980s.</a:t>
-            </a:r>
-          </a:p>
-          <a:p>
-            <a:r>
-              <a:rPr lang="en-US" sz="1800" b="1" dirty="0"/>
-              <a:t>Pretrained Large Language Models </a:t>
-            </a:r>
-            <a:r>
-              <a:rPr lang="en-US" sz="1800" dirty="0"/>
-              <a:t>are an interesting new application of knowledge-based agents based on natural language.</a:t>
-            </a:r>
-          </a:p>
-          <a:p>
-            <a:r>
-              <a:rPr lang="en-US" sz="1800" dirty="0"/>
-              <a:t>Next, we will talk about </a:t>
-            </a:r>
-            <a:r>
-              <a:rPr lang="en-US" sz="1800" b="1" dirty="0"/>
-              <a:t>probability theory</a:t>
-            </a:r>
-            <a:r>
-              <a:rPr lang="en-US" sz="1800" dirty="0"/>
-              <a:t> which is the standard language to reason under uncertainty and forms the basis of machine learning.</a:t>
-            </a:r>
-          </a:p>
-        </p:txBody>
-      </p:sp>
-      <p:pic>
-        <p:nvPicPr>
-          <p:cNvPr id="5" name="Picture 4" descr="Complex maths formulae on a blackboard">
-            <a:extLst>
-              <a:ext uri="{FF2B5EF4-FFF2-40B4-BE49-F238E27FC236}">
-                <a16:creationId xmlns:a16="http://schemas.microsoft.com/office/drawing/2014/main" id="{6B68BF71-85BE-4C36-7D62-640F5E53F5A3}"/>
-              </a:ext>
-            </a:extLst>
-          </p:cNvPr>
-          <p:cNvPicPr>
-            <a:picLocks noChangeAspect="1"/>
-          </p:cNvPicPr>
-          <p:nvPr/>
-        </p:nvPicPr>
-        <p:blipFill rotWithShape="1">
-          <a:blip r:embed="rId2"/>
-          <a:srcRect l="35702" r="21781" b="2"/>
-          <a:stretch/>
-        </p:blipFill>
-        <p:spPr>
-          <a:xfrm>
-            <a:off x="5143347" y="-10886"/>
-            <a:ext cx="4000653" cy="6868886"/>
-          </a:xfrm>
-          <a:prstGeom prst="rect">
-            <a:avLst/>
-          </a:prstGeom>
-          <a:effectLst>
-            <a:outerShdw blurRad="127000" dist="50800" dir="10800000" sx="99000" sy="99000" algn="r" rotWithShape="0">
-              <a:prstClr val="black">
-                <a:alpha val="40000"/>
-              </a:prstClr>
-            </a:outerShdw>
-          </a:effectLst>
-        </p:spPr>
-      </p:pic>
-    </p:spTree>
-    <p:extLst>
-      <p:ext uri="{BB962C8B-B14F-4D97-AF65-F5344CB8AC3E}">
-        <p14:creationId xmlns:p14="http://schemas.microsoft.com/office/powerpoint/2010/main" val="478086928"/>
-      </p:ext>
-    </p:extLst>
-  </p:cSld>
-  <p:clrMapOvr>
-    <a:masterClrMapping/>
-  </p:clrMapOvr>
-  <p:timing>
-    <p:tnLst>
-      <p:par>
-        <p:cTn id="1" dur="indefinite" restart="never" nodeType="tmRoot">
-          <p:childTnLst>
-            <p:seq concurrent="1" nextAc="seek">
-              <p:cTn id="2" dur="indefinite" nodeType="mainSeq">
-                <p:childTnLst>
-                  <p:par>
-                    <p:cTn id="3" fill="hold">
-                      <p:stCondLst>
-                        <p:cond delay="indefinite"/>
-                      </p:stCondLst>
-                      <p:childTnLst>
-                        <p:par>
-                          <p:cTn id="4" fill="hold">
-                            <p:stCondLst>
-                              <p:cond delay="0"/>
-                            </p:stCondLst>
-                            <p:childTnLst>
-                              <p:par>
-                                <p:cTn id="5" presetID="1" presetClass="entr" presetSubtype="0" fill="hold" grpId="0" nodeType="clickEffect">
-                                  <p:stCondLst>
-                                    <p:cond delay="0"/>
-                                  </p:stCondLst>
-                                  <p:childTnLst>
-                                    <p:set>
-                                      <p:cBhvr>
-                                        <p:cTn id="6" dur="1" fill="hold">
-                                          <p:stCondLst>
-                                            <p:cond delay="0"/>
-                                          </p:stCondLst>
-                                        </p:cTn>
-                                        <p:tgtEl>
-                                          <p:spTgt spid="3">
-                                            <p:txEl>
-                                              <p:pRg st="0" end="0"/>
-                                            </p:txEl>
-                                          </p:spTgt>
-                                        </p:tgtEl>
-                                        <p:attrNameLst>
-                                          <p:attrName>style.visibility</p:attrName>
-                                        </p:attrNameLst>
-                                      </p:cBhvr>
-                                      <p:to>
-                                        <p:strVal val="visible"/>
-                                      </p:to>
-                                    </p:set>
-                                  </p:childTnLst>
-                                </p:cTn>
-                              </p:par>
-                            </p:childTnLst>
-                          </p:cTn>
-                        </p:par>
-                      </p:childTnLst>
-                    </p:cTn>
-                  </p:par>
-                  <p:par>
-                    <p:cTn id="7" fill="hold">
-                      <p:stCondLst>
-                        <p:cond delay="indefinite"/>
-                      </p:stCondLst>
-                      <p:childTnLst>
-                        <p:par>
-                          <p:cTn id="8" fill="hold">
-                            <p:stCondLst>
-                              <p:cond delay="0"/>
-                            </p:stCondLst>
-                            <p:childTnLst>
-                              <p:par>
-                                <p:cTn id="9" presetID="1" presetClass="entr" presetSubtype="0" fill="hold" grpId="0" nodeType="clickEffect">
-                                  <p:stCondLst>
-                                    <p:cond delay="0"/>
-                                  </p:stCondLst>
-                                  <p:childTnLst>
-                                    <p:set>
-                                      <p:cBhvr>
-                                        <p:cTn id="10" dur="1" fill="hold">
-                                          <p:stCondLst>
-                                            <p:cond delay="0"/>
-                                          </p:stCondLst>
-                                        </p:cTn>
-                                        <p:tgtEl>
-                                          <p:spTgt spid="3">
-                                            <p:txEl>
-                                              <p:pRg st="1" end="1"/>
-                                            </p:txEl>
-                                          </p:spTgt>
-                                        </p:tgtEl>
-                                        <p:attrNameLst>
-                                          <p:attrName>style.visibility</p:attrName>
-                                        </p:attrNameLst>
-                                      </p:cBhvr>
-                                      <p:to>
-                                        <p:strVal val="visible"/>
-                                      </p:to>
-                                    </p:set>
-                                  </p:childTnLst>
-                                </p:cTn>
-                              </p:par>
-                            </p:childTnLst>
-                          </p:cTn>
-                        </p:par>
-                      </p:childTnLst>
-                    </p:cTn>
-                  </p:par>
-                  <p:par>
-                    <p:cTn id="11" fill="hold">
-                      <p:stCondLst>
-                        <p:cond delay="indefinite"/>
-                      </p:stCondLst>
-                      <p:childTnLst>
-                        <p:par>
-                          <p:cTn id="12" fill="hold">
-                            <p:stCondLst>
-                              <p:cond delay="0"/>
-                            </p:stCondLst>
-                            <p:childTnLst>
-                              <p:par>
-                                <p:cTn id="13" presetID="1" presetClass="entr" presetSubtype="0" fill="hold" grpId="0" nodeType="clickEffect">
-                                  <p:stCondLst>
-                                    <p:cond delay="0"/>
-                                  </p:stCondLst>
-                                  <p:childTnLst>
-                                    <p:set>
-                                      <p:cBhvr>
-                                        <p:cTn id="14" dur="1" fill="hold">
-                                          <p:stCondLst>
-                                            <p:cond delay="0"/>
-                                          </p:stCondLst>
-                                        </p:cTn>
-                                        <p:tgtEl>
-                                          <p:spTgt spid="3">
-                                            <p:txEl>
-                                              <p:pRg st="2" end="2"/>
-                                            </p:txEl>
-                                          </p:spTgt>
-                                        </p:tgtEl>
-                                        <p:attrNameLst>
-                                          <p:attrName>style.visibility</p:attrName>
-                                        </p:attrNameLst>
-                                      </p:cBhvr>
-                                      <p:to>
-                                        <p:strVal val="visible"/>
-                                      </p:to>
-                                    </p:set>
-                                  </p:childTnLst>
-                                </p:cTn>
-                              </p:par>
-                            </p:childTnLst>
-                          </p:cTn>
-                        </p:par>
-                      </p:childTnLst>
-                    </p:cTn>
-                  </p:par>
-                  <p:par>
-                    <p:cTn id="15" fill="hold">
-                      <p:stCondLst>
-                        <p:cond delay="indefinite"/>
-                      </p:stCondLst>
-                      <p:childTnLst>
-                        <p:par>
-                          <p:cTn id="16" fill="hold">
-                            <p:stCondLst>
-                              <p:cond delay="0"/>
-                            </p:stCondLst>
-                            <p:childTnLst>
-                              <p:par>
-                                <p:cTn id="17" presetID="1" presetClass="entr" presetSubtype="0" fill="hold" grpId="0" nodeType="clickEffect">
-                                  <p:stCondLst>
-                                    <p:cond delay="0"/>
-                                  </p:stCondLst>
-                                  <p:childTnLst>
-                                    <p:set>
-                                      <p:cBhvr>
-                                        <p:cTn id="18" dur="1" fill="hold">
-                                          <p:stCondLst>
-                                            <p:cond delay="0"/>
-                                          </p:stCondLst>
-                                        </p:cTn>
-                                        <p:tgtEl>
-                                          <p:spTgt spid="3">
-                                            <p:txEl>
-                                              <p:pRg st="3" end="3"/>
-                                            </p:txEl>
-                                          </p:spTgt>
-                                        </p:tgtEl>
-                                        <p:attrNameLst>
-                                          <p:attrName>style.visibility</p:attrName>
-                                        </p:attrNameLst>
-                                      </p:cBhvr>
-                                      <p:to>
-                                        <p:strVal val="visible"/>
-                                      </p:to>
-                                    </p:set>
-                                  </p:childTnLst>
-                                </p:cTn>
-                              </p:par>
-                            </p:childTnLst>
-                          </p:cTn>
-                        </p:par>
-                      </p:childTnLst>
-                    </p:cTn>
-                  </p:par>
-                </p:childTnLst>
-              </p:cTn>
-              <p:prevCondLst>
-                <p:cond evt="onPrev" delay="0">
-                  <p:tgtEl>
-                    <p:sldTgt/>
-                  </p:tgtEl>
-                </p:cond>
-              </p:prevCondLst>
-              <p:nextCondLst>
-                <p:cond evt="onNext" delay="0">
-                  <p:tgtEl>
-                    <p:sldTgt/>
-                  </p:tgtEl>
-                </p:cond>
-              </p:nextCondLst>
-            </p:seq>
-          </p:childTnLst>
-        </p:cTn>
-      </p:par>
-    </p:tnLst>
-    <p:bldLst>
-      <p:bldP spid="3" grpId="0" build="p"/>
-    </p:bldLst>
-  </p:timing>
 </p:sld>
 </file>
 
@@ -32667,8 +32659,8 @@
           </a:p>
         </p:txBody>
       </p:sp>
-      <mc:AlternateContent xmlns:mc="http://schemas.openxmlformats.org/markup-compatibility/2006">
-        <mc:Choice xmlns:a14="http://schemas.microsoft.com/office/drawing/2010/main" Requires="a14">
+      <mc:AlternateContent xmlns:mc="http://schemas.openxmlformats.org/markup-compatibility/2006" xmlns:a14="http://schemas.microsoft.com/office/drawing/2010/main">
+        <mc:Choice Requires="a14">
           <p:sp>
             <p:nvSpPr>
               <p:cNvPr id="18435" name="Rectangle 3"/>
@@ -32930,7 +32922,7 @@
             </p:txBody>
           </p:sp>
         </mc:Choice>
-        <mc:Fallback>
+        <mc:Fallback xmlns="">
           <p:sp>
             <p:nvSpPr>
               <p:cNvPr id="18435" name="Rectangle 3"/>
